--- a/source/MySEProject/Documentation/ML2324-8 Implement Anomaly Detection Sample.pptx
+++ b/source/MySEProject/Documentation/ML2324-8 Implement Anomaly Detection Sample.pptx
@@ -875,6 +875,927 @@
 </dgm:colorsDef>
 </file>
 
+<file path=ppt/diagrams/colors2.xml><?xml version="1.0" encoding="utf-8"?>
+<dgm:colorsDef xmlns:dgm="http://schemas.openxmlformats.org/drawingml/2006/diagram" xmlns:a="http://schemas.openxmlformats.org/drawingml/2006/main" uniqueId="urn:microsoft.com/office/officeart/2018/5/colors/Iconchunking_neutralbg_colorful1">
+  <dgm:title val=""/>
+  <dgm:desc val=""/>
+  <dgm:catLst>
+    <dgm:cat type="colorful" pri="10100"/>
+  </dgm:catLst>
+  <dgm:styleLbl name="node0">
+    <dgm:fillClrLst meth="repeat">
+      <a:schemeClr val="accent1"/>
+    </dgm:fillClrLst>
+    <dgm:linClrLst meth="repeat">
+      <a:schemeClr val="lt1"/>
+    </dgm:linClrLst>
+    <dgm:effectClrLst/>
+    <dgm:txLinClrLst/>
+    <dgm:txFillClrLst/>
+    <dgm:txEffectClrLst/>
+  </dgm:styleLbl>
+  <dgm:styleLbl name="node1">
+    <dgm:fillClrLst meth="repeat">
+      <a:schemeClr val="accent2"/>
+      <a:schemeClr val="accent3"/>
+      <a:schemeClr val="accent4"/>
+      <a:schemeClr val="accent5"/>
+      <a:schemeClr val="accent6"/>
+    </dgm:fillClrLst>
+    <dgm:linClrLst meth="repeat">
+      <a:schemeClr val="lt1">
+        <a:alpha val="0"/>
+      </a:schemeClr>
+    </dgm:linClrLst>
+    <dgm:effectClrLst/>
+    <dgm:txLinClrLst/>
+    <dgm:txFillClrLst/>
+    <dgm:txEffectClrLst/>
+  </dgm:styleLbl>
+  <dgm:styleLbl name="alignNode1">
+    <dgm:fillClrLst meth="repeat">
+      <a:schemeClr val="accent2"/>
+      <a:schemeClr val="accent3"/>
+      <a:schemeClr val="accent4"/>
+      <a:schemeClr val="accent5"/>
+      <a:schemeClr val="accent6"/>
+    </dgm:fillClrLst>
+    <dgm:linClrLst meth="repeat">
+      <a:schemeClr val="accent2"/>
+      <a:schemeClr val="accent3"/>
+      <a:schemeClr val="accent4"/>
+      <a:schemeClr val="accent5"/>
+      <a:schemeClr val="accent6"/>
+    </dgm:linClrLst>
+    <dgm:effectClrLst/>
+    <dgm:txLinClrLst/>
+    <dgm:txFillClrLst/>
+    <dgm:txEffectClrLst/>
+  </dgm:styleLbl>
+  <dgm:styleLbl name="lnNode1">
+    <dgm:fillClrLst meth="repeat">
+      <a:schemeClr val="accent2"/>
+      <a:schemeClr val="accent3"/>
+      <a:schemeClr val="accent4"/>
+      <a:schemeClr val="accent5"/>
+      <a:schemeClr val="accent6"/>
+    </dgm:fillClrLst>
+    <dgm:linClrLst meth="repeat">
+      <a:schemeClr val="lt1"/>
+    </dgm:linClrLst>
+    <dgm:effectClrLst/>
+    <dgm:txLinClrLst/>
+    <dgm:txFillClrLst/>
+    <dgm:txEffectClrLst/>
+  </dgm:styleLbl>
+  <dgm:styleLbl name="vennNode1">
+    <dgm:fillClrLst meth="repeat">
+      <a:schemeClr val="accent2">
+        <a:alpha val="50000"/>
+      </a:schemeClr>
+      <a:schemeClr val="accent3">
+        <a:alpha val="50000"/>
+      </a:schemeClr>
+      <a:schemeClr val="accent4">
+        <a:alpha val="50000"/>
+      </a:schemeClr>
+      <a:schemeClr val="accent5">
+        <a:alpha val="50000"/>
+      </a:schemeClr>
+      <a:schemeClr val="accent6">
+        <a:alpha val="50000"/>
+      </a:schemeClr>
+    </dgm:fillClrLst>
+    <dgm:linClrLst meth="repeat">
+      <a:schemeClr val="lt1"/>
+    </dgm:linClrLst>
+    <dgm:effectClrLst/>
+    <dgm:txLinClrLst/>
+    <dgm:txFillClrLst/>
+    <dgm:txEffectClrLst/>
+  </dgm:styleLbl>
+  <dgm:styleLbl name="node2">
+    <dgm:fillClrLst>
+      <a:schemeClr val="accent2"/>
+    </dgm:fillClrLst>
+    <dgm:linClrLst meth="repeat">
+      <a:schemeClr val="lt1"/>
+    </dgm:linClrLst>
+    <dgm:effectClrLst/>
+    <dgm:txLinClrLst/>
+    <dgm:txFillClrLst/>
+    <dgm:txEffectClrLst/>
+  </dgm:styleLbl>
+  <dgm:styleLbl name="node3">
+    <dgm:fillClrLst>
+      <a:schemeClr val="accent3"/>
+    </dgm:fillClrLst>
+    <dgm:linClrLst meth="repeat">
+      <a:schemeClr val="lt1"/>
+    </dgm:linClrLst>
+    <dgm:effectClrLst/>
+    <dgm:txLinClrLst/>
+    <dgm:txFillClrLst/>
+    <dgm:txEffectClrLst/>
+  </dgm:styleLbl>
+  <dgm:styleLbl name="node4">
+    <dgm:fillClrLst>
+      <a:schemeClr val="accent4"/>
+    </dgm:fillClrLst>
+    <dgm:linClrLst meth="repeat">
+      <a:schemeClr val="lt1"/>
+    </dgm:linClrLst>
+    <dgm:effectClrLst/>
+    <dgm:txLinClrLst/>
+    <dgm:txFillClrLst/>
+    <dgm:txEffectClrLst/>
+  </dgm:styleLbl>
+  <dgm:styleLbl name="fgImgPlace1">
+    <dgm:fillClrLst meth="repeat">
+      <a:schemeClr val="accent2">
+        <a:tint val="50000"/>
+      </a:schemeClr>
+      <a:schemeClr val="accent3">
+        <a:tint val="50000"/>
+      </a:schemeClr>
+      <a:schemeClr val="accent4">
+        <a:tint val="50000"/>
+      </a:schemeClr>
+      <a:schemeClr val="accent5">
+        <a:tint val="50000"/>
+      </a:schemeClr>
+      <a:schemeClr val="accent6">
+        <a:tint val="50000"/>
+      </a:schemeClr>
+    </dgm:fillClrLst>
+    <dgm:linClrLst meth="repeat">
+      <a:schemeClr val="lt1"/>
+    </dgm:linClrLst>
+    <dgm:effectClrLst/>
+    <dgm:txLinClrLst/>
+    <dgm:txFillClrLst meth="repeat">
+      <a:schemeClr val="lt1"/>
+    </dgm:txFillClrLst>
+    <dgm:txEffectClrLst/>
+  </dgm:styleLbl>
+  <dgm:styleLbl name="alignImgPlace1">
+    <dgm:fillClrLst>
+      <a:schemeClr val="accent1">
+        <a:tint val="50000"/>
+      </a:schemeClr>
+      <a:schemeClr val="accent2">
+        <a:tint val="20000"/>
+      </a:schemeClr>
+    </dgm:fillClrLst>
+    <dgm:linClrLst meth="repeat">
+      <a:schemeClr val="lt1"/>
+    </dgm:linClrLst>
+    <dgm:effectClrLst/>
+    <dgm:txLinClrLst/>
+    <dgm:txFillClrLst meth="repeat">
+      <a:schemeClr val="lt1"/>
+    </dgm:txFillClrLst>
+    <dgm:txEffectClrLst/>
+  </dgm:styleLbl>
+  <dgm:styleLbl name="bgImgPlace1">
+    <dgm:fillClrLst>
+      <a:schemeClr val="accent1">
+        <a:tint val="50000"/>
+      </a:schemeClr>
+      <a:schemeClr val="accent2">
+        <a:tint val="20000"/>
+      </a:schemeClr>
+    </dgm:fillClrLst>
+    <dgm:linClrLst meth="repeat">
+      <a:schemeClr val="lt1"/>
+    </dgm:linClrLst>
+    <dgm:effectClrLst/>
+    <dgm:txLinClrLst/>
+    <dgm:txFillClrLst meth="repeat">
+      <a:schemeClr val="lt1"/>
+    </dgm:txFillClrLst>
+    <dgm:txEffectClrLst/>
+  </dgm:styleLbl>
+  <dgm:styleLbl name="sibTrans2D1">
+    <dgm:fillClrLst meth="repeat">
+      <a:schemeClr val="accent2"/>
+      <a:schemeClr val="accent3"/>
+      <a:schemeClr val="accent4"/>
+      <a:schemeClr val="accent5"/>
+      <a:schemeClr val="accent6"/>
+    </dgm:fillClrLst>
+    <dgm:linClrLst meth="cycle">
+      <a:schemeClr val="lt1"/>
+    </dgm:linClrLst>
+    <dgm:effectClrLst/>
+    <dgm:txLinClrLst/>
+    <dgm:txFillClrLst/>
+    <dgm:txEffectClrLst/>
+  </dgm:styleLbl>
+  <dgm:styleLbl name="fgSibTrans2D1">
+    <dgm:fillClrLst meth="repeat">
+      <a:schemeClr val="accent2"/>
+      <a:schemeClr val="accent3"/>
+      <a:schemeClr val="accent4"/>
+      <a:schemeClr val="accent5"/>
+      <a:schemeClr val="accent6"/>
+    </dgm:fillClrLst>
+    <dgm:linClrLst meth="cycle">
+      <a:schemeClr val="lt1"/>
+    </dgm:linClrLst>
+    <dgm:effectClrLst/>
+    <dgm:txLinClrLst/>
+    <dgm:txFillClrLst meth="repeat">
+      <a:schemeClr val="lt1"/>
+    </dgm:txFillClrLst>
+    <dgm:txEffectClrLst/>
+  </dgm:styleLbl>
+  <dgm:styleLbl name="bgSibTrans2D1">
+    <dgm:fillClrLst meth="repeat">
+      <a:schemeClr val="accent2"/>
+      <a:schemeClr val="accent3"/>
+      <a:schemeClr val="accent4"/>
+      <a:schemeClr val="accent5"/>
+      <a:schemeClr val="accent6"/>
+    </dgm:fillClrLst>
+    <dgm:linClrLst meth="cycle">
+      <a:schemeClr val="lt1"/>
+    </dgm:linClrLst>
+    <dgm:effectClrLst/>
+    <dgm:txLinClrLst/>
+    <dgm:txFillClrLst meth="repeat">
+      <a:schemeClr val="lt1"/>
+    </dgm:txFillClrLst>
+    <dgm:txEffectClrLst/>
+  </dgm:styleLbl>
+  <dgm:styleLbl name="sibTrans1D1">
+    <dgm:fillClrLst meth="repeat">
+      <a:schemeClr val="accent2"/>
+      <a:schemeClr val="accent3"/>
+      <a:schemeClr val="accent4"/>
+      <a:schemeClr val="accent5"/>
+      <a:schemeClr val="accent6"/>
+    </dgm:fillClrLst>
+    <dgm:linClrLst meth="repeat">
+      <a:schemeClr val="accent2"/>
+      <a:schemeClr val="accent3"/>
+      <a:schemeClr val="accent4"/>
+      <a:schemeClr val="accent5"/>
+      <a:schemeClr val="accent6"/>
+    </dgm:linClrLst>
+    <dgm:effectClrLst/>
+    <dgm:txLinClrLst/>
+    <dgm:txFillClrLst meth="repeat">
+      <a:schemeClr val="tx1"/>
+    </dgm:txFillClrLst>
+    <dgm:txEffectClrLst/>
+  </dgm:styleLbl>
+  <dgm:styleLbl name="callout">
+    <dgm:fillClrLst meth="repeat">
+      <a:schemeClr val="accent2"/>
+    </dgm:fillClrLst>
+    <dgm:linClrLst meth="repeat">
+      <a:schemeClr val="accent2">
+        <a:tint val="50000"/>
+      </a:schemeClr>
+    </dgm:linClrLst>
+    <dgm:effectClrLst/>
+    <dgm:txLinClrLst/>
+    <dgm:txFillClrLst meth="repeat">
+      <a:schemeClr val="tx1"/>
+    </dgm:txFillClrLst>
+    <dgm:txEffectClrLst/>
+  </dgm:styleLbl>
+  <dgm:styleLbl name="asst0">
+    <dgm:fillClrLst meth="repeat">
+      <a:schemeClr val="accent1"/>
+    </dgm:fillClrLst>
+    <dgm:linClrLst meth="repeat">
+      <a:schemeClr val="lt1"/>
+    </dgm:linClrLst>
+    <dgm:effectClrLst/>
+    <dgm:txLinClrLst/>
+    <dgm:txFillClrLst/>
+    <dgm:txEffectClrLst/>
+  </dgm:styleLbl>
+  <dgm:styleLbl name="asst1">
+    <dgm:fillClrLst meth="repeat">
+      <a:schemeClr val="accent2"/>
+    </dgm:fillClrLst>
+    <dgm:linClrLst meth="repeat">
+      <a:schemeClr val="lt1"/>
+    </dgm:linClrLst>
+    <dgm:effectClrLst/>
+    <dgm:txLinClrLst/>
+    <dgm:txFillClrLst/>
+    <dgm:txEffectClrLst/>
+  </dgm:styleLbl>
+  <dgm:styleLbl name="asst2">
+    <dgm:fillClrLst>
+      <a:schemeClr val="accent3"/>
+    </dgm:fillClrLst>
+    <dgm:linClrLst meth="repeat">
+      <a:schemeClr val="lt1"/>
+    </dgm:linClrLst>
+    <dgm:effectClrLst/>
+    <dgm:txLinClrLst/>
+    <dgm:txFillClrLst/>
+    <dgm:txEffectClrLst/>
+  </dgm:styleLbl>
+  <dgm:styleLbl name="asst3">
+    <dgm:fillClrLst>
+      <a:schemeClr val="accent4"/>
+    </dgm:fillClrLst>
+    <dgm:linClrLst meth="repeat">
+      <a:schemeClr val="lt1"/>
+    </dgm:linClrLst>
+    <dgm:effectClrLst/>
+    <dgm:txLinClrLst/>
+    <dgm:txFillClrLst/>
+    <dgm:txEffectClrLst/>
+  </dgm:styleLbl>
+  <dgm:styleLbl name="asst4">
+    <dgm:fillClrLst>
+      <a:schemeClr val="accent5"/>
+    </dgm:fillClrLst>
+    <dgm:linClrLst meth="repeat">
+      <a:schemeClr val="lt1"/>
+    </dgm:linClrLst>
+    <dgm:effectClrLst/>
+    <dgm:txLinClrLst/>
+    <dgm:txFillClrLst/>
+    <dgm:txEffectClrLst/>
+  </dgm:styleLbl>
+  <dgm:styleLbl name="parChTrans2D1">
+    <dgm:fillClrLst meth="repeat">
+      <a:schemeClr val="accent2"/>
+    </dgm:fillClrLst>
+    <dgm:linClrLst meth="repeat">
+      <a:schemeClr val="lt1"/>
+    </dgm:linClrLst>
+    <dgm:effectClrLst/>
+    <dgm:txLinClrLst/>
+    <dgm:txFillClrLst meth="repeat">
+      <a:schemeClr val="lt1"/>
+    </dgm:txFillClrLst>
+    <dgm:txEffectClrLst/>
+  </dgm:styleLbl>
+  <dgm:styleLbl name="parChTrans2D2">
+    <dgm:fillClrLst meth="repeat">
+      <a:schemeClr val="accent3"/>
+    </dgm:fillClrLst>
+    <dgm:linClrLst meth="repeat">
+      <a:schemeClr val="lt1"/>
+    </dgm:linClrLst>
+    <dgm:effectClrLst/>
+    <dgm:txLinClrLst/>
+    <dgm:txFillClrLst/>
+    <dgm:txEffectClrLst/>
+  </dgm:styleLbl>
+  <dgm:styleLbl name="parChTrans2D3">
+    <dgm:fillClrLst meth="repeat">
+      <a:schemeClr val="accent4"/>
+    </dgm:fillClrLst>
+    <dgm:linClrLst meth="repeat">
+      <a:schemeClr val="lt1"/>
+    </dgm:linClrLst>
+    <dgm:effectClrLst/>
+    <dgm:txLinClrLst/>
+    <dgm:txFillClrLst/>
+    <dgm:txEffectClrLst/>
+  </dgm:styleLbl>
+  <dgm:styleLbl name="parChTrans2D4">
+    <dgm:fillClrLst meth="repeat">
+      <a:schemeClr val="accent5"/>
+    </dgm:fillClrLst>
+    <dgm:linClrLst meth="repeat">
+      <a:schemeClr val="lt1"/>
+    </dgm:linClrLst>
+    <dgm:effectClrLst/>
+    <dgm:txLinClrLst/>
+    <dgm:txFillClrLst meth="repeat">
+      <a:schemeClr val="lt1"/>
+    </dgm:txFillClrLst>
+    <dgm:txEffectClrLst/>
+  </dgm:styleLbl>
+  <dgm:styleLbl name="parChTrans1D1">
+    <dgm:fillClrLst meth="repeat">
+      <a:schemeClr val="accent2"/>
+    </dgm:fillClrLst>
+    <dgm:linClrLst meth="repeat">
+      <a:schemeClr val="accent1"/>
+    </dgm:linClrLst>
+    <dgm:effectClrLst/>
+    <dgm:txLinClrLst/>
+    <dgm:txFillClrLst meth="repeat">
+      <a:schemeClr val="tx1"/>
+    </dgm:txFillClrLst>
+    <dgm:txEffectClrLst/>
+  </dgm:styleLbl>
+  <dgm:styleLbl name="parChTrans1D2">
+    <dgm:fillClrLst meth="repeat">
+      <a:schemeClr val="accent3">
+        <a:tint val="90000"/>
+      </a:schemeClr>
+    </dgm:fillClrLst>
+    <dgm:linClrLst meth="repeat">
+      <a:schemeClr val="accent2"/>
+    </dgm:linClrLst>
+    <dgm:effectClrLst/>
+    <dgm:txLinClrLst/>
+    <dgm:txFillClrLst meth="repeat">
+      <a:schemeClr val="tx1"/>
+    </dgm:txFillClrLst>
+    <dgm:txEffectClrLst/>
+  </dgm:styleLbl>
+  <dgm:styleLbl name="parChTrans1D3">
+    <dgm:fillClrLst meth="repeat">
+      <a:schemeClr val="accent4">
+        <a:tint val="70000"/>
+      </a:schemeClr>
+    </dgm:fillClrLst>
+    <dgm:linClrLst meth="repeat">
+      <a:schemeClr val="accent3"/>
+    </dgm:linClrLst>
+    <dgm:effectClrLst/>
+    <dgm:txLinClrLst/>
+    <dgm:txFillClrLst meth="repeat">
+      <a:schemeClr val="tx1"/>
+    </dgm:txFillClrLst>
+    <dgm:txEffectClrLst/>
+  </dgm:styleLbl>
+  <dgm:styleLbl name="parChTrans1D4">
+    <dgm:fillClrLst meth="repeat">
+      <a:schemeClr val="accent5">
+        <a:tint val="50000"/>
+      </a:schemeClr>
+    </dgm:fillClrLst>
+    <dgm:linClrLst meth="repeat">
+      <a:schemeClr val="accent4"/>
+    </dgm:linClrLst>
+    <dgm:effectClrLst/>
+    <dgm:txLinClrLst/>
+    <dgm:txFillClrLst meth="repeat">
+      <a:schemeClr val="tx1"/>
+    </dgm:txFillClrLst>
+    <dgm:txEffectClrLst/>
+  </dgm:styleLbl>
+  <dgm:styleLbl name="fgAcc1">
+    <dgm:fillClrLst meth="repeat">
+      <a:schemeClr val="lt1">
+        <a:alpha val="90000"/>
+      </a:schemeClr>
+    </dgm:fillClrLst>
+    <dgm:linClrLst meth="repeat">
+      <a:schemeClr val="accent2"/>
+      <a:schemeClr val="accent3"/>
+      <a:schemeClr val="accent4"/>
+      <a:schemeClr val="accent5"/>
+      <a:schemeClr val="accent6"/>
+    </dgm:linClrLst>
+    <dgm:effectClrLst/>
+    <dgm:txLinClrLst/>
+    <dgm:txFillClrLst meth="repeat">
+      <a:schemeClr val="dk1"/>
+    </dgm:txFillClrLst>
+    <dgm:txEffectClrLst/>
+  </dgm:styleLbl>
+  <dgm:styleLbl name="conFgAcc1">
+    <dgm:fillClrLst meth="repeat">
+      <a:schemeClr val="lt1">
+        <a:alpha val="90000"/>
+      </a:schemeClr>
+    </dgm:fillClrLst>
+    <dgm:linClrLst meth="repeat">
+      <a:schemeClr val="accent2"/>
+      <a:schemeClr val="accent3"/>
+      <a:schemeClr val="accent4"/>
+      <a:schemeClr val="accent5"/>
+      <a:schemeClr val="accent6"/>
+    </dgm:linClrLst>
+    <dgm:effectClrLst/>
+    <dgm:txLinClrLst/>
+    <dgm:txFillClrLst meth="repeat">
+      <a:schemeClr val="dk1"/>
+    </dgm:txFillClrLst>
+    <dgm:txEffectClrLst/>
+  </dgm:styleLbl>
+  <dgm:styleLbl name="alignAcc1">
+    <dgm:fillClrLst meth="repeat">
+      <a:schemeClr val="lt1">
+        <a:alpha val="90000"/>
+      </a:schemeClr>
+    </dgm:fillClrLst>
+    <dgm:linClrLst meth="repeat">
+      <a:schemeClr val="accent2"/>
+      <a:schemeClr val="accent3"/>
+      <a:schemeClr val="accent4"/>
+      <a:schemeClr val="accent5"/>
+      <a:schemeClr val="accent6"/>
+    </dgm:linClrLst>
+    <dgm:effectClrLst/>
+    <dgm:txLinClrLst/>
+    <dgm:txFillClrLst meth="repeat">
+      <a:schemeClr val="dk1"/>
+    </dgm:txFillClrLst>
+    <dgm:txEffectClrLst/>
+  </dgm:styleLbl>
+  <dgm:styleLbl name="trAlignAcc1">
+    <dgm:fillClrLst meth="repeat">
+      <a:schemeClr val="lt1">
+        <a:alpha val="40000"/>
+      </a:schemeClr>
+    </dgm:fillClrLst>
+    <dgm:linClrLst meth="repeat">
+      <a:schemeClr val="accent1"/>
+    </dgm:linClrLst>
+    <dgm:effectClrLst/>
+    <dgm:txLinClrLst/>
+    <dgm:txFillClrLst meth="repeat">
+      <a:schemeClr val="dk1"/>
+    </dgm:txFillClrLst>
+    <dgm:txEffectClrLst/>
+  </dgm:styleLbl>
+  <dgm:styleLbl name="bgAcc1">
+    <dgm:fillClrLst meth="repeat">
+      <a:schemeClr val="lt1">
+        <a:alpha val="90000"/>
+      </a:schemeClr>
+    </dgm:fillClrLst>
+    <dgm:linClrLst meth="repeat">
+      <a:schemeClr val="accent2"/>
+      <a:schemeClr val="accent3"/>
+      <a:schemeClr val="accent4"/>
+      <a:schemeClr val="accent5"/>
+      <a:schemeClr val="accent6"/>
+    </dgm:linClrLst>
+    <dgm:effectClrLst/>
+    <dgm:txLinClrLst/>
+    <dgm:txFillClrLst meth="repeat">
+      <a:schemeClr val="dk1"/>
+    </dgm:txFillClrLst>
+    <dgm:txEffectClrLst/>
+  </dgm:styleLbl>
+  <dgm:styleLbl name="solidFgAcc1">
+    <dgm:fillClrLst meth="repeat">
+      <a:schemeClr val="lt1"/>
+    </dgm:fillClrLst>
+    <dgm:linClrLst meth="repeat">
+      <a:schemeClr val="accent2"/>
+      <a:schemeClr val="accent3"/>
+      <a:schemeClr val="accent4"/>
+      <a:schemeClr val="accent5"/>
+      <a:schemeClr val="accent6"/>
+    </dgm:linClrLst>
+    <dgm:effectClrLst/>
+    <dgm:txLinClrLst/>
+    <dgm:txFillClrLst meth="repeat">
+      <a:schemeClr val="dk1"/>
+    </dgm:txFillClrLst>
+    <dgm:txEffectClrLst/>
+  </dgm:styleLbl>
+  <dgm:styleLbl name="solidAlignAcc1">
+    <dgm:fillClrLst meth="repeat">
+      <a:schemeClr val="lt1"/>
+    </dgm:fillClrLst>
+    <dgm:linClrLst meth="repeat">
+      <a:schemeClr val="accent2"/>
+      <a:schemeClr val="accent3"/>
+      <a:schemeClr val="accent4"/>
+      <a:schemeClr val="accent5"/>
+      <a:schemeClr val="accent6"/>
+    </dgm:linClrLst>
+    <dgm:effectClrLst/>
+    <dgm:txLinClrLst/>
+    <dgm:txFillClrLst meth="repeat">
+      <a:schemeClr val="dk1"/>
+    </dgm:txFillClrLst>
+    <dgm:txEffectClrLst/>
+  </dgm:styleLbl>
+  <dgm:styleLbl name="solidBgAcc1">
+    <dgm:fillClrLst meth="repeat">
+      <a:schemeClr val="lt1"/>
+    </dgm:fillClrLst>
+    <dgm:linClrLst meth="repeat">
+      <a:schemeClr val="accent2"/>
+      <a:schemeClr val="accent3"/>
+      <a:schemeClr val="accent4"/>
+      <a:schemeClr val="accent5"/>
+      <a:schemeClr val="accent6"/>
+    </dgm:linClrLst>
+    <dgm:effectClrLst/>
+    <dgm:txLinClrLst/>
+    <dgm:txFillClrLst meth="repeat">
+      <a:schemeClr val="dk1"/>
+    </dgm:txFillClrLst>
+    <dgm:txEffectClrLst/>
+  </dgm:styleLbl>
+  <dgm:styleLbl name="fgAccFollowNode1">
+    <dgm:fillClrLst meth="repeat">
+      <a:schemeClr val="accent2">
+        <a:tint val="40000"/>
+        <a:alpha val="90000"/>
+      </a:schemeClr>
+      <a:schemeClr val="accent3">
+        <a:tint val="40000"/>
+        <a:alpha val="90000"/>
+      </a:schemeClr>
+      <a:schemeClr val="accent4">
+        <a:tint val="40000"/>
+        <a:alpha val="90000"/>
+      </a:schemeClr>
+      <a:schemeClr val="accent5">
+        <a:tint val="40000"/>
+        <a:alpha val="90000"/>
+      </a:schemeClr>
+      <a:schemeClr val="accent6">
+        <a:tint val="40000"/>
+        <a:alpha val="90000"/>
+      </a:schemeClr>
+    </dgm:fillClrLst>
+    <dgm:linClrLst meth="repeat">
+      <a:schemeClr val="accent2">
+        <a:tint val="40000"/>
+        <a:alpha val="90000"/>
+      </a:schemeClr>
+      <a:schemeClr val="accent3">
+        <a:tint val="40000"/>
+        <a:alpha val="90000"/>
+      </a:schemeClr>
+      <a:schemeClr val="accent4">
+        <a:tint val="40000"/>
+        <a:alpha val="90000"/>
+      </a:schemeClr>
+      <a:schemeClr val="accent5">
+        <a:tint val="40000"/>
+        <a:alpha val="90000"/>
+      </a:schemeClr>
+      <a:schemeClr val="accent6">
+        <a:tint val="40000"/>
+        <a:alpha val="90000"/>
+      </a:schemeClr>
+    </dgm:linClrLst>
+    <dgm:effectClrLst/>
+    <dgm:txLinClrLst/>
+    <dgm:txFillClrLst meth="repeat">
+      <a:schemeClr val="dk1"/>
+    </dgm:txFillClrLst>
+    <dgm:txEffectClrLst/>
+  </dgm:styleLbl>
+  <dgm:styleLbl name="alignAccFollowNode1">
+    <dgm:fillClrLst meth="repeat">
+      <a:schemeClr val="accent2">
+        <a:tint val="40000"/>
+        <a:alpha val="90000"/>
+      </a:schemeClr>
+      <a:schemeClr val="accent3">
+        <a:tint val="40000"/>
+        <a:alpha val="90000"/>
+      </a:schemeClr>
+      <a:schemeClr val="accent4">
+        <a:tint val="40000"/>
+        <a:alpha val="90000"/>
+      </a:schemeClr>
+      <a:schemeClr val="accent5">
+        <a:tint val="40000"/>
+        <a:alpha val="90000"/>
+      </a:schemeClr>
+      <a:schemeClr val="accent6">
+        <a:tint val="40000"/>
+        <a:alpha val="90000"/>
+      </a:schemeClr>
+    </dgm:fillClrLst>
+    <dgm:linClrLst meth="repeat">
+      <a:schemeClr val="accent2">
+        <a:tint val="40000"/>
+        <a:alpha val="90000"/>
+      </a:schemeClr>
+      <a:schemeClr val="accent3">
+        <a:tint val="40000"/>
+        <a:alpha val="90000"/>
+      </a:schemeClr>
+      <a:schemeClr val="accent4">
+        <a:tint val="40000"/>
+        <a:alpha val="90000"/>
+      </a:schemeClr>
+      <a:schemeClr val="accent5">
+        <a:tint val="40000"/>
+        <a:alpha val="90000"/>
+      </a:schemeClr>
+      <a:schemeClr val="accent6">
+        <a:tint val="40000"/>
+        <a:alpha val="90000"/>
+      </a:schemeClr>
+    </dgm:linClrLst>
+    <dgm:effectClrLst/>
+    <dgm:txLinClrLst/>
+    <dgm:txFillClrLst meth="repeat">
+      <a:schemeClr val="dk1"/>
+    </dgm:txFillClrLst>
+    <dgm:txEffectClrLst/>
+  </dgm:styleLbl>
+  <dgm:styleLbl name="bgAccFollowNode1">
+    <dgm:fillClrLst meth="repeat">
+      <a:schemeClr val="accent2">
+        <a:tint val="40000"/>
+        <a:alpha val="90000"/>
+      </a:schemeClr>
+      <a:schemeClr val="accent3">
+        <a:tint val="40000"/>
+        <a:alpha val="90000"/>
+      </a:schemeClr>
+      <a:schemeClr val="accent4">
+        <a:tint val="40000"/>
+        <a:alpha val="90000"/>
+      </a:schemeClr>
+      <a:schemeClr val="accent5">
+        <a:tint val="40000"/>
+        <a:alpha val="90000"/>
+      </a:schemeClr>
+      <a:schemeClr val="accent6">
+        <a:tint val="40000"/>
+        <a:alpha val="90000"/>
+      </a:schemeClr>
+    </dgm:fillClrLst>
+    <dgm:linClrLst meth="repeat">
+      <a:schemeClr val="accent2">
+        <a:tint val="40000"/>
+        <a:alpha val="90000"/>
+      </a:schemeClr>
+      <a:schemeClr val="accent3">
+        <a:tint val="40000"/>
+        <a:alpha val="90000"/>
+      </a:schemeClr>
+      <a:schemeClr val="accent4">
+        <a:tint val="40000"/>
+        <a:alpha val="90000"/>
+      </a:schemeClr>
+      <a:schemeClr val="accent5">
+        <a:tint val="40000"/>
+        <a:alpha val="90000"/>
+      </a:schemeClr>
+      <a:schemeClr val="accent6">
+        <a:tint val="40000"/>
+        <a:alpha val="90000"/>
+      </a:schemeClr>
+    </dgm:linClrLst>
+    <dgm:effectClrLst/>
+    <dgm:txLinClrLst/>
+    <dgm:txFillClrLst meth="repeat">
+      <a:schemeClr val="dk1"/>
+    </dgm:txFillClrLst>
+    <dgm:txEffectClrLst/>
+  </dgm:styleLbl>
+  <dgm:styleLbl name="fgAcc0">
+    <dgm:fillClrLst meth="repeat">
+      <a:schemeClr val="lt1">
+        <a:alpha val="90000"/>
+      </a:schemeClr>
+    </dgm:fillClrLst>
+    <dgm:linClrLst>
+      <a:schemeClr val="accent1"/>
+    </dgm:linClrLst>
+    <dgm:effectClrLst/>
+    <dgm:txLinClrLst/>
+    <dgm:txFillClrLst meth="repeat">
+      <a:schemeClr val="dk1"/>
+    </dgm:txFillClrLst>
+    <dgm:txEffectClrLst/>
+  </dgm:styleLbl>
+  <dgm:styleLbl name="fgAcc2">
+    <dgm:fillClrLst meth="repeat">
+      <a:schemeClr val="lt1">
+        <a:alpha val="90000"/>
+      </a:schemeClr>
+    </dgm:fillClrLst>
+    <dgm:linClrLst>
+      <a:schemeClr val="accent2"/>
+    </dgm:linClrLst>
+    <dgm:effectClrLst/>
+    <dgm:txLinClrLst/>
+    <dgm:txFillClrLst meth="repeat">
+      <a:schemeClr val="dk1"/>
+    </dgm:txFillClrLst>
+    <dgm:txEffectClrLst/>
+  </dgm:styleLbl>
+  <dgm:styleLbl name="fgAcc3">
+    <dgm:fillClrLst meth="repeat">
+      <a:schemeClr val="lt1">
+        <a:alpha val="90000"/>
+      </a:schemeClr>
+    </dgm:fillClrLst>
+    <dgm:linClrLst>
+      <a:schemeClr val="accent3"/>
+    </dgm:linClrLst>
+    <dgm:effectClrLst/>
+    <dgm:txLinClrLst/>
+    <dgm:txFillClrLst meth="repeat">
+      <a:schemeClr val="dk1"/>
+    </dgm:txFillClrLst>
+    <dgm:txEffectClrLst/>
+  </dgm:styleLbl>
+  <dgm:styleLbl name="fgAcc4">
+    <dgm:fillClrLst meth="repeat">
+      <a:schemeClr val="lt1">
+        <a:alpha val="90000"/>
+      </a:schemeClr>
+    </dgm:fillClrLst>
+    <dgm:linClrLst>
+      <a:schemeClr val="accent4"/>
+    </dgm:linClrLst>
+    <dgm:effectClrLst/>
+    <dgm:txLinClrLst/>
+    <dgm:txFillClrLst meth="repeat">
+      <a:schemeClr val="dk1"/>
+    </dgm:txFillClrLst>
+    <dgm:txEffectClrLst/>
+  </dgm:styleLbl>
+  <dgm:styleLbl name="bgShp">
+    <dgm:fillClrLst meth="repeat">
+      <a:schemeClr val="bg1">
+        <a:lumMod val="95000"/>
+      </a:schemeClr>
+    </dgm:fillClrLst>
+    <dgm:linClrLst meth="repeat">
+      <a:schemeClr val="dk1"/>
+    </dgm:linClrLst>
+    <dgm:effectClrLst/>
+    <dgm:txLinClrLst/>
+    <dgm:txFillClrLst meth="repeat">
+      <a:schemeClr val="dk1"/>
+    </dgm:txFillClrLst>
+    <dgm:txEffectClrLst/>
+  </dgm:styleLbl>
+  <dgm:styleLbl name="dkBgShp">
+    <dgm:fillClrLst meth="repeat">
+      <a:schemeClr val="accent2">
+        <a:shade val="90000"/>
+      </a:schemeClr>
+    </dgm:fillClrLst>
+    <dgm:linClrLst meth="repeat">
+      <a:schemeClr val="dk1"/>
+    </dgm:linClrLst>
+    <dgm:effectClrLst/>
+    <dgm:txLinClrLst/>
+    <dgm:txFillClrLst meth="repeat">
+      <a:schemeClr val="lt1"/>
+    </dgm:txFillClrLst>
+    <dgm:txEffectClrLst/>
+  </dgm:styleLbl>
+  <dgm:styleLbl name="trBgShp">
+    <dgm:fillClrLst meth="repeat">
+      <a:schemeClr val="accent1">
+        <a:tint val="50000"/>
+        <a:alpha val="40000"/>
+      </a:schemeClr>
+    </dgm:fillClrLst>
+    <dgm:linClrLst meth="repeat">
+      <a:schemeClr val="accent2"/>
+    </dgm:linClrLst>
+    <dgm:effectClrLst/>
+    <dgm:txLinClrLst/>
+    <dgm:txFillClrLst meth="repeat">
+      <a:schemeClr val="lt1"/>
+    </dgm:txFillClrLst>
+    <dgm:txEffectClrLst/>
+  </dgm:styleLbl>
+  <dgm:styleLbl name="fgShp">
+    <dgm:fillClrLst meth="repeat">
+      <a:schemeClr val="accent2">
+        <a:tint val="40000"/>
+      </a:schemeClr>
+    </dgm:fillClrLst>
+    <dgm:linClrLst meth="repeat">
+      <a:schemeClr val="lt1"/>
+    </dgm:linClrLst>
+    <dgm:effectClrLst/>
+    <dgm:txLinClrLst/>
+    <dgm:txFillClrLst meth="repeat">
+      <a:schemeClr val="dk1"/>
+    </dgm:txFillClrLst>
+    <dgm:txEffectClrLst/>
+  </dgm:styleLbl>
+  <dgm:styleLbl name="revTx">
+    <dgm:fillClrLst meth="repeat">
+      <a:schemeClr val="lt1">
+        <a:alpha val="0"/>
+      </a:schemeClr>
+    </dgm:fillClrLst>
+    <dgm:linClrLst meth="repeat">
+      <a:schemeClr val="dk1">
+        <a:alpha val="0"/>
+      </a:schemeClr>
+    </dgm:linClrLst>
+    <dgm:effectClrLst/>
+    <dgm:txLinClrLst/>
+    <dgm:txFillClrLst meth="repeat">
+      <a:schemeClr val="tx1"/>
+    </dgm:txFillClrLst>
+    <dgm:txEffectClrLst/>
+  </dgm:styleLbl>
+</dgm:colorsDef>
+</file>
+
 <file path=ppt/diagrams/data1.xml><?xml version="1.0" encoding="utf-8"?>
 <dgm:dataModel xmlns:dgm="http://schemas.openxmlformats.org/drawingml/2006/diagram" xmlns:a="http://schemas.openxmlformats.org/drawingml/2006/main">
   <dgm:ptLst>
@@ -903,7 +1824,7 @@
           </a:pPr>
           <a:r>
             <a:rPr lang="en-US">
-              <a:latin typeface="Arial" panose="020B0604020202020204" pitchFamily="34" charset="0"/>
+              <a:latin typeface="Aptos" panose="020B0004020202020204" pitchFamily="34" charset="0"/>
               <a:cs typeface="Arial" panose="020B0604020202020204" pitchFamily="34" charset="0"/>
             </a:rPr>
             <a:t>Introduction</a:t>
@@ -953,7 +1874,7 @@
           </a:pPr>
           <a:r>
             <a:rPr lang="en-US">
-              <a:latin typeface="Arial" panose="020B0604020202020204" pitchFamily="34" charset="0"/>
+              <a:latin typeface="Aptos" panose="020B0004020202020204" pitchFamily="34" charset="0"/>
               <a:cs typeface="Arial" panose="020B0604020202020204" pitchFamily="34" charset="0"/>
             </a:rPr>
             <a:t>Implementation</a:t>
@@ -1003,7 +1924,7 @@
           </a:pPr>
           <a:r>
             <a:rPr lang="en-US">
-              <a:latin typeface="Arial" panose="020B0604020202020204" pitchFamily="34" charset="0"/>
+              <a:latin typeface="Aptos" panose="020B0004020202020204" pitchFamily="34" charset="0"/>
               <a:cs typeface="Arial" panose="020B0604020202020204" pitchFamily="34" charset="0"/>
             </a:rPr>
             <a:t>Results</a:t>
@@ -1053,7 +1974,7 @@
           </a:pPr>
           <a:r>
             <a:rPr lang="en-US">
-              <a:latin typeface="Arial" panose="020B0604020202020204" pitchFamily="34" charset="0"/>
+              <a:latin typeface="Aptos" panose="020B0004020202020204" pitchFamily="34" charset="0"/>
               <a:cs typeface="Arial" panose="020B0604020202020204" pitchFamily="34" charset="0"/>
             </a:rPr>
             <a:t>Conclusion</a:t>
@@ -1103,7 +2024,7 @@
           </a:pPr>
           <a:r>
             <a:rPr lang="en-US">
-              <a:latin typeface="Arial" panose="020B0604020202020204" pitchFamily="34" charset="0"/>
+              <a:latin typeface="Aptos" panose="020B0004020202020204" pitchFamily="34" charset="0"/>
               <a:cs typeface="Arial" panose="020B0604020202020204" pitchFamily="34" charset="0"/>
             </a:rPr>
             <a:t>References</a:t>
@@ -1153,7 +2074,7 @@
           </a:pPr>
           <a:r>
             <a:rPr lang="en-US">
-              <a:latin typeface="Arial" panose="020B0604020202020204" pitchFamily="34" charset="0"/>
+              <a:latin typeface="Aptos" panose="020B0004020202020204" pitchFamily="34" charset="0"/>
               <a:cs typeface="Arial" panose="020B0604020202020204" pitchFamily="34" charset="0"/>
             </a:rPr>
             <a:t>Project Objective</a:t>
@@ -1559,6 +2480,332 @@
 </dgm:dataModel>
 </file>
 
+<file path=ppt/diagrams/data2.xml><?xml version="1.0" encoding="utf-8"?>
+<dgm:dataModel xmlns:dgm="http://schemas.openxmlformats.org/drawingml/2006/diagram" xmlns:a="http://schemas.openxmlformats.org/drawingml/2006/main">
+  <dgm:ptLst>
+    <dgm:pt modelId="{47892B76-4EBF-42EE-842A-E20C422CFCD2}" type="doc">
+      <dgm:prSet loTypeId="urn:microsoft.com/office/officeart/2018/2/layout/IconVerticalSolidList" loCatId="icon" qsTypeId="urn:microsoft.com/office/officeart/2005/8/quickstyle/simple1" qsCatId="simple" csTypeId="urn:microsoft.com/office/officeart/2018/5/colors/Iconchunking_neutralbg_colorful1" csCatId="colorful" phldr="1"/>
+      <dgm:spPr/>
+      <dgm:t>
+        <a:bodyPr/>
+        <a:lstStyle/>
+        <a:p>
+          <a:endParaRPr lang="en-US"/>
+        </a:p>
+      </dgm:t>
+    </dgm:pt>
+    <dgm:pt modelId="{239BF204-3037-4A5E-B416-AC907A0994CD}">
+      <dgm:prSet/>
+      <dgm:spPr/>
+      <dgm:t>
+        <a:bodyPr/>
+        <a:lstStyle/>
+        <a:p>
+          <a:r>
+            <a:rPr lang="en-US" b="0" i="0"/>
+            <a:t>Low False Negative Rate (FNR) is crucial in anomaly detection, particularly in sensitive areas like fraud detection, to avoid overlooking anomalies and wasting resources on unnecessary investigations.</a:t>
+          </a:r>
+          <a:endParaRPr lang="en-US"/>
+        </a:p>
+      </dgm:t>
+    </dgm:pt>
+    <dgm:pt modelId="{7C1E3E0A-26DF-4A3C-9081-43749A2A2BE3}" type="parTrans" cxnId="{849B014A-4E4D-45F1-BB90-B223BF6226BF}">
+      <dgm:prSet/>
+      <dgm:spPr/>
+      <dgm:t>
+        <a:bodyPr/>
+        <a:lstStyle/>
+        <a:p>
+          <a:endParaRPr lang="en-US"/>
+        </a:p>
+      </dgm:t>
+    </dgm:pt>
+    <dgm:pt modelId="{9CB43FA3-1BB0-4446-8995-E88CAB5EF820}" type="sibTrans" cxnId="{849B014A-4E4D-45F1-BB90-B223BF6226BF}">
+      <dgm:prSet/>
+      <dgm:spPr/>
+      <dgm:t>
+        <a:bodyPr/>
+        <a:lstStyle/>
+        <a:p>
+          <a:endParaRPr lang="en-US"/>
+        </a:p>
+      </dgm:t>
+    </dgm:pt>
+    <dgm:pt modelId="{5F7FBEF5-078E-46B7-AE94-106347F91206}">
+      <dgm:prSet/>
+      <dgm:spPr/>
+      <dgm:t>
+        <a:bodyPr/>
+        <a:lstStyle/>
+        <a:p>
+          <a:r>
+            <a:rPr lang="en-US" b="0" i="0"/>
+            <a:t>Hierarchical Temporal Memory (HTM) stands out for real-time anomaly detection without pre-training, making it ideal for dynamic data streams and resilient to noise.</a:t>
+          </a:r>
+          <a:endParaRPr lang="en-US"/>
+        </a:p>
+      </dgm:t>
+    </dgm:pt>
+    <dgm:pt modelId="{736F4025-81BA-4665-AEC6-14FB5926007C}" type="parTrans" cxnId="{75E66155-B6D4-4728-BC84-80C2140DDC86}">
+      <dgm:prSet/>
+      <dgm:spPr/>
+      <dgm:t>
+        <a:bodyPr/>
+        <a:lstStyle/>
+        <a:p>
+          <a:endParaRPr lang="en-US"/>
+        </a:p>
+      </dgm:t>
+    </dgm:pt>
+    <dgm:pt modelId="{2432F4CC-5C69-4CB4-B992-0BB222569E03}" type="sibTrans" cxnId="{75E66155-B6D4-4728-BC84-80C2140DDC86}">
+      <dgm:prSet/>
+      <dgm:spPr/>
+      <dgm:t>
+        <a:bodyPr/>
+        <a:lstStyle/>
+        <a:p>
+          <a:endParaRPr lang="en-US"/>
+        </a:p>
+      </dgm:t>
+    </dgm:pt>
+    <dgm:pt modelId="{F6937E21-265F-4588-A698-11F7D370BED1}">
+      <dgm:prSet/>
+      <dgm:spPr/>
+      <dgm:t>
+        <a:bodyPr/>
+        <a:lstStyle/>
+        <a:p>
+          <a:r>
+            <a:rPr lang="en-US" b="0" i="0"/>
+            <a:t>Enhanced computational resources and time allocation, potentially through cloud platforms, can optimize HTM model performance by allowing for more data and hyperparameter tuning in anomaly detection applications.</a:t>
+          </a:r>
+          <a:endParaRPr lang="en-US"/>
+        </a:p>
+      </dgm:t>
+    </dgm:pt>
+    <dgm:pt modelId="{E6017DE8-E492-4055-82B1-8F9D20BC0720}" type="parTrans" cxnId="{B03F2F0D-97CB-434E-BB5C-EC7DB358BC44}">
+      <dgm:prSet/>
+      <dgm:spPr/>
+      <dgm:t>
+        <a:bodyPr/>
+        <a:lstStyle/>
+        <a:p>
+          <a:endParaRPr lang="en-US"/>
+        </a:p>
+      </dgm:t>
+    </dgm:pt>
+    <dgm:pt modelId="{37B98DD1-B561-414B-88A1-069016C226CC}" type="sibTrans" cxnId="{B03F2F0D-97CB-434E-BB5C-EC7DB358BC44}">
+      <dgm:prSet/>
+      <dgm:spPr/>
+      <dgm:t>
+        <a:bodyPr/>
+        <a:lstStyle/>
+        <a:p>
+          <a:endParaRPr lang="en-US"/>
+        </a:p>
+      </dgm:t>
+    </dgm:pt>
+    <dgm:pt modelId="{751030AC-F4E5-4F31-A328-A12793063543}" type="pres">
+      <dgm:prSet presAssocID="{47892B76-4EBF-42EE-842A-E20C422CFCD2}" presName="root" presStyleCnt="0">
+        <dgm:presLayoutVars>
+          <dgm:dir/>
+          <dgm:resizeHandles val="exact"/>
+        </dgm:presLayoutVars>
+      </dgm:prSet>
+      <dgm:spPr/>
+    </dgm:pt>
+    <dgm:pt modelId="{CF477608-CBC2-481C-A1B5-2088144B002C}" type="pres">
+      <dgm:prSet presAssocID="{239BF204-3037-4A5E-B416-AC907A0994CD}" presName="compNode" presStyleCnt="0"/>
+      <dgm:spPr/>
+    </dgm:pt>
+    <dgm:pt modelId="{2EC7EF32-10F7-483D-8E42-CC98E2E52416}" type="pres">
+      <dgm:prSet presAssocID="{239BF204-3037-4A5E-B416-AC907A0994CD}" presName="bgRect" presStyleLbl="bgShp" presStyleIdx="0" presStyleCnt="3"/>
+      <dgm:spPr/>
+    </dgm:pt>
+    <dgm:pt modelId="{8CAFC3D4-5E19-4D58-A2E3-AF24B6B08C4F}" type="pres">
+      <dgm:prSet presAssocID="{239BF204-3037-4A5E-B416-AC907A0994CD}" presName="iconRect" presStyleLbl="node1" presStyleIdx="0" presStyleCnt="3"/>
+      <dgm:spPr>
+        <a:blipFill>
+          <a:blip xmlns:r="http://schemas.openxmlformats.org/officeDocument/2006/relationships" r:embed="rId1">
+            <a:extLst>
+              <a:ext uri="{28A0092B-C50C-407E-A947-70E740481C1C}">
+                <a14:useLocalDpi xmlns:a14="http://schemas.microsoft.com/office/drawing/2010/main" val="0"/>
+              </a:ext>
+              <a:ext uri="{96DAC541-7B7A-43D3-8B79-37D633B846F1}">
+                <asvg:svgBlip xmlns:asvg="http://schemas.microsoft.com/office/drawing/2016/SVG/main" r:embed="rId2"/>
+              </a:ext>
+            </a:extLst>
+          </a:blip>
+          <a:stretch>
+            <a:fillRect/>
+          </a:stretch>
+        </a:blipFill>
+        <a:ln>
+          <a:noFill/>
+        </a:ln>
+      </dgm:spPr>
+      <dgm:extLst>
+        <a:ext uri="{E40237B7-FDA0-4F09-8148-C483321AD2D9}">
+          <dgm14:cNvPr xmlns:dgm14="http://schemas.microsoft.com/office/drawing/2010/diagram" id="0" name="" descr="Warning"/>
+        </a:ext>
+      </dgm:extLst>
+    </dgm:pt>
+    <dgm:pt modelId="{5D88BB21-29EE-4A44-8F26-4D2395DE4280}" type="pres">
+      <dgm:prSet presAssocID="{239BF204-3037-4A5E-B416-AC907A0994CD}" presName="spaceRect" presStyleCnt="0"/>
+      <dgm:spPr/>
+    </dgm:pt>
+    <dgm:pt modelId="{0AEDC209-6A4D-4DC9-AC28-7871FAA90190}" type="pres">
+      <dgm:prSet presAssocID="{239BF204-3037-4A5E-B416-AC907A0994CD}" presName="parTx" presStyleLbl="revTx" presStyleIdx="0" presStyleCnt="3">
+        <dgm:presLayoutVars>
+          <dgm:chMax val="0"/>
+          <dgm:chPref val="0"/>
+        </dgm:presLayoutVars>
+      </dgm:prSet>
+      <dgm:spPr/>
+    </dgm:pt>
+    <dgm:pt modelId="{A5030693-49DB-43DE-B2CD-508707D33A04}" type="pres">
+      <dgm:prSet presAssocID="{9CB43FA3-1BB0-4446-8995-E88CAB5EF820}" presName="sibTrans" presStyleCnt="0"/>
+      <dgm:spPr/>
+    </dgm:pt>
+    <dgm:pt modelId="{BCC20600-DE33-4CCF-95DF-DBDF77FC1D01}" type="pres">
+      <dgm:prSet presAssocID="{5F7FBEF5-078E-46B7-AE94-106347F91206}" presName="compNode" presStyleCnt="0"/>
+      <dgm:spPr/>
+    </dgm:pt>
+    <dgm:pt modelId="{EB3CDFB4-3DA7-4D65-9CDA-8D596497693C}" type="pres">
+      <dgm:prSet presAssocID="{5F7FBEF5-078E-46B7-AE94-106347F91206}" presName="bgRect" presStyleLbl="bgShp" presStyleIdx="1" presStyleCnt="3"/>
+      <dgm:spPr/>
+    </dgm:pt>
+    <dgm:pt modelId="{094A6045-75D2-4B5E-BF6E-E8061FE3975B}" type="pres">
+      <dgm:prSet presAssocID="{5F7FBEF5-078E-46B7-AE94-106347F91206}" presName="iconRect" presStyleLbl="node1" presStyleIdx="1" presStyleCnt="3"/>
+      <dgm:spPr>
+        <a:blipFill>
+          <a:blip xmlns:r="http://schemas.openxmlformats.org/officeDocument/2006/relationships" r:embed="rId3">
+            <a:extLst>
+              <a:ext uri="{28A0092B-C50C-407E-A947-70E740481C1C}">
+                <a14:useLocalDpi xmlns:a14="http://schemas.microsoft.com/office/drawing/2010/main" val="0"/>
+              </a:ext>
+              <a:ext uri="{96DAC541-7B7A-43D3-8B79-37D633B846F1}">
+                <asvg:svgBlip xmlns:asvg="http://schemas.microsoft.com/office/drawing/2016/SVG/main" r:embed="rId4"/>
+              </a:ext>
+            </a:extLst>
+          </a:blip>
+          <a:stretch>
+            <a:fillRect/>
+          </a:stretch>
+        </a:blipFill>
+        <a:ln>
+          <a:noFill/>
+        </a:ln>
+      </dgm:spPr>
+      <dgm:extLst>
+        <a:ext uri="{E40237B7-FDA0-4F09-8148-C483321AD2D9}">
+          <dgm14:cNvPr xmlns:dgm14="http://schemas.microsoft.com/office/drawing/2010/diagram" id="0" name="" descr="Processor"/>
+        </a:ext>
+      </dgm:extLst>
+    </dgm:pt>
+    <dgm:pt modelId="{729AEA97-8ECC-495C-9321-F9FADCEB4250}" type="pres">
+      <dgm:prSet presAssocID="{5F7FBEF5-078E-46B7-AE94-106347F91206}" presName="spaceRect" presStyleCnt="0"/>
+      <dgm:spPr/>
+    </dgm:pt>
+    <dgm:pt modelId="{74C405A3-EA91-46C3-99F0-71B5AA56AE54}" type="pres">
+      <dgm:prSet presAssocID="{5F7FBEF5-078E-46B7-AE94-106347F91206}" presName="parTx" presStyleLbl="revTx" presStyleIdx="1" presStyleCnt="3">
+        <dgm:presLayoutVars>
+          <dgm:chMax val="0"/>
+          <dgm:chPref val="0"/>
+        </dgm:presLayoutVars>
+      </dgm:prSet>
+      <dgm:spPr/>
+    </dgm:pt>
+    <dgm:pt modelId="{7DEBC12A-048E-43FA-A126-6B8E5564E772}" type="pres">
+      <dgm:prSet presAssocID="{2432F4CC-5C69-4CB4-B992-0BB222569E03}" presName="sibTrans" presStyleCnt="0"/>
+      <dgm:spPr/>
+    </dgm:pt>
+    <dgm:pt modelId="{2E117B3A-E4EB-47FA-A435-A7A1E05C61D2}" type="pres">
+      <dgm:prSet presAssocID="{F6937E21-265F-4588-A698-11F7D370BED1}" presName="compNode" presStyleCnt="0"/>
+      <dgm:spPr/>
+    </dgm:pt>
+    <dgm:pt modelId="{D27EF144-56F6-48F7-A659-B7732D7446E0}" type="pres">
+      <dgm:prSet presAssocID="{F6937E21-265F-4588-A698-11F7D370BED1}" presName="bgRect" presStyleLbl="bgShp" presStyleIdx="2" presStyleCnt="3"/>
+      <dgm:spPr/>
+    </dgm:pt>
+    <dgm:pt modelId="{966F3100-EE37-480E-988E-C2FF4B624C5F}" type="pres">
+      <dgm:prSet presAssocID="{F6937E21-265F-4588-A698-11F7D370BED1}" presName="iconRect" presStyleLbl="node1" presStyleIdx="2" presStyleCnt="3"/>
+      <dgm:spPr>
+        <a:blipFill>
+          <a:blip xmlns:r="http://schemas.openxmlformats.org/officeDocument/2006/relationships" r:embed="rId5">
+            <a:extLst>
+              <a:ext uri="{28A0092B-C50C-407E-A947-70E740481C1C}">
+                <a14:useLocalDpi xmlns:a14="http://schemas.microsoft.com/office/drawing/2010/main" val="0"/>
+              </a:ext>
+              <a:ext uri="{96DAC541-7B7A-43D3-8B79-37D633B846F1}">
+                <asvg:svgBlip xmlns:asvg="http://schemas.microsoft.com/office/drawing/2016/SVG/main" r:embed="rId6"/>
+              </a:ext>
+            </a:extLst>
+          </a:blip>
+          <a:stretch>
+            <a:fillRect/>
+          </a:stretch>
+        </a:blipFill>
+        <a:ln>
+          <a:noFill/>
+        </a:ln>
+      </dgm:spPr>
+      <dgm:extLst>
+        <a:ext uri="{E40237B7-FDA0-4F09-8148-C483321AD2D9}">
+          <dgm14:cNvPr xmlns:dgm14="http://schemas.microsoft.com/office/drawing/2010/diagram" id="0" name="" descr="Gears"/>
+        </a:ext>
+      </dgm:extLst>
+    </dgm:pt>
+    <dgm:pt modelId="{A61D9C6C-7184-45F6-8ACE-7A78B4EAF022}" type="pres">
+      <dgm:prSet presAssocID="{F6937E21-265F-4588-A698-11F7D370BED1}" presName="spaceRect" presStyleCnt="0"/>
+      <dgm:spPr/>
+    </dgm:pt>
+    <dgm:pt modelId="{C83BBB53-E93C-4A27-935F-E56727B348C4}" type="pres">
+      <dgm:prSet presAssocID="{F6937E21-265F-4588-A698-11F7D370BED1}" presName="parTx" presStyleLbl="revTx" presStyleIdx="2" presStyleCnt="3">
+        <dgm:presLayoutVars>
+          <dgm:chMax val="0"/>
+          <dgm:chPref val="0"/>
+        </dgm:presLayoutVars>
+      </dgm:prSet>
+      <dgm:spPr/>
+    </dgm:pt>
+  </dgm:ptLst>
+  <dgm:cxnLst>
+    <dgm:cxn modelId="{B03F2F0D-97CB-434E-BB5C-EC7DB358BC44}" srcId="{47892B76-4EBF-42EE-842A-E20C422CFCD2}" destId="{F6937E21-265F-4588-A698-11F7D370BED1}" srcOrd="2" destOrd="0" parTransId="{E6017DE8-E492-4055-82B1-8F9D20BC0720}" sibTransId="{37B98DD1-B561-414B-88A1-069016C226CC}"/>
+    <dgm:cxn modelId="{984FD241-57F9-49ED-B92B-1028EC04D2BA}" type="presOf" srcId="{5F7FBEF5-078E-46B7-AE94-106347F91206}" destId="{74C405A3-EA91-46C3-99F0-71B5AA56AE54}" srcOrd="0" destOrd="0" presId="urn:microsoft.com/office/officeart/2018/2/layout/IconVerticalSolidList"/>
+    <dgm:cxn modelId="{849B014A-4E4D-45F1-BB90-B223BF6226BF}" srcId="{47892B76-4EBF-42EE-842A-E20C422CFCD2}" destId="{239BF204-3037-4A5E-B416-AC907A0994CD}" srcOrd="0" destOrd="0" parTransId="{7C1E3E0A-26DF-4A3C-9081-43749A2A2BE3}" sibTransId="{9CB43FA3-1BB0-4446-8995-E88CAB5EF820}"/>
+    <dgm:cxn modelId="{1337444D-D888-44FA-91FC-9A11C7C4AB31}" type="presOf" srcId="{239BF204-3037-4A5E-B416-AC907A0994CD}" destId="{0AEDC209-6A4D-4DC9-AC28-7871FAA90190}" srcOrd="0" destOrd="0" presId="urn:microsoft.com/office/officeart/2018/2/layout/IconVerticalSolidList"/>
+    <dgm:cxn modelId="{75E66155-B6D4-4728-BC84-80C2140DDC86}" srcId="{47892B76-4EBF-42EE-842A-E20C422CFCD2}" destId="{5F7FBEF5-078E-46B7-AE94-106347F91206}" srcOrd="1" destOrd="0" parTransId="{736F4025-81BA-4665-AEC6-14FB5926007C}" sibTransId="{2432F4CC-5C69-4CB4-B992-0BB222569E03}"/>
+    <dgm:cxn modelId="{1B9B7D80-9759-4CBB-8E7C-79750FFBE5F2}" type="presOf" srcId="{F6937E21-265F-4588-A698-11F7D370BED1}" destId="{C83BBB53-E93C-4A27-935F-E56727B348C4}" srcOrd="0" destOrd="0" presId="urn:microsoft.com/office/officeart/2018/2/layout/IconVerticalSolidList"/>
+    <dgm:cxn modelId="{AF8DBE98-9AF4-4CED-BAFA-8F9F898D2DB9}" type="presOf" srcId="{47892B76-4EBF-42EE-842A-E20C422CFCD2}" destId="{751030AC-F4E5-4F31-A328-A12793063543}" srcOrd="0" destOrd="0" presId="urn:microsoft.com/office/officeart/2018/2/layout/IconVerticalSolidList"/>
+    <dgm:cxn modelId="{42275D15-64EC-4AC9-8EE7-AABA0449A706}" type="presParOf" srcId="{751030AC-F4E5-4F31-A328-A12793063543}" destId="{CF477608-CBC2-481C-A1B5-2088144B002C}" srcOrd="0" destOrd="0" presId="urn:microsoft.com/office/officeart/2018/2/layout/IconVerticalSolidList"/>
+    <dgm:cxn modelId="{47CF4E52-729D-43FF-A743-97843E0B5C81}" type="presParOf" srcId="{CF477608-CBC2-481C-A1B5-2088144B002C}" destId="{2EC7EF32-10F7-483D-8E42-CC98E2E52416}" srcOrd="0" destOrd="0" presId="urn:microsoft.com/office/officeart/2018/2/layout/IconVerticalSolidList"/>
+    <dgm:cxn modelId="{73A465F3-7E49-4EBE-8500-941F1A805B5A}" type="presParOf" srcId="{CF477608-CBC2-481C-A1B5-2088144B002C}" destId="{8CAFC3D4-5E19-4D58-A2E3-AF24B6B08C4F}" srcOrd="1" destOrd="0" presId="urn:microsoft.com/office/officeart/2018/2/layout/IconVerticalSolidList"/>
+    <dgm:cxn modelId="{EB71B54D-9FD0-4C1B-A7C8-7A287D2B236D}" type="presParOf" srcId="{CF477608-CBC2-481C-A1B5-2088144B002C}" destId="{5D88BB21-29EE-4A44-8F26-4D2395DE4280}" srcOrd="2" destOrd="0" presId="urn:microsoft.com/office/officeart/2018/2/layout/IconVerticalSolidList"/>
+    <dgm:cxn modelId="{79FE1359-37ED-48D8-86EA-E0F9BBC6DA35}" type="presParOf" srcId="{CF477608-CBC2-481C-A1B5-2088144B002C}" destId="{0AEDC209-6A4D-4DC9-AC28-7871FAA90190}" srcOrd="3" destOrd="0" presId="urn:microsoft.com/office/officeart/2018/2/layout/IconVerticalSolidList"/>
+    <dgm:cxn modelId="{EE44115C-97AE-4B67-8A68-2E56E2DC9DB2}" type="presParOf" srcId="{751030AC-F4E5-4F31-A328-A12793063543}" destId="{A5030693-49DB-43DE-B2CD-508707D33A04}" srcOrd="1" destOrd="0" presId="urn:microsoft.com/office/officeart/2018/2/layout/IconVerticalSolidList"/>
+    <dgm:cxn modelId="{E4FA67A9-8CBC-4618-AA96-2554481C1020}" type="presParOf" srcId="{751030AC-F4E5-4F31-A328-A12793063543}" destId="{BCC20600-DE33-4CCF-95DF-DBDF77FC1D01}" srcOrd="2" destOrd="0" presId="urn:microsoft.com/office/officeart/2018/2/layout/IconVerticalSolidList"/>
+    <dgm:cxn modelId="{85E6DA38-98BD-4522-9510-C9DFF76D4181}" type="presParOf" srcId="{BCC20600-DE33-4CCF-95DF-DBDF77FC1D01}" destId="{EB3CDFB4-3DA7-4D65-9CDA-8D596497693C}" srcOrd="0" destOrd="0" presId="urn:microsoft.com/office/officeart/2018/2/layout/IconVerticalSolidList"/>
+    <dgm:cxn modelId="{DD45566F-BA4B-4282-AEAB-2032202E7203}" type="presParOf" srcId="{BCC20600-DE33-4CCF-95DF-DBDF77FC1D01}" destId="{094A6045-75D2-4B5E-BF6E-E8061FE3975B}" srcOrd="1" destOrd="0" presId="urn:microsoft.com/office/officeart/2018/2/layout/IconVerticalSolidList"/>
+    <dgm:cxn modelId="{DDB4CB03-48B7-41B3-B8D1-9EBEEC81C37F}" type="presParOf" srcId="{BCC20600-DE33-4CCF-95DF-DBDF77FC1D01}" destId="{729AEA97-8ECC-495C-9321-F9FADCEB4250}" srcOrd="2" destOrd="0" presId="urn:microsoft.com/office/officeart/2018/2/layout/IconVerticalSolidList"/>
+    <dgm:cxn modelId="{F7B8E41C-F2ED-4519-A877-E08603BA6811}" type="presParOf" srcId="{BCC20600-DE33-4CCF-95DF-DBDF77FC1D01}" destId="{74C405A3-EA91-46C3-99F0-71B5AA56AE54}" srcOrd="3" destOrd="0" presId="urn:microsoft.com/office/officeart/2018/2/layout/IconVerticalSolidList"/>
+    <dgm:cxn modelId="{AE7D6A3B-956C-472D-A548-2711E8D3D875}" type="presParOf" srcId="{751030AC-F4E5-4F31-A328-A12793063543}" destId="{7DEBC12A-048E-43FA-A126-6B8E5564E772}" srcOrd="3" destOrd="0" presId="urn:microsoft.com/office/officeart/2018/2/layout/IconVerticalSolidList"/>
+    <dgm:cxn modelId="{D95B37FD-A240-46F3-B7E0-74131D7317C5}" type="presParOf" srcId="{751030AC-F4E5-4F31-A328-A12793063543}" destId="{2E117B3A-E4EB-47FA-A435-A7A1E05C61D2}" srcOrd="4" destOrd="0" presId="urn:microsoft.com/office/officeart/2018/2/layout/IconVerticalSolidList"/>
+    <dgm:cxn modelId="{8AA33B10-AE85-412A-B20D-22E1333A5811}" type="presParOf" srcId="{2E117B3A-E4EB-47FA-A435-A7A1E05C61D2}" destId="{D27EF144-56F6-48F7-A659-B7732D7446E0}" srcOrd="0" destOrd="0" presId="urn:microsoft.com/office/officeart/2018/2/layout/IconVerticalSolidList"/>
+    <dgm:cxn modelId="{1EBBE67C-FC85-447D-A4BD-6CE53C346DCE}" type="presParOf" srcId="{2E117B3A-E4EB-47FA-A435-A7A1E05C61D2}" destId="{966F3100-EE37-480E-988E-C2FF4B624C5F}" srcOrd="1" destOrd="0" presId="urn:microsoft.com/office/officeart/2018/2/layout/IconVerticalSolidList"/>
+    <dgm:cxn modelId="{EFFDC092-DB9B-4E84-B85F-73A217CBC207}" type="presParOf" srcId="{2E117B3A-E4EB-47FA-A435-A7A1E05C61D2}" destId="{A61D9C6C-7184-45F6-8ACE-7A78B4EAF022}" srcOrd="2" destOrd="0" presId="urn:microsoft.com/office/officeart/2018/2/layout/IconVerticalSolidList"/>
+    <dgm:cxn modelId="{184D8D53-FE6C-4E2D-B8C0-FE49EB7CF7FD}" type="presParOf" srcId="{2E117B3A-E4EB-47FA-A435-A7A1E05C61D2}" destId="{C83BBB53-E93C-4A27-935F-E56727B348C4}" srcOrd="3" destOrd="0" presId="urn:microsoft.com/office/officeart/2018/2/layout/IconVerticalSolidList"/>
+  </dgm:cxnLst>
+  <dgm:bg/>
+  <dgm:whole/>
+  <dgm:extLst>
+    <a:ext uri="http://schemas.microsoft.com/office/drawing/2008/diagram">
+      <dsp:dataModelExt xmlns:dsp="http://schemas.microsoft.com/office/drawing/2008/diagram" relId="rId6" minVer="http://schemas.openxmlformats.org/drawingml/2006/diagram"/>
+    </a:ext>
+  </dgm:extLst>
+</dgm:dataModel>
+</file>
+
 <file path=ppt/diagrams/drawing1.xml><?xml version="1.0" encoding="utf-8"?>
 <dsp:drawing xmlns:dgm="http://schemas.openxmlformats.org/drawingml/2006/diagram" xmlns:dsp="http://schemas.microsoft.com/office/drawing/2008/diagram" xmlns:a="http://schemas.openxmlformats.org/drawingml/2006/main">
   <dsp:spTree>
@@ -1667,7 +2914,7 @@
           </a:pPr>
           <a:r>
             <a:rPr lang="en-US" sz="1800" kern="1200">
-              <a:latin typeface="Arial" panose="020B0604020202020204" pitchFamily="34" charset="0"/>
+              <a:latin typeface="Aptos" panose="020B0004020202020204" pitchFamily="34" charset="0"/>
               <a:cs typeface="Arial" panose="020B0604020202020204" pitchFamily="34" charset="0"/>
             </a:rPr>
             <a:t>Introduction</a:t>
@@ -1779,7 +3026,7 @@
           </a:pPr>
           <a:r>
             <a:rPr lang="en-US" sz="1800" kern="1200">
-              <a:latin typeface="Arial" panose="020B0604020202020204" pitchFamily="34" charset="0"/>
+              <a:latin typeface="Aptos" panose="020B0004020202020204" pitchFamily="34" charset="0"/>
               <a:cs typeface="Arial" panose="020B0604020202020204" pitchFamily="34" charset="0"/>
             </a:rPr>
             <a:t>Project Objective</a:t>
@@ -1891,7 +3138,7 @@
           </a:pPr>
           <a:r>
             <a:rPr lang="en-US" sz="1800" kern="1200">
-              <a:latin typeface="Arial" panose="020B0604020202020204" pitchFamily="34" charset="0"/>
+              <a:latin typeface="Aptos" panose="020B0004020202020204" pitchFamily="34" charset="0"/>
               <a:cs typeface="Arial" panose="020B0604020202020204" pitchFamily="34" charset="0"/>
             </a:rPr>
             <a:t>Implementation</a:t>
@@ -2003,7 +3250,7 @@
           </a:pPr>
           <a:r>
             <a:rPr lang="en-US" sz="1800" kern="1200">
-              <a:latin typeface="Arial" panose="020B0604020202020204" pitchFamily="34" charset="0"/>
+              <a:latin typeface="Aptos" panose="020B0004020202020204" pitchFamily="34" charset="0"/>
               <a:cs typeface="Arial" panose="020B0604020202020204" pitchFamily="34" charset="0"/>
             </a:rPr>
             <a:t>Results</a:t>
@@ -2115,7 +3362,7 @@
           </a:pPr>
           <a:r>
             <a:rPr lang="en-US" sz="1800" kern="1200">
-              <a:latin typeface="Arial" panose="020B0604020202020204" pitchFamily="34" charset="0"/>
+              <a:latin typeface="Aptos" panose="020B0004020202020204" pitchFamily="34" charset="0"/>
               <a:cs typeface="Arial" panose="020B0604020202020204" pitchFamily="34" charset="0"/>
             </a:rPr>
             <a:t>Conclusion</a:t>
@@ -2227,7 +3474,7 @@
           </a:pPr>
           <a:r>
             <a:rPr lang="en-US" sz="1800" kern="1200">
-              <a:latin typeface="Arial" panose="020B0604020202020204" pitchFamily="34" charset="0"/>
+              <a:latin typeface="Aptos" panose="020B0004020202020204" pitchFamily="34" charset="0"/>
               <a:cs typeface="Arial" panose="020B0604020202020204" pitchFamily="34" charset="0"/>
             </a:rPr>
             <a:t>References</a:t>
@@ -2237,6 +3484,474 @@
       <dsp:txXfrm>
         <a:off x="9422592" y="2067457"/>
         <a:ext cx="1603125" cy="641250"/>
+      </dsp:txXfrm>
+    </dsp:sp>
+  </dsp:spTree>
+</dsp:drawing>
+</file>
+
+<file path=ppt/diagrams/drawing2.xml><?xml version="1.0" encoding="utf-8"?>
+<dsp:drawing xmlns:dgm="http://schemas.openxmlformats.org/drawingml/2006/diagram" xmlns:dsp="http://schemas.microsoft.com/office/drawing/2008/diagram" xmlns:a="http://schemas.openxmlformats.org/drawingml/2006/main">
+  <dsp:spTree>
+    <dsp:nvGrpSpPr>
+      <dsp:cNvPr id="0" name=""/>
+      <dsp:cNvGrpSpPr/>
+    </dsp:nvGrpSpPr>
+    <dsp:grpSpPr/>
+    <dsp:sp modelId="{2EC7EF32-10F7-483D-8E42-CC98E2E52416}">
+      <dsp:nvSpPr>
+        <dsp:cNvPr id="0" name=""/>
+        <dsp:cNvSpPr/>
+      </dsp:nvSpPr>
+      <dsp:spPr>
+        <a:xfrm>
+          <a:off x="0" y="574"/>
+          <a:ext cx="7012370" cy="1345137"/>
+        </a:xfrm>
+        <a:prstGeom prst="roundRect">
+          <a:avLst>
+            <a:gd name="adj" fmla="val 10000"/>
+          </a:avLst>
+        </a:prstGeom>
+        <a:solidFill>
+          <a:schemeClr val="bg1">
+            <a:lumMod val="95000"/>
+            <a:hueOff val="0"/>
+            <a:satOff val="0"/>
+            <a:lumOff val="0"/>
+            <a:alphaOff val="0"/>
+          </a:schemeClr>
+        </a:solidFill>
+        <a:ln>
+          <a:noFill/>
+        </a:ln>
+        <a:effectLst/>
+      </dsp:spPr>
+      <dsp:style>
+        <a:lnRef idx="0">
+          <a:scrgbClr r="0" g="0" b="0"/>
+        </a:lnRef>
+        <a:fillRef idx="1">
+          <a:scrgbClr r="0" g="0" b="0"/>
+        </a:fillRef>
+        <a:effectRef idx="0">
+          <a:scrgbClr r="0" g="0" b="0"/>
+        </a:effectRef>
+        <a:fontRef idx="minor"/>
+      </dsp:style>
+    </dsp:sp>
+    <dsp:sp modelId="{8CAFC3D4-5E19-4D58-A2E3-AF24B6B08C4F}">
+      <dsp:nvSpPr>
+        <dsp:cNvPr id="0" name=""/>
+        <dsp:cNvSpPr/>
+      </dsp:nvSpPr>
+      <dsp:spPr>
+        <a:xfrm>
+          <a:off x="406904" y="303230"/>
+          <a:ext cx="739825" cy="739825"/>
+        </a:xfrm>
+        <a:prstGeom prst="rect">
+          <a:avLst/>
+        </a:prstGeom>
+        <a:blipFill>
+          <a:blip xmlns:r="http://schemas.openxmlformats.org/officeDocument/2006/relationships" r:embed="rId1">
+            <a:extLst>
+              <a:ext uri="{28A0092B-C50C-407E-A947-70E740481C1C}">
+                <a14:useLocalDpi xmlns:a14="http://schemas.microsoft.com/office/drawing/2010/main" val="0"/>
+              </a:ext>
+              <a:ext uri="{96DAC541-7B7A-43D3-8B79-37D633B846F1}">
+                <asvg:svgBlip xmlns:asvg="http://schemas.microsoft.com/office/drawing/2016/SVG/main" r:embed="rId2"/>
+              </a:ext>
+            </a:extLst>
+          </a:blip>
+          <a:stretch>
+            <a:fillRect/>
+          </a:stretch>
+        </a:blipFill>
+        <a:ln w="22225" cap="rnd" cmpd="sng" algn="ctr">
+          <a:noFill/>
+          <a:prstDash val="solid"/>
+        </a:ln>
+        <a:effectLst/>
+      </dsp:spPr>
+      <dsp:style>
+        <a:lnRef idx="2">
+          <a:scrgbClr r="0" g="0" b="0"/>
+        </a:lnRef>
+        <a:fillRef idx="1">
+          <a:scrgbClr r="0" g="0" b="0"/>
+        </a:fillRef>
+        <a:effectRef idx="0">
+          <a:scrgbClr r="0" g="0" b="0"/>
+        </a:effectRef>
+        <a:fontRef idx="minor">
+          <a:schemeClr val="lt1"/>
+        </a:fontRef>
+      </dsp:style>
+    </dsp:sp>
+    <dsp:sp modelId="{0AEDC209-6A4D-4DC9-AC28-7871FAA90190}">
+      <dsp:nvSpPr>
+        <dsp:cNvPr id="0" name=""/>
+        <dsp:cNvSpPr/>
+      </dsp:nvSpPr>
+      <dsp:spPr>
+        <a:xfrm>
+          <a:off x="1553633" y="574"/>
+          <a:ext cx="5458736" cy="1345137"/>
+        </a:xfrm>
+        <a:prstGeom prst="rect">
+          <a:avLst/>
+        </a:prstGeom>
+        <a:noFill/>
+        <a:ln>
+          <a:noFill/>
+        </a:ln>
+        <a:effectLst/>
+      </dsp:spPr>
+      <dsp:style>
+        <a:lnRef idx="0">
+          <a:scrgbClr r="0" g="0" b="0"/>
+        </a:lnRef>
+        <a:fillRef idx="0">
+          <a:scrgbClr r="0" g="0" b="0"/>
+        </a:fillRef>
+        <a:effectRef idx="0">
+          <a:scrgbClr r="0" g="0" b="0"/>
+        </a:effectRef>
+        <a:fontRef idx="minor"/>
+      </dsp:style>
+      <dsp:txBody>
+        <a:bodyPr spcFirstLastPara="0" vert="horz" wrap="square" lIns="142360" tIns="142360" rIns="142360" bIns="142360" numCol="1" spcCol="1270" anchor="ctr" anchorCtr="0">
+          <a:noAutofit/>
+        </a:bodyPr>
+        <a:lstStyle/>
+        <a:p>
+          <a:pPr marL="0" lvl="0" indent="0" algn="l" defTabSz="711200">
+            <a:lnSpc>
+              <a:spcPct val="90000"/>
+            </a:lnSpc>
+            <a:spcBef>
+              <a:spcPct val="0"/>
+            </a:spcBef>
+            <a:spcAft>
+              <a:spcPct val="35000"/>
+            </a:spcAft>
+            <a:buNone/>
+          </a:pPr>
+          <a:r>
+            <a:rPr lang="en-US" sz="1600" b="0" i="0" kern="1200"/>
+            <a:t>Low False Negative Rate (FNR) is crucial in anomaly detection, particularly in sensitive areas like fraud detection, to avoid overlooking anomalies and wasting resources on unnecessary investigations.</a:t>
+          </a:r>
+          <a:endParaRPr lang="en-US" sz="1600" kern="1200"/>
+        </a:p>
+      </dsp:txBody>
+      <dsp:txXfrm>
+        <a:off x="1553633" y="574"/>
+        <a:ext cx="5458736" cy="1345137"/>
+      </dsp:txXfrm>
+    </dsp:sp>
+    <dsp:sp modelId="{EB3CDFB4-3DA7-4D65-9CDA-8D596497693C}">
+      <dsp:nvSpPr>
+        <dsp:cNvPr id="0" name=""/>
+        <dsp:cNvSpPr/>
+      </dsp:nvSpPr>
+      <dsp:spPr>
+        <a:xfrm>
+          <a:off x="0" y="1681996"/>
+          <a:ext cx="7012370" cy="1345137"/>
+        </a:xfrm>
+        <a:prstGeom prst="roundRect">
+          <a:avLst>
+            <a:gd name="adj" fmla="val 10000"/>
+          </a:avLst>
+        </a:prstGeom>
+        <a:solidFill>
+          <a:schemeClr val="bg1">
+            <a:lumMod val="95000"/>
+            <a:hueOff val="0"/>
+            <a:satOff val="0"/>
+            <a:lumOff val="0"/>
+            <a:alphaOff val="0"/>
+          </a:schemeClr>
+        </a:solidFill>
+        <a:ln>
+          <a:noFill/>
+        </a:ln>
+        <a:effectLst/>
+      </dsp:spPr>
+      <dsp:style>
+        <a:lnRef idx="0">
+          <a:scrgbClr r="0" g="0" b="0"/>
+        </a:lnRef>
+        <a:fillRef idx="1">
+          <a:scrgbClr r="0" g="0" b="0"/>
+        </a:fillRef>
+        <a:effectRef idx="0">
+          <a:scrgbClr r="0" g="0" b="0"/>
+        </a:effectRef>
+        <a:fontRef idx="minor"/>
+      </dsp:style>
+    </dsp:sp>
+    <dsp:sp modelId="{094A6045-75D2-4B5E-BF6E-E8061FE3975B}">
+      <dsp:nvSpPr>
+        <dsp:cNvPr id="0" name=""/>
+        <dsp:cNvSpPr/>
+      </dsp:nvSpPr>
+      <dsp:spPr>
+        <a:xfrm>
+          <a:off x="406904" y="1984652"/>
+          <a:ext cx="739825" cy="739825"/>
+        </a:xfrm>
+        <a:prstGeom prst="rect">
+          <a:avLst/>
+        </a:prstGeom>
+        <a:blipFill>
+          <a:blip xmlns:r="http://schemas.openxmlformats.org/officeDocument/2006/relationships" r:embed="rId3">
+            <a:extLst>
+              <a:ext uri="{28A0092B-C50C-407E-A947-70E740481C1C}">
+                <a14:useLocalDpi xmlns:a14="http://schemas.microsoft.com/office/drawing/2010/main" val="0"/>
+              </a:ext>
+              <a:ext uri="{96DAC541-7B7A-43D3-8B79-37D633B846F1}">
+                <asvg:svgBlip xmlns:asvg="http://schemas.microsoft.com/office/drawing/2016/SVG/main" r:embed="rId4"/>
+              </a:ext>
+            </a:extLst>
+          </a:blip>
+          <a:stretch>
+            <a:fillRect/>
+          </a:stretch>
+        </a:blipFill>
+        <a:ln w="22225" cap="rnd" cmpd="sng" algn="ctr">
+          <a:noFill/>
+          <a:prstDash val="solid"/>
+        </a:ln>
+        <a:effectLst/>
+      </dsp:spPr>
+      <dsp:style>
+        <a:lnRef idx="2">
+          <a:scrgbClr r="0" g="0" b="0"/>
+        </a:lnRef>
+        <a:fillRef idx="1">
+          <a:scrgbClr r="0" g="0" b="0"/>
+        </a:fillRef>
+        <a:effectRef idx="0">
+          <a:scrgbClr r="0" g="0" b="0"/>
+        </a:effectRef>
+        <a:fontRef idx="minor">
+          <a:schemeClr val="lt1"/>
+        </a:fontRef>
+      </dsp:style>
+    </dsp:sp>
+    <dsp:sp modelId="{74C405A3-EA91-46C3-99F0-71B5AA56AE54}">
+      <dsp:nvSpPr>
+        <dsp:cNvPr id="0" name=""/>
+        <dsp:cNvSpPr/>
+      </dsp:nvSpPr>
+      <dsp:spPr>
+        <a:xfrm>
+          <a:off x="1553633" y="1681996"/>
+          <a:ext cx="5458736" cy="1345137"/>
+        </a:xfrm>
+        <a:prstGeom prst="rect">
+          <a:avLst/>
+        </a:prstGeom>
+        <a:noFill/>
+        <a:ln>
+          <a:noFill/>
+        </a:ln>
+        <a:effectLst/>
+      </dsp:spPr>
+      <dsp:style>
+        <a:lnRef idx="0">
+          <a:scrgbClr r="0" g="0" b="0"/>
+        </a:lnRef>
+        <a:fillRef idx="0">
+          <a:scrgbClr r="0" g="0" b="0"/>
+        </a:fillRef>
+        <a:effectRef idx="0">
+          <a:scrgbClr r="0" g="0" b="0"/>
+        </a:effectRef>
+        <a:fontRef idx="minor"/>
+      </dsp:style>
+      <dsp:txBody>
+        <a:bodyPr spcFirstLastPara="0" vert="horz" wrap="square" lIns="142360" tIns="142360" rIns="142360" bIns="142360" numCol="1" spcCol="1270" anchor="ctr" anchorCtr="0">
+          <a:noAutofit/>
+        </a:bodyPr>
+        <a:lstStyle/>
+        <a:p>
+          <a:pPr marL="0" lvl="0" indent="0" algn="l" defTabSz="711200">
+            <a:lnSpc>
+              <a:spcPct val="90000"/>
+            </a:lnSpc>
+            <a:spcBef>
+              <a:spcPct val="0"/>
+            </a:spcBef>
+            <a:spcAft>
+              <a:spcPct val="35000"/>
+            </a:spcAft>
+            <a:buNone/>
+          </a:pPr>
+          <a:r>
+            <a:rPr lang="en-US" sz="1600" b="0" i="0" kern="1200"/>
+            <a:t>Hierarchical Temporal Memory (HTM) stands out for real-time anomaly detection without pre-training, making it ideal for dynamic data streams and resilient to noise.</a:t>
+          </a:r>
+          <a:endParaRPr lang="en-US" sz="1600" kern="1200"/>
+        </a:p>
+      </dsp:txBody>
+      <dsp:txXfrm>
+        <a:off x="1553633" y="1681996"/>
+        <a:ext cx="5458736" cy="1345137"/>
+      </dsp:txXfrm>
+    </dsp:sp>
+    <dsp:sp modelId="{D27EF144-56F6-48F7-A659-B7732D7446E0}">
+      <dsp:nvSpPr>
+        <dsp:cNvPr id="0" name=""/>
+        <dsp:cNvSpPr/>
+      </dsp:nvSpPr>
+      <dsp:spPr>
+        <a:xfrm>
+          <a:off x="0" y="3363418"/>
+          <a:ext cx="7012370" cy="1345137"/>
+        </a:xfrm>
+        <a:prstGeom prst="roundRect">
+          <a:avLst>
+            <a:gd name="adj" fmla="val 10000"/>
+          </a:avLst>
+        </a:prstGeom>
+        <a:solidFill>
+          <a:schemeClr val="bg1">
+            <a:lumMod val="95000"/>
+            <a:hueOff val="0"/>
+            <a:satOff val="0"/>
+            <a:lumOff val="0"/>
+            <a:alphaOff val="0"/>
+          </a:schemeClr>
+        </a:solidFill>
+        <a:ln>
+          <a:noFill/>
+        </a:ln>
+        <a:effectLst/>
+      </dsp:spPr>
+      <dsp:style>
+        <a:lnRef idx="0">
+          <a:scrgbClr r="0" g="0" b="0"/>
+        </a:lnRef>
+        <a:fillRef idx="1">
+          <a:scrgbClr r="0" g="0" b="0"/>
+        </a:fillRef>
+        <a:effectRef idx="0">
+          <a:scrgbClr r="0" g="0" b="0"/>
+        </a:effectRef>
+        <a:fontRef idx="minor"/>
+      </dsp:style>
+    </dsp:sp>
+    <dsp:sp modelId="{966F3100-EE37-480E-988E-C2FF4B624C5F}">
+      <dsp:nvSpPr>
+        <dsp:cNvPr id="0" name=""/>
+        <dsp:cNvSpPr/>
+      </dsp:nvSpPr>
+      <dsp:spPr>
+        <a:xfrm>
+          <a:off x="406904" y="3666074"/>
+          <a:ext cx="739825" cy="739825"/>
+        </a:xfrm>
+        <a:prstGeom prst="rect">
+          <a:avLst/>
+        </a:prstGeom>
+        <a:blipFill>
+          <a:blip xmlns:r="http://schemas.openxmlformats.org/officeDocument/2006/relationships" r:embed="rId5">
+            <a:extLst>
+              <a:ext uri="{28A0092B-C50C-407E-A947-70E740481C1C}">
+                <a14:useLocalDpi xmlns:a14="http://schemas.microsoft.com/office/drawing/2010/main" val="0"/>
+              </a:ext>
+              <a:ext uri="{96DAC541-7B7A-43D3-8B79-37D633B846F1}">
+                <asvg:svgBlip xmlns:asvg="http://schemas.microsoft.com/office/drawing/2016/SVG/main" r:embed="rId6"/>
+              </a:ext>
+            </a:extLst>
+          </a:blip>
+          <a:stretch>
+            <a:fillRect/>
+          </a:stretch>
+        </a:blipFill>
+        <a:ln w="22225" cap="rnd" cmpd="sng" algn="ctr">
+          <a:noFill/>
+          <a:prstDash val="solid"/>
+        </a:ln>
+        <a:effectLst/>
+      </dsp:spPr>
+      <dsp:style>
+        <a:lnRef idx="2">
+          <a:scrgbClr r="0" g="0" b="0"/>
+        </a:lnRef>
+        <a:fillRef idx="1">
+          <a:scrgbClr r="0" g="0" b="0"/>
+        </a:fillRef>
+        <a:effectRef idx="0">
+          <a:scrgbClr r="0" g="0" b="0"/>
+        </a:effectRef>
+        <a:fontRef idx="minor">
+          <a:schemeClr val="lt1"/>
+        </a:fontRef>
+      </dsp:style>
+    </dsp:sp>
+    <dsp:sp modelId="{C83BBB53-E93C-4A27-935F-E56727B348C4}">
+      <dsp:nvSpPr>
+        <dsp:cNvPr id="0" name=""/>
+        <dsp:cNvSpPr/>
+      </dsp:nvSpPr>
+      <dsp:spPr>
+        <a:xfrm>
+          <a:off x="1553633" y="3363418"/>
+          <a:ext cx="5458736" cy="1345137"/>
+        </a:xfrm>
+        <a:prstGeom prst="rect">
+          <a:avLst/>
+        </a:prstGeom>
+        <a:noFill/>
+        <a:ln>
+          <a:noFill/>
+        </a:ln>
+        <a:effectLst/>
+      </dsp:spPr>
+      <dsp:style>
+        <a:lnRef idx="0">
+          <a:scrgbClr r="0" g="0" b="0"/>
+        </a:lnRef>
+        <a:fillRef idx="0">
+          <a:scrgbClr r="0" g="0" b="0"/>
+        </a:fillRef>
+        <a:effectRef idx="0">
+          <a:scrgbClr r="0" g="0" b="0"/>
+        </a:effectRef>
+        <a:fontRef idx="minor"/>
+      </dsp:style>
+      <dsp:txBody>
+        <a:bodyPr spcFirstLastPara="0" vert="horz" wrap="square" lIns="142360" tIns="142360" rIns="142360" bIns="142360" numCol="1" spcCol="1270" anchor="ctr" anchorCtr="0">
+          <a:noAutofit/>
+        </a:bodyPr>
+        <a:lstStyle/>
+        <a:p>
+          <a:pPr marL="0" lvl="0" indent="0" algn="l" defTabSz="711200">
+            <a:lnSpc>
+              <a:spcPct val="90000"/>
+            </a:lnSpc>
+            <a:spcBef>
+              <a:spcPct val="0"/>
+            </a:spcBef>
+            <a:spcAft>
+              <a:spcPct val="35000"/>
+            </a:spcAft>
+            <a:buNone/>
+          </a:pPr>
+          <a:r>
+            <a:rPr lang="en-US" sz="1600" b="0" i="0" kern="1200"/>
+            <a:t>Enhanced computational resources and time allocation, potentially through cloud platforms, can optimize HTM model performance by allowing for more data and hyperparameter tuning in anomaly detection applications.</a:t>
+          </a:r>
+          <a:endParaRPr lang="en-US" sz="1600" kern="1200"/>
+        </a:p>
+      </dsp:txBody>
+      <dsp:txXfrm>
+        <a:off x="1553633" y="3363418"/>
+        <a:ext cx="5458736" cy="1345137"/>
       </dsp:txXfrm>
     </dsp:sp>
   </dsp:spTree>
@@ -2433,7 +4148,1335 @@
 </dgm:layoutDef>
 </file>
 
+<file path=ppt/diagrams/layout2.xml><?xml version="1.0" encoding="utf-8"?>
+<dgm:layoutDef xmlns:dgm="http://schemas.openxmlformats.org/drawingml/2006/diagram" xmlns:a="http://schemas.openxmlformats.org/drawingml/2006/main" uniqueId="urn:microsoft.com/office/officeart/2018/2/layout/IconVerticalSolidList">
+  <dgm:title val="Icon Vertical Solid List"/>
+  <dgm:desc val="Use to show a series of visuals from top to bottom with Level 1 or Level 1 and Level 2 text grouped in a shape. Works best with icons or small pictures with lengthier descriptions."/>
+  <dgm:catLst>
+    <dgm:cat type="icon" pri="500"/>
+  </dgm:catLst>
+  <dgm:sampData useDef="1">
+    <dgm:dataModel>
+      <dgm:ptLst/>
+      <dgm:bg/>
+      <dgm:whole/>
+    </dgm:dataModel>
+  </dgm:sampData>
+  <dgm:styleData useDef="1">
+    <dgm:dataModel>
+      <dgm:ptLst/>
+      <dgm:bg/>
+      <dgm:whole/>
+    </dgm:dataModel>
+  </dgm:styleData>
+  <dgm:clrData useDef="1">
+    <dgm:dataModel>
+      <dgm:ptLst/>
+      <dgm:bg/>
+      <dgm:whole/>
+    </dgm:dataModel>
+  </dgm:clrData>
+  <dgm:layoutNode name="root">
+    <dgm:varLst>
+      <dgm:dir/>
+      <dgm:resizeHandles val="exact"/>
+    </dgm:varLst>
+    <dgm:choose name="Name0">
+      <dgm:if name="Name1" axis="self" func="var" arg="dir" op="equ" val="norm">
+        <dgm:alg type="lin">
+          <dgm:param type="linDir" val="fromT"/>
+          <dgm:param type="nodeHorzAlign" val="l"/>
+        </dgm:alg>
+      </dgm:if>
+      <dgm:else name="Name2">
+        <dgm:alg type="lin">
+          <dgm:param type="linDir" val="fromT"/>
+          <dgm:param type="nodeHorzAlign" val="r"/>
+        </dgm:alg>
+      </dgm:else>
+    </dgm:choose>
+    <dgm:shape xmlns:r="http://schemas.openxmlformats.org/officeDocument/2006/relationships" r:blip="">
+      <dgm:adjLst/>
+    </dgm:shape>
+    <dgm:presOf/>
+    <dgm:choose name="Name3">
+      <dgm:if name="Name4" axis="ch" ptType="node" func="cnt" op="lte" val="3">
+        <dgm:constrLst>
+          <dgm:constr type="h" for="ch" forName="compNode" refType="h" fact="0.3"/>
+          <dgm:constr type="w" for="ch" forName="compNode" refType="w"/>
+          <dgm:constr type="h" for="ch" forName="sibTrans" refType="h" refFor="ch" refForName="compNode" fact="0.25"/>
+          <dgm:constr type="primFontSz" for="des" forName="parTx" val="25"/>
+          <dgm:constr type="primFontSz" for="des" forName="desTx" refType="primFontSz" refFor="des" refForName="parTx" op="lte" fact="0.75"/>
+          <dgm:constr type="h" for="des" forName="compNode" op="equ"/>
+          <dgm:constr type="h" for="des" forName="bgRect" op="equ"/>
+          <dgm:constr type="h" for="des" forName="iconRect" op="equ"/>
+          <dgm:constr type="w" for="des" forName="iconRect" op="equ"/>
+          <dgm:constr type="h" for="des" forName="spaceRect" op="equ"/>
+          <dgm:constr type="h" for="des" forName="parTx" op="equ"/>
+          <dgm:constr type="h" for="des" forName="desTx" op="equ"/>
+        </dgm:constrLst>
+      </dgm:if>
+      <dgm:if name="Name5" axis="ch" ptType="node" func="cnt" op="lte" val="4">
+        <dgm:constrLst>
+          <dgm:constr type="h" for="ch" forName="compNode" refType="h" fact="0.3"/>
+          <dgm:constr type="w" for="ch" forName="compNode" refType="w"/>
+          <dgm:constr type="h" for="ch" forName="sibTrans" refType="h" refFor="ch" refForName="compNode" fact="0.25"/>
+          <dgm:constr type="primFontSz" for="des" forName="parTx" val="22"/>
+          <dgm:constr type="primFontSz" for="des" forName="desTx" refType="primFontSz" refFor="des" refForName="parTx" op="lte" fact="0.75"/>
+          <dgm:constr type="h" for="des" forName="compNode" op="equ"/>
+          <dgm:constr type="h" for="des" forName="bgRect" op="equ"/>
+          <dgm:constr type="h" for="des" forName="iconRect" op="equ"/>
+          <dgm:constr type="w" for="des" forName="iconRect" op="equ"/>
+          <dgm:constr type="h" for="des" forName="spaceRect" op="equ"/>
+          <dgm:constr type="h" for="des" forName="parTx" op="equ"/>
+          <dgm:constr type="h" for="des" forName="desTx" op="equ"/>
+        </dgm:constrLst>
+      </dgm:if>
+      <dgm:if name="Name6" axis="ch" ptType="node" func="cnt" op="lte" val="6">
+        <dgm:constrLst>
+          <dgm:constr type="h" for="ch" forName="compNode" refType="h" fact="0.3"/>
+          <dgm:constr type="w" for="ch" forName="compNode" refType="w"/>
+          <dgm:constr type="h" for="ch" forName="sibTrans" refType="h" refFor="ch" refForName="compNode" fact="0.25"/>
+          <dgm:constr type="primFontSz" for="des" forName="parTx" val="19"/>
+          <dgm:constr type="primFontSz" for="des" forName="desTx" refType="primFontSz" refFor="des" refForName="parTx" op="lte" fact="0.75"/>
+          <dgm:constr type="h" for="des" forName="compNode" op="equ"/>
+          <dgm:constr type="h" for="des" forName="bgRect" op="equ"/>
+          <dgm:constr type="h" for="des" forName="iconRect" op="equ"/>
+          <dgm:constr type="w" for="des" forName="iconRect" op="equ"/>
+          <dgm:constr type="h" for="des" forName="spaceRect" op="equ"/>
+          <dgm:constr type="h" for="des" forName="parTx" op="equ"/>
+          <dgm:constr type="h" for="des" forName="desTx" op="equ"/>
+        </dgm:constrLst>
+      </dgm:if>
+      <dgm:else name="Name7">
+        <dgm:constrLst>
+          <dgm:constr type="h" for="ch" forName="compNode" refType="h" fact="0.3"/>
+          <dgm:constr type="w" for="ch" forName="compNode" refType="w"/>
+          <dgm:constr type="h" for="ch" forName="sibTrans" refType="h" refFor="ch" refForName="compNode" fact="0.25"/>
+          <dgm:constr type="primFontSz" for="des" forName="parTx" val="16"/>
+          <dgm:constr type="primFontSz" for="des" forName="desTx" refType="primFontSz" refFor="des" refForName="parTx" op="lte" fact="0.75"/>
+          <dgm:constr type="h" for="des" forName="compNode" op="equ"/>
+          <dgm:constr type="h" for="des" forName="bgRect" op="equ"/>
+          <dgm:constr type="h" for="des" forName="iconRect" op="equ"/>
+          <dgm:constr type="w" for="des" forName="iconRect" op="equ"/>
+          <dgm:constr type="h" for="des" forName="spaceRect" op="equ"/>
+          <dgm:constr type="h" for="des" forName="parTx" op="equ"/>
+          <dgm:constr type="h" for="des" forName="desTx" op="equ"/>
+        </dgm:constrLst>
+      </dgm:else>
+    </dgm:choose>
+    <dgm:ruleLst>
+      <dgm:rule type="h" for="ch" forName="compNode" val="0" fact="NaN" max="NaN"/>
+    </dgm:ruleLst>
+    <dgm:forEach name="Name8" axis="ch" ptType="node">
+      <dgm:layoutNode name="compNode">
+        <dgm:alg type="composite"/>
+        <dgm:shape xmlns:r="http://schemas.openxmlformats.org/officeDocument/2006/relationships" r:blip="">
+          <dgm:adjLst/>
+        </dgm:shape>
+        <dgm:presOf axis="self"/>
+        <dgm:choose name="Name9">
+          <dgm:if name="Name10" axis="ch" ptType="node" func="cnt" op="gte" val="1">
+            <dgm:constrLst>
+              <dgm:constr type="w" for="ch" forName="bgRect" refType="w"/>
+              <dgm:constr type="h" for="ch" forName="bgRect" refType="h"/>
+              <dgm:constr type="l" for="ch" forName="bgRect"/>
+              <dgm:constr type="t" for="ch" forName="bgRect"/>
+              <dgm:constr type="h" for="ch" forName="iconRect" refType="h" fact="0.55"/>
+              <dgm:constr type="w" for="ch" forName="iconRect" refType="h" refFor="ch" refForName="iconRect"/>
+              <dgm:constr type="l" for="ch" forName="iconRect" refType="h" refFor="ch" refForName="iconRect" fact="0.55"/>
+              <dgm:constr type="ctrY" for="ch" forName="iconRect" refType="ctrY" refFor="ch" refForName="bgRect"/>
+              <dgm:constr type="w" for="ch" forName="spaceRect" refType="l" refFor="ch" refForName="iconRect"/>
+              <dgm:constr type="h" for="ch" forName="spaceRect" refType="h"/>
+              <dgm:constr type="l" for="ch" forName="spaceRect" refType="r" refFor="ch" refForName="iconRect"/>
+              <dgm:constr type="t" for="ch" forName="spaceRect"/>
+              <dgm:constr type="w" for="ch" forName="parTx" refType="w" fact="0.45"/>
+              <dgm:constr type="h" for="ch" forName="parTx" refType="h"/>
+              <dgm:constr type="l" for="ch" forName="parTx" refType="r" refFor="ch" refForName="spaceRect"/>
+              <dgm:constr type="t" for="ch" forName="parTx"/>
+              <dgm:constr type="h" for="ch" forName="desTx" refType="h"/>
+              <dgm:constr type="l" for="ch" forName="desTx" refType="r" refFor="ch" refForName="parTx"/>
+              <dgm:constr type="t" for="ch" forName="desTx"/>
+            </dgm:constrLst>
+          </dgm:if>
+          <dgm:else name="Name11">
+            <dgm:constrLst>
+              <dgm:constr type="w" for="ch" forName="bgRect" refType="w"/>
+              <dgm:constr type="h" for="ch" forName="bgRect" refType="h"/>
+              <dgm:constr type="l" for="ch" forName="bgRect"/>
+              <dgm:constr type="t" for="ch" forName="bgRect"/>
+              <dgm:constr type="h" for="ch" forName="iconRect" refType="h" fact="0.55"/>
+              <dgm:constr type="w" for="ch" forName="iconRect" refType="h" refFor="ch" refForName="iconRect"/>
+              <dgm:constr type="l" for="ch" forName="iconRect" refType="h" refFor="ch" refForName="iconRect" fact="0.55"/>
+              <dgm:constr type="ctrY" for="ch" forName="iconRect" refType="ctrY" refFor="ch" refForName="bgRect"/>
+              <dgm:constr type="w" for="ch" forName="spaceRect" refType="l" refFor="ch" refForName="iconRect"/>
+              <dgm:constr type="h" for="ch" forName="spaceRect" refType="h"/>
+              <dgm:constr type="l" for="ch" forName="spaceRect" refType="r" refFor="ch" refForName="iconRect"/>
+              <dgm:constr type="t" for="ch" forName="spaceRect"/>
+              <dgm:constr type="h" for="ch" forName="parTx" refType="h"/>
+              <dgm:constr type="l" for="ch" forName="parTx" refType="r" refFor="ch" refForName="spaceRect"/>
+              <dgm:constr type="t" for="ch" forName="parTx"/>
+            </dgm:constrLst>
+          </dgm:else>
+        </dgm:choose>
+        <dgm:ruleLst>
+          <dgm:rule type="h" val="INF" fact="NaN" max="NaN"/>
+        </dgm:ruleLst>
+        <dgm:layoutNode name="bgRect" styleLbl="bgShp">
+          <dgm:alg type="sp"/>
+          <dgm:shape xmlns:r="http://schemas.openxmlformats.org/officeDocument/2006/relationships" type="roundRect" r:blip="">
+            <dgm:adjLst>
+              <dgm:adj idx="1" val="0.1"/>
+            </dgm:adjLst>
+          </dgm:shape>
+          <dgm:presOf/>
+          <dgm:constrLst/>
+          <dgm:ruleLst/>
+        </dgm:layoutNode>
+        <dgm:layoutNode name="iconRect" styleLbl="node1">
+          <dgm:alg type="sp"/>
+          <dgm:shape xmlns:r="http://schemas.openxmlformats.org/officeDocument/2006/relationships" type="rect" r:blip="" blipPhldr="1">
+            <dgm:adjLst/>
+          </dgm:shape>
+          <dgm:presOf/>
+          <dgm:constrLst/>
+          <dgm:ruleLst/>
+        </dgm:layoutNode>
+        <dgm:layoutNode name="spaceRect">
+          <dgm:alg type="sp"/>
+          <dgm:shape xmlns:r="http://schemas.openxmlformats.org/officeDocument/2006/relationships" r:blip="">
+            <dgm:adjLst/>
+          </dgm:shape>
+          <dgm:presOf/>
+          <dgm:constrLst/>
+          <dgm:ruleLst/>
+        </dgm:layoutNode>
+        <dgm:layoutNode name="parTx" styleLbl="revTx">
+          <dgm:varLst>
+            <dgm:chMax val="0"/>
+            <dgm:chPref val="0"/>
+          </dgm:varLst>
+          <dgm:alg type="tx">
+            <dgm:param type="txAnchorVert" val="mid"/>
+            <dgm:param type="parTxLTRAlign" val="l"/>
+            <dgm:param type="shpTxLTRAlignCh" val="l"/>
+            <dgm:param type="parTxRTLAlign" val="r"/>
+            <dgm:param type="shpTxRTLAlignCh" val="r"/>
+          </dgm:alg>
+          <dgm:shape xmlns:r="http://schemas.openxmlformats.org/officeDocument/2006/relationships" type="rect" r:blip="">
+            <dgm:adjLst/>
+          </dgm:shape>
+          <dgm:presOf axis="self" ptType="node"/>
+          <dgm:constrLst>
+            <dgm:constr type="lMarg" refType="h" fact="0.3"/>
+            <dgm:constr type="rMarg" refType="h" fact="0.3"/>
+            <dgm:constr type="tMarg" refType="h" fact="0.3"/>
+            <dgm:constr type="bMarg" refType="h" fact="0.3"/>
+          </dgm:constrLst>
+          <dgm:ruleLst>
+            <dgm:rule type="primFontSz" val="14" fact="NaN" max="NaN"/>
+            <dgm:rule type="h" val="INF" fact="NaN" max="NaN"/>
+          </dgm:ruleLst>
+        </dgm:layoutNode>
+        <dgm:choose name="Name12">
+          <dgm:if name="Name13" axis="ch" ptType="node" func="cnt" op="gte" val="1">
+            <dgm:layoutNode name="desTx" styleLbl="revTx">
+              <dgm:varLst/>
+              <dgm:alg type="tx">
+                <dgm:param type="txAnchorVertCh" val="mid"/>
+                <dgm:param type="parTxLTRAlign" val="l"/>
+                <dgm:param type="shpTxLTRAlignCh" val="l"/>
+                <dgm:param type="parTxRTLAlign" val="r"/>
+                <dgm:param type="shpTxRTLAlignCh" val="r"/>
+                <dgm:param type="stBulletLvl" val="0"/>
+              </dgm:alg>
+              <dgm:shape xmlns:r="http://schemas.openxmlformats.org/officeDocument/2006/relationships" type="rect" r:blip="">
+                <dgm:adjLst/>
+              </dgm:shape>
+              <dgm:presOf axis="des" ptType="node"/>
+              <dgm:constrLst>
+                <dgm:constr type="primFontSz" val="18"/>
+                <dgm:constr type="secFontSz" refType="primFontSz"/>
+                <dgm:constr type="lMarg" refType="h" fact="0.3"/>
+                <dgm:constr type="rMarg" refType="h" fact="0.3"/>
+                <dgm:constr type="tMarg" refType="h" fact="0.3"/>
+                <dgm:constr type="bMarg" refType="h" fact="0.3"/>
+              </dgm:constrLst>
+              <dgm:ruleLst>
+                <dgm:rule type="primFontSz" val="11" fact="NaN" max="NaN"/>
+              </dgm:ruleLst>
+            </dgm:layoutNode>
+          </dgm:if>
+          <dgm:else name="Name14"/>
+        </dgm:choose>
+      </dgm:layoutNode>
+      <dgm:forEach name="Name15" axis="followSib" ptType="sibTrans" cnt="1">
+        <dgm:layoutNode name="sibTrans">
+          <dgm:alg type="sp"/>
+          <dgm:shape xmlns:r="http://schemas.openxmlformats.org/officeDocument/2006/relationships" r:blip="">
+            <dgm:adjLst/>
+          </dgm:shape>
+          <dgm:presOf axis="self"/>
+          <dgm:constrLst/>
+          <dgm:ruleLst/>
+        </dgm:layoutNode>
+      </dgm:forEach>
+    </dgm:forEach>
+  </dgm:layoutNode>
+  <dgm:extLst>
+    <a:ext uri="{68A01E43-0DF5-4B5B-8FA6-DAF915123BFB}">
+      <dgm1612:lstStyle xmlns:dgm1612="http://schemas.microsoft.com/office/drawing/2016/12/diagram">
+        <a:lvl1pPr>
+          <a:lnSpc>
+            <a:spcPct val="100000"/>
+          </a:lnSpc>
+        </a:lvl1pPr>
+        <a:lvl2pPr>
+          <a:lnSpc>
+            <a:spcPct val="100000"/>
+          </a:lnSpc>
+        </a:lvl2pPr>
+      </dgm1612:lstStyle>
+    </a:ext>
+  </dgm:extLst>
+</dgm:layoutDef>
+</file>
+
 <file path=ppt/diagrams/quickStyle1.xml><?xml version="1.0" encoding="utf-8"?>
+<dgm:styleDef xmlns:dgm="http://schemas.openxmlformats.org/drawingml/2006/diagram" xmlns:a="http://schemas.openxmlformats.org/drawingml/2006/main" uniqueId="urn:microsoft.com/office/officeart/2005/8/quickstyle/simple1">
+  <dgm:title val=""/>
+  <dgm:desc val=""/>
+  <dgm:catLst>
+    <dgm:cat type="simple" pri="10100"/>
+  </dgm:catLst>
+  <dgm:scene3d>
+    <a:camera prst="orthographicFront"/>
+    <a:lightRig rig="threePt" dir="t"/>
+  </dgm:scene3d>
+  <dgm:styleLbl name="node0">
+    <dgm:scene3d>
+      <a:camera prst="orthographicFront"/>
+      <a:lightRig rig="threePt" dir="t"/>
+    </dgm:scene3d>
+    <dgm:sp3d/>
+    <dgm:txPr/>
+    <dgm:style>
+      <a:lnRef idx="2">
+        <a:scrgbClr r="0" g="0" b="0"/>
+      </a:lnRef>
+      <a:fillRef idx="1">
+        <a:scrgbClr r="0" g="0" b="0"/>
+      </a:fillRef>
+      <a:effectRef idx="0">
+        <a:scrgbClr r="0" g="0" b="0"/>
+      </a:effectRef>
+      <a:fontRef idx="minor">
+        <a:schemeClr val="lt1"/>
+      </a:fontRef>
+    </dgm:style>
+  </dgm:styleLbl>
+  <dgm:styleLbl name="lnNode1">
+    <dgm:scene3d>
+      <a:camera prst="orthographicFront"/>
+      <a:lightRig rig="threePt" dir="t"/>
+    </dgm:scene3d>
+    <dgm:sp3d/>
+    <dgm:txPr/>
+    <dgm:style>
+      <a:lnRef idx="2">
+        <a:scrgbClr r="0" g="0" b="0"/>
+      </a:lnRef>
+      <a:fillRef idx="1">
+        <a:scrgbClr r="0" g="0" b="0"/>
+      </a:fillRef>
+      <a:effectRef idx="0">
+        <a:scrgbClr r="0" g="0" b="0"/>
+      </a:effectRef>
+      <a:fontRef idx="minor">
+        <a:schemeClr val="lt1"/>
+      </a:fontRef>
+    </dgm:style>
+  </dgm:styleLbl>
+  <dgm:styleLbl name="vennNode1">
+    <dgm:scene3d>
+      <a:camera prst="orthographicFront"/>
+      <a:lightRig rig="threePt" dir="t"/>
+    </dgm:scene3d>
+    <dgm:sp3d/>
+    <dgm:txPr/>
+    <dgm:style>
+      <a:lnRef idx="2">
+        <a:scrgbClr r="0" g="0" b="0"/>
+      </a:lnRef>
+      <a:fillRef idx="1">
+        <a:scrgbClr r="0" g="0" b="0"/>
+      </a:fillRef>
+      <a:effectRef idx="0">
+        <a:scrgbClr r="0" g="0" b="0"/>
+      </a:effectRef>
+      <a:fontRef idx="minor">
+        <a:schemeClr val="tx1"/>
+      </a:fontRef>
+    </dgm:style>
+  </dgm:styleLbl>
+  <dgm:styleLbl name="alignNode1">
+    <dgm:scene3d>
+      <a:camera prst="orthographicFront"/>
+      <a:lightRig rig="threePt" dir="t"/>
+    </dgm:scene3d>
+    <dgm:sp3d/>
+    <dgm:txPr/>
+    <dgm:style>
+      <a:lnRef idx="2">
+        <a:scrgbClr r="0" g="0" b="0"/>
+      </a:lnRef>
+      <a:fillRef idx="1">
+        <a:scrgbClr r="0" g="0" b="0"/>
+      </a:fillRef>
+      <a:effectRef idx="0">
+        <a:scrgbClr r="0" g="0" b="0"/>
+      </a:effectRef>
+      <a:fontRef idx="minor">
+        <a:schemeClr val="lt1"/>
+      </a:fontRef>
+    </dgm:style>
+  </dgm:styleLbl>
+  <dgm:styleLbl name="node1">
+    <dgm:scene3d>
+      <a:camera prst="orthographicFront"/>
+      <a:lightRig rig="threePt" dir="t"/>
+    </dgm:scene3d>
+    <dgm:sp3d/>
+    <dgm:txPr/>
+    <dgm:style>
+      <a:lnRef idx="2">
+        <a:scrgbClr r="0" g="0" b="0"/>
+      </a:lnRef>
+      <a:fillRef idx="1">
+        <a:scrgbClr r="0" g="0" b="0"/>
+      </a:fillRef>
+      <a:effectRef idx="0">
+        <a:scrgbClr r="0" g="0" b="0"/>
+      </a:effectRef>
+      <a:fontRef idx="minor">
+        <a:schemeClr val="lt1"/>
+      </a:fontRef>
+    </dgm:style>
+  </dgm:styleLbl>
+  <dgm:styleLbl name="node2">
+    <dgm:scene3d>
+      <a:camera prst="orthographicFront"/>
+      <a:lightRig rig="threePt" dir="t"/>
+    </dgm:scene3d>
+    <dgm:sp3d/>
+    <dgm:txPr/>
+    <dgm:style>
+      <a:lnRef idx="2">
+        <a:scrgbClr r="0" g="0" b="0"/>
+      </a:lnRef>
+      <a:fillRef idx="1">
+        <a:scrgbClr r="0" g="0" b="0"/>
+      </a:fillRef>
+      <a:effectRef idx="0">
+        <a:scrgbClr r="0" g="0" b="0"/>
+      </a:effectRef>
+      <a:fontRef idx="minor">
+        <a:schemeClr val="lt1"/>
+      </a:fontRef>
+    </dgm:style>
+  </dgm:styleLbl>
+  <dgm:styleLbl name="node3">
+    <dgm:scene3d>
+      <a:camera prst="orthographicFront"/>
+      <a:lightRig rig="threePt" dir="t"/>
+    </dgm:scene3d>
+    <dgm:sp3d/>
+    <dgm:txPr/>
+    <dgm:style>
+      <a:lnRef idx="2">
+        <a:scrgbClr r="0" g="0" b="0"/>
+      </a:lnRef>
+      <a:fillRef idx="1">
+        <a:scrgbClr r="0" g="0" b="0"/>
+      </a:fillRef>
+      <a:effectRef idx="0">
+        <a:scrgbClr r="0" g="0" b="0"/>
+      </a:effectRef>
+      <a:fontRef idx="minor">
+        <a:schemeClr val="lt1"/>
+      </a:fontRef>
+    </dgm:style>
+  </dgm:styleLbl>
+  <dgm:styleLbl name="node4">
+    <dgm:scene3d>
+      <a:camera prst="orthographicFront"/>
+      <a:lightRig rig="threePt" dir="t"/>
+    </dgm:scene3d>
+    <dgm:sp3d/>
+    <dgm:txPr/>
+    <dgm:style>
+      <a:lnRef idx="2">
+        <a:scrgbClr r="0" g="0" b="0"/>
+      </a:lnRef>
+      <a:fillRef idx="1">
+        <a:scrgbClr r="0" g="0" b="0"/>
+      </a:fillRef>
+      <a:effectRef idx="0">
+        <a:scrgbClr r="0" g="0" b="0"/>
+      </a:effectRef>
+      <a:fontRef idx="minor">
+        <a:schemeClr val="lt1"/>
+      </a:fontRef>
+    </dgm:style>
+  </dgm:styleLbl>
+  <dgm:styleLbl name="fgImgPlace1">
+    <dgm:scene3d>
+      <a:camera prst="orthographicFront"/>
+      <a:lightRig rig="threePt" dir="t"/>
+    </dgm:scene3d>
+    <dgm:sp3d/>
+    <dgm:txPr/>
+    <dgm:style>
+      <a:lnRef idx="2">
+        <a:scrgbClr r="0" g="0" b="0"/>
+      </a:lnRef>
+      <a:fillRef idx="1">
+        <a:scrgbClr r="0" g="0" b="0"/>
+      </a:fillRef>
+      <a:effectRef idx="0">
+        <a:scrgbClr r="0" g="0" b="0"/>
+      </a:effectRef>
+      <a:fontRef idx="minor"/>
+    </dgm:style>
+  </dgm:styleLbl>
+  <dgm:styleLbl name="alignImgPlace1">
+    <dgm:scene3d>
+      <a:camera prst="orthographicFront"/>
+      <a:lightRig rig="threePt" dir="t"/>
+    </dgm:scene3d>
+    <dgm:sp3d/>
+    <dgm:txPr/>
+    <dgm:style>
+      <a:lnRef idx="2">
+        <a:scrgbClr r="0" g="0" b="0"/>
+      </a:lnRef>
+      <a:fillRef idx="1">
+        <a:scrgbClr r="0" g="0" b="0"/>
+      </a:fillRef>
+      <a:effectRef idx="0">
+        <a:scrgbClr r="0" g="0" b="0"/>
+      </a:effectRef>
+      <a:fontRef idx="minor"/>
+    </dgm:style>
+  </dgm:styleLbl>
+  <dgm:styleLbl name="bgImgPlace1">
+    <dgm:scene3d>
+      <a:camera prst="orthographicFront"/>
+      <a:lightRig rig="threePt" dir="t"/>
+    </dgm:scene3d>
+    <dgm:sp3d/>
+    <dgm:txPr/>
+    <dgm:style>
+      <a:lnRef idx="2">
+        <a:scrgbClr r="0" g="0" b="0"/>
+      </a:lnRef>
+      <a:fillRef idx="1">
+        <a:scrgbClr r="0" g="0" b="0"/>
+      </a:fillRef>
+      <a:effectRef idx="0">
+        <a:scrgbClr r="0" g="0" b="0"/>
+      </a:effectRef>
+      <a:fontRef idx="minor"/>
+    </dgm:style>
+  </dgm:styleLbl>
+  <dgm:styleLbl name="sibTrans2D1">
+    <dgm:scene3d>
+      <a:camera prst="orthographicFront"/>
+      <a:lightRig rig="threePt" dir="t"/>
+    </dgm:scene3d>
+    <dgm:sp3d/>
+    <dgm:txPr/>
+    <dgm:style>
+      <a:lnRef idx="0">
+        <a:scrgbClr r="0" g="0" b="0"/>
+      </a:lnRef>
+      <a:fillRef idx="1">
+        <a:scrgbClr r="0" g="0" b="0"/>
+      </a:fillRef>
+      <a:effectRef idx="0">
+        <a:scrgbClr r="0" g="0" b="0"/>
+      </a:effectRef>
+      <a:fontRef idx="minor">
+        <a:schemeClr val="lt1"/>
+      </a:fontRef>
+    </dgm:style>
+  </dgm:styleLbl>
+  <dgm:styleLbl name="fgSibTrans2D1">
+    <dgm:scene3d>
+      <a:camera prst="orthographicFront"/>
+      <a:lightRig rig="threePt" dir="t"/>
+    </dgm:scene3d>
+    <dgm:sp3d/>
+    <dgm:txPr/>
+    <dgm:style>
+      <a:lnRef idx="0">
+        <a:scrgbClr r="0" g="0" b="0"/>
+      </a:lnRef>
+      <a:fillRef idx="1">
+        <a:scrgbClr r="0" g="0" b="0"/>
+      </a:fillRef>
+      <a:effectRef idx="0">
+        <a:scrgbClr r="0" g="0" b="0"/>
+      </a:effectRef>
+      <a:fontRef idx="minor">
+        <a:schemeClr val="lt1"/>
+      </a:fontRef>
+    </dgm:style>
+  </dgm:styleLbl>
+  <dgm:styleLbl name="bgSibTrans2D1">
+    <dgm:scene3d>
+      <a:camera prst="orthographicFront"/>
+      <a:lightRig rig="threePt" dir="t"/>
+    </dgm:scene3d>
+    <dgm:sp3d/>
+    <dgm:txPr/>
+    <dgm:style>
+      <a:lnRef idx="0">
+        <a:scrgbClr r="0" g="0" b="0"/>
+      </a:lnRef>
+      <a:fillRef idx="1">
+        <a:scrgbClr r="0" g="0" b="0"/>
+      </a:fillRef>
+      <a:effectRef idx="0">
+        <a:scrgbClr r="0" g="0" b="0"/>
+      </a:effectRef>
+      <a:fontRef idx="minor">
+        <a:schemeClr val="lt1"/>
+      </a:fontRef>
+    </dgm:style>
+  </dgm:styleLbl>
+  <dgm:styleLbl name="sibTrans1D1">
+    <dgm:scene3d>
+      <a:camera prst="orthographicFront"/>
+      <a:lightRig rig="threePt" dir="t"/>
+    </dgm:scene3d>
+    <dgm:sp3d/>
+    <dgm:txPr/>
+    <dgm:style>
+      <a:lnRef idx="1">
+        <a:scrgbClr r="0" g="0" b="0"/>
+      </a:lnRef>
+      <a:fillRef idx="0">
+        <a:scrgbClr r="0" g="0" b="0"/>
+      </a:fillRef>
+      <a:effectRef idx="0">
+        <a:scrgbClr r="0" g="0" b="0"/>
+      </a:effectRef>
+      <a:fontRef idx="minor"/>
+    </dgm:style>
+  </dgm:styleLbl>
+  <dgm:styleLbl name="callout">
+    <dgm:scene3d>
+      <a:camera prst="orthographicFront"/>
+      <a:lightRig rig="threePt" dir="t"/>
+    </dgm:scene3d>
+    <dgm:sp3d/>
+    <dgm:txPr/>
+    <dgm:style>
+      <a:lnRef idx="2">
+        <a:scrgbClr r="0" g="0" b="0"/>
+      </a:lnRef>
+      <a:fillRef idx="1">
+        <a:scrgbClr r="0" g="0" b="0"/>
+      </a:fillRef>
+      <a:effectRef idx="0">
+        <a:scrgbClr r="0" g="0" b="0"/>
+      </a:effectRef>
+      <a:fontRef idx="minor"/>
+    </dgm:style>
+  </dgm:styleLbl>
+  <dgm:styleLbl name="asst0">
+    <dgm:scene3d>
+      <a:camera prst="orthographicFront"/>
+      <a:lightRig rig="threePt" dir="t"/>
+    </dgm:scene3d>
+    <dgm:sp3d/>
+    <dgm:txPr/>
+    <dgm:style>
+      <a:lnRef idx="2">
+        <a:scrgbClr r="0" g="0" b="0"/>
+      </a:lnRef>
+      <a:fillRef idx="1">
+        <a:scrgbClr r="0" g="0" b="0"/>
+      </a:fillRef>
+      <a:effectRef idx="0">
+        <a:scrgbClr r="0" g="0" b="0"/>
+      </a:effectRef>
+      <a:fontRef idx="minor">
+        <a:schemeClr val="lt1"/>
+      </a:fontRef>
+    </dgm:style>
+  </dgm:styleLbl>
+  <dgm:styleLbl name="asst1">
+    <dgm:scene3d>
+      <a:camera prst="orthographicFront"/>
+      <a:lightRig rig="threePt" dir="t"/>
+    </dgm:scene3d>
+    <dgm:sp3d/>
+    <dgm:txPr/>
+    <dgm:style>
+      <a:lnRef idx="2">
+        <a:scrgbClr r="0" g="0" b="0"/>
+      </a:lnRef>
+      <a:fillRef idx="1">
+        <a:scrgbClr r="0" g="0" b="0"/>
+      </a:fillRef>
+      <a:effectRef idx="0">
+        <a:scrgbClr r="0" g="0" b="0"/>
+      </a:effectRef>
+      <a:fontRef idx="minor">
+        <a:schemeClr val="lt1"/>
+      </a:fontRef>
+    </dgm:style>
+  </dgm:styleLbl>
+  <dgm:styleLbl name="asst2">
+    <dgm:scene3d>
+      <a:camera prst="orthographicFront"/>
+      <a:lightRig rig="threePt" dir="t"/>
+    </dgm:scene3d>
+    <dgm:sp3d/>
+    <dgm:txPr/>
+    <dgm:style>
+      <a:lnRef idx="2">
+        <a:scrgbClr r="0" g="0" b="0"/>
+      </a:lnRef>
+      <a:fillRef idx="1">
+        <a:scrgbClr r="0" g="0" b="0"/>
+      </a:fillRef>
+      <a:effectRef idx="0">
+        <a:scrgbClr r="0" g="0" b="0"/>
+      </a:effectRef>
+      <a:fontRef idx="minor">
+        <a:schemeClr val="lt1"/>
+      </a:fontRef>
+    </dgm:style>
+  </dgm:styleLbl>
+  <dgm:styleLbl name="asst3">
+    <dgm:scene3d>
+      <a:camera prst="orthographicFront"/>
+      <a:lightRig rig="threePt" dir="t"/>
+    </dgm:scene3d>
+    <dgm:sp3d/>
+    <dgm:txPr/>
+    <dgm:style>
+      <a:lnRef idx="2">
+        <a:scrgbClr r="0" g="0" b="0"/>
+      </a:lnRef>
+      <a:fillRef idx="1">
+        <a:scrgbClr r="0" g="0" b="0"/>
+      </a:fillRef>
+      <a:effectRef idx="0">
+        <a:scrgbClr r="0" g="0" b="0"/>
+      </a:effectRef>
+      <a:fontRef idx="minor">
+        <a:schemeClr val="lt1"/>
+      </a:fontRef>
+    </dgm:style>
+  </dgm:styleLbl>
+  <dgm:styleLbl name="asst4">
+    <dgm:scene3d>
+      <a:camera prst="orthographicFront"/>
+      <a:lightRig rig="threePt" dir="t"/>
+    </dgm:scene3d>
+    <dgm:sp3d/>
+    <dgm:txPr/>
+    <dgm:style>
+      <a:lnRef idx="2">
+        <a:scrgbClr r="0" g="0" b="0"/>
+      </a:lnRef>
+      <a:fillRef idx="1">
+        <a:scrgbClr r="0" g="0" b="0"/>
+      </a:fillRef>
+      <a:effectRef idx="0">
+        <a:scrgbClr r="0" g="0" b="0"/>
+      </a:effectRef>
+      <a:fontRef idx="minor">
+        <a:schemeClr val="lt1"/>
+      </a:fontRef>
+    </dgm:style>
+  </dgm:styleLbl>
+  <dgm:styleLbl name="parChTrans2D1">
+    <dgm:scene3d>
+      <a:camera prst="orthographicFront"/>
+      <a:lightRig rig="threePt" dir="t"/>
+    </dgm:scene3d>
+    <dgm:sp3d/>
+    <dgm:txPr/>
+    <dgm:style>
+      <a:lnRef idx="2">
+        <a:scrgbClr r="0" g="0" b="0"/>
+      </a:lnRef>
+      <a:fillRef idx="1">
+        <a:scrgbClr r="0" g="0" b="0"/>
+      </a:fillRef>
+      <a:effectRef idx="0">
+        <a:scrgbClr r="0" g="0" b="0"/>
+      </a:effectRef>
+      <a:fontRef idx="minor">
+        <a:schemeClr val="lt1"/>
+      </a:fontRef>
+    </dgm:style>
+  </dgm:styleLbl>
+  <dgm:styleLbl name="parChTrans2D2">
+    <dgm:scene3d>
+      <a:camera prst="orthographicFront"/>
+      <a:lightRig rig="threePt" dir="t"/>
+    </dgm:scene3d>
+    <dgm:sp3d/>
+    <dgm:txPr/>
+    <dgm:style>
+      <a:lnRef idx="2">
+        <a:scrgbClr r="0" g="0" b="0"/>
+      </a:lnRef>
+      <a:fillRef idx="1">
+        <a:scrgbClr r="0" g="0" b="0"/>
+      </a:fillRef>
+      <a:effectRef idx="0">
+        <a:scrgbClr r="0" g="0" b="0"/>
+      </a:effectRef>
+      <a:fontRef idx="minor">
+        <a:schemeClr val="lt1"/>
+      </a:fontRef>
+    </dgm:style>
+  </dgm:styleLbl>
+  <dgm:styleLbl name="parChTrans2D3">
+    <dgm:scene3d>
+      <a:camera prst="orthographicFront"/>
+      <a:lightRig rig="threePt" dir="t"/>
+    </dgm:scene3d>
+    <dgm:sp3d/>
+    <dgm:txPr/>
+    <dgm:style>
+      <a:lnRef idx="2">
+        <a:scrgbClr r="0" g="0" b="0"/>
+      </a:lnRef>
+      <a:fillRef idx="1">
+        <a:scrgbClr r="0" g="0" b="0"/>
+      </a:fillRef>
+      <a:effectRef idx="0">
+        <a:scrgbClr r="0" g="0" b="0"/>
+      </a:effectRef>
+      <a:fontRef idx="minor">
+        <a:schemeClr val="lt1"/>
+      </a:fontRef>
+    </dgm:style>
+  </dgm:styleLbl>
+  <dgm:styleLbl name="parChTrans2D4">
+    <dgm:scene3d>
+      <a:camera prst="orthographicFront"/>
+      <a:lightRig rig="threePt" dir="t"/>
+    </dgm:scene3d>
+    <dgm:sp3d/>
+    <dgm:txPr/>
+    <dgm:style>
+      <a:lnRef idx="2">
+        <a:scrgbClr r="0" g="0" b="0"/>
+      </a:lnRef>
+      <a:fillRef idx="1">
+        <a:scrgbClr r="0" g="0" b="0"/>
+      </a:fillRef>
+      <a:effectRef idx="0">
+        <a:scrgbClr r="0" g="0" b="0"/>
+      </a:effectRef>
+      <a:fontRef idx="minor">
+        <a:schemeClr val="lt1"/>
+      </a:fontRef>
+    </dgm:style>
+  </dgm:styleLbl>
+  <dgm:styleLbl name="parChTrans1D1">
+    <dgm:scene3d>
+      <a:camera prst="orthographicFront"/>
+      <a:lightRig rig="threePt" dir="t"/>
+    </dgm:scene3d>
+    <dgm:sp3d/>
+    <dgm:txPr/>
+    <dgm:style>
+      <a:lnRef idx="2">
+        <a:scrgbClr r="0" g="0" b="0"/>
+      </a:lnRef>
+      <a:fillRef idx="0">
+        <a:scrgbClr r="0" g="0" b="0"/>
+      </a:fillRef>
+      <a:effectRef idx="0">
+        <a:scrgbClr r="0" g="0" b="0"/>
+      </a:effectRef>
+      <a:fontRef idx="minor"/>
+    </dgm:style>
+  </dgm:styleLbl>
+  <dgm:styleLbl name="parChTrans1D2">
+    <dgm:scene3d>
+      <a:camera prst="orthographicFront"/>
+      <a:lightRig rig="threePt" dir="t"/>
+    </dgm:scene3d>
+    <dgm:sp3d/>
+    <dgm:txPr/>
+    <dgm:style>
+      <a:lnRef idx="2">
+        <a:scrgbClr r="0" g="0" b="0"/>
+      </a:lnRef>
+      <a:fillRef idx="0">
+        <a:scrgbClr r="0" g="0" b="0"/>
+      </a:fillRef>
+      <a:effectRef idx="0">
+        <a:scrgbClr r="0" g="0" b="0"/>
+      </a:effectRef>
+      <a:fontRef idx="minor"/>
+    </dgm:style>
+  </dgm:styleLbl>
+  <dgm:styleLbl name="parChTrans1D3">
+    <dgm:scene3d>
+      <a:camera prst="orthographicFront"/>
+      <a:lightRig rig="threePt" dir="t"/>
+    </dgm:scene3d>
+    <dgm:sp3d/>
+    <dgm:txPr/>
+    <dgm:style>
+      <a:lnRef idx="2">
+        <a:scrgbClr r="0" g="0" b="0"/>
+      </a:lnRef>
+      <a:fillRef idx="0">
+        <a:scrgbClr r="0" g="0" b="0"/>
+      </a:fillRef>
+      <a:effectRef idx="0">
+        <a:scrgbClr r="0" g="0" b="0"/>
+      </a:effectRef>
+      <a:fontRef idx="minor"/>
+    </dgm:style>
+  </dgm:styleLbl>
+  <dgm:styleLbl name="parChTrans1D4">
+    <dgm:scene3d>
+      <a:camera prst="orthographicFront"/>
+      <a:lightRig rig="threePt" dir="t"/>
+    </dgm:scene3d>
+    <dgm:sp3d/>
+    <dgm:txPr/>
+    <dgm:style>
+      <a:lnRef idx="2">
+        <a:scrgbClr r="0" g="0" b="0"/>
+      </a:lnRef>
+      <a:fillRef idx="0">
+        <a:scrgbClr r="0" g="0" b="0"/>
+      </a:fillRef>
+      <a:effectRef idx="0">
+        <a:scrgbClr r="0" g="0" b="0"/>
+      </a:effectRef>
+      <a:fontRef idx="minor"/>
+    </dgm:style>
+  </dgm:styleLbl>
+  <dgm:styleLbl name="fgAcc1">
+    <dgm:scene3d>
+      <a:camera prst="orthographicFront"/>
+      <a:lightRig rig="threePt" dir="t"/>
+    </dgm:scene3d>
+    <dgm:sp3d/>
+    <dgm:txPr/>
+    <dgm:style>
+      <a:lnRef idx="2">
+        <a:scrgbClr r="0" g="0" b="0"/>
+      </a:lnRef>
+      <a:fillRef idx="1">
+        <a:scrgbClr r="0" g="0" b="0"/>
+      </a:fillRef>
+      <a:effectRef idx="0">
+        <a:scrgbClr r="0" g="0" b="0"/>
+      </a:effectRef>
+      <a:fontRef idx="minor"/>
+    </dgm:style>
+  </dgm:styleLbl>
+  <dgm:styleLbl name="conFgAcc1">
+    <dgm:scene3d>
+      <a:camera prst="orthographicFront"/>
+      <a:lightRig rig="threePt" dir="t"/>
+    </dgm:scene3d>
+    <dgm:sp3d/>
+    <dgm:txPr/>
+    <dgm:style>
+      <a:lnRef idx="2">
+        <a:scrgbClr r="0" g="0" b="0"/>
+      </a:lnRef>
+      <a:fillRef idx="1">
+        <a:scrgbClr r="0" g="0" b="0"/>
+      </a:fillRef>
+      <a:effectRef idx="0">
+        <a:scrgbClr r="0" g="0" b="0"/>
+      </a:effectRef>
+      <a:fontRef idx="minor"/>
+    </dgm:style>
+  </dgm:styleLbl>
+  <dgm:styleLbl name="alignAcc1">
+    <dgm:scene3d>
+      <a:camera prst="orthographicFront"/>
+      <a:lightRig rig="threePt" dir="t"/>
+    </dgm:scene3d>
+    <dgm:sp3d/>
+    <dgm:txPr/>
+    <dgm:style>
+      <a:lnRef idx="2">
+        <a:scrgbClr r="0" g="0" b="0"/>
+      </a:lnRef>
+      <a:fillRef idx="1">
+        <a:scrgbClr r="0" g="0" b="0"/>
+      </a:fillRef>
+      <a:effectRef idx="0">
+        <a:scrgbClr r="0" g="0" b="0"/>
+      </a:effectRef>
+      <a:fontRef idx="minor"/>
+    </dgm:style>
+  </dgm:styleLbl>
+  <dgm:styleLbl name="trAlignAcc1">
+    <dgm:scene3d>
+      <a:camera prst="orthographicFront"/>
+      <a:lightRig rig="threePt" dir="t"/>
+    </dgm:scene3d>
+    <dgm:sp3d/>
+    <dgm:txPr/>
+    <dgm:style>
+      <a:lnRef idx="1">
+        <a:scrgbClr r="0" g="0" b="0"/>
+      </a:lnRef>
+      <a:fillRef idx="1">
+        <a:scrgbClr r="0" g="0" b="0"/>
+      </a:fillRef>
+      <a:effectRef idx="0">
+        <a:scrgbClr r="0" g="0" b="0"/>
+      </a:effectRef>
+      <a:fontRef idx="minor"/>
+    </dgm:style>
+  </dgm:styleLbl>
+  <dgm:styleLbl name="bgAcc1">
+    <dgm:scene3d>
+      <a:camera prst="orthographicFront"/>
+      <a:lightRig rig="threePt" dir="t"/>
+    </dgm:scene3d>
+    <dgm:sp3d/>
+    <dgm:txPr/>
+    <dgm:style>
+      <a:lnRef idx="2">
+        <a:scrgbClr r="0" g="0" b="0"/>
+      </a:lnRef>
+      <a:fillRef idx="1">
+        <a:scrgbClr r="0" g="0" b="0"/>
+      </a:fillRef>
+      <a:effectRef idx="0">
+        <a:scrgbClr r="0" g="0" b="0"/>
+      </a:effectRef>
+      <a:fontRef idx="minor"/>
+    </dgm:style>
+  </dgm:styleLbl>
+  <dgm:styleLbl name="solidFgAcc1">
+    <dgm:scene3d>
+      <a:camera prst="orthographicFront"/>
+      <a:lightRig rig="threePt" dir="t"/>
+    </dgm:scene3d>
+    <dgm:sp3d/>
+    <dgm:txPr/>
+    <dgm:style>
+      <a:lnRef idx="2">
+        <a:scrgbClr r="0" g="0" b="0"/>
+      </a:lnRef>
+      <a:fillRef idx="1">
+        <a:scrgbClr r="0" g="0" b="0"/>
+      </a:fillRef>
+      <a:effectRef idx="0">
+        <a:scrgbClr r="0" g="0" b="0"/>
+      </a:effectRef>
+      <a:fontRef idx="minor"/>
+    </dgm:style>
+  </dgm:styleLbl>
+  <dgm:styleLbl name="solidAlignAcc1">
+    <dgm:scene3d>
+      <a:camera prst="orthographicFront"/>
+      <a:lightRig rig="threePt" dir="t"/>
+    </dgm:scene3d>
+    <dgm:sp3d/>
+    <dgm:txPr/>
+    <dgm:style>
+      <a:lnRef idx="2">
+        <a:scrgbClr r="0" g="0" b="0"/>
+      </a:lnRef>
+      <a:fillRef idx="1">
+        <a:scrgbClr r="0" g="0" b="0"/>
+      </a:fillRef>
+      <a:effectRef idx="0">
+        <a:scrgbClr r="0" g="0" b="0"/>
+      </a:effectRef>
+      <a:fontRef idx="minor"/>
+    </dgm:style>
+  </dgm:styleLbl>
+  <dgm:styleLbl name="solidBgAcc1">
+    <dgm:scene3d>
+      <a:camera prst="orthographicFront"/>
+      <a:lightRig rig="threePt" dir="t"/>
+    </dgm:scene3d>
+    <dgm:sp3d/>
+    <dgm:txPr/>
+    <dgm:style>
+      <a:lnRef idx="2">
+        <a:scrgbClr r="0" g="0" b="0"/>
+      </a:lnRef>
+      <a:fillRef idx="1">
+        <a:scrgbClr r="0" g="0" b="0"/>
+      </a:fillRef>
+      <a:effectRef idx="0">
+        <a:scrgbClr r="0" g="0" b="0"/>
+      </a:effectRef>
+      <a:fontRef idx="minor"/>
+    </dgm:style>
+  </dgm:styleLbl>
+  <dgm:styleLbl name="fgAccFollowNode1">
+    <dgm:scene3d>
+      <a:camera prst="orthographicFront"/>
+      <a:lightRig rig="threePt" dir="t"/>
+    </dgm:scene3d>
+    <dgm:sp3d/>
+    <dgm:txPr/>
+    <dgm:style>
+      <a:lnRef idx="2">
+        <a:scrgbClr r="0" g="0" b="0"/>
+      </a:lnRef>
+      <a:fillRef idx="1">
+        <a:scrgbClr r="0" g="0" b="0"/>
+      </a:fillRef>
+      <a:effectRef idx="0">
+        <a:scrgbClr r="0" g="0" b="0"/>
+      </a:effectRef>
+      <a:fontRef idx="minor"/>
+    </dgm:style>
+  </dgm:styleLbl>
+  <dgm:styleLbl name="alignAccFollowNode1">
+    <dgm:scene3d>
+      <a:camera prst="orthographicFront"/>
+      <a:lightRig rig="threePt" dir="t"/>
+    </dgm:scene3d>
+    <dgm:sp3d/>
+    <dgm:txPr/>
+    <dgm:style>
+      <a:lnRef idx="2">
+        <a:scrgbClr r="0" g="0" b="0"/>
+      </a:lnRef>
+      <a:fillRef idx="1">
+        <a:scrgbClr r="0" g="0" b="0"/>
+      </a:fillRef>
+      <a:effectRef idx="0">
+        <a:scrgbClr r="0" g="0" b="0"/>
+      </a:effectRef>
+      <a:fontRef idx="minor"/>
+    </dgm:style>
+  </dgm:styleLbl>
+  <dgm:styleLbl name="bgAccFollowNode1">
+    <dgm:scene3d>
+      <a:camera prst="orthographicFront"/>
+      <a:lightRig rig="threePt" dir="t"/>
+    </dgm:scene3d>
+    <dgm:sp3d/>
+    <dgm:txPr/>
+    <dgm:style>
+      <a:lnRef idx="2">
+        <a:scrgbClr r="0" g="0" b="0"/>
+      </a:lnRef>
+      <a:fillRef idx="1">
+        <a:scrgbClr r="0" g="0" b="0"/>
+      </a:fillRef>
+      <a:effectRef idx="0">
+        <a:scrgbClr r="0" g="0" b="0"/>
+      </a:effectRef>
+      <a:fontRef idx="minor"/>
+    </dgm:style>
+  </dgm:styleLbl>
+  <dgm:styleLbl name="fgAcc0">
+    <dgm:scene3d>
+      <a:camera prst="orthographicFront"/>
+      <a:lightRig rig="threePt" dir="t"/>
+    </dgm:scene3d>
+    <dgm:sp3d/>
+    <dgm:txPr/>
+    <dgm:style>
+      <a:lnRef idx="2">
+        <a:scrgbClr r="0" g="0" b="0"/>
+      </a:lnRef>
+      <a:fillRef idx="1">
+        <a:scrgbClr r="0" g="0" b="0"/>
+      </a:fillRef>
+      <a:effectRef idx="0">
+        <a:scrgbClr r="0" g="0" b="0"/>
+      </a:effectRef>
+      <a:fontRef idx="minor"/>
+    </dgm:style>
+  </dgm:styleLbl>
+  <dgm:styleLbl name="fgAcc2">
+    <dgm:scene3d>
+      <a:camera prst="orthographicFront"/>
+      <a:lightRig rig="threePt" dir="t"/>
+    </dgm:scene3d>
+    <dgm:sp3d/>
+    <dgm:txPr/>
+    <dgm:style>
+      <a:lnRef idx="2">
+        <a:scrgbClr r="0" g="0" b="0"/>
+      </a:lnRef>
+      <a:fillRef idx="1">
+        <a:scrgbClr r="0" g="0" b="0"/>
+      </a:fillRef>
+      <a:effectRef idx="0">
+        <a:scrgbClr r="0" g="0" b="0"/>
+      </a:effectRef>
+      <a:fontRef idx="minor"/>
+    </dgm:style>
+  </dgm:styleLbl>
+  <dgm:styleLbl name="fgAcc3">
+    <dgm:scene3d>
+      <a:camera prst="orthographicFront"/>
+      <a:lightRig rig="threePt" dir="t"/>
+    </dgm:scene3d>
+    <dgm:sp3d/>
+    <dgm:txPr/>
+    <dgm:style>
+      <a:lnRef idx="2">
+        <a:scrgbClr r="0" g="0" b="0"/>
+      </a:lnRef>
+      <a:fillRef idx="1">
+        <a:scrgbClr r="0" g="0" b="0"/>
+      </a:fillRef>
+      <a:effectRef idx="0">
+        <a:scrgbClr r="0" g="0" b="0"/>
+      </a:effectRef>
+      <a:fontRef idx="minor"/>
+    </dgm:style>
+  </dgm:styleLbl>
+  <dgm:styleLbl name="fgAcc4">
+    <dgm:scene3d>
+      <a:camera prst="orthographicFront"/>
+      <a:lightRig rig="threePt" dir="t"/>
+    </dgm:scene3d>
+    <dgm:sp3d/>
+    <dgm:txPr/>
+    <dgm:style>
+      <a:lnRef idx="2">
+        <a:scrgbClr r="0" g="0" b="0"/>
+      </a:lnRef>
+      <a:fillRef idx="1">
+        <a:scrgbClr r="0" g="0" b="0"/>
+      </a:fillRef>
+      <a:effectRef idx="0">
+        <a:scrgbClr r="0" g="0" b="0"/>
+      </a:effectRef>
+      <a:fontRef idx="minor"/>
+    </dgm:style>
+  </dgm:styleLbl>
+  <dgm:styleLbl name="bgShp">
+    <dgm:scene3d>
+      <a:camera prst="orthographicFront"/>
+      <a:lightRig rig="threePt" dir="t"/>
+    </dgm:scene3d>
+    <dgm:sp3d/>
+    <dgm:txPr/>
+    <dgm:style>
+      <a:lnRef idx="0">
+        <a:scrgbClr r="0" g="0" b="0"/>
+      </a:lnRef>
+      <a:fillRef idx="1">
+        <a:scrgbClr r="0" g="0" b="0"/>
+      </a:fillRef>
+      <a:effectRef idx="0">
+        <a:scrgbClr r="0" g="0" b="0"/>
+      </a:effectRef>
+      <a:fontRef idx="minor"/>
+    </dgm:style>
+  </dgm:styleLbl>
+  <dgm:styleLbl name="dkBgShp">
+    <dgm:scene3d>
+      <a:camera prst="orthographicFront"/>
+      <a:lightRig rig="threePt" dir="t"/>
+    </dgm:scene3d>
+    <dgm:sp3d/>
+    <dgm:txPr/>
+    <dgm:style>
+      <a:lnRef idx="0">
+        <a:scrgbClr r="0" g="0" b="0"/>
+      </a:lnRef>
+      <a:fillRef idx="1">
+        <a:scrgbClr r="0" g="0" b="0"/>
+      </a:fillRef>
+      <a:effectRef idx="0">
+        <a:scrgbClr r="0" g="0" b="0"/>
+      </a:effectRef>
+      <a:fontRef idx="minor"/>
+    </dgm:style>
+  </dgm:styleLbl>
+  <dgm:styleLbl name="trBgShp">
+    <dgm:scene3d>
+      <a:camera prst="orthographicFront"/>
+      <a:lightRig rig="threePt" dir="t"/>
+    </dgm:scene3d>
+    <dgm:sp3d/>
+    <dgm:txPr/>
+    <dgm:style>
+      <a:lnRef idx="0">
+        <a:scrgbClr r="0" g="0" b="0"/>
+      </a:lnRef>
+      <a:fillRef idx="1">
+        <a:scrgbClr r="0" g="0" b="0"/>
+      </a:fillRef>
+      <a:effectRef idx="0">
+        <a:scrgbClr r="0" g="0" b="0"/>
+      </a:effectRef>
+      <a:fontRef idx="minor"/>
+    </dgm:style>
+  </dgm:styleLbl>
+  <dgm:styleLbl name="fgShp">
+    <dgm:scene3d>
+      <a:camera prst="orthographicFront"/>
+      <a:lightRig rig="threePt" dir="t"/>
+    </dgm:scene3d>
+    <dgm:sp3d/>
+    <dgm:txPr/>
+    <dgm:style>
+      <a:lnRef idx="2">
+        <a:scrgbClr r="0" g="0" b="0"/>
+      </a:lnRef>
+      <a:fillRef idx="1">
+        <a:scrgbClr r="0" g="0" b="0"/>
+      </a:fillRef>
+      <a:effectRef idx="0">
+        <a:scrgbClr r="0" g="0" b="0"/>
+      </a:effectRef>
+      <a:fontRef idx="minor"/>
+    </dgm:style>
+  </dgm:styleLbl>
+  <dgm:styleLbl name="revTx">
+    <dgm:scene3d>
+      <a:camera prst="orthographicFront"/>
+      <a:lightRig rig="threePt" dir="t"/>
+    </dgm:scene3d>
+    <dgm:sp3d/>
+    <dgm:txPr/>
+    <dgm:style>
+      <a:lnRef idx="0">
+        <a:scrgbClr r="0" g="0" b="0"/>
+      </a:lnRef>
+      <a:fillRef idx="0">
+        <a:scrgbClr r="0" g="0" b="0"/>
+      </a:fillRef>
+      <a:effectRef idx="0">
+        <a:scrgbClr r="0" g="0" b="0"/>
+      </a:effectRef>
+      <a:fontRef idx="minor"/>
+    </dgm:style>
+  </dgm:styleLbl>
+</dgm:styleDef>
+</file>
+
+<file path=ppt/diagrams/quickStyle2.xml><?xml version="1.0" encoding="utf-8"?>
 <dgm:styleDef xmlns:dgm="http://schemas.openxmlformats.org/drawingml/2006/diagram" xmlns:a="http://schemas.openxmlformats.org/drawingml/2006/main" uniqueId="urn:microsoft.com/office/officeart/2005/8/quickstyle/simple1">
   <dgm:title val=""/>
   <dgm:desc val=""/>
@@ -3549,7 +6592,7 @@
           <a:p>
             <a:fld id="{FE8148D4-9014-475C-AC97-8AF4C70FC226}" type="datetimeFigureOut">
               <a:rPr lang="de-DE" smtClean="0"/>
-              <a:t>28.03.2024</a:t>
+              <a:t>30.03.2024</a:t>
             </a:fld>
             <a:endParaRPr lang="de-DE"/>
           </a:p>
@@ -4055,7 +7098,7 @@
           <a:p>
             <a:fld id="{DE12E154-F8FB-4181-8C6E-946582017057}" type="datetime1">
               <a:rPr lang="en-US" smtClean="0"/>
-              <a:t>3/28/2024</a:t>
+              <a:t>3/30/2024</a:t>
             </a:fld>
             <a:endParaRPr lang="en-US" dirty="0"/>
           </a:p>
@@ -4262,7 +7305,7 @@
           <a:p>
             <a:fld id="{D3F6D1A9-48E2-405B-ABFE-133730FF333B}" type="datetime1">
               <a:rPr lang="en-US" smtClean="0"/>
-              <a:t>3/28/2024</a:t>
+              <a:t>3/30/2024</a:t>
             </a:fld>
             <a:endParaRPr lang="en-US" dirty="0"/>
           </a:p>
@@ -4628,7 +7671,7 @@
           <a:p>
             <a:fld id="{80E4B351-D277-4D9E-BEB8-E1442F7FAC92}" type="datetime1">
               <a:rPr lang="en-US" smtClean="0"/>
-              <a:t>3/28/2024</a:t>
+              <a:t>3/30/2024</a:t>
             </a:fld>
             <a:endParaRPr lang="en-US" dirty="0"/>
           </a:p>
@@ -4830,7 +7873,7 @@
           <a:p>
             <a:fld id="{09843FE9-4D06-4A41-BEF1-B24D90A9F9ED}" type="datetime1">
               <a:rPr lang="en-US" smtClean="0"/>
-              <a:t>3/28/2024</a:t>
+              <a:t>3/30/2024</a:t>
             </a:fld>
             <a:endParaRPr lang="en-US" dirty="0"/>
           </a:p>
@@ -5146,7 +8189,7 @@
           <a:p>
             <a:fld id="{674DCBAD-E9EB-4B79-94E3-0DAEA08F2165}" type="datetime1">
               <a:rPr lang="en-US" smtClean="0"/>
-              <a:t>3/28/2024</a:t>
+              <a:t>3/30/2024</a:t>
             </a:fld>
             <a:endParaRPr lang="en-US" dirty="0"/>
           </a:p>
@@ -5403,7 +8446,7 @@
           <a:p>
             <a:fld id="{F86F6435-BC5A-4D63-8431-2354F4A14938}" type="datetime1">
               <a:rPr lang="en-US" smtClean="0"/>
-              <a:t>3/28/2024</a:t>
+              <a:t>3/30/2024</a:t>
             </a:fld>
             <a:endParaRPr lang="en-US" dirty="0"/>
           </a:p>
@@ -5829,7 +8872,7 @@
           <a:p>
             <a:fld id="{1502C01B-FDDF-4844-A5D4-9CE70E85D3C3}" type="datetime1">
               <a:rPr lang="en-US" smtClean="0"/>
-              <a:t>3/28/2024</a:t>
+              <a:t>3/30/2024</a:t>
             </a:fld>
             <a:endParaRPr lang="en-US" dirty="0"/>
           </a:p>
@@ -5956,7 +8999,7 @@
           <a:p>
             <a:fld id="{47687636-C395-40B2-BA12-D49A21CA7429}" type="datetime1">
               <a:rPr lang="en-US" smtClean="0"/>
-              <a:t>3/28/2024</a:t>
+              <a:t>3/30/2024</a:t>
             </a:fld>
             <a:endParaRPr lang="en-US" dirty="0"/>
           </a:p>
@@ -6055,7 +9098,7 @@
           <a:p>
             <a:fld id="{BC337A2E-82AF-4785-A280-7EC9AC00E7CF}" type="datetime1">
               <a:rPr lang="en-US" smtClean="0"/>
-              <a:t>3/28/2024</a:t>
+              <a:t>3/30/2024</a:t>
             </a:fld>
             <a:endParaRPr lang="en-US" dirty="0"/>
           </a:p>
@@ -6436,7 +9479,7 @@
           <a:p>
             <a:fld id="{9544AF48-6368-4AEB-BA61-86C35A0670BC}" type="datetime1">
               <a:rPr lang="en-US" smtClean="0"/>
-              <a:t>3/28/2024</a:t>
+              <a:t>3/30/2024</a:t>
             </a:fld>
             <a:endParaRPr lang="en-US" dirty="0"/>
           </a:p>
@@ -6733,7 +9776,7 @@
           <a:p>
             <a:fld id="{6A0AD317-F3FB-496C-99A4-43A2E3D62B38}" type="datetime1">
               <a:rPr lang="en-US" smtClean="0"/>
-              <a:t>3/28/2024</a:t>
+              <a:t>3/30/2024</a:t>
             </a:fld>
             <a:endParaRPr lang="en-US" dirty="0"/>
           </a:p>
@@ -6952,7 +9995,7 @@
           <a:p>
             <a:fld id="{F43DAC16-7D30-46B5-81CA-4A6DF4F80339}" type="datetime1">
               <a:rPr lang="en-US" smtClean="0"/>
-              <a:t>3/28/2024</a:t>
+              <a:t>3/30/2024</a:t>
             </a:fld>
             <a:endParaRPr lang="en-US" dirty="0"/>
           </a:p>
@@ -7880,7 +10923,10 @@
           <a:lstStyle/>
           <a:p>
             <a:r>
-              <a:rPr lang="en-US" sz="2800"/>
+              <a:rPr lang="en-US" sz="2800" dirty="0">
+                <a:latin typeface="Arial" panose="020B0604020202020204" pitchFamily="34" charset="0"/>
+                <a:cs typeface="Arial" panose="020B0604020202020204" pitchFamily="34" charset="0"/>
+              </a:rPr>
               <a:t>Implement Anomaly Detection Sample</a:t>
             </a:r>
           </a:p>
@@ -8206,27 +11252,74 @@
               <a:buChar char=""/>
             </a:pPr>
             <a:r>
-              <a:rPr lang="en-US" b="1">
+              <a:rPr lang="en-US" b="1" dirty="0">
                 <a:solidFill>
                   <a:schemeClr val="tx1">
                     <a:lumMod val="75000"/>
                     <a:lumOff val="25000"/>
                   </a:schemeClr>
                 </a:solidFill>
+                <a:latin typeface="Aptos" panose="020B0004020202020204" pitchFamily="34" charset="0"/>
               </a:rPr>
               <a:t>Supervised By:</a:t>
             </a:r>
             <a:r>
-              <a:rPr lang="en-US">
+              <a:rPr lang="en-US" dirty="0">
                 <a:solidFill>
                   <a:schemeClr val="tx1">
                     <a:lumMod val="75000"/>
                     <a:lumOff val="25000"/>
                   </a:schemeClr>
                 </a:solidFill>
+                <a:latin typeface="Aptos" panose="020B0004020202020204" pitchFamily="34" charset="0"/>
               </a:rPr>
-              <a:t> Damir Dobric / Prof. Dr. Andreas Pech</a:t>
+              <a:t> Damir </a:t>
             </a:r>
+            <a:r>
+              <a:rPr lang="en-US" dirty="0" err="1">
+                <a:solidFill>
+                  <a:schemeClr val="tx1">
+                    <a:lumMod val="75000"/>
+                    <a:lumOff val="25000"/>
+                  </a:schemeClr>
+                </a:solidFill>
+                <a:latin typeface="Aptos" panose="020B0004020202020204" pitchFamily="34" charset="0"/>
+              </a:rPr>
+              <a:t>Dobric</a:t>
+            </a:r>
+            <a:r>
+              <a:rPr lang="en-US" dirty="0">
+                <a:solidFill>
+                  <a:schemeClr val="tx1">
+                    <a:lumMod val="75000"/>
+                    <a:lumOff val="25000"/>
+                  </a:schemeClr>
+                </a:solidFill>
+                <a:latin typeface="Aptos" panose="020B0004020202020204" pitchFamily="34" charset="0"/>
+              </a:rPr>
+              <a:t> / Prof. Dr. Andreas </a:t>
+            </a:r>
+            <a:r>
+              <a:rPr lang="en-US" dirty="0" err="1">
+                <a:solidFill>
+                  <a:schemeClr val="tx1">
+                    <a:lumMod val="75000"/>
+                    <a:lumOff val="25000"/>
+                  </a:schemeClr>
+                </a:solidFill>
+                <a:latin typeface="Aptos" panose="020B0004020202020204" pitchFamily="34" charset="0"/>
+              </a:rPr>
+              <a:t>Pech</a:t>
+            </a:r>
+            <a:endParaRPr lang="en-US" dirty="0">
+              <a:solidFill>
+                <a:schemeClr val="tx1">
+                  <a:lumMod val="75000"/>
+                  <a:lumOff val="25000"/>
+                </a:schemeClr>
+              </a:solidFill>
+              <a:latin typeface="Aptos" panose="020B0004020202020204" pitchFamily="34" charset="0"/>
+            </a:endParaRPr>
           </a:p>
           <a:p>
             <a:pPr defTabSz="457200">
@@ -8244,27 +11337,50 @@
               <a:buChar char=""/>
             </a:pPr>
             <a:r>
-              <a:rPr lang="en-US" b="1">
+              <a:rPr lang="en-US" b="1" dirty="0">
                 <a:solidFill>
                   <a:schemeClr val="tx1">
                     <a:lumMod val="75000"/>
                     <a:lumOff val="25000"/>
                   </a:schemeClr>
                 </a:solidFill>
+                <a:latin typeface="Aptos" panose="020B0004020202020204" pitchFamily="34" charset="0"/>
               </a:rPr>
               <a:t>Group Name:</a:t>
             </a:r>
             <a:r>
-              <a:rPr lang="en-US">
+              <a:rPr lang="en-US" dirty="0">
                 <a:solidFill>
                   <a:schemeClr val="tx1">
                     <a:lumMod val="75000"/>
                     <a:lumOff val="25000"/>
                   </a:schemeClr>
                 </a:solidFill>
+                <a:latin typeface="Aptos" panose="020B0004020202020204" pitchFamily="34" charset="0"/>
               </a:rPr>
-              <a:t> Team_Anomaly_Detection</a:t>
+              <a:t> </a:t>
             </a:r>
+            <a:r>
+              <a:rPr lang="en-US" dirty="0" err="1">
+                <a:solidFill>
+                  <a:schemeClr val="tx1">
+                    <a:lumMod val="75000"/>
+                    <a:lumOff val="25000"/>
+                  </a:schemeClr>
+                </a:solidFill>
+                <a:latin typeface="Aptos" panose="020B0004020202020204" pitchFamily="34" charset="0"/>
+              </a:rPr>
+              <a:t>Team_Anomaly_Detection</a:t>
+            </a:r>
+            <a:endParaRPr lang="en-US" dirty="0">
+              <a:solidFill>
+                <a:schemeClr val="tx1">
+                  <a:lumMod val="75000"/>
+                  <a:lumOff val="25000"/>
+                </a:schemeClr>
+              </a:solidFill>
+              <a:latin typeface="Aptos" panose="020B0004020202020204" pitchFamily="34" charset="0"/>
+            </a:endParaRPr>
           </a:p>
           <a:p>
             <a:pPr defTabSz="457200">
@@ -8282,13 +11398,14 @@
               <a:buChar char=""/>
             </a:pPr>
             <a:r>
-              <a:rPr lang="en-US" b="1">
+              <a:rPr lang="en-US" b="1" dirty="0">
                 <a:solidFill>
                   <a:schemeClr val="tx1">
                     <a:lumMod val="75000"/>
                     <a:lumOff val="25000"/>
                   </a:schemeClr>
                 </a:solidFill>
+                <a:latin typeface="Aptos" panose="020B0004020202020204" pitchFamily="34" charset="0"/>
               </a:rPr>
               <a:t>Members:</a:t>
             </a:r>
@@ -8309,15 +11426,28 @@
               <a:buChar char=""/>
             </a:pPr>
             <a:r>
-              <a:rPr lang="en-US">
+              <a:rPr lang="en-US" dirty="0" err="1">
                 <a:solidFill>
                   <a:schemeClr val="tx1">
                     <a:lumMod val="75000"/>
                     <a:lumOff val="25000"/>
                   </a:schemeClr>
                 </a:solidFill>
+                <a:latin typeface="Aptos" panose="020B0004020202020204" pitchFamily="34" charset="0"/>
               </a:rPr>
-              <a:t>Mahbubur Rahman</a:t>
+              <a:t>Mahbubur</a:t>
+            </a:r>
+            <a:r>
+              <a:rPr lang="en-US" dirty="0">
+                <a:solidFill>
+                  <a:schemeClr val="tx1">
+                    <a:lumMod val="75000"/>
+                    <a:lumOff val="25000"/>
+                  </a:schemeClr>
+                </a:solidFill>
+                <a:latin typeface="Aptos" panose="020B0004020202020204" pitchFamily="34" charset="0"/>
+              </a:rPr>
+              <a:t> Rahman</a:t>
             </a:r>
           </a:p>
           <a:p>
@@ -8336,15 +11466,40 @@
               <a:buChar char=""/>
             </a:pPr>
             <a:r>
-              <a:rPr lang="en-US">
+              <a:rPr lang="en-US" dirty="0">
                 <a:solidFill>
                   <a:schemeClr val="tx1">
                     <a:lumMod val="75000"/>
                     <a:lumOff val="25000"/>
                   </a:schemeClr>
                 </a:solidFill>
+                <a:latin typeface="Aptos" panose="020B0004020202020204" pitchFamily="34" charset="0"/>
               </a:rPr>
-              <a:t>Md Zihadul Islam Joni</a:t>
+              <a:t>Md </a:t>
+            </a:r>
+            <a:r>
+              <a:rPr lang="en-US" dirty="0" err="1">
+                <a:solidFill>
+                  <a:schemeClr val="tx1">
+                    <a:lumMod val="75000"/>
+                    <a:lumOff val="25000"/>
+                  </a:schemeClr>
+                </a:solidFill>
+                <a:latin typeface="Aptos" panose="020B0004020202020204" pitchFamily="34" charset="0"/>
+              </a:rPr>
+              <a:t>Zihadul</a:t>
+            </a:r>
+            <a:r>
+              <a:rPr lang="en-US" dirty="0">
+                <a:solidFill>
+                  <a:schemeClr val="tx1">
+                    <a:lumMod val="75000"/>
+                    <a:lumOff val="25000"/>
+                  </a:schemeClr>
+                </a:solidFill>
+                <a:latin typeface="Aptos" panose="020B0004020202020204" pitchFamily="34" charset="0"/>
+              </a:rPr>
+              <a:t> Islam Joni</a:t>
             </a:r>
           </a:p>
           <a:p>
@@ -8363,15 +11518,40 @@
               <a:buChar char=""/>
             </a:pPr>
             <a:r>
-              <a:rPr lang="en-US">
+              <a:rPr lang="en-US" dirty="0">
                 <a:solidFill>
                   <a:schemeClr val="tx1">
                     <a:lumMod val="75000"/>
                     <a:lumOff val="25000"/>
                   </a:schemeClr>
                 </a:solidFill>
+                <a:latin typeface="Aptos" panose="020B0004020202020204" pitchFamily="34" charset="0"/>
               </a:rPr>
-              <a:t>Md Rakibul Islam</a:t>
+              <a:t>Md </a:t>
+            </a:r>
+            <a:r>
+              <a:rPr lang="en-US" dirty="0" err="1">
+                <a:solidFill>
+                  <a:schemeClr val="tx1">
+                    <a:lumMod val="75000"/>
+                    <a:lumOff val="25000"/>
+                  </a:schemeClr>
+                </a:solidFill>
+                <a:latin typeface="Aptos" panose="020B0004020202020204" pitchFamily="34" charset="0"/>
+              </a:rPr>
+              <a:t>Rakibul</a:t>
+            </a:r>
+            <a:r>
+              <a:rPr lang="en-US" dirty="0">
+                <a:solidFill>
+                  <a:schemeClr val="tx1">
+                    <a:lumMod val="75000"/>
+                    <a:lumOff val="25000"/>
+                  </a:schemeClr>
+                </a:solidFill>
+                <a:latin typeface="Aptos" panose="020B0004020202020204" pitchFamily="34" charset="0"/>
+              </a:rPr>
+              <a:t> Islam</a:t>
             </a:r>
           </a:p>
         </p:txBody>
@@ -8446,6 +11626,14 @@
 <file path=ppt/slides/slide10.xml><?xml version="1.0" encoding="utf-8"?>
 <p:sld xmlns:a="http://schemas.openxmlformats.org/drawingml/2006/main" xmlns:r="http://schemas.openxmlformats.org/officeDocument/2006/relationships" xmlns:p="http://schemas.openxmlformats.org/presentationml/2006/main">
   <p:cSld>
+    <p:bg>
+      <p:bgPr>
+        <a:solidFill>
+          <a:schemeClr val="bg1"/>
+        </a:solidFill>
+        <a:effectLst/>
+      </p:bgPr>
+    </p:bg>
     <p:spTree>
       <p:nvGrpSpPr>
         <p:cNvPr id="1" name=""/>
@@ -8460,69 +11648,63 @@
           <a:chExt cx="0" cy="0"/>
         </a:xfrm>
       </p:grpSpPr>
-      <p:sp>
+      <p:sp useBgFill="1">
         <p:nvSpPr>
-          <p:cNvPr id="4" name="Footer Placeholder 3">
+          <p:cNvPr id="13" name="Rectangle 12">
             <a:extLst>
               <a:ext uri="{FF2B5EF4-FFF2-40B4-BE49-F238E27FC236}">
-                <a16:creationId xmlns:a16="http://schemas.microsoft.com/office/drawing/2014/main" id="{318BF7D1-0ECC-ABFB-116C-438B636E02B9}"/>
+                <a16:creationId xmlns:a16="http://schemas.microsoft.com/office/drawing/2014/main" id="{F92989FB-1024-49B7-BDF1-B3CE27D48623}"/>
+              </a:ext>
+              <a:ext uri="{C183D7F6-B498-43B3-948B-1728B52AA6E4}">
+                <adec:decorative xmlns:adec="http://schemas.microsoft.com/office/drawing/2017/decorative" val="1"/>
               </a:ext>
             </a:extLst>
           </p:cNvPr>
           <p:cNvSpPr>
-            <a:spLocks noGrp="1"/>
+            <a:spLocks noGrp="1" noRot="1" noChangeAspect="1" noMove="1" noResize="1" noEditPoints="1" noAdjustHandles="1" noChangeArrowheads="1" noChangeShapeType="1" noTextEdit="1"/>
           </p:cNvSpPr>
           <p:nvPr>
-            <p:ph type="ftr" sz="quarter" idx="11"/>
+            <p:extLst>
+              <p:ext uri="{386F3935-93C4-4BCD-93E2-E3B085C9AB24}">
+                <p16:designElem xmlns:p16="http://schemas.microsoft.com/office/powerpoint/2015/main" val="1"/>
+              </p:ext>
+            </p:extLst>
           </p:nvPr>
         </p:nvSpPr>
-        <p:spPr/>
+        <p:spPr>
+          <a:xfrm>
+            <a:off x="0" y="0"/>
+            <a:ext cx="12191999" cy="6858001"/>
+          </a:xfrm>
+          <a:prstGeom prst="rect">
+            <a:avLst/>
+          </a:prstGeom>
+          <a:ln>
+            <a:noFill/>
+          </a:ln>
+        </p:spPr>
+        <p:style>
+          <a:lnRef idx="2">
+            <a:schemeClr val="accent1">
+              <a:shade val="50000"/>
+            </a:schemeClr>
+          </a:lnRef>
+          <a:fillRef idx="1">
+            <a:schemeClr val="accent1"/>
+          </a:fillRef>
+          <a:effectRef idx="0">
+            <a:schemeClr val="accent1"/>
+          </a:effectRef>
+          <a:fontRef idx="minor">
+            <a:schemeClr val="lt1"/>
+          </a:fontRef>
+        </p:style>
         <p:txBody>
-          <a:bodyPr/>
+          <a:bodyPr rtlCol="0" anchor="ctr"/>
           <a:lstStyle/>
           <a:p>
-            <a:r>
-              <a:rPr lang="en-US" cap="none" dirty="0">
-                <a:latin typeface="Arial" panose="020B0604020202020204" pitchFamily="34" charset="0"/>
-                <a:cs typeface="Arial" panose="020B0604020202020204" pitchFamily="34" charset="0"/>
-              </a:rPr>
-              <a:t>Unit Test Code Coverage</a:t>
-            </a:r>
-          </a:p>
-        </p:txBody>
-      </p:sp>
-      <p:sp>
-        <p:nvSpPr>
-          <p:cNvPr id="5" name="Slide Number Placeholder 4">
-            <a:extLst>
-              <a:ext uri="{FF2B5EF4-FFF2-40B4-BE49-F238E27FC236}">
-                <a16:creationId xmlns:a16="http://schemas.microsoft.com/office/drawing/2014/main" id="{2687D6E6-D5FA-4C9E-C76D-CC433D92DBC4}"/>
-              </a:ext>
-            </a:extLst>
-          </p:cNvPr>
-          <p:cNvSpPr>
-            <a:spLocks noGrp="1"/>
-          </p:cNvSpPr>
-          <p:nvPr>
-            <p:ph type="sldNum" sz="quarter" idx="12"/>
-          </p:nvPr>
-        </p:nvSpPr>
-        <p:spPr/>
-        <p:txBody>
-          <a:bodyPr/>
-          <a:lstStyle/>
-          <a:p>
-            <a:fld id="{3A98EE3D-8CD1-4C3F-BD1C-C98C9596463C}" type="slidenum">
-              <a:rPr lang="en-US" smtClean="0">
-                <a:latin typeface="Arial" panose="020B0604020202020204" pitchFamily="34" charset="0"/>
-                <a:cs typeface="Arial" panose="020B0604020202020204" pitchFamily="34" charset="0"/>
-              </a:rPr>
-              <a:t>10</a:t>
-            </a:fld>
-            <a:endParaRPr lang="en-US" dirty="0">
-              <a:latin typeface="Arial" panose="020B0604020202020204" pitchFamily="34" charset="0"/>
-              <a:cs typeface="Arial" panose="020B0604020202020204" pitchFamily="34" charset="0"/>
-            </a:endParaRPr>
+            <a:pPr algn="ctr"/>
+            <a:endParaRPr lang="en-US"/>
           </a:p>
         </p:txBody>
       </p:sp>
@@ -8542,8 +11724,8 @@
         </p:nvSpPr>
         <p:spPr>
           <a:xfrm>
-            <a:off x="581192" y="702156"/>
-            <a:ext cx="11079866" cy="876518"/>
+            <a:off x="746228" y="1037967"/>
+            <a:ext cx="3054091" cy="4709131"/>
           </a:xfrm>
           <a:prstGeom prst="rect">
             <a:avLst/>
@@ -8633,12 +11815,22 @@
           </a:lstStyle>
           <a:p>
             <a:pPr>
-              <a:lnSpc>
-                <a:spcPts val="3700"/>
-              </a:lnSpc>
+              <a:spcAft>
+                <a:spcPts val="600"/>
+              </a:spcAft>
             </a:pPr>
             <a:r>
-              <a:rPr lang="en-US" dirty="0"/>
+              <a:rPr lang="en-US" b="0" kern="1200" cap="all" dirty="0">
+                <a:solidFill>
+                  <a:schemeClr val="tx1">
+                    <a:lumMod val="75000"/>
+                    <a:lumOff val="25000"/>
+                  </a:schemeClr>
+                </a:solidFill>
+                <a:latin typeface="+mj-lt"/>
+                <a:ea typeface="+mj-ea"/>
+                <a:cs typeface="+mj-cs"/>
+              </a:rPr>
               <a:t>conclusion</a:t>
             </a:r>
           </a:p>
@@ -8646,94 +11838,200 @@
       </p:sp>
       <p:sp>
         <p:nvSpPr>
-          <p:cNvPr id="6" name="TextBox 5">
+          <p:cNvPr id="15" name="Rectangle 14">
             <a:extLst>
               <a:ext uri="{FF2B5EF4-FFF2-40B4-BE49-F238E27FC236}">
-                <a16:creationId xmlns:a16="http://schemas.microsoft.com/office/drawing/2014/main" id="{AF32BE12-CDAA-3AE5-9993-07DFE09DD46B}"/>
+                <a16:creationId xmlns:a16="http://schemas.microsoft.com/office/drawing/2014/main" id="{2987D6F4-EC95-4EF1-A8AD-4B70386CEEC7}"/>
+              </a:ext>
+              <a:ext uri="{C183D7F6-B498-43B3-948B-1728B52AA6E4}">
+                <adec:decorative xmlns:adec="http://schemas.microsoft.com/office/drawing/2017/decorative" val="1"/>
               </a:ext>
             </a:extLst>
           </p:cNvPr>
-          <p:cNvSpPr txBox="1"/>
-          <p:nvPr/>
+          <p:cNvSpPr>
+            <a:spLocks noGrp="1" noRot="1" noChangeAspect="1" noMove="1" noResize="1" noEditPoints="1" noAdjustHandles="1" noChangeArrowheads="1" noChangeShapeType="1" noTextEdit="1"/>
+          </p:cNvSpPr>
+          <p:nvPr>
+            <p:extLst>
+              <p:ext uri="{386F3935-93C4-4BCD-93E2-E3B085C9AB24}">
+                <p16:designElem xmlns:p16="http://schemas.microsoft.com/office/powerpoint/2015/main" val="1"/>
+              </p:ext>
+            </p:extLst>
+          </p:nvPr>
         </p:nvSpPr>
         <p:spPr>
           <a:xfrm>
-            <a:off x="715108" y="1578674"/>
-            <a:ext cx="8428892" cy="4524315"/>
+            <a:off x="446534" y="457200"/>
+            <a:ext cx="3703320" cy="94997"/>
           </a:xfrm>
           <a:prstGeom prst="rect">
             <a:avLst/>
           </a:prstGeom>
-          <a:noFill/>
+          <a:solidFill>
+            <a:srgbClr val="465359"/>
+          </a:solidFill>
+          <a:ln>
+            <a:noFill/>
+          </a:ln>
+          <a:effectLst/>
+        </p:spPr>
+        <p:style>
+          <a:lnRef idx="1">
+            <a:schemeClr val="accent1"/>
+          </a:lnRef>
+          <a:fillRef idx="3">
+            <a:schemeClr val="accent1"/>
+          </a:fillRef>
+          <a:effectRef idx="2">
+            <a:schemeClr val="accent1"/>
+          </a:effectRef>
+          <a:fontRef idx="minor">
+            <a:schemeClr val="lt1"/>
+          </a:fontRef>
+        </p:style>
+        <p:txBody>
+          <a:bodyPr/>
+          <a:lstStyle/>
+          <a:p>
+            <a:endParaRPr lang="en-US"/>
+          </a:p>
+        </p:txBody>
+      </p:sp>
+      <p:sp>
+        <p:nvSpPr>
+          <p:cNvPr id="17" name="Rectangle 16">
+            <a:extLst>
+              <a:ext uri="{FF2B5EF4-FFF2-40B4-BE49-F238E27FC236}">
+                <a16:creationId xmlns:a16="http://schemas.microsoft.com/office/drawing/2014/main" id="{F5F792DF-9D0A-4DB6-9A9E-7312F5A7E87D}"/>
+              </a:ext>
+              <a:ext uri="{C183D7F6-B498-43B3-948B-1728B52AA6E4}">
+                <adec:decorative xmlns:adec="http://schemas.microsoft.com/office/drawing/2017/decorative" val="1"/>
+              </a:ext>
+            </a:extLst>
+          </p:cNvPr>
+          <p:cNvSpPr>
+            <a:spLocks noGrp="1" noRot="1" noChangeAspect="1" noMove="1" noResize="1" noEditPoints="1" noAdjustHandles="1" noChangeArrowheads="1" noChangeShapeType="1" noTextEdit="1"/>
+          </p:cNvSpPr>
+          <p:nvPr>
+            <p:extLst>
+              <p:ext uri="{386F3935-93C4-4BCD-93E2-E3B085C9AB24}">
+                <p16:designElem xmlns:p16="http://schemas.microsoft.com/office/powerpoint/2015/main" val="1"/>
+              </p:ext>
+            </p:extLst>
+          </p:nvPr>
+        </p:nvSpPr>
+        <p:spPr>
+          <a:xfrm>
+            <a:off x="4241830" y="457200"/>
+            <a:ext cx="7498080" cy="91440"/>
+          </a:xfrm>
+          <a:prstGeom prst="rect">
+            <a:avLst/>
+          </a:prstGeom>
+          <a:solidFill>
+            <a:schemeClr val="accent1"/>
+          </a:solidFill>
+          <a:ln>
+            <a:noFill/>
+          </a:ln>
+          <a:effectLst/>
+        </p:spPr>
+        <p:style>
+          <a:lnRef idx="1">
+            <a:schemeClr val="accent1"/>
+          </a:lnRef>
+          <a:fillRef idx="3">
+            <a:schemeClr val="accent1"/>
+          </a:fillRef>
+          <a:effectRef idx="2">
+            <a:schemeClr val="accent1"/>
+          </a:effectRef>
+          <a:fontRef idx="minor">
+            <a:schemeClr val="lt1"/>
+          </a:fontRef>
+        </p:style>
+        <p:txBody>
+          <a:bodyPr/>
+          <a:lstStyle/>
+          <a:p>
+            <a:endParaRPr lang="en-US"/>
+          </a:p>
+        </p:txBody>
+      </p:sp>
+      <p:sp>
+        <p:nvSpPr>
+          <p:cNvPr id="5" name="Slide Number Placeholder 4">
+            <a:extLst>
+              <a:ext uri="{FF2B5EF4-FFF2-40B4-BE49-F238E27FC236}">
+                <a16:creationId xmlns:a16="http://schemas.microsoft.com/office/drawing/2014/main" id="{2687D6E6-D5FA-4C9E-C76D-CC433D92DBC4}"/>
+              </a:ext>
+            </a:extLst>
+          </p:cNvPr>
+          <p:cNvSpPr>
+            <a:spLocks noGrp="1"/>
+          </p:cNvSpPr>
+          <p:nvPr>
+            <p:ph type="sldNum" sz="quarter" idx="12"/>
+          </p:nvPr>
+        </p:nvSpPr>
+        <p:spPr>
+          <a:xfrm>
+            <a:off x="10558300" y="6423914"/>
+            <a:ext cx="1052510" cy="365125"/>
+          </a:xfrm>
         </p:spPr>
         <p:txBody>
-          <a:bodyPr wrap="square">
-            <a:spAutoFit/>
+          <a:bodyPr vert="horz" lIns="91440" tIns="45720" rIns="91440" bIns="45720" rtlCol="0" anchor="ctr">
+            <a:normAutofit/>
           </a:bodyPr>
           <a:lstStyle/>
           <a:p>
-            <a:pPr marL="285750" indent="-285750">
-              <a:buFont typeface="Arial" panose="020B0604020202020204" pitchFamily="34" charset="0"/>
-              <a:buChar char="•"/>
+            <a:pPr defTabSz="457200">
+              <a:spcAft>
+                <a:spcPts val="600"/>
+              </a:spcAft>
             </a:pPr>
-            <a:r>
-              <a:rPr lang="en-US" dirty="0"/>
-              <a:t>The </a:t>
-            </a:r>
-            <a:r>
-              <a:rPr lang="en-US" dirty="0" err="1"/>
-              <a:t>AnomalyDetector</a:t>
-            </a:r>
-            <a:r>
-              <a:rPr lang="en-US" dirty="0"/>
-              <a:t> class maintains a list of predicted values based on the input sequence, and uses the mean and standard deviation of these predicted values to identify values that are significantly different from the expected values.</a:t>
-            </a:r>
-          </a:p>
-          <a:p>
-            <a:pPr marL="285750" indent="-285750">
-              <a:buFont typeface="Arial" panose="020B0604020202020204" pitchFamily="34" charset="0"/>
-              <a:buChar char="•"/>
-            </a:pPr>
-            <a:endParaRPr lang="en-US" dirty="0"/>
-          </a:p>
-          <a:p>
-            <a:pPr marL="285750" indent="-285750">
-              <a:buFont typeface="Arial" panose="020B0604020202020204" pitchFamily="34" charset="0"/>
-              <a:buChar char="•"/>
-            </a:pPr>
-            <a:r>
-              <a:rPr lang="en-US" dirty="0"/>
-              <a:t>When a new value is added to the list of predicted values, the mean and standard deviation are updated to reflect the new data. Values that are more than a certain number of standard deviations away from the mean are considered anomalies and removed from the list</a:t>
-            </a:r>
-          </a:p>
-          <a:p>
-            <a:pPr marL="285750" indent="-285750">
-              <a:buFont typeface="Arial" panose="020B0604020202020204" pitchFamily="34" charset="0"/>
-              <a:buChar char="•"/>
-            </a:pPr>
-            <a:endParaRPr lang="en-US" dirty="0"/>
-          </a:p>
-          <a:p>
-            <a:pPr marL="285750" indent="-285750">
-              <a:buFont typeface="Arial" panose="020B0604020202020204" pitchFamily="34" charset="0"/>
-              <a:buChar char="•"/>
-            </a:pPr>
-            <a:r>
-              <a:rPr lang="en-US" dirty="0"/>
-              <a:t>In the context of comparing the next appearing value with the last predicted value, the mean and standard deviation can be used to set a tolerance level for how different the predicted and actual values can be before it is considered an anomaly</a:t>
-            </a:r>
-          </a:p>
-          <a:p>
-            <a:endParaRPr lang="en-US" dirty="0"/>
-          </a:p>
-          <a:p>
-            <a:endParaRPr lang="en-US" dirty="0"/>
-          </a:p>
-          <a:p>
-            <a:endParaRPr lang="en-US" dirty="0"/>
+            <a:fld id="{3A98EE3D-8CD1-4C3F-BD1C-C98C9596463C}" type="slidenum">
+              <a:rPr lang="en-US" smtClean="0"/>
+              <a:pPr defTabSz="457200">
+                <a:spcAft>
+                  <a:spcPts val="600"/>
+                </a:spcAft>
+              </a:pPr>
+              <a:t>10</a:t>
+            </a:fld>
+            <a:endParaRPr lang="en-US"/>
           </a:p>
         </p:txBody>
       </p:sp>
+      <p:graphicFrame>
+        <p:nvGraphicFramePr>
+          <p:cNvPr id="9" name="TextBox 5">
+            <a:extLst>
+              <a:ext uri="{FF2B5EF4-FFF2-40B4-BE49-F238E27FC236}">
+                <a16:creationId xmlns:a16="http://schemas.microsoft.com/office/drawing/2014/main" id="{709B36D5-304B-E3C2-32E9-CB75C78D55FA}"/>
+              </a:ext>
+            </a:extLst>
+          </p:cNvPr>
+          <p:cNvGraphicFramePr/>
+          <p:nvPr>
+            <p:extLst>
+              <p:ext uri="{D42A27DB-BD31-4B8C-83A1-F6EECF244321}">
+                <p14:modId xmlns:p14="http://schemas.microsoft.com/office/powerpoint/2010/main" val="2665591862"/>
+              </p:ext>
+            </p:extLst>
+          </p:nvPr>
+        </p:nvGraphicFramePr>
+        <p:xfrm>
+          <a:off x="4598438" y="1207783"/>
+          <a:ext cx="7012370" cy="4709131"/>
+        </p:xfrm>
+        <a:graphic>
+          <a:graphicData uri="http://schemas.openxmlformats.org/drawingml/2006/diagram">
+            <dgm:relIds xmlns:dgm="http://schemas.openxmlformats.org/drawingml/2006/diagram" xmlns:r="http://schemas.openxmlformats.org/officeDocument/2006/relationships" r:dm="rId2" r:lo="rId3" r:qs="rId4" r:cs="rId5"/>
+          </a:graphicData>
+        </a:graphic>
+      </p:graphicFrame>
     </p:spTree>
     <p:extLst>
       <p:ext uri="{BB962C8B-B14F-4D97-AF65-F5344CB8AC3E}">
@@ -8750,6 +12048,14 @@
 <file path=ppt/slides/slide11.xml><?xml version="1.0" encoding="utf-8"?>
 <p:sld xmlns:a="http://schemas.openxmlformats.org/drawingml/2006/main" xmlns:r="http://schemas.openxmlformats.org/officeDocument/2006/relationships" xmlns:p="http://schemas.openxmlformats.org/presentationml/2006/main">
   <p:cSld>
+    <p:bg>
+      <p:bgPr>
+        <a:solidFill>
+          <a:schemeClr val="bg1"/>
+        </a:solidFill>
+        <a:effectLst/>
+      </p:bgPr>
+    </p:bg>
     <p:spTree>
       <p:nvGrpSpPr>
         <p:cNvPr id="1" name=""/>
@@ -8764,69 +12070,307 @@
           <a:chExt cx="0" cy="0"/>
         </a:xfrm>
       </p:grpSpPr>
-      <p:sp>
+      <p:sp useBgFill="1">
         <p:nvSpPr>
-          <p:cNvPr id="4" name="Footer Placeholder 3">
+          <p:cNvPr id="14" name="Rectangle 13">
             <a:extLst>
               <a:ext uri="{FF2B5EF4-FFF2-40B4-BE49-F238E27FC236}">
-                <a16:creationId xmlns:a16="http://schemas.microsoft.com/office/drawing/2014/main" id="{318BF7D1-0ECC-ABFB-116C-438B636E02B9}"/>
+                <a16:creationId xmlns:a16="http://schemas.microsoft.com/office/drawing/2014/main" id="{F858DF7D-C2D0-4B03-A7A0-2F06B789EE35}"/>
+              </a:ext>
+              <a:ext uri="{C183D7F6-B498-43B3-948B-1728B52AA6E4}">
+                <adec:decorative xmlns:adec="http://schemas.microsoft.com/office/drawing/2017/decorative" val="1"/>
               </a:ext>
             </a:extLst>
           </p:cNvPr>
           <p:cNvSpPr>
-            <a:spLocks noGrp="1"/>
+            <a:spLocks noGrp="1" noRot="1" noChangeAspect="1" noMove="1" noResize="1" noEditPoints="1" noAdjustHandles="1" noChangeArrowheads="1" noChangeShapeType="1" noTextEdit="1"/>
           </p:cNvSpPr>
           <p:nvPr>
-            <p:ph type="ftr" sz="quarter" idx="11"/>
+            <p:extLst>
+              <p:ext uri="{386F3935-93C4-4BCD-93E2-E3B085C9AB24}">
+                <p16:designElem xmlns:p16="http://schemas.microsoft.com/office/powerpoint/2015/main" val="1"/>
+              </p:ext>
+            </p:extLst>
           </p:nvPr>
         </p:nvSpPr>
-        <p:spPr/>
+        <p:spPr>
+          <a:xfrm>
+            <a:off x="0" y="0"/>
+            <a:ext cx="12191999" cy="6858001"/>
+          </a:xfrm>
+          <a:prstGeom prst="rect">
+            <a:avLst/>
+          </a:prstGeom>
+          <a:ln>
+            <a:noFill/>
+          </a:ln>
+        </p:spPr>
+        <p:style>
+          <a:lnRef idx="2">
+            <a:schemeClr val="accent1">
+              <a:shade val="50000"/>
+            </a:schemeClr>
+          </a:lnRef>
+          <a:fillRef idx="1">
+            <a:schemeClr val="accent1"/>
+          </a:fillRef>
+          <a:effectRef idx="0">
+            <a:schemeClr val="accent1"/>
+          </a:effectRef>
+          <a:fontRef idx="minor">
+            <a:schemeClr val="lt1"/>
+          </a:fontRef>
+        </p:style>
         <p:txBody>
-          <a:bodyPr/>
+          <a:bodyPr rtlCol="0" anchor="ctr"/>
           <a:lstStyle/>
           <a:p>
-            <a:r>
-              <a:rPr lang="en-US" cap="none" dirty="0">
-                <a:latin typeface="Arial" panose="020B0604020202020204" pitchFamily="34" charset="0"/>
-                <a:cs typeface="Arial" panose="020B0604020202020204" pitchFamily="34" charset="0"/>
-              </a:rPr>
-              <a:t>Unit Test Code Coverage</a:t>
-            </a:r>
+            <a:pPr algn="ctr"/>
+            <a:endParaRPr lang="en-US"/>
           </a:p>
         </p:txBody>
       </p:sp>
       <p:sp>
         <p:nvSpPr>
-          <p:cNvPr id="5" name="Slide Number Placeholder 4">
+          <p:cNvPr id="16" name="Rectangle 15">
             <a:extLst>
               <a:ext uri="{FF2B5EF4-FFF2-40B4-BE49-F238E27FC236}">
-                <a16:creationId xmlns:a16="http://schemas.microsoft.com/office/drawing/2014/main" id="{2687D6E6-D5FA-4C9E-C76D-CC433D92DBC4}"/>
+                <a16:creationId xmlns:a16="http://schemas.microsoft.com/office/drawing/2014/main" id="{1B26B711-3121-40B0-8377-A64F3DC00C7A}"/>
+              </a:ext>
+              <a:ext uri="{C183D7F6-B498-43B3-948B-1728B52AA6E4}">
+                <adec:decorative xmlns:adec="http://schemas.microsoft.com/office/drawing/2017/decorative" val="1"/>
               </a:ext>
             </a:extLst>
           </p:cNvPr>
           <p:cNvSpPr>
-            <a:spLocks noGrp="1"/>
+            <a:spLocks noGrp="1" noRot="1" noChangeAspect="1" noMove="1" noResize="1" noEditPoints="1" noAdjustHandles="1" noChangeArrowheads="1" noChangeShapeType="1" noTextEdit="1"/>
           </p:cNvSpPr>
           <p:nvPr>
-            <p:ph type="sldNum" sz="quarter" idx="12"/>
+            <p:extLst>
+              <p:ext uri="{386F3935-93C4-4BCD-93E2-E3B085C9AB24}">
+                <p16:designElem xmlns:p16="http://schemas.microsoft.com/office/powerpoint/2015/main" val="1"/>
+              </p:ext>
+            </p:extLst>
           </p:nvPr>
         </p:nvSpPr>
-        <p:spPr/>
+        <p:spPr>
+          <a:xfrm>
+            <a:off x="446534" y="457200"/>
+            <a:ext cx="3703320" cy="94997"/>
+          </a:xfrm>
+          <a:prstGeom prst="rect">
+            <a:avLst/>
+          </a:prstGeom>
+          <a:solidFill>
+            <a:srgbClr val="465359"/>
+          </a:solidFill>
+          <a:ln>
+            <a:noFill/>
+          </a:ln>
+          <a:effectLst/>
+        </p:spPr>
+        <p:style>
+          <a:lnRef idx="1">
+            <a:schemeClr val="accent1"/>
+          </a:lnRef>
+          <a:fillRef idx="3">
+            <a:schemeClr val="accent1"/>
+          </a:fillRef>
+          <a:effectRef idx="2">
+            <a:schemeClr val="accent1"/>
+          </a:effectRef>
+          <a:fontRef idx="minor">
+            <a:schemeClr val="lt1"/>
+          </a:fontRef>
+        </p:style>
         <p:txBody>
           <a:bodyPr/>
           <a:lstStyle/>
           <a:p>
-            <a:fld id="{3A98EE3D-8CD1-4C3F-BD1C-C98C9596463C}" type="slidenum">
-              <a:rPr lang="en-US" smtClean="0">
-                <a:latin typeface="Arial" panose="020B0604020202020204" pitchFamily="34" charset="0"/>
-                <a:cs typeface="Arial" panose="020B0604020202020204" pitchFamily="34" charset="0"/>
-              </a:rPr>
-              <a:t>11</a:t>
-            </a:fld>
-            <a:endParaRPr lang="en-US" dirty="0">
-              <a:latin typeface="Arial" panose="020B0604020202020204" pitchFamily="34" charset="0"/>
-              <a:cs typeface="Arial" panose="020B0604020202020204" pitchFamily="34" charset="0"/>
-            </a:endParaRPr>
+            <a:endParaRPr lang="en-US"/>
+          </a:p>
+        </p:txBody>
+      </p:sp>
+      <p:sp>
+        <p:nvSpPr>
+          <p:cNvPr id="18" name="Rectangle 17">
+            <a:extLst>
+              <a:ext uri="{FF2B5EF4-FFF2-40B4-BE49-F238E27FC236}">
+                <a16:creationId xmlns:a16="http://schemas.microsoft.com/office/drawing/2014/main" id="{645C4D3D-ABBA-4B4E-93E5-01E343719849}"/>
+              </a:ext>
+              <a:ext uri="{C183D7F6-B498-43B3-948B-1728B52AA6E4}">
+                <adec:decorative xmlns:adec="http://schemas.microsoft.com/office/drawing/2017/decorative" val="1"/>
+              </a:ext>
+            </a:extLst>
+          </p:cNvPr>
+          <p:cNvSpPr>
+            <a:spLocks noGrp="1" noRot="1" noChangeAspect="1" noMove="1" noResize="1" noEditPoints="1" noAdjustHandles="1" noChangeArrowheads="1" noChangeShapeType="1" noTextEdit="1"/>
+          </p:cNvSpPr>
+          <p:nvPr>
+            <p:extLst>
+              <p:ext uri="{386F3935-93C4-4BCD-93E2-E3B085C9AB24}">
+                <p16:designElem xmlns:p16="http://schemas.microsoft.com/office/powerpoint/2015/main" val="1"/>
+              </p:ext>
+            </p:extLst>
+          </p:nvPr>
+        </p:nvSpPr>
+        <p:spPr>
+          <a:xfrm>
+            <a:off x="4241830" y="457200"/>
+            <a:ext cx="3703320" cy="91440"/>
+          </a:xfrm>
+          <a:prstGeom prst="rect">
+            <a:avLst/>
+          </a:prstGeom>
+          <a:solidFill>
+            <a:schemeClr val="accent1"/>
+          </a:solidFill>
+          <a:ln>
+            <a:noFill/>
+          </a:ln>
+          <a:effectLst/>
+        </p:spPr>
+        <p:style>
+          <a:lnRef idx="1">
+            <a:schemeClr val="accent1"/>
+          </a:lnRef>
+          <a:fillRef idx="3">
+            <a:schemeClr val="accent1"/>
+          </a:fillRef>
+          <a:effectRef idx="2">
+            <a:schemeClr val="accent1"/>
+          </a:effectRef>
+          <a:fontRef idx="minor">
+            <a:schemeClr val="lt1"/>
+          </a:fontRef>
+        </p:style>
+        <p:txBody>
+          <a:bodyPr/>
+          <a:lstStyle/>
+          <a:p>
+            <a:endParaRPr lang="en-US"/>
+          </a:p>
+        </p:txBody>
+      </p:sp>
+      <p:sp>
+        <p:nvSpPr>
+          <p:cNvPr id="20" name="Rectangle 19">
+            <a:extLst>
+              <a:ext uri="{FF2B5EF4-FFF2-40B4-BE49-F238E27FC236}">
+                <a16:creationId xmlns:a16="http://schemas.microsoft.com/office/drawing/2014/main" id="{98DDD5E5-0097-4C6C-B266-5732EDA96CC4}"/>
+              </a:ext>
+              <a:ext uri="{C183D7F6-B498-43B3-948B-1728B52AA6E4}">
+                <adec:decorative xmlns:adec="http://schemas.microsoft.com/office/drawing/2017/decorative" val="1"/>
+              </a:ext>
+            </a:extLst>
+          </p:cNvPr>
+          <p:cNvSpPr>
+            <a:spLocks noGrp="1" noRot="1" noChangeAspect="1" noMove="1" noResize="1" noEditPoints="1" noAdjustHandles="1" noChangeArrowheads="1" noChangeShapeType="1" noTextEdit="1"/>
+          </p:cNvSpPr>
+          <p:nvPr>
+            <p:extLst>
+              <p:ext uri="{386F3935-93C4-4BCD-93E2-E3B085C9AB24}">
+                <p16:designElem xmlns:p16="http://schemas.microsoft.com/office/powerpoint/2015/main" val="1"/>
+              </p:ext>
+            </p:extLst>
+          </p:nvPr>
+        </p:nvSpPr>
+        <p:spPr>
+          <a:xfrm>
+            <a:off x="8042147" y="453643"/>
+            <a:ext cx="3703320" cy="98554"/>
+          </a:xfrm>
+          <a:prstGeom prst="rect">
+            <a:avLst/>
+          </a:prstGeom>
+          <a:solidFill>
+            <a:srgbClr val="969FA7"/>
+          </a:solidFill>
+          <a:ln>
+            <a:noFill/>
+          </a:ln>
+          <a:effectLst/>
+        </p:spPr>
+        <p:style>
+          <a:lnRef idx="1">
+            <a:schemeClr val="accent1"/>
+          </a:lnRef>
+          <a:fillRef idx="3">
+            <a:schemeClr val="accent1"/>
+          </a:fillRef>
+          <a:effectRef idx="2">
+            <a:schemeClr val="accent1"/>
+          </a:effectRef>
+          <a:fontRef idx="minor">
+            <a:schemeClr val="lt1"/>
+          </a:fontRef>
+        </p:style>
+        <p:txBody>
+          <a:bodyPr/>
+          <a:lstStyle/>
+          <a:p>
+            <a:endParaRPr lang="en-US"/>
+          </a:p>
+        </p:txBody>
+      </p:sp>
+      <p:sp>
+        <p:nvSpPr>
+          <p:cNvPr id="22" name="Rectangle 21">
+            <a:extLst>
+              <a:ext uri="{FF2B5EF4-FFF2-40B4-BE49-F238E27FC236}">
+                <a16:creationId xmlns:a16="http://schemas.microsoft.com/office/drawing/2014/main" id="{8952EF87-C74F-4D3F-9CAD-EEA1733C9BD0}"/>
+              </a:ext>
+              <a:ext uri="{C183D7F6-B498-43B3-948B-1728B52AA6E4}">
+                <adec:decorative xmlns:adec="http://schemas.microsoft.com/office/drawing/2017/decorative" val="1"/>
+              </a:ext>
+            </a:extLst>
+          </p:cNvPr>
+          <p:cNvSpPr>
+            <a:spLocks noGrp="1" noRot="1" noChangeAspect="1" noMove="1" noResize="1" noEditPoints="1" noAdjustHandles="1" noChangeArrowheads="1" noChangeShapeType="1" noTextEdit="1"/>
+          </p:cNvSpPr>
+          <p:nvPr>
+            <p:extLst>
+              <p:ext uri="{386F3935-93C4-4BCD-93E2-E3B085C9AB24}">
+                <p16:designElem xmlns:p16="http://schemas.microsoft.com/office/powerpoint/2015/main" val="1"/>
+              </p:ext>
+            </p:extLst>
+          </p:nvPr>
+        </p:nvSpPr>
+        <p:spPr>
+          <a:xfrm>
+            <a:off x="446534" y="597643"/>
+            <a:ext cx="3703320" cy="5792922"/>
+          </a:xfrm>
+          <a:prstGeom prst="rect">
+            <a:avLst/>
+          </a:prstGeom>
+          <a:solidFill>
+            <a:srgbClr val="465359"/>
+          </a:solidFill>
+          <a:ln>
+            <a:noFill/>
+          </a:ln>
+          <a:effectLst/>
+        </p:spPr>
+        <p:style>
+          <a:lnRef idx="1">
+            <a:schemeClr val="accent1"/>
+          </a:lnRef>
+          <a:fillRef idx="3">
+            <a:schemeClr val="accent1"/>
+          </a:fillRef>
+          <a:effectRef idx="2">
+            <a:schemeClr val="accent1"/>
+          </a:effectRef>
+          <a:fontRef idx="minor">
+            <a:schemeClr val="lt1"/>
+          </a:fontRef>
+        </p:style>
+        <p:txBody>
+          <a:bodyPr/>
+          <a:lstStyle/>
+          <a:p>
+            <a:endParaRPr lang="en-US"/>
           </a:p>
         </p:txBody>
       </p:sp>
@@ -8846,8 +12390,8 @@
         </p:nvSpPr>
         <p:spPr>
           <a:xfrm>
-            <a:off x="581192" y="702156"/>
-            <a:ext cx="11079866" cy="876518"/>
+            <a:off x="771148" y="1037967"/>
+            <a:ext cx="3054091" cy="4709131"/>
           </a:xfrm>
           <a:prstGeom prst="rect">
             <a:avLst/>
@@ -8937,12 +12481,19 @@
           </a:lstStyle>
           <a:p>
             <a:pPr>
-              <a:lnSpc>
-                <a:spcPts val="3700"/>
-              </a:lnSpc>
+              <a:spcAft>
+                <a:spcPts val="600"/>
+              </a:spcAft>
             </a:pPr>
             <a:r>
-              <a:rPr lang="en-US" dirty="0"/>
+              <a:rPr lang="en-US" b="0" kern="1200" cap="all">
+                <a:solidFill>
+                  <a:srgbClr val="FFFEFF"/>
+                </a:solidFill>
+                <a:latin typeface="+mj-lt"/>
+                <a:ea typeface="+mj-ea"/>
+                <a:cs typeface="+mj-cs"/>
+              </a:rPr>
               <a:t>references</a:t>
             </a:r>
           </a:p>
@@ -8962,925 +12513,418 @@
         </p:nvSpPr>
         <p:spPr>
           <a:xfrm>
-            <a:off x="581192" y="1578674"/>
-            <a:ext cx="11079866" cy="2862322"/>
+            <a:off x="4534935" y="1037968"/>
+            <a:ext cx="6725899" cy="4820832"/>
           </a:xfrm>
           <a:prstGeom prst="rect">
             <a:avLst/>
           </a:prstGeom>
-          <a:noFill/>
         </p:spPr>
         <p:txBody>
-          <a:bodyPr wrap="square">
-            <a:spAutoFit/>
+          <a:bodyPr vert="horz" lIns="91440" tIns="45720" rIns="91440" bIns="45720" rtlCol="0" anchor="ctr">
+            <a:normAutofit/>
           </a:bodyPr>
           <a:lstStyle/>
           <a:p>
-            <a:pPr algn="just"/>
+            <a:pPr defTabSz="457200">
+              <a:lnSpc>
+                <a:spcPct val="90000"/>
+              </a:lnSpc>
+              <a:spcBef>
+                <a:spcPct val="20000"/>
+              </a:spcBef>
+              <a:spcAft>
+                <a:spcPts val="600"/>
+              </a:spcAft>
+              <a:buClr>
+                <a:schemeClr val="accent1"/>
+              </a:buClr>
+              <a:buSzPct val="92000"/>
+              <a:buFont typeface="Wingdings 2" panose="05020102010507070707" pitchFamily="18" charset="2"/>
+              <a:buChar char=""/>
+            </a:pPr>
             <a:r>
-              <a:rPr lang="de-DE" sz="1200" dirty="0">
-                <a:latin typeface="Arial" panose="020B0604020202020204" pitchFamily="34" charset="0"/>
-                <a:cs typeface="Arial" panose="020B0604020202020204" pitchFamily="34" charset="0"/>
+              <a:rPr lang="en-US" sz="1100">
+                <a:solidFill>
+                  <a:schemeClr val="tx1">
+                    <a:lumMod val="75000"/>
+                    <a:lumOff val="25000"/>
+                  </a:schemeClr>
+                </a:solidFill>
               </a:rPr>
-              <a:t>[1]	Y. Cui, S. Ahmed, and J. Hawkins, “The HTM </a:t>
+              <a:t>[1]	Y. Cui, S. Ahmed, and J. Hawkins, “The HTM Spatial Pooler—A Neocortical Algorithm for Online Sparse Distributed Coding,” Front. Comput.  	Neurosci. November 2017, vol. 11-2017, doi: 10.3389/fncom.2017.00111.</a:t>
             </a:r>
+          </a:p>
+          <a:p>
+            <a:pPr defTabSz="457200">
+              <a:lnSpc>
+                <a:spcPct val="90000"/>
+              </a:lnSpc>
+              <a:spcBef>
+                <a:spcPct val="20000"/>
+              </a:spcBef>
+              <a:spcAft>
+                <a:spcPts val="600"/>
+              </a:spcAft>
+              <a:buClr>
+                <a:schemeClr val="accent1"/>
+              </a:buClr>
+              <a:buSzPct val="92000"/>
+              <a:buFont typeface="Wingdings 2" panose="05020102010507070707" pitchFamily="18" charset="2"/>
+              <a:buChar char=""/>
+            </a:pPr>
+            <a:endParaRPr lang="en-US" sz="1100">
+              <a:solidFill>
+                <a:schemeClr val="tx1">
+                  <a:lumMod val="75000"/>
+                  <a:lumOff val="25000"/>
+                </a:schemeClr>
+              </a:solidFill>
+            </a:endParaRPr>
+          </a:p>
+          <a:p>
+            <a:pPr defTabSz="457200">
+              <a:lnSpc>
+                <a:spcPct val="90000"/>
+              </a:lnSpc>
+              <a:spcBef>
+                <a:spcPct val="20000"/>
+              </a:spcBef>
+              <a:spcAft>
+                <a:spcPts val="600"/>
+              </a:spcAft>
+              <a:buClr>
+                <a:schemeClr val="accent1"/>
+              </a:buClr>
+              <a:buSzPct val="92000"/>
+              <a:buFont typeface="Wingdings 2" panose="05020102010507070707" pitchFamily="18" charset="2"/>
+              <a:buChar char=""/>
+            </a:pPr>
             <a:r>
-              <a:rPr lang="de-DE" sz="1200" dirty="0" err="1">
-                <a:latin typeface="Arial" panose="020B0604020202020204" pitchFamily="34" charset="0"/>
-                <a:cs typeface="Arial" panose="020B0604020202020204" pitchFamily="34" charset="0"/>
+              <a:rPr lang="en-US" sz="1100">
+                <a:solidFill>
+                  <a:schemeClr val="tx1">
+                    <a:lumMod val="75000"/>
+                    <a:lumOff val="25000"/>
+                  </a:schemeClr>
+                </a:solidFill>
               </a:rPr>
-              <a:t>Spatial</a:t>
+              <a:t>[2]	Ahmad, S., Lavin, A., Purdy, S., and Agha, Z. (2017). Unsupervised real-time anomaly detection for streaming data. Neurocomputing 262, 134–147. 	doi: 10.1016/j.neucom.2017.04.070.</a:t>
             </a:r>
+          </a:p>
+          <a:p>
+            <a:pPr defTabSz="457200">
+              <a:lnSpc>
+                <a:spcPct val="90000"/>
+              </a:lnSpc>
+              <a:spcBef>
+                <a:spcPct val="20000"/>
+              </a:spcBef>
+              <a:spcAft>
+                <a:spcPts val="600"/>
+              </a:spcAft>
+              <a:buClr>
+                <a:schemeClr val="accent1"/>
+              </a:buClr>
+              <a:buSzPct val="92000"/>
+              <a:buFont typeface="Wingdings 2" panose="05020102010507070707" pitchFamily="18" charset="2"/>
+              <a:buChar char=""/>
+            </a:pPr>
+            <a:endParaRPr lang="en-US" sz="1100">
+              <a:solidFill>
+                <a:schemeClr val="tx1">
+                  <a:lumMod val="75000"/>
+                  <a:lumOff val="25000"/>
+                </a:schemeClr>
+              </a:solidFill>
+            </a:endParaRPr>
+          </a:p>
+          <a:p>
+            <a:pPr defTabSz="457200">
+              <a:lnSpc>
+                <a:spcPct val="90000"/>
+              </a:lnSpc>
+              <a:spcBef>
+                <a:spcPct val="20000"/>
+              </a:spcBef>
+              <a:spcAft>
+                <a:spcPts val="600"/>
+              </a:spcAft>
+              <a:buClr>
+                <a:schemeClr val="accent1"/>
+              </a:buClr>
+              <a:buSzPct val="92000"/>
+              <a:buFont typeface="Wingdings 2" panose="05020102010507070707" pitchFamily="18" charset="2"/>
+              <a:buChar char=""/>
+            </a:pPr>
             <a:r>
-              <a:rPr lang="de-DE" sz="1200" dirty="0">
-                <a:latin typeface="Arial" panose="020B0604020202020204" pitchFamily="34" charset="0"/>
-                <a:cs typeface="Arial" panose="020B0604020202020204" pitchFamily="34" charset="0"/>
+              <a:rPr lang="en-US" sz="1100">
+                <a:solidFill>
+                  <a:schemeClr val="tx1">
+                    <a:lumMod val="75000"/>
+                    <a:lumOff val="25000"/>
+                  </a:schemeClr>
+                </a:solidFill>
               </a:rPr>
-              <a:t> </a:t>
+              <a:t>[3]	Mnatzaganian, J., Fokoué, E., and Kudithipudi, D. (2017). A mathematical formalization of hierarchical temporal memory's spatial pooler. Front. 	Robot. AI 3:81. doi: 10.3389/frobt.2016.00081.</a:t>
             </a:r>
+          </a:p>
+          <a:p>
+            <a:pPr defTabSz="457200">
+              <a:lnSpc>
+                <a:spcPct val="90000"/>
+              </a:lnSpc>
+              <a:spcBef>
+                <a:spcPct val="20000"/>
+              </a:spcBef>
+              <a:spcAft>
+                <a:spcPts val="600"/>
+              </a:spcAft>
+              <a:buClr>
+                <a:schemeClr val="accent1"/>
+              </a:buClr>
+              <a:buSzPct val="92000"/>
+              <a:buFont typeface="Wingdings 2" panose="05020102010507070707" pitchFamily="18" charset="2"/>
+              <a:buChar char=""/>
+            </a:pPr>
+            <a:endParaRPr lang="en-US" sz="1100">
+              <a:solidFill>
+                <a:schemeClr val="tx1">
+                  <a:lumMod val="75000"/>
+                  <a:lumOff val="25000"/>
+                </a:schemeClr>
+              </a:solidFill>
+            </a:endParaRPr>
+          </a:p>
+          <a:p>
+            <a:pPr defTabSz="457200">
+              <a:lnSpc>
+                <a:spcPct val="90000"/>
+              </a:lnSpc>
+              <a:spcBef>
+                <a:spcPct val="20000"/>
+              </a:spcBef>
+              <a:spcAft>
+                <a:spcPts val="600"/>
+              </a:spcAft>
+              <a:buClr>
+                <a:schemeClr val="accent1"/>
+              </a:buClr>
+              <a:buSzPct val="92000"/>
+              <a:buFont typeface="Wingdings 2" panose="05020102010507070707" pitchFamily="18" charset="2"/>
+              <a:buChar char=""/>
+            </a:pPr>
             <a:r>
-              <a:rPr lang="de-DE" sz="1200" dirty="0" err="1">
-                <a:latin typeface="Arial" panose="020B0604020202020204" pitchFamily="34" charset="0"/>
-                <a:cs typeface="Arial" panose="020B0604020202020204" pitchFamily="34" charset="0"/>
+              <a:rPr lang="en-US" sz="1100">
+                <a:solidFill>
+                  <a:schemeClr val="tx1">
+                    <a:lumMod val="75000"/>
+                    <a:lumOff val="25000"/>
+                  </a:schemeClr>
+                </a:solidFill>
               </a:rPr>
-              <a:t>Pooler</a:t>
+              <a:t>[4]	K. Mountcastle, V. B. (1997). The columnar organization of the neocortex. Brain 120, 701–722. doi: 10.1093/brain/120.4.701.</a:t>
             </a:r>
+          </a:p>
+          <a:p>
+            <a:pPr defTabSz="457200">
+              <a:lnSpc>
+                <a:spcPct val="90000"/>
+              </a:lnSpc>
+              <a:spcBef>
+                <a:spcPct val="20000"/>
+              </a:spcBef>
+              <a:spcAft>
+                <a:spcPts val="600"/>
+              </a:spcAft>
+              <a:buClr>
+                <a:schemeClr val="accent1"/>
+              </a:buClr>
+              <a:buSzPct val="92000"/>
+              <a:buFont typeface="Wingdings 2" panose="05020102010507070707" pitchFamily="18" charset="2"/>
+              <a:buChar char=""/>
+            </a:pPr>
+            <a:endParaRPr lang="en-US" sz="1100">
+              <a:solidFill>
+                <a:schemeClr val="tx1">
+                  <a:lumMod val="75000"/>
+                  <a:lumOff val="25000"/>
+                </a:schemeClr>
+              </a:solidFill>
+            </a:endParaRPr>
+          </a:p>
+          <a:p>
+            <a:pPr defTabSz="457200">
+              <a:lnSpc>
+                <a:spcPct val="90000"/>
+              </a:lnSpc>
+              <a:spcBef>
+                <a:spcPct val="20000"/>
+              </a:spcBef>
+              <a:spcAft>
+                <a:spcPts val="600"/>
+              </a:spcAft>
+              <a:buClr>
+                <a:schemeClr val="accent1"/>
+              </a:buClr>
+              <a:buSzPct val="92000"/>
+              <a:buFont typeface="Wingdings 2" panose="05020102010507070707" pitchFamily="18" charset="2"/>
+              <a:buChar char=""/>
+            </a:pPr>
             <a:r>
-              <a:rPr lang="de-DE" sz="1200" dirty="0">
-                <a:latin typeface="Arial" panose="020B0604020202020204" pitchFamily="34" charset="0"/>
-                <a:cs typeface="Arial" panose="020B0604020202020204" pitchFamily="34" charset="0"/>
+              <a:rPr lang="en-US" sz="1100">
+                <a:solidFill>
+                  <a:schemeClr val="tx1">
+                    <a:lumMod val="75000"/>
+                    <a:lumOff val="25000"/>
+                  </a:schemeClr>
+                </a:solidFill>
               </a:rPr>
-              <a:t>—A </a:t>
+              <a:t>[5]	Olshausen, B. A., and Field, D. J. (2004). Sparse coding of sensory inputs. Curr. Opin. Neurobiol. 14, 481–487. doi: 10.1016/j.conb.2004.07.007.</a:t>
             </a:r>
+          </a:p>
+          <a:p>
+            <a:pPr defTabSz="457200">
+              <a:lnSpc>
+                <a:spcPct val="90000"/>
+              </a:lnSpc>
+              <a:spcBef>
+                <a:spcPct val="20000"/>
+              </a:spcBef>
+              <a:spcAft>
+                <a:spcPts val="600"/>
+              </a:spcAft>
+              <a:buClr>
+                <a:schemeClr val="accent1"/>
+              </a:buClr>
+              <a:buSzPct val="92000"/>
+              <a:buFont typeface="Wingdings 2" panose="05020102010507070707" pitchFamily="18" charset="2"/>
+              <a:buChar char=""/>
+            </a:pPr>
+            <a:endParaRPr lang="en-US" sz="1100">
+              <a:solidFill>
+                <a:schemeClr val="tx1">
+                  <a:lumMod val="75000"/>
+                  <a:lumOff val="25000"/>
+                </a:schemeClr>
+              </a:solidFill>
+            </a:endParaRPr>
+          </a:p>
+          <a:p>
+            <a:pPr defTabSz="457200">
+              <a:lnSpc>
+                <a:spcPct val="90000"/>
+              </a:lnSpc>
+              <a:spcBef>
+                <a:spcPct val="20000"/>
+              </a:spcBef>
+              <a:spcAft>
+                <a:spcPts val="600"/>
+              </a:spcAft>
+              <a:buClr>
+                <a:schemeClr val="accent1"/>
+              </a:buClr>
+              <a:buSzPct val="92000"/>
+              <a:buFont typeface="Wingdings 2" panose="05020102010507070707" pitchFamily="18" charset="2"/>
+              <a:buChar char=""/>
+            </a:pPr>
             <a:r>
-              <a:rPr lang="de-DE" sz="1200" dirty="0" err="1">
-                <a:latin typeface="Arial" panose="020B0604020202020204" pitchFamily="34" charset="0"/>
-                <a:cs typeface="Arial" panose="020B0604020202020204" pitchFamily="34" charset="0"/>
+              <a:rPr lang="en-US" sz="1100">
+                <a:solidFill>
+                  <a:schemeClr val="tx1">
+                    <a:lumMod val="75000"/>
+                    <a:lumOff val="25000"/>
+                  </a:schemeClr>
+                </a:solidFill>
               </a:rPr>
-              <a:t>Neocortical</a:t>
+              <a:t>[6]	Y. Cui, S. Ahmed, and J. Hawkins, “Continuous online sequence learning with an unsupervised neural network model,” Neural Computation, Volume 	28, Issue 11, November 2016, pp 2474–2504, doi: 10.1162/NECO_a_00893</a:t>
             </a:r>
+          </a:p>
+        </p:txBody>
+      </p:sp>
+      <p:sp>
+        <p:nvSpPr>
+          <p:cNvPr id="4" name="Footer Placeholder 3">
+            <a:extLst>
+              <a:ext uri="{FF2B5EF4-FFF2-40B4-BE49-F238E27FC236}">
+                <a16:creationId xmlns:a16="http://schemas.microsoft.com/office/drawing/2014/main" id="{318BF7D1-0ECC-ABFB-116C-438B636E02B9}"/>
+              </a:ext>
+            </a:extLst>
+          </p:cNvPr>
+          <p:cNvSpPr>
+            <a:spLocks noGrp="1"/>
+          </p:cNvSpPr>
+          <p:nvPr>
+            <p:ph type="ftr" sz="quarter" idx="11"/>
+          </p:nvPr>
+        </p:nvSpPr>
+        <p:spPr>
+          <a:xfrm>
+            <a:off x="581192" y="6423914"/>
+            <a:ext cx="6917210" cy="365125"/>
+          </a:xfrm>
+        </p:spPr>
+        <p:txBody>
+          <a:bodyPr vert="horz" lIns="91440" tIns="45720" rIns="91440" bIns="45720" rtlCol="0" anchor="ctr">
+            <a:normAutofit/>
+          </a:bodyPr>
+          <a:lstStyle/>
+          <a:p>
+            <a:pPr defTabSz="457200">
+              <a:spcAft>
+                <a:spcPts val="600"/>
+              </a:spcAft>
+            </a:pPr>
             <a:r>
-              <a:rPr lang="de-DE" sz="1200" dirty="0">
-                <a:latin typeface="Arial" panose="020B0604020202020204" pitchFamily="34" charset="0"/>
-                <a:cs typeface="Arial" panose="020B0604020202020204" pitchFamily="34" charset="0"/>
-              </a:rPr>
-              <a:t> </a:t>
+              <a:rPr lang="en-US"/>
+              <a:t>Unit Test Code Coverage</a:t>
             </a:r>
-            <a:r>
-              <a:rPr lang="de-DE" sz="1200" dirty="0" err="1">
-                <a:latin typeface="Arial" panose="020B0604020202020204" pitchFamily="34" charset="0"/>
-                <a:cs typeface="Arial" panose="020B0604020202020204" pitchFamily="34" charset="0"/>
-              </a:rPr>
-              <a:t>Algorithm</a:t>
-            </a:r>
-            <a:r>
-              <a:rPr lang="de-DE" sz="1200" dirty="0">
-                <a:latin typeface="Arial" panose="020B0604020202020204" pitchFamily="34" charset="0"/>
-                <a:cs typeface="Arial" panose="020B0604020202020204" pitchFamily="34" charset="0"/>
-              </a:rPr>
-              <a:t> </a:t>
-            </a:r>
-            <a:r>
-              <a:rPr lang="de-DE" sz="1200" dirty="0" err="1">
-                <a:latin typeface="Arial" panose="020B0604020202020204" pitchFamily="34" charset="0"/>
-                <a:cs typeface="Arial" panose="020B0604020202020204" pitchFamily="34" charset="0"/>
-              </a:rPr>
-              <a:t>for</a:t>
-            </a:r>
-            <a:r>
-              <a:rPr lang="de-DE" sz="1200" dirty="0">
-                <a:latin typeface="Arial" panose="020B0604020202020204" pitchFamily="34" charset="0"/>
-                <a:cs typeface="Arial" panose="020B0604020202020204" pitchFamily="34" charset="0"/>
-              </a:rPr>
-              <a:t> Online </a:t>
-            </a:r>
-            <a:r>
-              <a:rPr lang="de-DE" sz="1200" dirty="0" err="1">
-                <a:latin typeface="Arial" panose="020B0604020202020204" pitchFamily="34" charset="0"/>
-                <a:cs typeface="Arial" panose="020B0604020202020204" pitchFamily="34" charset="0"/>
-              </a:rPr>
-              <a:t>Sparse</a:t>
-            </a:r>
-            <a:r>
-              <a:rPr lang="de-DE" sz="1200" dirty="0">
-                <a:latin typeface="Arial" panose="020B0604020202020204" pitchFamily="34" charset="0"/>
-                <a:cs typeface="Arial" panose="020B0604020202020204" pitchFamily="34" charset="0"/>
-              </a:rPr>
-              <a:t> Distributed Coding,” Front. </a:t>
-            </a:r>
-            <a:r>
-              <a:rPr lang="de-DE" sz="1200" dirty="0" err="1">
-                <a:latin typeface="Arial" panose="020B0604020202020204" pitchFamily="34" charset="0"/>
-                <a:cs typeface="Arial" panose="020B0604020202020204" pitchFamily="34" charset="0"/>
-              </a:rPr>
-              <a:t>Comput</a:t>
-            </a:r>
-            <a:r>
-              <a:rPr lang="de-DE" sz="1200" dirty="0">
-                <a:latin typeface="Arial" panose="020B0604020202020204" pitchFamily="34" charset="0"/>
-                <a:cs typeface="Arial" panose="020B0604020202020204" pitchFamily="34" charset="0"/>
-              </a:rPr>
-              <a:t>.  	</a:t>
-            </a:r>
-            <a:r>
-              <a:rPr lang="de-DE" sz="1200" dirty="0" err="1">
-                <a:latin typeface="Arial" panose="020B0604020202020204" pitchFamily="34" charset="0"/>
-                <a:cs typeface="Arial" panose="020B0604020202020204" pitchFamily="34" charset="0"/>
-              </a:rPr>
-              <a:t>Neurosci</a:t>
-            </a:r>
-            <a:r>
-              <a:rPr lang="de-DE" sz="1200" dirty="0">
-                <a:latin typeface="Arial" panose="020B0604020202020204" pitchFamily="34" charset="0"/>
-                <a:cs typeface="Arial" panose="020B0604020202020204" pitchFamily="34" charset="0"/>
-              </a:rPr>
-              <a:t>. November 2017, vol. 11-2017, </a:t>
-            </a:r>
-            <a:r>
-              <a:rPr lang="de-DE" sz="1200" dirty="0" err="1">
-                <a:latin typeface="Arial" panose="020B0604020202020204" pitchFamily="34" charset="0"/>
-                <a:cs typeface="Arial" panose="020B0604020202020204" pitchFamily="34" charset="0"/>
-              </a:rPr>
-              <a:t>doi</a:t>
-            </a:r>
-            <a:r>
-              <a:rPr lang="de-DE" sz="1200" dirty="0">
-                <a:latin typeface="Arial" panose="020B0604020202020204" pitchFamily="34" charset="0"/>
-                <a:cs typeface="Arial" panose="020B0604020202020204" pitchFamily="34" charset="0"/>
-              </a:rPr>
-              <a:t>: 10.3389/fncom.2017.00111.</a:t>
-            </a:r>
-          </a:p>
-          <a:p>
-            <a:pPr algn="just"/>
-            <a:endParaRPr lang="de-DE" sz="1200" dirty="0">
-              <a:latin typeface="Arial" panose="020B0604020202020204" pitchFamily="34" charset="0"/>
-              <a:cs typeface="Arial" panose="020B0604020202020204" pitchFamily="34" charset="0"/>
-            </a:endParaRPr>
-          </a:p>
-          <a:p>
-            <a:pPr algn="just"/>
-            <a:r>
-              <a:rPr lang="de-DE" sz="1200" dirty="0">
-                <a:latin typeface="Arial" panose="020B0604020202020204" pitchFamily="34" charset="0"/>
-                <a:cs typeface="Arial" panose="020B0604020202020204" pitchFamily="34" charset="0"/>
-              </a:rPr>
-              <a:t>[2]	Ahmad, S., </a:t>
-            </a:r>
-            <a:r>
-              <a:rPr lang="de-DE" sz="1200" dirty="0" err="1">
-                <a:latin typeface="Arial" panose="020B0604020202020204" pitchFamily="34" charset="0"/>
-                <a:cs typeface="Arial" panose="020B0604020202020204" pitchFamily="34" charset="0"/>
-              </a:rPr>
-              <a:t>Lavin</a:t>
-            </a:r>
-            <a:r>
-              <a:rPr lang="de-DE" sz="1200" dirty="0">
-                <a:latin typeface="Arial" panose="020B0604020202020204" pitchFamily="34" charset="0"/>
-                <a:cs typeface="Arial" panose="020B0604020202020204" pitchFamily="34" charset="0"/>
-              </a:rPr>
-              <a:t>, A., Purdy, S., and Agha, Z. (2017). </a:t>
-            </a:r>
-            <a:r>
-              <a:rPr lang="de-DE" sz="1200" dirty="0" err="1">
-                <a:latin typeface="Arial" panose="020B0604020202020204" pitchFamily="34" charset="0"/>
-                <a:cs typeface="Arial" panose="020B0604020202020204" pitchFamily="34" charset="0"/>
-              </a:rPr>
-              <a:t>Unsupervised</a:t>
-            </a:r>
-            <a:r>
-              <a:rPr lang="de-DE" sz="1200" dirty="0">
-                <a:latin typeface="Arial" panose="020B0604020202020204" pitchFamily="34" charset="0"/>
-                <a:cs typeface="Arial" panose="020B0604020202020204" pitchFamily="34" charset="0"/>
-              </a:rPr>
-              <a:t> real-time </a:t>
-            </a:r>
-            <a:r>
-              <a:rPr lang="de-DE" sz="1200" dirty="0" err="1">
-                <a:latin typeface="Arial" panose="020B0604020202020204" pitchFamily="34" charset="0"/>
-                <a:cs typeface="Arial" panose="020B0604020202020204" pitchFamily="34" charset="0"/>
-              </a:rPr>
-              <a:t>anomaly</a:t>
-            </a:r>
-            <a:r>
-              <a:rPr lang="de-DE" sz="1200" dirty="0">
-                <a:latin typeface="Arial" panose="020B0604020202020204" pitchFamily="34" charset="0"/>
-                <a:cs typeface="Arial" panose="020B0604020202020204" pitchFamily="34" charset="0"/>
-              </a:rPr>
-              <a:t> </a:t>
-            </a:r>
-            <a:r>
-              <a:rPr lang="de-DE" sz="1200" dirty="0" err="1">
-                <a:latin typeface="Arial" panose="020B0604020202020204" pitchFamily="34" charset="0"/>
-                <a:cs typeface="Arial" panose="020B0604020202020204" pitchFamily="34" charset="0"/>
-              </a:rPr>
-              <a:t>detection</a:t>
-            </a:r>
-            <a:r>
-              <a:rPr lang="de-DE" sz="1200" dirty="0">
-                <a:latin typeface="Arial" panose="020B0604020202020204" pitchFamily="34" charset="0"/>
-                <a:cs typeface="Arial" panose="020B0604020202020204" pitchFamily="34" charset="0"/>
-              </a:rPr>
-              <a:t> </a:t>
-            </a:r>
-            <a:r>
-              <a:rPr lang="de-DE" sz="1200" dirty="0" err="1">
-                <a:latin typeface="Arial" panose="020B0604020202020204" pitchFamily="34" charset="0"/>
-                <a:cs typeface="Arial" panose="020B0604020202020204" pitchFamily="34" charset="0"/>
-              </a:rPr>
-              <a:t>for</a:t>
-            </a:r>
-            <a:r>
-              <a:rPr lang="de-DE" sz="1200" dirty="0">
-                <a:latin typeface="Arial" panose="020B0604020202020204" pitchFamily="34" charset="0"/>
-                <a:cs typeface="Arial" panose="020B0604020202020204" pitchFamily="34" charset="0"/>
-              </a:rPr>
-              <a:t> </a:t>
-            </a:r>
-            <a:r>
-              <a:rPr lang="de-DE" sz="1200" dirty="0" err="1">
-                <a:latin typeface="Arial" panose="020B0604020202020204" pitchFamily="34" charset="0"/>
-                <a:cs typeface="Arial" panose="020B0604020202020204" pitchFamily="34" charset="0"/>
-              </a:rPr>
-              <a:t>streaming</a:t>
-            </a:r>
-            <a:r>
-              <a:rPr lang="de-DE" sz="1200" dirty="0">
-                <a:latin typeface="Arial" panose="020B0604020202020204" pitchFamily="34" charset="0"/>
-                <a:cs typeface="Arial" panose="020B0604020202020204" pitchFamily="34" charset="0"/>
-              </a:rPr>
-              <a:t> </a:t>
-            </a:r>
-            <a:r>
-              <a:rPr lang="de-DE" sz="1200" dirty="0" err="1">
-                <a:latin typeface="Arial" panose="020B0604020202020204" pitchFamily="34" charset="0"/>
-                <a:cs typeface="Arial" panose="020B0604020202020204" pitchFamily="34" charset="0"/>
-              </a:rPr>
-              <a:t>data</a:t>
-            </a:r>
-            <a:r>
-              <a:rPr lang="de-DE" sz="1200" dirty="0">
-                <a:latin typeface="Arial" panose="020B0604020202020204" pitchFamily="34" charset="0"/>
-                <a:cs typeface="Arial" panose="020B0604020202020204" pitchFamily="34" charset="0"/>
-              </a:rPr>
-              <a:t>. </a:t>
-            </a:r>
-            <a:r>
-              <a:rPr lang="de-DE" sz="1200" dirty="0" err="1">
-                <a:latin typeface="Arial" panose="020B0604020202020204" pitchFamily="34" charset="0"/>
-                <a:cs typeface="Arial" panose="020B0604020202020204" pitchFamily="34" charset="0"/>
-              </a:rPr>
-              <a:t>Neurocomputing</a:t>
-            </a:r>
-            <a:r>
-              <a:rPr lang="de-DE" sz="1200" dirty="0">
-                <a:latin typeface="Arial" panose="020B0604020202020204" pitchFamily="34" charset="0"/>
-                <a:cs typeface="Arial" panose="020B0604020202020204" pitchFamily="34" charset="0"/>
-              </a:rPr>
-              <a:t> 262, 134–147. 	</a:t>
-            </a:r>
-            <a:r>
-              <a:rPr lang="de-DE" sz="1200" dirty="0" err="1">
-                <a:latin typeface="Arial" panose="020B0604020202020204" pitchFamily="34" charset="0"/>
-                <a:cs typeface="Arial" panose="020B0604020202020204" pitchFamily="34" charset="0"/>
-              </a:rPr>
-              <a:t>doi</a:t>
-            </a:r>
-            <a:r>
-              <a:rPr lang="de-DE" sz="1200" dirty="0">
-                <a:latin typeface="Arial" panose="020B0604020202020204" pitchFamily="34" charset="0"/>
-                <a:cs typeface="Arial" panose="020B0604020202020204" pitchFamily="34" charset="0"/>
-              </a:rPr>
-              <a:t>: 10.1016/j.neucom.2017.04.070.</a:t>
-            </a:r>
-          </a:p>
-          <a:p>
-            <a:pPr algn="just"/>
-            <a:endParaRPr lang="de-DE" sz="1200" dirty="0">
-              <a:latin typeface="Arial" panose="020B0604020202020204" pitchFamily="34" charset="0"/>
-              <a:cs typeface="Arial" panose="020B0604020202020204" pitchFamily="34" charset="0"/>
-            </a:endParaRPr>
-          </a:p>
-          <a:p>
-            <a:pPr algn="just"/>
-            <a:r>
-              <a:rPr lang="de-DE" sz="1200" dirty="0">
-                <a:latin typeface="Arial" panose="020B0604020202020204" pitchFamily="34" charset="0"/>
-                <a:cs typeface="Arial" panose="020B0604020202020204" pitchFamily="34" charset="0"/>
-              </a:rPr>
-              <a:t>[3]	</a:t>
-            </a:r>
-            <a:r>
-              <a:rPr lang="de-DE" sz="1200" dirty="0" err="1">
-                <a:latin typeface="Arial" panose="020B0604020202020204" pitchFamily="34" charset="0"/>
-                <a:cs typeface="Arial" panose="020B0604020202020204" pitchFamily="34" charset="0"/>
-              </a:rPr>
-              <a:t>Mnatzaganian</a:t>
-            </a:r>
-            <a:r>
-              <a:rPr lang="de-DE" sz="1200" dirty="0">
-                <a:latin typeface="Arial" panose="020B0604020202020204" pitchFamily="34" charset="0"/>
-                <a:cs typeface="Arial" panose="020B0604020202020204" pitchFamily="34" charset="0"/>
-              </a:rPr>
-              <a:t>, J., </a:t>
-            </a:r>
-            <a:r>
-              <a:rPr lang="de-DE" sz="1200" dirty="0" err="1">
-                <a:latin typeface="Arial" panose="020B0604020202020204" pitchFamily="34" charset="0"/>
-                <a:cs typeface="Arial" panose="020B0604020202020204" pitchFamily="34" charset="0"/>
-              </a:rPr>
-              <a:t>Fokoué</a:t>
-            </a:r>
-            <a:r>
-              <a:rPr lang="de-DE" sz="1200" dirty="0">
-                <a:latin typeface="Arial" panose="020B0604020202020204" pitchFamily="34" charset="0"/>
-                <a:cs typeface="Arial" panose="020B0604020202020204" pitchFamily="34" charset="0"/>
-              </a:rPr>
-              <a:t>, E., and </a:t>
-            </a:r>
-            <a:r>
-              <a:rPr lang="de-DE" sz="1200" dirty="0" err="1">
-                <a:latin typeface="Arial" panose="020B0604020202020204" pitchFamily="34" charset="0"/>
-                <a:cs typeface="Arial" panose="020B0604020202020204" pitchFamily="34" charset="0"/>
-              </a:rPr>
-              <a:t>Kudithipudi</a:t>
-            </a:r>
-            <a:r>
-              <a:rPr lang="de-DE" sz="1200" dirty="0">
-                <a:latin typeface="Arial" panose="020B0604020202020204" pitchFamily="34" charset="0"/>
-                <a:cs typeface="Arial" panose="020B0604020202020204" pitchFamily="34" charset="0"/>
-              </a:rPr>
-              <a:t>, D. (2017). A </a:t>
-            </a:r>
-            <a:r>
-              <a:rPr lang="de-DE" sz="1200" dirty="0" err="1">
-                <a:latin typeface="Arial" panose="020B0604020202020204" pitchFamily="34" charset="0"/>
-                <a:cs typeface="Arial" panose="020B0604020202020204" pitchFamily="34" charset="0"/>
-              </a:rPr>
-              <a:t>mathematical</a:t>
-            </a:r>
-            <a:r>
-              <a:rPr lang="de-DE" sz="1200" dirty="0">
-                <a:latin typeface="Arial" panose="020B0604020202020204" pitchFamily="34" charset="0"/>
-                <a:cs typeface="Arial" panose="020B0604020202020204" pitchFamily="34" charset="0"/>
-              </a:rPr>
-              <a:t> </a:t>
-            </a:r>
-            <a:r>
-              <a:rPr lang="de-DE" sz="1200" dirty="0" err="1">
-                <a:latin typeface="Arial" panose="020B0604020202020204" pitchFamily="34" charset="0"/>
-                <a:cs typeface="Arial" panose="020B0604020202020204" pitchFamily="34" charset="0"/>
-              </a:rPr>
-              <a:t>formalization</a:t>
-            </a:r>
-            <a:r>
-              <a:rPr lang="de-DE" sz="1200" dirty="0">
-                <a:latin typeface="Arial" panose="020B0604020202020204" pitchFamily="34" charset="0"/>
-                <a:cs typeface="Arial" panose="020B0604020202020204" pitchFamily="34" charset="0"/>
-              </a:rPr>
-              <a:t> </a:t>
-            </a:r>
-            <a:r>
-              <a:rPr lang="de-DE" sz="1200" dirty="0" err="1">
-                <a:latin typeface="Arial" panose="020B0604020202020204" pitchFamily="34" charset="0"/>
-                <a:cs typeface="Arial" panose="020B0604020202020204" pitchFamily="34" charset="0"/>
-              </a:rPr>
-              <a:t>of</a:t>
-            </a:r>
-            <a:r>
-              <a:rPr lang="de-DE" sz="1200" dirty="0">
-                <a:latin typeface="Arial" panose="020B0604020202020204" pitchFamily="34" charset="0"/>
-                <a:cs typeface="Arial" panose="020B0604020202020204" pitchFamily="34" charset="0"/>
-              </a:rPr>
-              <a:t> </a:t>
-            </a:r>
-            <a:r>
-              <a:rPr lang="de-DE" sz="1200" dirty="0" err="1">
-                <a:latin typeface="Arial" panose="020B0604020202020204" pitchFamily="34" charset="0"/>
-                <a:cs typeface="Arial" panose="020B0604020202020204" pitchFamily="34" charset="0"/>
-              </a:rPr>
-              <a:t>hierarchical</a:t>
-            </a:r>
-            <a:r>
-              <a:rPr lang="de-DE" sz="1200" dirty="0">
-                <a:latin typeface="Arial" panose="020B0604020202020204" pitchFamily="34" charset="0"/>
-                <a:cs typeface="Arial" panose="020B0604020202020204" pitchFamily="34" charset="0"/>
-              </a:rPr>
-              <a:t> temporal </a:t>
-            </a:r>
-            <a:r>
-              <a:rPr lang="de-DE" sz="1200" dirty="0" err="1">
-                <a:latin typeface="Arial" panose="020B0604020202020204" pitchFamily="34" charset="0"/>
-                <a:cs typeface="Arial" panose="020B0604020202020204" pitchFamily="34" charset="0"/>
-              </a:rPr>
-              <a:t>memory's</a:t>
-            </a:r>
-            <a:r>
-              <a:rPr lang="de-DE" sz="1200" dirty="0">
-                <a:latin typeface="Arial" panose="020B0604020202020204" pitchFamily="34" charset="0"/>
-                <a:cs typeface="Arial" panose="020B0604020202020204" pitchFamily="34" charset="0"/>
-              </a:rPr>
-              <a:t> </a:t>
-            </a:r>
-            <a:r>
-              <a:rPr lang="de-DE" sz="1200" dirty="0" err="1">
-                <a:latin typeface="Arial" panose="020B0604020202020204" pitchFamily="34" charset="0"/>
-                <a:cs typeface="Arial" panose="020B0604020202020204" pitchFamily="34" charset="0"/>
-              </a:rPr>
-              <a:t>spatial</a:t>
-            </a:r>
-            <a:r>
-              <a:rPr lang="de-DE" sz="1200" dirty="0">
-                <a:latin typeface="Arial" panose="020B0604020202020204" pitchFamily="34" charset="0"/>
-                <a:cs typeface="Arial" panose="020B0604020202020204" pitchFamily="34" charset="0"/>
-              </a:rPr>
-              <a:t> </a:t>
-            </a:r>
-            <a:r>
-              <a:rPr lang="de-DE" sz="1200" dirty="0" err="1">
-                <a:latin typeface="Arial" panose="020B0604020202020204" pitchFamily="34" charset="0"/>
-                <a:cs typeface="Arial" panose="020B0604020202020204" pitchFamily="34" charset="0"/>
-              </a:rPr>
-              <a:t>pooler</a:t>
-            </a:r>
-            <a:r>
-              <a:rPr lang="de-DE" sz="1200" dirty="0">
-                <a:latin typeface="Arial" panose="020B0604020202020204" pitchFamily="34" charset="0"/>
-                <a:cs typeface="Arial" panose="020B0604020202020204" pitchFamily="34" charset="0"/>
-              </a:rPr>
-              <a:t>. Front. 	Robot. AI 3:81. </a:t>
-            </a:r>
-            <a:r>
-              <a:rPr lang="de-DE" sz="1200" dirty="0" err="1">
-                <a:latin typeface="Arial" panose="020B0604020202020204" pitchFamily="34" charset="0"/>
-                <a:cs typeface="Arial" panose="020B0604020202020204" pitchFamily="34" charset="0"/>
-              </a:rPr>
-              <a:t>doi</a:t>
-            </a:r>
-            <a:r>
-              <a:rPr lang="de-DE" sz="1200" dirty="0">
-                <a:latin typeface="Arial" panose="020B0604020202020204" pitchFamily="34" charset="0"/>
-                <a:cs typeface="Arial" panose="020B0604020202020204" pitchFamily="34" charset="0"/>
-              </a:rPr>
-              <a:t>: 10.3389/frobt.2016.00081.</a:t>
-            </a:r>
-          </a:p>
-          <a:p>
-            <a:pPr algn="just"/>
-            <a:endParaRPr lang="de-DE" sz="1200" dirty="0">
-              <a:latin typeface="Arial" panose="020B0604020202020204" pitchFamily="34" charset="0"/>
-              <a:cs typeface="Arial" panose="020B0604020202020204" pitchFamily="34" charset="0"/>
-            </a:endParaRPr>
-          </a:p>
-          <a:p>
-            <a:pPr algn="just"/>
-            <a:r>
-              <a:rPr lang="de-DE" sz="1200" dirty="0">
-                <a:latin typeface="Arial" panose="020B0604020202020204" pitchFamily="34" charset="0"/>
-                <a:cs typeface="Arial" panose="020B0604020202020204" pitchFamily="34" charset="0"/>
-              </a:rPr>
-              <a:t>[4]	K. </a:t>
-            </a:r>
-            <a:r>
-              <a:rPr lang="de-DE" sz="1200" dirty="0" err="1">
-                <a:latin typeface="Arial" panose="020B0604020202020204" pitchFamily="34" charset="0"/>
-                <a:cs typeface="Arial" panose="020B0604020202020204" pitchFamily="34" charset="0"/>
-              </a:rPr>
-              <a:t>Mountcastle</a:t>
-            </a:r>
-            <a:r>
-              <a:rPr lang="de-DE" sz="1200" dirty="0">
-                <a:latin typeface="Arial" panose="020B0604020202020204" pitchFamily="34" charset="0"/>
-                <a:cs typeface="Arial" panose="020B0604020202020204" pitchFamily="34" charset="0"/>
-              </a:rPr>
-              <a:t>, V. B. (1997). The </a:t>
-            </a:r>
-            <a:r>
-              <a:rPr lang="de-DE" sz="1200" dirty="0" err="1">
-                <a:latin typeface="Arial" panose="020B0604020202020204" pitchFamily="34" charset="0"/>
-                <a:cs typeface="Arial" panose="020B0604020202020204" pitchFamily="34" charset="0"/>
-              </a:rPr>
-              <a:t>columnar</a:t>
-            </a:r>
-            <a:r>
-              <a:rPr lang="de-DE" sz="1200" dirty="0">
-                <a:latin typeface="Arial" panose="020B0604020202020204" pitchFamily="34" charset="0"/>
-                <a:cs typeface="Arial" panose="020B0604020202020204" pitchFamily="34" charset="0"/>
-              </a:rPr>
-              <a:t> </a:t>
-            </a:r>
-            <a:r>
-              <a:rPr lang="de-DE" sz="1200" dirty="0" err="1">
-                <a:latin typeface="Arial" panose="020B0604020202020204" pitchFamily="34" charset="0"/>
-                <a:cs typeface="Arial" panose="020B0604020202020204" pitchFamily="34" charset="0"/>
-              </a:rPr>
-              <a:t>organization</a:t>
-            </a:r>
-            <a:r>
-              <a:rPr lang="de-DE" sz="1200" dirty="0">
-                <a:latin typeface="Arial" panose="020B0604020202020204" pitchFamily="34" charset="0"/>
-                <a:cs typeface="Arial" panose="020B0604020202020204" pitchFamily="34" charset="0"/>
-              </a:rPr>
-              <a:t> </a:t>
-            </a:r>
-            <a:r>
-              <a:rPr lang="de-DE" sz="1200" dirty="0" err="1">
-                <a:latin typeface="Arial" panose="020B0604020202020204" pitchFamily="34" charset="0"/>
-                <a:cs typeface="Arial" panose="020B0604020202020204" pitchFamily="34" charset="0"/>
-              </a:rPr>
-              <a:t>of</a:t>
-            </a:r>
-            <a:r>
-              <a:rPr lang="de-DE" sz="1200" dirty="0">
-                <a:latin typeface="Arial" panose="020B0604020202020204" pitchFamily="34" charset="0"/>
-                <a:cs typeface="Arial" panose="020B0604020202020204" pitchFamily="34" charset="0"/>
-              </a:rPr>
-              <a:t> </a:t>
-            </a:r>
-            <a:r>
-              <a:rPr lang="de-DE" sz="1200" dirty="0" err="1">
-                <a:latin typeface="Arial" panose="020B0604020202020204" pitchFamily="34" charset="0"/>
-                <a:cs typeface="Arial" panose="020B0604020202020204" pitchFamily="34" charset="0"/>
-              </a:rPr>
-              <a:t>the</a:t>
-            </a:r>
-            <a:r>
-              <a:rPr lang="de-DE" sz="1200" dirty="0">
-                <a:latin typeface="Arial" panose="020B0604020202020204" pitchFamily="34" charset="0"/>
-                <a:cs typeface="Arial" panose="020B0604020202020204" pitchFamily="34" charset="0"/>
-              </a:rPr>
-              <a:t> </a:t>
-            </a:r>
-            <a:r>
-              <a:rPr lang="de-DE" sz="1200" dirty="0" err="1">
-                <a:latin typeface="Arial" panose="020B0604020202020204" pitchFamily="34" charset="0"/>
-                <a:cs typeface="Arial" panose="020B0604020202020204" pitchFamily="34" charset="0"/>
-              </a:rPr>
-              <a:t>neocortex</a:t>
-            </a:r>
-            <a:r>
-              <a:rPr lang="de-DE" sz="1200" dirty="0">
-                <a:latin typeface="Arial" panose="020B0604020202020204" pitchFamily="34" charset="0"/>
-                <a:cs typeface="Arial" panose="020B0604020202020204" pitchFamily="34" charset="0"/>
-              </a:rPr>
-              <a:t>. Brain 120, 701–722. </a:t>
-            </a:r>
-            <a:r>
-              <a:rPr lang="de-DE" sz="1200" dirty="0" err="1">
-                <a:latin typeface="Arial" panose="020B0604020202020204" pitchFamily="34" charset="0"/>
-                <a:cs typeface="Arial" panose="020B0604020202020204" pitchFamily="34" charset="0"/>
-              </a:rPr>
-              <a:t>doi</a:t>
-            </a:r>
-            <a:r>
-              <a:rPr lang="de-DE" sz="1200" dirty="0">
-                <a:latin typeface="Arial" panose="020B0604020202020204" pitchFamily="34" charset="0"/>
-                <a:cs typeface="Arial" panose="020B0604020202020204" pitchFamily="34" charset="0"/>
-              </a:rPr>
-              <a:t>: 10.1093/</a:t>
-            </a:r>
-            <a:r>
-              <a:rPr lang="de-DE" sz="1200" dirty="0" err="1">
-                <a:latin typeface="Arial" panose="020B0604020202020204" pitchFamily="34" charset="0"/>
-                <a:cs typeface="Arial" panose="020B0604020202020204" pitchFamily="34" charset="0"/>
-              </a:rPr>
-              <a:t>brain</a:t>
-            </a:r>
-            <a:r>
-              <a:rPr lang="de-DE" sz="1200" dirty="0">
-                <a:latin typeface="Arial" panose="020B0604020202020204" pitchFamily="34" charset="0"/>
-                <a:cs typeface="Arial" panose="020B0604020202020204" pitchFamily="34" charset="0"/>
-              </a:rPr>
-              <a:t>/120.4.701.</a:t>
-            </a:r>
-          </a:p>
-          <a:p>
-            <a:pPr algn="just"/>
-            <a:endParaRPr lang="de-DE" sz="1200" dirty="0">
-              <a:latin typeface="Arial" panose="020B0604020202020204" pitchFamily="34" charset="0"/>
-              <a:cs typeface="Arial" panose="020B0604020202020204" pitchFamily="34" charset="0"/>
-            </a:endParaRPr>
-          </a:p>
-          <a:p>
-            <a:pPr algn="just"/>
-            <a:r>
-              <a:rPr lang="de-DE" sz="1200" dirty="0">
-                <a:latin typeface="Arial" panose="020B0604020202020204" pitchFamily="34" charset="0"/>
-                <a:cs typeface="Arial" panose="020B0604020202020204" pitchFamily="34" charset="0"/>
-              </a:rPr>
-              <a:t>[5]	</a:t>
-            </a:r>
-            <a:r>
-              <a:rPr lang="de-DE" sz="1200" dirty="0" err="1">
-                <a:latin typeface="Arial" panose="020B0604020202020204" pitchFamily="34" charset="0"/>
-                <a:cs typeface="Arial" panose="020B0604020202020204" pitchFamily="34" charset="0"/>
-              </a:rPr>
-              <a:t>Olshausen</a:t>
-            </a:r>
-            <a:r>
-              <a:rPr lang="de-DE" sz="1200" dirty="0">
-                <a:latin typeface="Arial" panose="020B0604020202020204" pitchFamily="34" charset="0"/>
-                <a:cs typeface="Arial" panose="020B0604020202020204" pitchFamily="34" charset="0"/>
-              </a:rPr>
-              <a:t>, B. A., and Field, D. J. (2004). </a:t>
-            </a:r>
-            <a:r>
-              <a:rPr lang="de-DE" sz="1200" dirty="0" err="1">
-                <a:latin typeface="Arial" panose="020B0604020202020204" pitchFamily="34" charset="0"/>
-                <a:cs typeface="Arial" panose="020B0604020202020204" pitchFamily="34" charset="0"/>
-              </a:rPr>
-              <a:t>Sparse</a:t>
-            </a:r>
-            <a:r>
-              <a:rPr lang="de-DE" sz="1200" dirty="0">
-                <a:latin typeface="Arial" panose="020B0604020202020204" pitchFamily="34" charset="0"/>
-                <a:cs typeface="Arial" panose="020B0604020202020204" pitchFamily="34" charset="0"/>
-              </a:rPr>
-              <a:t> </a:t>
-            </a:r>
-            <a:r>
-              <a:rPr lang="de-DE" sz="1200" dirty="0" err="1">
-                <a:latin typeface="Arial" panose="020B0604020202020204" pitchFamily="34" charset="0"/>
-                <a:cs typeface="Arial" panose="020B0604020202020204" pitchFamily="34" charset="0"/>
-              </a:rPr>
-              <a:t>coding</a:t>
-            </a:r>
-            <a:r>
-              <a:rPr lang="de-DE" sz="1200" dirty="0">
-                <a:latin typeface="Arial" panose="020B0604020202020204" pitchFamily="34" charset="0"/>
-                <a:cs typeface="Arial" panose="020B0604020202020204" pitchFamily="34" charset="0"/>
-              </a:rPr>
-              <a:t> </a:t>
-            </a:r>
-            <a:r>
-              <a:rPr lang="de-DE" sz="1200" dirty="0" err="1">
-                <a:latin typeface="Arial" panose="020B0604020202020204" pitchFamily="34" charset="0"/>
-                <a:cs typeface="Arial" panose="020B0604020202020204" pitchFamily="34" charset="0"/>
-              </a:rPr>
-              <a:t>of</a:t>
-            </a:r>
-            <a:r>
-              <a:rPr lang="de-DE" sz="1200" dirty="0">
-                <a:latin typeface="Arial" panose="020B0604020202020204" pitchFamily="34" charset="0"/>
-                <a:cs typeface="Arial" panose="020B0604020202020204" pitchFamily="34" charset="0"/>
-              </a:rPr>
-              <a:t> </a:t>
-            </a:r>
-            <a:r>
-              <a:rPr lang="de-DE" sz="1200" dirty="0" err="1">
-                <a:latin typeface="Arial" panose="020B0604020202020204" pitchFamily="34" charset="0"/>
-                <a:cs typeface="Arial" panose="020B0604020202020204" pitchFamily="34" charset="0"/>
-              </a:rPr>
-              <a:t>sensory</a:t>
-            </a:r>
-            <a:r>
-              <a:rPr lang="de-DE" sz="1200" dirty="0">
-                <a:latin typeface="Arial" panose="020B0604020202020204" pitchFamily="34" charset="0"/>
-                <a:cs typeface="Arial" panose="020B0604020202020204" pitchFamily="34" charset="0"/>
-              </a:rPr>
-              <a:t> </a:t>
-            </a:r>
-            <a:r>
-              <a:rPr lang="de-DE" sz="1200" dirty="0" err="1">
-                <a:latin typeface="Arial" panose="020B0604020202020204" pitchFamily="34" charset="0"/>
-                <a:cs typeface="Arial" panose="020B0604020202020204" pitchFamily="34" charset="0"/>
-              </a:rPr>
-              <a:t>inputs</a:t>
-            </a:r>
-            <a:r>
-              <a:rPr lang="de-DE" sz="1200" dirty="0">
-                <a:latin typeface="Arial" panose="020B0604020202020204" pitchFamily="34" charset="0"/>
-                <a:cs typeface="Arial" panose="020B0604020202020204" pitchFamily="34" charset="0"/>
-              </a:rPr>
-              <a:t>. </a:t>
-            </a:r>
-            <a:r>
-              <a:rPr lang="de-DE" sz="1200" dirty="0" err="1">
-                <a:latin typeface="Arial" panose="020B0604020202020204" pitchFamily="34" charset="0"/>
-                <a:cs typeface="Arial" panose="020B0604020202020204" pitchFamily="34" charset="0"/>
-              </a:rPr>
-              <a:t>Curr</a:t>
-            </a:r>
-            <a:r>
-              <a:rPr lang="de-DE" sz="1200" dirty="0">
-                <a:latin typeface="Arial" panose="020B0604020202020204" pitchFamily="34" charset="0"/>
-                <a:cs typeface="Arial" panose="020B0604020202020204" pitchFamily="34" charset="0"/>
-              </a:rPr>
-              <a:t>. </a:t>
-            </a:r>
-            <a:r>
-              <a:rPr lang="de-DE" sz="1200" dirty="0" err="1">
-                <a:latin typeface="Arial" panose="020B0604020202020204" pitchFamily="34" charset="0"/>
-                <a:cs typeface="Arial" panose="020B0604020202020204" pitchFamily="34" charset="0"/>
-              </a:rPr>
-              <a:t>Opin</a:t>
-            </a:r>
-            <a:r>
-              <a:rPr lang="de-DE" sz="1200" dirty="0">
-                <a:latin typeface="Arial" panose="020B0604020202020204" pitchFamily="34" charset="0"/>
-                <a:cs typeface="Arial" panose="020B0604020202020204" pitchFamily="34" charset="0"/>
-              </a:rPr>
-              <a:t>. </a:t>
-            </a:r>
-            <a:r>
-              <a:rPr lang="de-DE" sz="1200" dirty="0" err="1">
-                <a:latin typeface="Arial" panose="020B0604020202020204" pitchFamily="34" charset="0"/>
-                <a:cs typeface="Arial" panose="020B0604020202020204" pitchFamily="34" charset="0"/>
-              </a:rPr>
-              <a:t>Neurobiol</a:t>
-            </a:r>
-            <a:r>
-              <a:rPr lang="de-DE" sz="1200" dirty="0">
-                <a:latin typeface="Arial" panose="020B0604020202020204" pitchFamily="34" charset="0"/>
-                <a:cs typeface="Arial" panose="020B0604020202020204" pitchFamily="34" charset="0"/>
-              </a:rPr>
-              <a:t>. 14, 481–487. </a:t>
-            </a:r>
-            <a:r>
-              <a:rPr lang="de-DE" sz="1200" dirty="0" err="1">
-                <a:latin typeface="Arial" panose="020B0604020202020204" pitchFamily="34" charset="0"/>
-                <a:cs typeface="Arial" panose="020B0604020202020204" pitchFamily="34" charset="0"/>
-              </a:rPr>
-              <a:t>doi</a:t>
-            </a:r>
-            <a:r>
-              <a:rPr lang="de-DE" sz="1200" dirty="0">
-                <a:latin typeface="Arial" panose="020B0604020202020204" pitchFamily="34" charset="0"/>
-                <a:cs typeface="Arial" panose="020B0604020202020204" pitchFamily="34" charset="0"/>
-              </a:rPr>
-              <a:t>: 10.1016/j.conb.2004.07.007.</a:t>
-            </a:r>
-          </a:p>
-          <a:p>
-            <a:pPr algn="just"/>
-            <a:endParaRPr lang="de-DE" sz="1200" dirty="0">
-              <a:latin typeface="Arial" panose="020B0604020202020204" pitchFamily="34" charset="0"/>
-              <a:cs typeface="Arial" panose="020B0604020202020204" pitchFamily="34" charset="0"/>
-            </a:endParaRPr>
-          </a:p>
-          <a:p>
-            <a:pPr algn="just"/>
-            <a:r>
-              <a:rPr lang="de-DE" sz="1200" dirty="0">
-                <a:latin typeface="Arial" panose="020B0604020202020204" pitchFamily="34" charset="0"/>
-                <a:cs typeface="Arial" panose="020B0604020202020204" pitchFamily="34" charset="0"/>
-              </a:rPr>
-              <a:t>[6]	Y. Cui, S. Ahmed, and J. Hawkins, “</a:t>
-            </a:r>
-            <a:r>
-              <a:rPr lang="de-DE" sz="1200" dirty="0" err="1">
-                <a:latin typeface="Arial" panose="020B0604020202020204" pitchFamily="34" charset="0"/>
-                <a:cs typeface="Arial" panose="020B0604020202020204" pitchFamily="34" charset="0"/>
-              </a:rPr>
-              <a:t>Continuous</a:t>
-            </a:r>
-            <a:r>
-              <a:rPr lang="de-DE" sz="1200" dirty="0">
-                <a:latin typeface="Arial" panose="020B0604020202020204" pitchFamily="34" charset="0"/>
-                <a:cs typeface="Arial" panose="020B0604020202020204" pitchFamily="34" charset="0"/>
-              </a:rPr>
-              <a:t> online </a:t>
-            </a:r>
-            <a:r>
-              <a:rPr lang="de-DE" sz="1200" dirty="0" err="1">
-                <a:latin typeface="Arial" panose="020B0604020202020204" pitchFamily="34" charset="0"/>
-                <a:cs typeface="Arial" panose="020B0604020202020204" pitchFamily="34" charset="0"/>
-              </a:rPr>
-              <a:t>sequence</a:t>
-            </a:r>
-            <a:r>
-              <a:rPr lang="de-DE" sz="1200" dirty="0">
-                <a:latin typeface="Arial" panose="020B0604020202020204" pitchFamily="34" charset="0"/>
-                <a:cs typeface="Arial" panose="020B0604020202020204" pitchFamily="34" charset="0"/>
-              </a:rPr>
-              <a:t> </a:t>
-            </a:r>
-            <a:r>
-              <a:rPr lang="de-DE" sz="1200" dirty="0" err="1">
-                <a:latin typeface="Arial" panose="020B0604020202020204" pitchFamily="34" charset="0"/>
-                <a:cs typeface="Arial" panose="020B0604020202020204" pitchFamily="34" charset="0"/>
-              </a:rPr>
-              <a:t>learning</a:t>
-            </a:r>
-            <a:r>
-              <a:rPr lang="de-DE" sz="1200" dirty="0">
-                <a:latin typeface="Arial" panose="020B0604020202020204" pitchFamily="34" charset="0"/>
-                <a:cs typeface="Arial" panose="020B0604020202020204" pitchFamily="34" charset="0"/>
-              </a:rPr>
-              <a:t> </a:t>
-            </a:r>
-            <a:r>
-              <a:rPr lang="de-DE" sz="1200" dirty="0" err="1">
-                <a:latin typeface="Arial" panose="020B0604020202020204" pitchFamily="34" charset="0"/>
-                <a:cs typeface="Arial" panose="020B0604020202020204" pitchFamily="34" charset="0"/>
-              </a:rPr>
-              <a:t>with</a:t>
-            </a:r>
-            <a:r>
-              <a:rPr lang="de-DE" sz="1200" dirty="0">
-                <a:latin typeface="Arial" panose="020B0604020202020204" pitchFamily="34" charset="0"/>
-                <a:cs typeface="Arial" panose="020B0604020202020204" pitchFamily="34" charset="0"/>
-              </a:rPr>
-              <a:t> an </a:t>
-            </a:r>
-            <a:r>
-              <a:rPr lang="de-DE" sz="1200" dirty="0" err="1">
-                <a:latin typeface="Arial" panose="020B0604020202020204" pitchFamily="34" charset="0"/>
-                <a:cs typeface="Arial" panose="020B0604020202020204" pitchFamily="34" charset="0"/>
-              </a:rPr>
-              <a:t>unsupervised</a:t>
-            </a:r>
-            <a:r>
-              <a:rPr lang="de-DE" sz="1200" dirty="0">
-                <a:latin typeface="Arial" panose="020B0604020202020204" pitchFamily="34" charset="0"/>
-                <a:cs typeface="Arial" panose="020B0604020202020204" pitchFamily="34" charset="0"/>
-              </a:rPr>
-              <a:t> </a:t>
-            </a:r>
-            <a:r>
-              <a:rPr lang="de-DE" sz="1200" dirty="0" err="1">
-                <a:latin typeface="Arial" panose="020B0604020202020204" pitchFamily="34" charset="0"/>
-                <a:cs typeface="Arial" panose="020B0604020202020204" pitchFamily="34" charset="0"/>
-              </a:rPr>
-              <a:t>neural</a:t>
-            </a:r>
-            <a:r>
-              <a:rPr lang="de-DE" sz="1200" dirty="0">
-                <a:latin typeface="Arial" panose="020B0604020202020204" pitchFamily="34" charset="0"/>
-                <a:cs typeface="Arial" panose="020B0604020202020204" pitchFamily="34" charset="0"/>
-              </a:rPr>
-              <a:t> network </a:t>
-            </a:r>
-            <a:r>
-              <a:rPr lang="de-DE" sz="1200" dirty="0" err="1">
-                <a:latin typeface="Arial" panose="020B0604020202020204" pitchFamily="34" charset="0"/>
-                <a:cs typeface="Arial" panose="020B0604020202020204" pitchFamily="34" charset="0"/>
-              </a:rPr>
-              <a:t>model</a:t>
-            </a:r>
-            <a:r>
-              <a:rPr lang="de-DE" sz="1200" dirty="0">
-                <a:latin typeface="Arial" panose="020B0604020202020204" pitchFamily="34" charset="0"/>
-                <a:cs typeface="Arial" panose="020B0604020202020204" pitchFamily="34" charset="0"/>
-              </a:rPr>
-              <a:t>,” </a:t>
-            </a:r>
-            <a:r>
-              <a:rPr lang="de-DE" sz="1200" dirty="0" err="1">
-                <a:latin typeface="Arial" panose="020B0604020202020204" pitchFamily="34" charset="0"/>
-                <a:cs typeface="Arial" panose="020B0604020202020204" pitchFamily="34" charset="0"/>
-              </a:rPr>
-              <a:t>Neural</a:t>
-            </a:r>
-            <a:r>
-              <a:rPr lang="de-DE" sz="1200" dirty="0">
-                <a:latin typeface="Arial" panose="020B0604020202020204" pitchFamily="34" charset="0"/>
-                <a:cs typeface="Arial" panose="020B0604020202020204" pitchFamily="34" charset="0"/>
-              </a:rPr>
-              <a:t> </a:t>
-            </a:r>
-            <a:r>
-              <a:rPr lang="de-DE" sz="1200" dirty="0" err="1">
-                <a:latin typeface="Arial" panose="020B0604020202020204" pitchFamily="34" charset="0"/>
-                <a:cs typeface="Arial" panose="020B0604020202020204" pitchFamily="34" charset="0"/>
-              </a:rPr>
-              <a:t>Computation</a:t>
-            </a:r>
-            <a:r>
-              <a:rPr lang="de-DE" sz="1200" dirty="0">
-                <a:latin typeface="Arial" panose="020B0604020202020204" pitchFamily="34" charset="0"/>
-                <a:cs typeface="Arial" panose="020B0604020202020204" pitchFamily="34" charset="0"/>
-              </a:rPr>
-              <a:t>, Volume 	28, </a:t>
-            </a:r>
-            <a:r>
-              <a:rPr lang="de-DE" sz="1200" dirty="0" err="1">
-                <a:latin typeface="Arial" panose="020B0604020202020204" pitchFamily="34" charset="0"/>
-                <a:cs typeface="Arial" panose="020B0604020202020204" pitchFamily="34" charset="0"/>
-              </a:rPr>
-              <a:t>Issue</a:t>
-            </a:r>
-            <a:r>
-              <a:rPr lang="de-DE" sz="1200" dirty="0">
-                <a:latin typeface="Arial" panose="020B0604020202020204" pitchFamily="34" charset="0"/>
-                <a:cs typeface="Arial" panose="020B0604020202020204" pitchFamily="34" charset="0"/>
-              </a:rPr>
-              <a:t> 11, November 2016, pp 2474–2504, </a:t>
-            </a:r>
-            <a:r>
-              <a:rPr lang="de-DE" sz="1200" dirty="0" err="1">
-                <a:latin typeface="Arial" panose="020B0604020202020204" pitchFamily="34" charset="0"/>
-                <a:cs typeface="Arial" panose="020B0604020202020204" pitchFamily="34" charset="0"/>
-              </a:rPr>
-              <a:t>doi</a:t>
-            </a:r>
-            <a:r>
-              <a:rPr lang="de-DE" sz="1200" dirty="0">
-                <a:latin typeface="Arial" panose="020B0604020202020204" pitchFamily="34" charset="0"/>
-                <a:cs typeface="Arial" panose="020B0604020202020204" pitchFamily="34" charset="0"/>
-              </a:rPr>
-              <a:t>: 10.1162/NECO_a_00893</a:t>
-            </a:r>
+          </a:p>
+        </p:txBody>
+      </p:sp>
+      <p:sp>
+        <p:nvSpPr>
+          <p:cNvPr id="5" name="Slide Number Placeholder 4">
+            <a:extLst>
+              <a:ext uri="{FF2B5EF4-FFF2-40B4-BE49-F238E27FC236}">
+                <a16:creationId xmlns:a16="http://schemas.microsoft.com/office/drawing/2014/main" id="{2687D6E6-D5FA-4C9E-C76D-CC433D92DBC4}"/>
+              </a:ext>
+            </a:extLst>
+          </p:cNvPr>
+          <p:cNvSpPr>
+            <a:spLocks noGrp="1"/>
+          </p:cNvSpPr>
+          <p:nvPr>
+            <p:ph type="sldNum" sz="quarter" idx="12"/>
+          </p:nvPr>
+        </p:nvSpPr>
+        <p:spPr>
+          <a:xfrm>
+            <a:off x="10558300" y="6423914"/>
+            <a:ext cx="1052510" cy="365125"/>
+          </a:xfrm>
+        </p:spPr>
+        <p:txBody>
+          <a:bodyPr vert="horz" lIns="91440" tIns="45720" rIns="91440" bIns="45720" rtlCol="0" anchor="ctr">
+            <a:normAutofit/>
+          </a:bodyPr>
+          <a:lstStyle/>
+          <a:p>
+            <a:pPr defTabSz="457200">
+              <a:spcAft>
+                <a:spcPts val="600"/>
+              </a:spcAft>
+            </a:pPr>
+            <a:fld id="{3A98EE3D-8CD1-4C3F-BD1C-C98C9596463C}" type="slidenum">
+              <a:rPr lang="en-US" smtClean="0"/>
+              <a:pPr defTabSz="457200">
+                <a:spcAft>
+                  <a:spcPts val="600"/>
+                </a:spcAft>
+              </a:pPr>
+              <a:t>11</a:t>
+            </a:fld>
+            <a:endParaRPr lang="en-US"/>
           </a:p>
         </p:txBody>
       </p:sp>
@@ -9900,6 +12944,14 @@
 <file path=ppt/slides/slide12.xml><?xml version="1.0" encoding="utf-8"?>
 <p:sld xmlns:a="http://schemas.openxmlformats.org/drawingml/2006/main" xmlns:r="http://schemas.openxmlformats.org/officeDocument/2006/relationships" xmlns:p="http://schemas.openxmlformats.org/presentationml/2006/main">
   <p:cSld>
+    <p:bg>
+      <p:bgPr>
+        <a:solidFill>
+          <a:schemeClr val="bg1"/>
+        </a:solidFill>
+        <a:effectLst/>
+      </p:bgPr>
+    </p:bg>
     <p:spTree>
       <p:nvGrpSpPr>
         <p:cNvPr id="1" name=""/>
@@ -9916,67 +12968,305 @@
       </p:grpSpPr>
       <p:sp>
         <p:nvSpPr>
-          <p:cNvPr id="4" name="Footer Placeholder 3">
+          <p:cNvPr id="14" name="Rectangle 13">
             <a:extLst>
               <a:ext uri="{FF2B5EF4-FFF2-40B4-BE49-F238E27FC236}">
-                <a16:creationId xmlns:a16="http://schemas.microsoft.com/office/drawing/2014/main" id="{318BF7D1-0ECC-ABFB-116C-438B636E02B9}"/>
+                <a16:creationId xmlns:a16="http://schemas.microsoft.com/office/drawing/2014/main" id="{DD651B61-325E-4E73-8445-38B0DE8AAAB6}"/>
+              </a:ext>
+              <a:ext uri="{C183D7F6-B498-43B3-948B-1728B52AA6E4}">
+                <adec:decorative xmlns:adec="http://schemas.microsoft.com/office/drawing/2017/decorative" val="1"/>
               </a:ext>
             </a:extLst>
           </p:cNvPr>
           <p:cNvSpPr>
-            <a:spLocks noGrp="1"/>
+            <a:spLocks noGrp="1" noRot="1" noChangeAspect="1" noMove="1" noResize="1" noEditPoints="1" noAdjustHandles="1" noChangeArrowheads="1" noChangeShapeType="1" noTextEdit="1"/>
           </p:cNvSpPr>
           <p:nvPr>
-            <p:ph type="ftr" sz="quarter" idx="11"/>
+            <p:extLst>
+              <p:ext uri="{386F3935-93C4-4BCD-93E2-E3B085C9AB24}">
+                <p16:designElem xmlns:p16="http://schemas.microsoft.com/office/powerpoint/2015/main" val="1"/>
+              </p:ext>
+            </p:extLst>
           </p:nvPr>
         </p:nvSpPr>
-        <p:spPr/>
+        <p:spPr>
+          <a:xfrm>
+            <a:off x="446534" y="457200"/>
+            <a:ext cx="3703320" cy="94997"/>
+          </a:xfrm>
+          <a:prstGeom prst="rect">
+            <a:avLst/>
+          </a:prstGeom>
+          <a:solidFill>
+            <a:srgbClr val="465359"/>
+          </a:solidFill>
+          <a:ln>
+            <a:noFill/>
+          </a:ln>
+          <a:effectLst/>
+        </p:spPr>
+        <p:style>
+          <a:lnRef idx="1">
+            <a:schemeClr val="accent1"/>
+          </a:lnRef>
+          <a:fillRef idx="3">
+            <a:schemeClr val="accent1"/>
+          </a:fillRef>
+          <a:effectRef idx="2">
+            <a:schemeClr val="accent1"/>
+          </a:effectRef>
+          <a:fontRef idx="minor">
+            <a:schemeClr val="lt1"/>
+          </a:fontRef>
+        </p:style>
         <p:txBody>
           <a:bodyPr/>
           <a:lstStyle/>
           <a:p>
-            <a:r>
-              <a:rPr lang="en-US" cap="none" dirty="0">
-                <a:latin typeface="Arial" panose="020B0604020202020204" pitchFamily="34" charset="0"/>
-                <a:cs typeface="Arial" panose="020B0604020202020204" pitchFamily="34" charset="0"/>
-              </a:rPr>
-              <a:t>Unit Test Code Coverage</a:t>
-            </a:r>
+            <a:endParaRPr lang="en-US"/>
           </a:p>
         </p:txBody>
       </p:sp>
       <p:sp>
         <p:nvSpPr>
-          <p:cNvPr id="5" name="Slide Number Placeholder 4">
+          <p:cNvPr id="16" name="Rectangle 15">
             <a:extLst>
               <a:ext uri="{FF2B5EF4-FFF2-40B4-BE49-F238E27FC236}">
-                <a16:creationId xmlns:a16="http://schemas.microsoft.com/office/drawing/2014/main" id="{2687D6E6-D5FA-4C9E-C76D-CC433D92DBC4}"/>
+                <a16:creationId xmlns:a16="http://schemas.microsoft.com/office/drawing/2014/main" id="{B42E5253-D3AC-4AC2-B766-8B34F13C2F5E}"/>
+              </a:ext>
+              <a:ext uri="{C183D7F6-B498-43B3-948B-1728B52AA6E4}">
+                <adec:decorative xmlns:adec="http://schemas.microsoft.com/office/drawing/2017/decorative" val="1"/>
               </a:ext>
             </a:extLst>
           </p:cNvPr>
           <p:cNvSpPr>
-            <a:spLocks noGrp="1"/>
+            <a:spLocks noGrp="1" noRot="1" noChangeAspect="1" noMove="1" noResize="1" noEditPoints="1" noAdjustHandles="1" noChangeArrowheads="1" noChangeShapeType="1" noTextEdit="1"/>
           </p:cNvSpPr>
           <p:nvPr>
-            <p:ph type="sldNum" sz="quarter" idx="12"/>
+            <p:extLst>
+              <p:ext uri="{386F3935-93C4-4BCD-93E2-E3B085C9AB24}">
+                <p16:designElem xmlns:p16="http://schemas.microsoft.com/office/powerpoint/2015/main" val="1"/>
+              </p:ext>
+            </p:extLst>
           </p:nvPr>
         </p:nvSpPr>
-        <p:spPr/>
+        <p:spPr>
+          <a:xfrm>
+            <a:off x="8042147" y="453643"/>
+            <a:ext cx="3703320" cy="98554"/>
+          </a:xfrm>
+          <a:prstGeom prst="rect">
+            <a:avLst/>
+          </a:prstGeom>
+          <a:solidFill>
+            <a:srgbClr val="969FA7"/>
+          </a:solidFill>
+          <a:ln>
+            <a:noFill/>
+          </a:ln>
+          <a:effectLst/>
+        </p:spPr>
+        <p:style>
+          <a:lnRef idx="1">
+            <a:schemeClr val="accent1"/>
+          </a:lnRef>
+          <a:fillRef idx="3">
+            <a:schemeClr val="accent1"/>
+          </a:fillRef>
+          <a:effectRef idx="2">
+            <a:schemeClr val="accent1"/>
+          </a:effectRef>
+          <a:fontRef idx="minor">
+            <a:schemeClr val="lt1"/>
+          </a:fontRef>
+        </p:style>
         <p:txBody>
           <a:bodyPr/>
           <a:lstStyle/>
           <a:p>
-            <a:fld id="{3A98EE3D-8CD1-4C3F-BD1C-C98C9596463C}" type="slidenum">
-              <a:rPr lang="en-US" smtClean="0">
-                <a:latin typeface="Arial" panose="020B0604020202020204" pitchFamily="34" charset="0"/>
-                <a:cs typeface="Arial" panose="020B0604020202020204" pitchFamily="34" charset="0"/>
-              </a:rPr>
-              <a:t>12</a:t>
-            </a:fld>
-            <a:endParaRPr lang="en-US" dirty="0">
-              <a:latin typeface="Arial" panose="020B0604020202020204" pitchFamily="34" charset="0"/>
-              <a:cs typeface="Arial" panose="020B0604020202020204" pitchFamily="34" charset="0"/>
-            </a:endParaRPr>
+            <a:endParaRPr lang="en-US"/>
+          </a:p>
+        </p:txBody>
+      </p:sp>
+      <p:sp>
+        <p:nvSpPr>
+          <p:cNvPr id="18" name="Rectangle 17">
+            <a:extLst>
+              <a:ext uri="{FF2B5EF4-FFF2-40B4-BE49-F238E27FC236}">
+                <a16:creationId xmlns:a16="http://schemas.microsoft.com/office/drawing/2014/main" id="{10AE8D57-436A-4073-9A75-15BB5949F8B4}"/>
+              </a:ext>
+              <a:ext uri="{C183D7F6-B498-43B3-948B-1728B52AA6E4}">
+                <adec:decorative xmlns:adec="http://schemas.microsoft.com/office/drawing/2017/decorative" val="1"/>
+              </a:ext>
+            </a:extLst>
+          </p:cNvPr>
+          <p:cNvSpPr>
+            <a:spLocks noGrp="1" noRot="1" noChangeAspect="1" noMove="1" noResize="1" noEditPoints="1" noAdjustHandles="1" noChangeArrowheads="1" noChangeShapeType="1" noTextEdit="1"/>
+          </p:cNvSpPr>
+          <p:nvPr>
+            <p:extLst>
+              <p:ext uri="{386F3935-93C4-4BCD-93E2-E3B085C9AB24}">
+                <p16:designElem xmlns:p16="http://schemas.microsoft.com/office/powerpoint/2015/main" val="1"/>
+              </p:ext>
+            </p:extLst>
+          </p:nvPr>
+        </p:nvSpPr>
+        <p:spPr>
+          <a:xfrm>
+            <a:off x="4241830" y="457200"/>
+            <a:ext cx="3703320" cy="91440"/>
+          </a:xfrm>
+          <a:prstGeom prst="rect">
+            <a:avLst/>
+          </a:prstGeom>
+          <a:solidFill>
+            <a:schemeClr val="accent1"/>
+          </a:solidFill>
+          <a:ln>
+            <a:noFill/>
+          </a:ln>
+          <a:effectLst/>
+        </p:spPr>
+        <p:style>
+          <a:lnRef idx="1">
+            <a:schemeClr val="accent1"/>
+          </a:lnRef>
+          <a:fillRef idx="3">
+            <a:schemeClr val="accent1"/>
+          </a:fillRef>
+          <a:effectRef idx="2">
+            <a:schemeClr val="accent1"/>
+          </a:effectRef>
+          <a:fontRef idx="minor">
+            <a:schemeClr val="lt1"/>
+          </a:fontRef>
+        </p:style>
+        <p:txBody>
+          <a:bodyPr/>
+          <a:lstStyle/>
+          <a:p>
+            <a:endParaRPr lang="en-US"/>
+          </a:p>
+        </p:txBody>
+      </p:sp>
+      <p:sp>
+        <p:nvSpPr>
+          <p:cNvPr id="20" name="Rectangle 19">
+            <a:extLst>
+              <a:ext uri="{FF2B5EF4-FFF2-40B4-BE49-F238E27FC236}">
+                <a16:creationId xmlns:a16="http://schemas.microsoft.com/office/drawing/2014/main" id="{E2852671-8EB6-4EAF-8AF8-65CF3FD66456}"/>
+              </a:ext>
+              <a:ext uri="{C183D7F6-B498-43B3-948B-1728B52AA6E4}">
+                <adec:decorative xmlns:adec="http://schemas.microsoft.com/office/drawing/2017/decorative" val="1"/>
+              </a:ext>
+            </a:extLst>
+          </p:cNvPr>
+          <p:cNvSpPr>
+            <a:spLocks noGrp="1" noRot="1" noChangeAspect="1" noMove="1" noResize="1" noEditPoints="1" noAdjustHandles="1" noChangeArrowheads="1" noChangeShapeType="1" noTextEdit="1"/>
+          </p:cNvSpPr>
+          <p:nvPr>
+            <p:extLst>
+              <p:ext uri="{386F3935-93C4-4BCD-93E2-E3B085C9AB24}">
+                <p16:designElem xmlns:p16="http://schemas.microsoft.com/office/powerpoint/2015/main" val="1"/>
+              </p:ext>
+            </p:extLst>
+          </p:nvPr>
+        </p:nvSpPr>
+        <p:spPr>
+          <a:xfrm>
+            <a:off x="446534" y="3085764"/>
+            <a:ext cx="11298932" cy="3338149"/>
+          </a:xfrm>
+          <a:prstGeom prst="rect">
+            <a:avLst/>
+          </a:prstGeom>
+          <a:solidFill>
+            <a:srgbClr val="465359"/>
+          </a:solidFill>
+          <a:ln>
+            <a:noFill/>
+          </a:ln>
+          <a:effectLst/>
+        </p:spPr>
+        <p:style>
+          <a:lnRef idx="1">
+            <a:schemeClr val="accent1"/>
+          </a:lnRef>
+          <a:fillRef idx="3">
+            <a:schemeClr val="accent1"/>
+          </a:fillRef>
+          <a:effectRef idx="2">
+            <a:schemeClr val="accent1"/>
+          </a:effectRef>
+          <a:fontRef idx="minor">
+            <a:schemeClr val="lt1"/>
+          </a:fontRef>
+        </p:style>
+        <p:txBody>
+          <a:bodyPr/>
+          <a:lstStyle/>
+          <a:p>
+            <a:endParaRPr lang="en-US"/>
+          </a:p>
+        </p:txBody>
+      </p:sp>
+      <p:sp useBgFill="1">
+        <p:nvSpPr>
+          <p:cNvPr id="22" name="Rectangle 21">
+            <a:extLst>
+              <a:ext uri="{FF2B5EF4-FFF2-40B4-BE49-F238E27FC236}">
+                <a16:creationId xmlns:a16="http://schemas.microsoft.com/office/drawing/2014/main" id="{A52FF1B8-145F-47AA-9F6F-7DA3201AA6CB}"/>
+              </a:ext>
+              <a:ext uri="{C183D7F6-B498-43B3-948B-1728B52AA6E4}">
+                <adec:decorative xmlns:adec="http://schemas.microsoft.com/office/drawing/2017/decorative" val="1"/>
+              </a:ext>
+            </a:extLst>
+          </p:cNvPr>
+          <p:cNvSpPr>
+            <a:spLocks noGrp="1" noRot="1" noChangeAspect="1" noMove="1" noResize="1" noEditPoints="1" noAdjustHandles="1" noChangeArrowheads="1" noChangeShapeType="1" noTextEdit="1"/>
+          </p:cNvSpPr>
+          <p:nvPr>
+            <p:extLst>
+              <p:ext uri="{386F3935-93C4-4BCD-93E2-E3B085C9AB24}">
+                <p16:designElem xmlns:p16="http://schemas.microsoft.com/office/powerpoint/2015/main" val="1"/>
+              </p:ext>
+            </p:extLst>
+          </p:nvPr>
+        </p:nvSpPr>
+        <p:spPr>
+          <a:xfrm>
+            <a:off x="0" y="0"/>
+            <a:ext cx="12192000" cy="6858000"/>
+          </a:xfrm>
+          <a:prstGeom prst="rect">
+            <a:avLst/>
+          </a:prstGeom>
+          <a:ln>
+            <a:noFill/>
+          </a:ln>
+        </p:spPr>
+        <p:style>
+          <a:lnRef idx="2">
+            <a:schemeClr val="accent1">
+              <a:shade val="50000"/>
+            </a:schemeClr>
+          </a:lnRef>
+          <a:fillRef idx="1">
+            <a:schemeClr val="accent1"/>
+          </a:fillRef>
+          <a:effectRef idx="0">
+            <a:schemeClr val="accent1"/>
+          </a:effectRef>
+          <a:fontRef idx="minor">
+            <a:schemeClr val="lt1"/>
+          </a:fontRef>
+        </p:style>
+        <p:txBody>
+          <a:bodyPr rtlCol="0" anchor="ctr"/>
+          <a:lstStyle/>
+          <a:p>
+            <a:pPr algn="ctr"/>
+            <a:endParaRPr lang="en-US"/>
           </a:p>
         </p:txBody>
       </p:sp>
@@ -9996,15 +13286,15 @@
         </p:nvSpPr>
         <p:spPr>
           <a:xfrm>
-            <a:off x="1640270" y="2306595"/>
-            <a:ext cx="8425157" cy="2064774"/>
+            <a:off x="4579243" y="1419225"/>
+            <a:ext cx="6798608" cy="2346136"/>
           </a:xfrm>
           <a:prstGeom prst="rect">
             <a:avLst/>
           </a:prstGeom>
         </p:spPr>
         <p:txBody>
-          <a:bodyPr vert="horz" lIns="91440" tIns="45720" rIns="91440" bIns="45720" rtlCol="0" anchor="ctr" anchorCtr="0">
+          <a:bodyPr vert="horz" lIns="91440" tIns="45720" rIns="91440" bIns="45720" rtlCol="0" anchor="b" anchorCtr="0">
             <a:normAutofit/>
           </a:bodyPr>
           <a:lstStyle>
@@ -10086,15 +13376,347 @@
             </a:lvl9pPr>
           </a:lstStyle>
           <a:p>
-            <a:pPr algn="ctr">
-              <a:lnSpc>
-                <a:spcPts val="3700"/>
-              </a:lnSpc>
+            <a:pPr>
+              <a:spcAft>
+                <a:spcPts val="600"/>
+              </a:spcAft>
             </a:pPr>
             <a:r>
-              <a:rPr lang="en-US" sz="7200" dirty="0"/>
+              <a:rPr lang="en-US" sz="4400"/>
               <a:t>Thank you</a:t>
             </a:r>
+          </a:p>
+        </p:txBody>
+      </p:sp>
+      <p:sp>
+        <p:nvSpPr>
+          <p:cNvPr id="24" name="Rectangle 23">
+            <a:extLst>
+              <a:ext uri="{FF2B5EF4-FFF2-40B4-BE49-F238E27FC236}">
+                <a16:creationId xmlns:a16="http://schemas.microsoft.com/office/drawing/2014/main" id="{6DFE8A8C-8C1F-40A1-8A45-9D05B0DD8EF8}"/>
+              </a:ext>
+              <a:ext uri="{C183D7F6-B498-43B3-948B-1728B52AA6E4}">
+                <adec:decorative xmlns:adec="http://schemas.microsoft.com/office/drawing/2017/decorative" val="1"/>
+              </a:ext>
+            </a:extLst>
+          </p:cNvPr>
+          <p:cNvSpPr>
+            <a:spLocks noGrp="1" noRot="1" noChangeAspect="1" noMove="1" noResize="1" noEditPoints="1" noAdjustHandles="1" noChangeArrowheads="1" noChangeShapeType="1" noTextEdit="1"/>
+          </p:cNvSpPr>
+          <p:nvPr>
+            <p:extLst>
+              <p:ext uri="{386F3935-93C4-4BCD-93E2-E3B085C9AB24}">
+                <p16:designElem xmlns:p16="http://schemas.microsoft.com/office/powerpoint/2015/main" val="1"/>
+              </p:ext>
+            </p:extLst>
+          </p:nvPr>
+        </p:nvSpPr>
+        <p:spPr>
+          <a:xfrm>
+            <a:off x="446534" y="457200"/>
+            <a:ext cx="3703320" cy="94997"/>
+          </a:xfrm>
+          <a:prstGeom prst="rect">
+            <a:avLst/>
+          </a:prstGeom>
+          <a:solidFill>
+            <a:srgbClr val="465359"/>
+          </a:solidFill>
+          <a:ln>
+            <a:noFill/>
+          </a:ln>
+          <a:effectLst/>
+        </p:spPr>
+        <p:style>
+          <a:lnRef idx="1">
+            <a:schemeClr val="accent1"/>
+          </a:lnRef>
+          <a:fillRef idx="3">
+            <a:schemeClr val="accent1"/>
+          </a:fillRef>
+          <a:effectRef idx="2">
+            <a:schemeClr val="accent1"/>
+          </a:effectRef>
+          <a:fontRef idx="minor">
+            <a:schemeClr val="lt1"/>
+          </a:fontRef>
+        </p:style>
+        <p:txBody>
+          <a:bodyPr/>
+          <a:lstStyle/>
+          <a:p>
+            <a:endParaRPr lang="en-US"/>
+          </a:p>
+        </p:txBody>
+      </p:sp>
+      <p:sp>
+        <p:nvSpPr>
+          <p:cNvPr id="26" name="Rectangle 25">
+            <a:extLst>
+              <a:ext uri="{FF2B5EF4-FFF2-40B4-BE49-F238E27FC236}">
+                <a16:creationId xmlns:a16="http://schemas.microsoft.com/office/drawing/2014/main" id="{EE1EF8C3-8F8A-447D-A5FF-C12426825418}"/>
+              </a:ext>
+              <a:ext uri="{C183D7F6-B498-43B3-948B-1728B52AA6E4}">
+                <adec:decorative xmlns:adec="http://schemas.microsoft.com/office/drawing/2017/decorative" val="1"/>
+              </a:ext>
+            </a:extLst>
+          </p:cNvPr>
+          <p:cNvSpPr>
+            <a:spLocks noGrp="1" noRot="1" noChangeAspect="1" noMove="1" noResize="1" noEditPoints="1" noAdjustHandles="1" noChangeArrowheads="1" noChangeShapeType="1" noTextEdit="1"/>
+          </p:cNvSpPr>
+          <p:nvPr>
+            <p:extLst>
+              <p:ext uri="{386F3935-93C4-4BCD-93E2-E3B085C9AB24}">
+                <p16:designElem xmlns:p16="http://schemas.microsoft.com/office/powerpoint/2015/main" val="1"/>
+              </p:ext>
+            </p:extLst>
+          </p:nvPr>
+        </p:nvSpPr>
+        <p:spPr>
+          <a:xfrm>
+            <a:off x="4241830" y="457200"/>
+            <a:ext cx="3703320" cy="91440"/>
+          </a:xfrm>
+          <a:prstGeom prst="rect">
+            <a:avLst/>
+          </a:prstGeom>
+          <a:solidFill>
+            <a:schemeClr val="accent1"/>
+          </a:solidFill>
+          <a:ln>
+            <a:noFill/>
+          </a:ln>
+          <a:effectLst/>
+        </p:spPr>
+        <p:style>
+          <a:lnRef idx="1">
+            <a:schemeClr val="accent1"/>
+          </a:lnRef>
+          <a:fillRef idx="3">
+            <a:schemeClr val="accent1"/>
+          </a:fillRef>
+          <a:effectRef idx="2">
+            <a:schemeClr val="accent1"/>
+          </a:effectRef>
+          <a:fontRef idx="minor">
+            <a:schemeClr val="lt1"/>
+          </a:fontRef>
+        </p:style>
+        <p:txBody>
+          <a:bodyPr/>
+          <a:lstStyle/>
+          <a:p>
+            <a:endParaRPr lang="en-US"/>
+          </a:p>
+        </p:txBody>
+      </p:sp>
+      <p:sp>
+        <p:nvSpPr>
+          <p:cNvPr id="28" name="Rectangle 27">
+            <a:extLst>
+              <a:ext uri="{FF2B5EF4-FFF2-40B4-BE49-F238E27FC236}">
+                <a16:creationId xmlns:a16="http://schemas.microsoft.com/office/drawing/2014/main" id="{1B511BAF-6DC3-420A-8603-96945C66ADB3}"/>
+              </a:ext>
+              <a:ext uri="{C183D7F6-B498-43B3-948B-1728B52AA6E4}">
+                <adec:decorative xmlns:adec="http://schemas.microsoft.com/office/drawing/2017/decorative" val="1"/>
+              </a:ext>
+            </a:extLst>
+          </p:cNvPr>
+          <p:cNvSpPr>
+            <a:spLocks noGrp="1" noRot="1" noChangeAspect="1" noMove="1" noResize="1" noEditPoints="1" noAdjustHandles="1" noChangeArrowheads="1" noChangeShapeType="1" noTextEdit="1"/>
+          </p:cNvSpPr>
+          <p:nvPr>
+            <p:extLst>
+              <p:ext uri="{386F3935-93C4-4BCD-93E2-E3B085C9AB24}">
+                <p16:designElem xmlns:p16="http://schemas.microsoft.com/office/powerpoint/2015/main" val="1"/>
+              </p:ext>
+            </p:extLst>
+          </p:nvPr>
+        </p:nvSpPr>
+        <p:spPr>
+          <a:xfrm>
+            <a:off x="8042147" y="453643"/>
+            <a:ext cx="3703320" cy="98554"/>
+          </a:xfrm>
+          <a:prstGeom prst="rect">
+            <a:avLst/>
+          </a:prstGeom>
+          <a:solidFill>
+            <a:srgbClr val="969FA7"/>
+          </a:solidFill>
+          <a:ln>
+            <a:noFill/>
+          </a:ln>
+          <a:effectLst/>
+        </p:spPr>
+        <p:style>
+          <a:lnRef idx="1">
+            <a:schemeClr val="accent1"/>
+          </a:lnRef>
+          <a:fillRef idx="3">
+            <a:schemeClr val="accent1"/>
+          </a:fillRef>
+          <a:effectRef idx="2">
+            <a:schemeClr val="accent1"/>
+          </a:effectRef>
+          <a:fontRef idx="minor">
+            <a:schemeClr val="lt1"/>
+          </a:fontRef>
+        </p:style>
+        <p:txBody>
+          <a:bodyPr/>
+          <a:lstStyle/>
+          <a:p>
+            <a:endParaRPr lang="en-US"/>
+          </a:p>
+        </p:txBody>
+      </p:sp>
+      <p:pic>
+        <p:nvPicPr>
+          <p:cNvPr id="11" name="Graphic 10" descr="Smiling Face with No Fill">
+            <a:extLst>
+              <a:ext uri="{FF2B5EF4-FFF2-40B4-BE49-F238E27FC236}">
+                <a16:creationId xmlns:a16="http://schemas.microsoft.com/office/drawing/2014/main" id="{07680154-48BE-B72D-48D8-41E631E10223}"/>
+              </a:ext>
+            </a:extLst>
+          </p:cNvPr>
+          <p:cNvPicPr>
+            <a:picLocks noChangeAspect="1"/>
+          </p:cNvPicPr>
+          <p:nvPr/>
+        </p:nvPicPr>
+        <p:blipFill>
+          <a:blip r:embed="rId2">
+            <a:extLst>
+              <a:ext uri="{28A0092B-C50C-407E-A947-70E740481C1C}">
+                <a14:useLocalDpi xmlns:a14="http://schemas.microsoft.com/office/drawing/2010/main" val="0"/>
+              </a:ext>
+              <a:ext uri="{96DAC541-7B7A-43D3-8B79-37D633B846F1}">
+                <asvg:svgBlip xmlns:asvg="http://schemas.microsoft.com/office/drawing/2016/SVG/main" r:embed="rId3"/>
+              </a:ext>
+            </a:extLst>
+          </a:blip>
+          <a:stretch>
+            <a:fillRect/>
+          </a:stretch>
+        </p:blipFill>
+        <p:spPr>
+          <a:xfrm>
+            <a:off x="774700" y="2049354"/>
+            <a:ext cx="3053422" cy="3053422"/>
+          </a:xfrm>
+          <a:prstGeom prst="rect">
+            <a:avLst/>
+          </a:prstGeom>
+        </p:spPr>
+      </p:pic>
+      <p:sp>
+        <p:nvSpPr>
+          <p:cNvPr id="4" name="Footer Placeholder 3">
+            <a:extLst>
+              <a:ext uri="{FF2B5EF4-FFF2-40B4-BE49-F238E27FC236}">
+                <a16:creationId xmlns:a16="http://schemas.microsoft.com/office/drawing/2014/main" id="{318BF7D1-0ECC-ABFB-116C-438B636E02B9}"/>
+              </a:ext>
+            </a:extLst>
+          </p:cNvPr>
+          <p:cNvSpPr>
+            <a:spLocks noGrp="1"/>
+          </p:cNvSpPr>
+          <p:nvPr>
+            <p:ph type="ftr" sz="quarter" idx="11"/>
+          </p:nvPr>
+        </p:nvSpPr>
+        <p:spPr>
+          <a:xfrm>
+            <a:off x="581192" y="6400800"/>
+            <a:ext cx="6917210" cy="365125"/>
+          </a:xfrm>
+        </p:spPr>
+        <p:txBody>
+          <a:bodyPr vert="horz" lIns="91440" tIns="45720" rIns="91440" bIns="45720" rtlCol="0" anchor="ctr">
+            <a:normAutofit/>
+          </a:bodyPr>
+          <a:lstStyle/>
+          <a:p>
+            <a:pPr defTabSz="457200">
+              <a:spcAft>
+                <a:spcPts val="600"/>
+              </a:spcAft>
+            </a:pPr>
+            <a:r>
+              <a:rPr lang="en-US" kern="1200" cap="all">
+                <a:solidFill>
+                  <a:schemeClr val="tx1">
+                    <a:lumMod val="85000"/>
+                    <a:lumOff val="15000"/>
+                  </a:schemeClr>
+                </a:solidFill>
+                <a:latin typeface="+mn-lt"/>
+                <a:ea typeface="+mn-ea"/>
+                <a:cs typeface="+mn-cs"/>
+              </a:rPr>
+              <a:t>Unit Test Code Coverage</a:t>
+            </a:r>
+          </a:p>
+        </p:txBody>
+      </p:sp>
+      <p:sp>
+        <p:nvSpPr>
+          <p:cNvPr id="5" name="Slide Number Placeholder 4">
+            <a:extLst>
+              <a:ext uri="{FF2B5EF4-FFF2-40B4-BE49-F238E27FC236}">
+                <a16:creationId xmlns:a16="http://schemas.microsoft.com/office/drawing/2014/main" id="{2687D6E6-D5FA-4C9E-C76D-CC433D92DBC4}"/>
+              </a:ext>
+            </a:extLst>
+          </p:cNvPr>
+          <p:cNvSpPr>
+            <a:spLocks noGrp="1"/>
+          </p:cNvSpPr>
+          <p:nvPr>
+            <p:ph type="sldNum" sz="quarter" idx="12"/>
+          </p:nvPr>
+        </p:nvSpPr>
+        <p:spPr>
+          <a:xfrm>
+            <a:off x="10558300" y="6400800"/>
+            <a:ext cx="1016440" cy="365125"/>
+          </a:xfrm>
+        </p:spPr>
+        <p:txBody>
+          <a:bodyPr vert="horz" lIns="91440" tIns="45720" rIns="91440" bIns="45720" rtlCol="0" anchor="ctr">
+            <a:normAutofit/>
+          </a:bodyPr>
+          <a:lstStyle/>
+          <a:p>
+            <a:pPr defTabSz="457200">
+              <a:spcAft>
+                <a:spcPts val="600"/>
+              </a:spcAft>
+            </a:pPr>
+            <a:fld id="{3A98EE3D-8CD1-4C3F-BD1C-C98C9596463C}" type="slidenum">
+              <a:rPr lang="en-US">
+                <a:solidFill>
+                  <a:schemeClr val="tx1">
+                    <a:lumMod val="85000"/>
+                    <a:lumOff val="15000"/>
+                  </a:schemeClr>
+                </a:solidFill>
+              </a:rPr>
+              <a:pPr defTabSz="457200">
+                <a:spcAft>
+                  <a:spcPts val="600"/>
+                </a:spcAft>
+              </a:pPr>
+              <a:t>12</a:t>
+            </a:fld>
+            <a:endParaRPr lang="en-US">
+              <a:solidFill>
+                <a:schemeClr val="tx1">
+                  <a:lumMod val="85000"/>
+                  <a:lumOff val="15000"/>
+                </a:schemeClr>
+              </a:solidFill>
+            </a:endParaRPr>
           </a:p>
         </p:txBody>
       </p:sp>
@@ -10323,7 +13945,7 @@
           <p:nvPr>
             <p:extLst>
               <p:ext uri="{D42A27DB-BD31-4B8C-83A1-F6EECF244321}">
-                <p14:modId xmlns:p14="http://schemas.microsoft.com/office/powerpoint/2010/main" val="147296349"/>
+                <p14:modId xmlns:p14="http://schemas.microsoft.com/office/powerpoint/2010/main" val="2244147138"/>
               </p:ext>
             </p:extLst>
           </p:nvPr>
@@ -10378,10 +14000,10 @@
       </p:grpSpPr>
       <p:sp useBgFill="1">
         <p:nvSpPr>
-          <p:cNvPr id="25" name="Rectangle 24">
+          <p:cNvPr id="64" name="Rectangle 63">
             <a:extLst>
               <a:ext uri="{FF2B5EF4-FFF2-40B4-BE49-F238E27FC236}">
-                <a16:creationId xmlns:a16="http://schemas.microsoft.com/office/drawing/2014/main" id="{FBB53F82-F191-4EEB-AB7B-F69E634FA3E8}"/>
+                <a16:creationId xmlns:a16="http://schemas.microsoft.com/office/drawing/2014/main" id="{F875149D-F692-45DA-8324-D5E0193D5FC4}"/>
               </a:ext>
               <a:ext uri="{C183D7F6-B498-43B3-948B-1728B52AA6E4}">
                 <adec:decorative xmlns:adec="http://schemas.microsoft.com/office/drawing/2017/decorative" val="1"/>
@@ -10402,7 +14024,7 @@
         <p:spPr>
           <a:xfrm>
             <a:off x="0" y="0"/>
-            <a:ext cx="12192000" cy="6858000"/>
+            <a:ext cx="12191999" cy="6858001"/>
           </a:xfrm>
           <a:prstGeom prst="rect">
             <a:avLst/>
@@ -10438,128 +14060,10 @@
       </p:sp>
       <p:sp>
         <p:nvSpPr>
-          <p:cNvPr id="7" name="Title 3">
+          <p:cNvPr id="65" name="Rectangle 64">
             <a:extLst>
               <a:ext uri="{FF2B5EF4-FFF2-40B4-BE49-F238E27FC236}">
-                <a16:creationId xmlns:a16="http://schemas.microsoft.com/office/drawing/2014/main" id="{AA9E537E-8F1D-CE1E-C433-D916E2A818CB}"/>
-              </a:ext>
-            </a:extLst>
-          </p:cNvPr>
-          <p:cNvSpPr txBox="1">
-            <a:spLocks/>
-          </p:cNvSpPr>
-          <p:nvPr/>
-        </p:nvSpPr>
-        <p:spPr>
-          <a:xfrm>
-            <a:off x="581192" y="702156"/>
-            <a:ext cx="11029616" cy="1188720"/>
-          </a:xfrm>
-          <a:prstGeom prst="rect">
-            <a:avLst/>
-          </a:prstGeom>
-        </p:spPr>
-        <p:txBody>
-          <a:bodyPr vert="horz" lIns="91440" tIns="45720" rIns="91440" bIns="45720" rtlCol="0" anchor="b" anchorCtr="0">
-            <a:normAutofit/>
-          </a:bodyPr>
-          <a:lstStyle>
-            <a:lvl1pPr algn="l" defTabSz="457200" rtl="0" eaLnBrk="1" latinLnBrk="0" hangingPunct="1">
-              <a:lnSpc>
-                <a:spcPct val="100000"/>
-              </a:lnSpc>
-              <a:spcBef>
-                <a:spcPct val="0"/>
-              </a:spcBef>
-              <a:buNone/>
-              <a:defRPr sz="2800" b="0" kern="1200" cap="all">
-                <a:solidFill>
-                  <a:schemeClr val="tx1">
-                    <a:lumMod val="75000"/>
-                    <a:lumOff val="25000"/>
-                  </a:schemeClr>
-                </a:solidFill>
-                <a:latin typeface="+mj-lt"/>
-                <a:ea typeface="+mj-ea"/>
-                <a:cs typeface="+mj-cs"/>
-              </a:defRPr>
-            </a:lvl1pPr>
-            <a:lvl2pPr eaLnBrk="1" hangingPunct="1">
-              <a:defRPr>
-                <a:solidFill>
-                  <a:schemeClr val="tx2"/>
-                </a:solidFill>
-              </a:defRPr>
-            </a:lvl2pPr>
-            <a:lvl3pPr eaLnBrk="1" hangingPunct="1">
-              <a:defRPr>
-                <a:solidFill>
-                  <a:schemeClr val="tx2"/>
-                </a:solidFill>
-              </a:defRPr>
-            </a:lvl3pPr>
-            <a:lvl4pPr eaLnBrk="1" hangingPunct="1">
-              <a:defRPr>
-                <a:solidFill>
-                  <a:schemeClr val="tx2"/>
-                </a:solidFill>
-              </a:defRPr>
-            </a:lvl4pPr>
-            <a:lvl5pPr eaLnBrk="1" hangingPunct="1">
-              <a:defRPr>
-                <a:solidFill>
-                  <a:schemeClr val="tx2"/>
-                </a:solidFill>
-              </a:defRPr>
-            </a:lvl5pPr>
-            <a:lvl6pPr eaLnBrk="1" hangingPunct="1">
-              <a:defRPr>
-                <a:solidFill>
-                  <a:schemeClr val="tx2"/>
-                </a:solidFill>
-              </a:defRPr>
-            </a:lvl6pPr>
-            <a:lvl7pPr eaLnBrk="1" hangingPunct="1">
-              <a:defRPr>
-                <a:solidFill>
-                  <a:schemeClr val="tx2"/>
-                </a:solidFill>
-              </a:defRPr>
-            </a:lvl7pPr>
-            <a:lvl8pPr eaLnBrk="1" hangingPunct="1">
-              <a:defRPr>
-                <a:solidFill>
-                  <a:schemeClr val="tx2"/>
-                </a:solidFill>
-              </a:defRPr>
-            </a:lvl8pPr>
-            <a:lvl9pPr eaLnBrk="1" hangingPunct="1">
-              <a:defRPr>
-                <a:solidFill>
-                  <a:schemeClr val="tx2"/>
-                </a:solidFill>
-              </a:defRPr>
-            </a:lvl9pPr>
-          </a:lstStyle>
-          <a:p>
-            <a:pPr>
-              <a:spcAft>
-                <a:spcPts val="600"/>
-              </a:spcAft>
-            </a:pPr>
-            <a:r>
-              <a:rPr lang="en-US"/>
-              <a:t>Introduction</a:t>
-            </a:r>
-          </a:p>
-        </p:txBody>
-      </p:sp>
-      <p:sp>
-        <p:nvSpPr>
-          <p:cNvPr id="26" name="Rectangle 25">
-            <a:extLst>
-              <a:ext uri="{FF2B5EF4-FFF2-40B4-BE49-F238E27FC236}">
-                <a16:creationId xmlns:a16="http://schemas.microsoft.com/office/drawing/2014/main" id="{8616AA08-3831-473D-B61B-89484A33CF65}"/>
+                <a16:creationId xmlns:a16="http://schemas.microsoft.com/office/drawing/2014/main" id="{C0B19935-C760-4698-9DD1-973C8A428D26}"/>
               </a:ext>
               <a:ext uri="{C183D7F6-B498-43B3-948B-1728B52AA6E4}">
                 <adec:decorative xmlns:adec="http://schemas.microsoft.com/office/drawing/2017/decorative" val="1"/>
@@ -10617,10 +14121,10 @@
       </p:sp>
       <p:sp>
         <p:nvSpPr>
-          <p:cNvPr id="27" name="Rectangle 26">
+          <p:cNvPr id="66" name="Rectangle 65">
             <a:extLst>
               <a:ext uri="{FF2B5EF4-FFF2-40B4-BE49-F238E27FC236}">
-                <a16:creationId xmlns:a16="http://schemas.microsoft.com/office/drawing/2014/main" id="{8431B918-3A1C-46BA-9430-CAD97D9DA0FC}"/>
+                <a16:creationId xmlns:a16="http://schemas.microsoft.com/office/drawing/2014/main" id="{08990612-E008-4F02-AEBB-B140BE753558}"/>
               </a:ext>
               <a:ext uri="{C183D7F6-B498-43B3-948B-1728B52AA6E4}">
                 <adec:decorative xmlns:adec="http://schemas.microsoft.com/office/drawing/2017/decorative" val="1"/>
@@ -10678,10 +14182,10 @@
       </p:sp>
       <p:sp>
         <p:nvSpPr>
-          <p:cNvPr id="28" name="Rectangle 27">
+          <p:cNvPr id="67" name="Rectangle 66">
             <a:extLst>
               <a:ext uri="{FF2B5EF4-FFF2-40B4-BE49-F238E27FC236}">
-                <a16:creationId xmlns:a16="http://schemas.microsoft.com/office/drawing/2014/main" id="{8400935A-2F82-4DC4-A4E1-E12EFB8C2738}"/>
+                <a16:creationId xmlns:a16="http://schemas.microsoft.com/office/drawing/2014/main" id="{A310A41F-3A14-4150-B6CF-0A577DDDEAD2}"/>
               </a:ext>
               <a:ext uri="{C183D7F6-B498-43B3-948B-1728B52AA6E4}">
                 <adec:decorative xmlns:adec="http://schemas.microsoft.com/office/drawing/2017/decorative" val="1"/>
@@ -10739,10 +14243,10 @@
       </p:sp>
       <p:sp>
         <p:nvSpPr>
-          <p:cNvPr id="24" name="Rectangle 23">
+          <p:cNvPr id="59" name="Rectangle 58">
             <a:extLst>
               <a:ext uri="{FF2B5EF4-FFF2-40B4-BE49-F238E27FC236}">
-                <a16:creationId xmlns:a16="http://schemas.microsoft.com/office/drawing/2014/main" id="{A3D5D599-1CAE-4C92-B5AE-8E51AF6D47C9}"/>
+                <a16:creationId xmlns:a16="http://schemas.microsoft.com/office/drawing/2014/main" id="{7B89EEFD-93BC-4ACF-962C-E6279E72B00B}"/>
               </a:ext>
               <a:ext uri="{C183D7F6-B498-43B3-948B-1728B52AA6E4}">
                 <adec:decorative xmlns:adec="http://schemas.microsoft.com/office/drawing/2017/decorative" val="1"/>
@@ -10762,19 +14266,552 @@
         </p:nvSpPr>
         <p:spPr>
           <a:xfrm>
-            <a:off x="446533" y="2180496"/>
-            <a:ext cx="5404639" cy="4045683"/>
+            <a:off x="461436" y="723899"/>
+            <a:ext cx="3703320" cy="5666666"/>
           </a:xfrm>
           <a:prstGeom prst="rect">
             <a:avLst/>
           </a:prstGeom>
           <a:solidFill>
-            <a:schemeClr val="bg1"/>
+            <a:srgbClr val="465359"/>
           </a:solidFill>
-          <a:ln w="38100">
-            <a:solidFill>
-              <a:srgbClr val="465359"/>
-            </a:solidFill>
+          <a:ln>
+            <a:noFill/>
+          </a:ln>
+          <a:effectLst/>
+        </p:spPr>
+        <p:style>
+          <a:lnRef idx="1">
+            <a:schemeClr val="accent1"/>
+          </a:lnRef>
+          <a:fillRef idx="3">
+            <a:schemeClr val="accent1"/>
+          </a:fillRef>
+          <a:effectRef idx="2">
+            <a:schemeClr val="accent1"/>
+          </a:effectRef>
+          <a:fontRef idx="minor">
+            <a:schemeClr val="lt1"/>
+          </a:fontRef>
+        </p:style>
+        <p:txBody>
+          <a:bodyPr/>
+          <a:lstStyle/>
+          <a:p>
+            <a:endParaRPr lang="en-US"/>
+          </a:p>
+        </p:txBody>
+      </p:sp>
+      <p:sp>
+        <p:nvSpPr>
+          <p:cNvPr id="7" name="Title 3">
+            <a:extLst>
+              <a:ext uri="{FF2B5EF4-FFF2-40B4-BE49-F238E27FC236}">
+                <a16:creationId xmlns:a16="http://schemas.microsoft.com/office/drawing/2014/main" id="{AA9E537E-8F1D-CE1E-C433-D916E2A818CB}"/>
+              </a:ext>
+            </a:extLst>
+          </p:cNvPr>
+          <p:cNvSpPr txBox="1">
+            <a:spLocks/>
+          </p:cNvSpPr>
+          <p:nvPr/>
+        </p:nvSpPr>
+        <p:spPr>
+          <a:xfrm>
+            <a:off x="803189" y="1209184"/>
+            <a:ext cx="3089189" cy="4734416"/>
+          </a:xfrm>
+          <a:prstGeom prst="rect">
+            <a:avLst/>
+          </a:prstGeom>
+        </p:spPr>
+        <p:txBody>
+          <a:bodyPr vert="horz" lIns="91440" tIns="45720" rIns="91440" bIns="45720" rtlCol="0" anchor="ctr" anchorCtr="0">
+            <a:normAutofit/>
+          </a:bodyPr>
+          <a:lstStyle>
+            <a:lvl1pPr algn="l" defTabSz="457200" rtl="0" eaLnBrk="1" latinLnBrk="0" hangingPunct="1">
+              <a:lnSpc>
+                <a:spcPct val="100000"/>
+              </a:lnSpc>
+              <a:spcBef>
+                <a:spcPct val="0"/>
+              </a:spcBef>
+              <a:buNone/>
+              <a:defRPr sz="2800" b="0" kern="1200" cap="all">
+                <a:solidFill>
+                  <a:schemeClr val="tx1">
+                    <a:lumMod val="75000"/>
+                    <a:lumOff val="25000"/>
+                  </a:schemeClr>
+                </a:solidFill>
+                <a:latin typeface="+mj-lt"/>
+                <a:ea typeface="+mj-ea"/>
+                <a:cs typeface="+mj-cs"/>
+              </a:defRPr>
+            </a:lvl1pPr>
+            <a:lvl2pPr eaLnBrk="1" hangingPunct="1">
+              <a:defRPr>
+                <a:solidFill>
+                  <a:schemeClr val="tx2"/>
+                </a:solidFill>
+              </a:defRPr>
+            </a:lvl2pPr>
+            <a:lvl3pPr eaLnBrk="1" hangingPunct="1">
+              <a:defRPr>
+                <a:solidFill>
+                  <a:schemeClr val="tx2"/>
+                </a:solidFill>
+              </a:defRPr>
+            </a:lvl3pPr>
+            <a:lvl4pPr eaLnBrk="1" hangingPunct="1">
+              <a:defRPr>
+                <a:solidFill>
+                  <a:schemeClr val="tx2"/>
+                </a:solidFill>
+              </a:defRPr>
+            </a:lvl4pPr>
+            <a:lvl5pPr eaLnBrk="1" hangingPunct="1">
+              <a:defRPr>
+                <a:solidFill>
+                  <a:schemeClr val="tx2"/>
+                </a:solidFill>
+              </a:defRPr>
+            </a:lvl5pPr>
+            <a:lvl6pPr eaLnBrk="1" hangingPunct="1">
+              <a:defRPr>
+                <a:solidFill>
+                  <a:schemeClr val="tx2"/>
+                </a:solidFill>
+              </a:defRPr>
+            </a:lvl6pPr>
+            <a:lvl7pPr eaLnBrk="1" hangingPunct="1">
+              <a:defRPr>
+                <a:solidFill>
+                  <a:schemeClr val="tx2"/>
+                </a:solidFill>
+              </a:defRPr>
+            </a:lvl7pPr>
+            <a:lvl8pPr eaLnBrk="1" hangingPunct="1">
+              <a:defRPr>
+                <a:solidFill>
+                  <a:schemeClr val="tx2"/>
+                </a:solidFill>
+              </a:defRPr>
+            </a:lvl8pPr>
+            <a:lvl9pPr eaLnBrk="1" hangingPunct="1">
+              <a:defRPr>
+                <a:solidFill>
+                  <a:schemeClr val="tx2"/>
+                </a:solidFill>
+              </a:defRPr>
+            </a:lvl9pPr>
+          </a:lstStyle>
+          <a:p>
+            <a:pPr>
+              <a:spcAft>
+                <a:spcPts val="600"/>
+              </a:spcAft>
+            </a:pPr>
+            <a:r>
+              <a:rPr lang="en-US" dirty="0">
+                <a:solidFill>
+                  <a:srgbClr val="FFFFFF"/>
+                </a:solidFill>
+              </a:rPr>
+              <a:t>Introduction</a:t>
+            </a:r>
+          </a:p>
+        </p:txBody>
+      </p:sp>
+      <p:sp>
+        <p:nvSpPr>
+          <p:cNvPr id="11" name="TextBox 10">
+            <a:extLst>
+              <a:ext uri="{FF2B5EF4-FFF2-40B4-BE49-F238E27FC236}">
+                <a16:creationId xmlns:a16="http://schemas.microsoft.com/office/drawing/2014/main" id="{0A256CA7-6A0C-FB27-AC2A-B98A50325886}"/>
+              </a:ext>
+            </a:extLst>
+          </p:cNvPr>
+          <p:cNvSpPr txBox="1"/>
+          <p:nvPr/>
+        </p:nvSpPr>
+        <p:spPr>
+          <a:xfrm>
+            <a:off x="4561870" y="723900"/>
+            <a:ext cx="7183597" cy="3152362"/>
+          </a:xfrm>
+          <a:prstGeom prst="rect">
+            <a:avLst/>
+          </a:prstGeom>
+        </p:spPr>
+        <p:txBody>
+          <a:bodyPr vert="horz" lIns="91440" tIns="45720" rIns="91440" bIns="45720" rtlCol="0" anchor="ctr">
+            <a:normAutofit/>
+          </a:bodyPr>
+          <a:lstStyle/>
+          <a:p>
+            <a:pPr defTabSz="457200">
+              <a:lnSpc>
+                <a:spcPct val="90000"/>
+              </a:lnSpc>
+              <a:spcBef>
+                <a:spcPct val="20000"/>
+              </a:spcBef>
+              <a:spcAft>
+                <a:spcPts val="600"/>
+              </a:spcAft>
+              <a:buClr>
+                <a:schemeClr val="accent1"/>
+              </a:buClr>
+              <a:buSzPct val="92000"/>
+              <a:buFont typeface="Wingdings 2" panose="05020102010507070707" pitchFamily="18" charset="2"/>
+              <a:buChar char=""/>
+            </a:pPr>
+            <a:endParaRPr lang="en-US" sz="1100" dirty="0">
+              <a:solidFill>
+                <a:schemeClr val="tx1">
+                  <a:lumMod val="75000"/>
+                  <a:lumOff val="25000"/>
+                </a:schemeClr>
+              </a:solidFill>
+            </a:endParaRPr>
+          </a:p>
+          <a:p>
+            <a:pPr defTabSz="457200">
+              <a:lnSpc>
+                <a:spcPct val="90000"/>
+              </a:lnSpc>
+              <a:spcBef>
+                <a:spcPct val="20000"/>
+              </a:spcBef>
+              <a:spcAft>
+                <a:spcPts val="600"/>
+              </a:spcAft>
+              <a:buClr>
+                <a:schemeClr val="accent1"/>
+              </a:buClr>
+              <a:buSzPct val="92000"/>
+              <a:buFont typeface="Wingdings 2" panose="05020102010507070707" pitchFamily="18" charset="2"/>
+              <a:buChar char=""/>
+            </a:pPr>
+            <a:endParaRPr lang="en-US" sz="1100" dirty="0">
+              <a:solidFill>
+                <a:schemeClr val="tx1">
+                  <a:lumMod val="75000"/>
+                  <a:lumOff val="25000"/>
+                </a:schemeClr>
+              </a:solidFill>
+            </a:endParaRPr>
+          </a:p>
+          <a:p>
+            <a:pPr defTabSz="457200">
+              <a:lnSpc>
+                <a:spcPct val="90000"/>
+              </a:lnSpc>
+              <a:spcBef>
+                <a:spcPct val="20000"/>
+              </a:spcBef>
+              <a:spcAft>
+                <a:spcPts val="600"/>
+              </a:spcAft>
+              <a:buClr>
+                <a:schemeClr val="accent1"/>
+              </a:buClr>
+              <a:buSzPct val="92000"/>
+              <a:buFont typeface="Wingdings 2" panose="05020102010507070707" pitchFamily="18" charset="2"/>
+              <a:buChar char=""/>
+            </a:pPr>
+            <a:endParaRPr lang="en-US" sz="1100" dirty="0">
+              <a:solidFill>
+                <a:schemeClr val="tx1">
+                  <a:lumMod val="75000"/>
+                  <a:lumOff val="25000"/>
+                </a:schemeClr>
+              </a:solidFill>
+            </a:endParaRPr>
+          </a:p>
+          <a:p>
+            <a:pPr defTabSz="457200">
+              <a:lnSpc>
+                <a:spcPct val="90000"/>
+              </a:lnSpc>
+              <a:spcBef>
+                <a:spcPct val="20000"/>
+              </a:spcBef>
+              <a:spcAft>
+                <a:spcPts val="600"/>
+              </a:spcAft>
+              <a:buClr>
+                <a:schemeClr val="accent1"/>
+              </a:buClr>
+              <a:buSzPct val="92000"/>
+              <a:buFont typeface="Wingdings 2" panose="05020102010507070707" pitchFamily="18" charset="2"/>
+              <a:buChar char=""/>
+            </a:pPr>
+            <a:endParaRPr lang="en-US" sz="1100" dirty="0">
+              <a:solidFill>
+                <a:schemeClr val="tx1">
+                  <a:lumMod val="75000"/>
+                  <a:lumOff val="25000"/>
+                </a:schemeClr>
+              </a:solidFill>
+            </a:endParaRPr>
+          </a:p>
+          <a:p>
+            <a:pPr defTabSz="457200">
+              <a:lnSpc>
+                <a:spcPct val="90000"/>
+              </a:lnSpc>
+              <a:spcBef>
+                <a:spcPct val="20000"/>
+              </a:spcBef>
+              <a:spcAft>
+                <a:spcPts val="600"/>
+              </a:spcAft>
+              <a:buClr>
+                <a:schemeClr val="accent1"/>
+              </a:buClr>
+              <a:buSzPct val="92000"/>
+              <a:buFont typeface="Wingdings 2" panose="05020102010507070707" pitchFamily="18" charset="2"/>
+              <a:buChar char=""/>
+            </a:pPr>
+            <a:endParaRPr lang="en-US" sz="1100" dirty="0">
+              <a:solidFill>
+                <a:schemeClr val="tx1">
+                  <a:lumMod val="75000"/>
+                  <a:lumOff val="25000"/>
+                </a:schemeClr>
+              </a:solidFill>
+            </a:endParaRPr>
+          </a:p>
+          <a:p>
+            <a:pPr defTabSz="457200">
+              <a:lnSpc>
+                <a:spcPct val="90000"/>
+              </a:lnSpc>
+              <a:spcBef>
+                <a:spcPct val="20000"/>
+              </a:spcBef>
+              <a:spcAft>
+                <a:spcPts val="600"/>
+              </a:spcAft>
+              <a:buClr>
+                <a:schemeClr val="accent1"/>
+              </a:buClr>
+              <a:buSzPct val="92000"/>
+              <a:buFont typeface="Wingdings 2" panose="05020102010507070707" pitchFamily="18" charset="2"/>
+              <a:buChar char=""/>
+            </a:pPr>
+            <a:r>
+              <a:rPr lang="en-US" sz="1100" dirty="0">
+                <a:solidFill>
+                  <a:schemeClr val="tx1">
+                    <a:lumMod val="75000"/>
+                    <a:lumOff val="25000"/>
+                  </a:schemeClr>
+                </a:solidFill>
+              </a:rPr>
+              <a:t>WHAT IS ANOMALY? Deviations from the expected value of an event within a group</a:t>
+            </a:r>
+          </a:p>
+          <a:p>
+            <a:pPr defTabSz="457200">
+              <a:lnSpc>
+                <a:spcPct val="90000"/>
+              </a:lnSpc>
+              <a:spcBef>
+                <a:spcPct val="20000"/>
+              </a:spcBef>
+              <a:spcAft>
+                <a:spcPts val="600"/>
+              </a:spcAft>
+              <a:buClr>
+                <a:schemeClr val="accent1"/>
+              </a:buClr>
+              <a:buSzPct val="92000"/>
+              <a:buFont typeface="Wingdings 2" panose="05020102010507070707" pitchFamily="18" charset="2"/>
+              <a:buChar char=""/>
+            </a:pPr>
+            <a:r>
+              <a:rPr lang="en-US" sz="1100" dirty="0">
+                <a:solidFill>
+                  <a:schemeClr val="tx1">
+                    <a:lumMod val="75000"/>
+                    <a:lumOff val="25000"/>
+                  </a:schemeClr>
+                </a:solidFill>
+                <a:effectLst/>
+              </a:rPr>
+              <a:t>Anomaly detection is an important technique used in many fields and applications. A recent trend in the field is that more and more applications and systems are being built to detect anomalies continuously in real time. Detection of anomalies is a major issue that has been studied for centuries, but it is only recently that there has been an increase in the number of methods for detecting these outliers. Numerous distinct methods have been developed and used to detect anomalous patterns for different applications. An example of medical application is heart rate monitors, where a shock at a certain interval indicates an irregular rhythm. Other examples include fraud detection, loan application processing or monitoring of medical conditions, cyber security intrusion detection systems that monitor server logs for abnormal activities, fault detection for aviation safety studies</a:t>
+            </a:r>
+            <a:endParaRPr lang="en-US" sz="1100" dirty="0">
+              <a:solidFill>
+                <a:schemeClr val="tx1">
+                  <a:lumMod val="75000"/>
+                  <a:lumOff val="25000"/>
+                </a:schemeClr>
+              </a:solidFill>
+            </a:endParaRPr>
+          </a:p>
+        </p:txBody>
+      </p:sp>
+      <p:pic>
+        <p:nvPicPr>
+          <p:cNvPr id="3" name="Picture 2">
+            <a:extLst>
+              <a:ext uri="{FF2B5EF4-FFF2-40B4-BE49-F238E27FC236}">
+                <a16:creationId xmlns:a16="http://schemas.microsoft.com/office/drawing/2014/main" id="{3140FB70-7989-012B-60A8-F4A5E53D89BA}"/>
+              </a:ext>
+            </a:extLst>
+          </p:cNvPr>
+          <p:cNvPicPr>
+            <a:picLocks noChangeAspect="1"/>
+          </p:cNvPicPr>
+          <p:nvPr/>
+        </p:nvPicPr>
+        <p:blipFill>
+          <a:blip r:embed="rId2"/>
+          <a:srcRect r="3423"/>
+          <a:stretch>
+            <a:fillRect/>
+          </a:stretch>
+        </p:blipFill>
+        <p:spPr>
+          <a:xfrm>
+            <a:off x="6093824" y="4149588"/>
+            <a:ext cx="4119689" cy="2196838"/>
+          </a:xfrm>
+          <a:prstGeom prst="rect">
+            <a:avLst/>
+          </a:prstGeom>
+        </p:spPr>
+      </p:pic>
+      <p:sp>
+        <p:nvSpPr>
+          <p:cNvPr id="5" name="Slide Number Placeholder 4">
+            <a:extLst>
+              <a:ext uri="{FF2B5EF4-FFF2-40B4-BE49-F238E27FC236}">
+                <a16:creationId xmlns:a16="http://schemas.microsoft.com/office/drawing/2014/main" id="{2687D6E6-D5FA-4C9E-C76D-CC433D92DBC4}"/>
+              </a:ext>
+            </a:extLst>
+          </p:cNvPr>
+          <p:cNvSpPr>
+            <a:spLocks noGrp="1"/>
+          </p:cNvSpPr>
+          <p:nvPr>
+            <p:ph type="sldNum" sz="quarter" idx="12"/>
+          </p:nvPr>
+        </p:nvSpPr>
+        <p:spPr>
+          <a:xfrm>
+            <a:off x="10558300" y="6400800"/>
+            <a:ext cx="1052508" cy="365125"/>
+          </a:xfrm>
+        </p:spPr>
+        <p:txBody>
+          <a:bodyPr vert="horz" lIns="91440" tIns="45720" rIns="91440" bIns="45720" rtlCol="0" anchor="ctr">
+            <a:normAutofit/>
+          </a:bodyPr>
+          <a:lstStyle/>
+          <a:p>
+            <a:pPr defTabSz="457200">
+              <a:spcAft>
+                <a:spcPts val="600"/>
+              </a:spcAft>
+            </a:pPr>
+            <a:fld id="{3A98EE3D-8CD1-4C3F-BD1C-C98C9596463C}" type="slidenum">
+              <a:rPr lang="en-US" smtClean="0">
+                <a:solidFill>
+                  <a:srgbClr val="FF4200"/>
+                </a:solidFill>
+              </a:rPr>
+              <a:pPr defTabSz="457200">
+                <a:spcAft>
+                  <a:spcPts val="600"/>
+                </a:spcAft>
+              </a:pPr>
+              <a:t>3</a:t>
+            </a:fld>
+            <a:endParaRPr lang="en-US">
+              <a:solidFill>
+                <a:srgbClr val="FF4200"/>
+              </a:solidFill>
+            </a:endParaRPr>
+          </a:p>
+        </p:txBody>
+      </p:sp>
+    </p:spTree>
+    <p:extLst>
+      <p:ext uri="{BB962C8B-B14F-4D97-AF65-F5344CB8AC3E}">
+        <p14:creationId xmlns:p14="http://schemas.microsoft.com/office/powerpoint/2010/main" val="883187705"/>
+      </p:ext>
+    </p:extLst>
+  </p:cSld>
+  <p:clrMapOvr>
+    <a:masterClrMapping/>
+  </p:clrMapOvr>
+</p:sld>
+</file>
+
+<file path=ppt/slides/slide4.xml><?xml version="1.0" encoding="utf-8"?>
+<p:sld xmlns:a="http://schemas.openxmlformats.org/drawingml/2006/main" xmlns:r="http://schemas.openxmlformats.org/officeDocument/2006/relationships" xmlns:p="http://schemas.openxmlformats.org/presentationml/2006/main">
+  <p:cSld>
+    <p:bg>
+      <p:bgPr>
+        <a:solidFill>
+          <a:schemeClr val="bg1"/>
+        </a:solidFill>
+        <a:effectLst/>
+      </p:bgPr>
+    </p:bg>
+    <p:spTree>
+      <p:nvGrpSpPr>
+        <p:cNvPr id="1" name=""/>
+        <p:cNvGrpSpPr/>
+        <p:nvPr/>
+      </p:nvGrpSpPr>
+      <p:grpSpPr>
+        <a:xfrm>
+          <a:off x="0" y="0"/>
+          <a:ext cx="0" cy="0"/>
+          <a:chOff x="0" y="0"/>
+          <a:chExt cx="0" cy="0"/>
+        </a:xfrm>
+      </p:grpSpPr>
+      <p:sp useBgFill="1">
+        <p:nvSpPr>
+          <p:cNvPr id="39" name="Rectangle 38">
+            <a:extLst>
+              <a:ext uri="{FF2B5EF4-FFF2-40B4-BE49-F238E27FC236}">
+                <a16:creationId xmlns:a16="http://schemas.microsoft.com/office/drawing/2014/main" id="{F875149D-F692-45DA-8324-D5E0193D5FC4}"/>
+              </a:ext>
+              <a:ext uri="{C183D7F6-B498-43B3-948B-1728B52AA6E4}">
+                <adec:decorative xmlns:adec="http://schemas.microsoft.com/office/drawing/2017/decorative" val="1"/>
+              </a:ext>
+            </a:extLst>
+          </p:cNvPr>
+          <p:cNvSpPr>
+            <a:spLocks noGrp="1" noRot="1" noChangeAspect="1" noMove="1" noResize="1" noEditPoints="1" noAdjustHandles="1" noChangeArrowheads="1" noChangeShapeType="1" noTextEdit="1"/>
+          </p:cNvSpPr>
+          <p:nvPr>
+            <p:extLst>
+              <p:ext uri="{386F3935-93C4-4BCD-93E2-E3B085C9AB24}">
+                <p16:designElem xmlns:p16="http://schemas.microsoft.com/office/powerpoint/2015/main" val="1"/>
+              </p:ext>
+            </p:extLst>
+          </p:nvPr>
+        </p:nvSpPr>
+        <p:spPr>
+          <a:xfrm>
+            <a:off x="0" y="0"/>
+            <a:ext cx="12191999" cy="6858001"/>
+          </a:xfrm>
+          <a:prstGeom prst="rect">
+            <a:avLst/>
+          </a:prstGeom>
+          <a:ln>
+            <a:noFill/>
           </a:ln>
         </p:spPr>
         <p:style>
@@ -10802,43 +14839,378 @@
           </a:p>
         </p:txBody>
       </p:sp>
-      <p:pic>
-        <p:nvPicPr>
-          <p:cNvPr id="3" name="Picture 2">
+      <p:sp>
+        <p:nvSpPr>
+          <p:cNvPr id="41" name="Rectangle 40">
             <a:extLst>
               <a:ext uri="{FF2B5EF4-FFF2-40B4-BE49-F238E27FC236}">
-                <a16:creationId xmlns:a16="http://schemas.microsoft.com/office/drawing/2014/main" id="{3140FB70-7989-012B-60A8-F4A5E53D89BA}"/>
+                <a16:creationId xmlns:a16="http://schemas.microsoft.com/office/drawing/2014/main" id="{C0B19935-C760-4698-9DD1-973C8A428D26}"/>
+              </a:ext>
+              <a:ext uri="{C183D7F6-B498-43B3-948B-1728B52AA6E4}">
+                <adec:decorative xmlns:adec="http://schemas.microsoft.com/office/drawing/2017/decorative" val="1"/>
               </a:ext>
             </a:extLst>
           </p:cNvPr>
-          <p:cNvPicPr>
-            <a:picLocks noChangeAspect="1"/>
-          </p:cNvPicPr>
-          <p:nvPr/>
-        </p:nvPicPr>
-        <p:blipFill>
-          <a:blip r:embed="rId2"/>
-          <a:srcRect r="3423"/>
-          <a:stretch>
-            <a:fillRect/>
-          </a:stretch>
-        </p:blipFill>
+          <p:cNvSpPr>
+            <a:spLocks noGrp="1" noRot="1" noChangeAspect="1" noMove="1" noResize="1" noEditPoints="1" noAdjustHandles="1" noChangeArrowheads="1" noChangeShapeType="1" noTextEdit="1"/>
+          </p:cNvSpPr>
+          <p:nvPr>
+            <p:extLst>
+              <p:ext uri="{386F3935-93C4-4BCD-93E2-E3B085C9AB24}">
+                <p16:designElem xmlns:p16="http://schemas.microsoft.com/office/powerpoint/2015/main" val="1"/>
+              </p:ext>
+            </p:extLst>
+          </p:nvPr>
+        </p:nvSpPr>
         <p:spPr>
           <a:xfrm>
-            <a:off x="780698" y="2935609"/>
-            <a:ext cx="4748741" cy="2532281"/>
+            <a:off x="446534" y="457200"/>
+            <a:ext cx="3703320" cy="94997"/>
+          </a:xfrm>
+          <a:prstGeom prst="rect">
+            <a:avLst/>
+          </a:prstGeom>
+          <a:solidFill>
+            <a:srgbClr val="465359"/>
+          </a:solidFill>
+          <a:ln>
+            <a:noFill/>
+          </a:ln>
+          <a:effectLst/>
+        </p:spPr>
+        <p:style>
+          <a:lnRef idx="1">
+            <a:schemeClr val="accent1"/>
+          </a:lnRef>
+          <a:fillRef idx="3">
+            <a:schemeClr val="accent1"/>
+          </a:fillRef>
+          <a:effectRef idx="2">
+            <a:schemeClr val="accent1"/>
+          </a:effectRef>
+          <a:fontRef idx="minor">
+            <a:schemeClr val="lt1"/>
+          </a:fontRef>
+        </p:style>
+        <p:txBody>
+          <a:bodyPr/>
+          <a:lstStyle/>
+          <a:p>
+            <a:endParaRPr lang="en-US"/>
+          </a:p>
+        </p:txBody>
+      </p:sp>
+      <p:sp>
+        <p:nvSpPr>
+          <p:cNvPr id="43" name="Rectangle 42">
+            <a:extLst>
+              <a:ext uri="{FF2B5EF4-FFF2-40B4-BE49-F238E27FC236}">
+                <a16:creationId xmlns:a16="http://schemas.microsoft.com/office/drawing/2014/main" id="{08990612-E008-4F02-AEBB-B140BE753558}"/>
+              </a:ext>
+              <a:ext uri="{C183D7F6-B498-43B3-948B-1728B52AA6E4}">
+                <adec:decorative xmlns:adec="http://schemas.microsoft.com/office/drawing/2017/decorative" val="1"/>
+              </a:ext>
+            </a:extLst>
+          </p:cNvPr>
+          <p:cNvSpPr>
+            <a:spLocks noGrp="1" noRot="1" noChangeAspect="1" noMove="1" noResize="1" noEditPoints="1" noAdjustHandles="1" noChangeArrowheads="1" noChangeShapeType="1" noTextEdit="1"/>
+          </p:cNvSpPr>
+          <p:nvPr>
+            <p:extLst>
+              <p:ext uri="{386F3935-93C4-4BCD-93E2-E3B085C9AB24}">
+                <p16:designElem xmlns:p16="http://schemas.microsoft.com/office/powerpoint/2015/main" val="1"/>
+              </p:ext>
+            </p:extLst>
+          </p:nvPr>
+        </p:nvSpPr>
+        <p:spPr>
+          <a:xfrm>
+            <a:off x="4241830" y="457200"/>
+            <a:ext cx="3703320" cy="91440"/>
+          </a:xfrm>
+          <a:prstGeom prst="rect">
+            <a:avLst/>
+          </a:prstGeom>
+          <a:solidFill>
+            <a:schemeClr val="accent1"/>
+          </a:solidFill>
+          <a:ln>
+            <a:noFill/>
+          </a:ln>
+          <a:effectLst/>
+        </p:spPr>
+        <p:style>
+          <a:lnRef idx="1">
+            <a:schemeClr val="accent1"/>
+          </a:lnRef>
+          <a:fillRef idx="3">
+            <a:schemeClr val="accent1"/>
+          </a:fillRef>
+          <a:effectRef idx="2">
+            <a:schemeClr val="accent1"/>
+          </a:effectRef>
+          <a:fontRef idx="minor">
+            <a:schemeClr val="lt1"/>
+          </a:fontRef>
+        </p:style>
+        <p:txBody>
+          <a:bodyPr/>
+          <a:lstStyle/>
+          <a:p>
+            <a:endParaRPr lang="en-US"/>
+          </a:p>
+        </p:txBody>
+      </p:sp>
+      <p:sp>
+        <p:nvSpPr>
+          <p:cNvPr id="45" name="Rectangle 44">
+            <a:extLst>
+              <a:ext uri="{FF2B5EF4-FFF2-40B4-BE49-F238E27FC236}">
+                <a16:creationId xmlns:a16="http://schemas.microsoft.com/office/drawing/2014/main" id="{A310A41F-3A14-4150-B6CF-0A577DDDEAD2}"/>
+              </a:ext>
+              <a:ext uri="{C183D7F6-B498-43B3-948B-1728B52AA6E4}">
+                <adec:decorative xmlns:adec="http://schemas.microsoft.com/office/drawing/2017/decorative" val="1"/>
+              </a:ext>
+            </a:extLst>
+          </p:cNvPr>
+          <p:cNvSpPr>
+            <a:spLocks noGrp="1" noRot="1" noChangeAspect="1" noMove="1" noResize="1" noEditPoints="1" noAdjustHandles="1" noChangeArrowheads="1" noChangeShapeType="1" noTextEdit="1"/>
+          </p:cNvSpPr>
+          <p:nvPr>
+            <p:extLst>
+              <p:ext uri="{386F3935-93C4-4BCD-93E2-E3B085C9AB24}">
+                <p16:designElem xmlns:p16="http://schemas.microsoft.com/office/powerpoint/2015/main" val="1"/>
+              </p:ext>
+            </p:extLst>
+          </p:nvPr>
+        </p:nvSpPr>
+        <p:spPr>
+          <a:xfrm>
+            <a:off x="8042147" y="453643"/>
+            <a:ext cx="3703320" cy="98554"/>
+          </a:xfrm>
+          <a:prstGeom prst="rect">
+            <a:avLst/>
+          </a:prstGeom>
+          <a:solidFill>
+            <a:srgbClr val="969FA7"/>
+          </a:solidFill>
+          <a:ln>
+            <a:noFill/>
+          </a:ln>
+          <a:effectLst/>
+        </p:spPr>
+        <p:style>
+          <a:lnRef idx="1">
+            <a:schemeClr val="accent1"/>
+          </a:lnRef>
+          <a:fillRef idx="3">
+            <a:schemeClr val="accent1"/>
+          </a:fillRef>
+          <a:effectRef idx="2">
+            <a:schemeClr val="accent1"/>
+          </a:effectRef>
+          <a:fontRef idx="minor">
+            <a:schemeClr val="lt1"/>
+          </a:fontRef>
+        </p:style>
+        <p:txBody>
+          <a:bodyPr/>
+          <a:lstStyle/>
+          <a:p>
+            <a:endParaRPr lang="en-US"/>
+          </a:p>
+        </p:txBody>
+      </p:sp>
+      <p:sp>
+        <p:nvSpPr>
+          <p:cNvPr id="47" name="Rectangle 46">
+            <a:extLst>
+              <a:ext uri="{FF2B5EF4-FFF2-40B4-BE49-F238E27FC236}">
+                <a16:creationId xmlns:a16="http://schemas.microsoft.com/office/drawing/2014/main" id="{7B89EEFD-93BC-4ACF-962C-E6279E72B00B}"/>
+              </a:ext>
+              <a:ext uri="{C183D7F6-B498-43B3-948B-1728B52AA6E4}">
+                <adec:decorative xmlns:adec="http://schemas.microsoft.com/office/drawing/2017/decorative" val="1"/>
+              </a:ext>
+            </a:extLst>
+          </p:cNvPr>
+          <p:cNvSpPr>
+            <a:spLocks noGrp="1" noRot="1" noChangeAspect="1" noMove="1" noResize="1" noEditPoints="1" noAdjustHandles="1" noChangeArrowheads="1" noChangeShapeType="1" noTextEdit="1"/>
+          </p:cNvSpPr>
+          <p:nvPr>
+            <p:extLst>
+              <p:ext uri="{386F3935-93C4-4BCD-93E2-E3B085C9AB24}">
+                <p16:designElem xmlns:p16="http://schemas.microsoft.com/office/powerpoint/2015/main" val="1"/>
+              </p:ext>
+            </p:extLst>
+          </p:nvPr>
+        </p:nvSpPr>
+        <p:spPr>
+          <a:xfrm>
+            <a:off x="461436" y="723899"/>
+            <a:ext cx="3703320" cy="5666666"/>
+          </a:xfrm>
+          <a:prstGeom prst="rect">
+            <a:avLst/>
+          </a:prstGeom>
+          <a:solidFill>
+            <a:srgbClr val="465359"/>
+          </a:solidFill>
+          <a:ln>
+            <a:noFill/>
+          </a:ln>
+          <a:effectLst/>
+        </p:spPr>
+        <p:style>
+          <a:lnRef idx="1">
+            <a:schemeClr val="accent1"/>
+          </a:lnRef>
+          <a:fillRef idx="3">
+            <a:schemeClr val="accent1"/>
+          </a:fillRef>
+          <a:effectRef idx="2">
+            <a:schemeClr val="accent1"/>
+          </a:effectRef>
+          <a:fontRef idx="minor">
+            <a:schemeClr val="lt1"/>
+          </a:fontRef>
+        </p:style>
+        <p:txBody>
+          <a:bodyPr/>
+          <a:lstStyle/>
+          <a:p>
+            <a:endParaRPr lang="en-US"/>
+          </a:p>
+        </p:txBody>
+      </p:sp>
+      <p:sp>
+        <p:nvSpPr>
+          <p:cNvPr id="7" name="Title 3">
+            <a:extLst>
+              <a:ext uri="{FF2B5EF4-FFF2-40B4-BE49-F238E27FC236}">
+                <a16:creationId xmlns:a16="http://schemas.microsoft.com/office/drawing/2014/main" id="{AA9E537E-8F1D-CE1E-C433-D916E2A818CB}"/>
+              </a:ext>
+            </a:extLst>
+          </p:cNvPr>
+          <p:cNvSpPr txBox="1">
+            <a:spLocks/>
+          </p:cNvSpPr>
+          <p:nvPr/>
+        </p:nvSpPr>
+        <p:spPr>
+          <a:xfrm>
+            <a:off x="803189" y="1209184"/>
+            <a:ext cx="3089189" cy="4734416"/>
           </a:xfrm>
           <a:prstGeom prst="rect">
             <a:avLst/>
           </a:prstGeom>
         </p:spPr>
-      </p:pic>
+        <p:txBody>
+          <a:bodyPr vert="horz" lIns="91440" tIns="45720" rIns="91440" bIns="45720" rtlCol="0" anchor="ctr" anchorCtr="0">
+            <a:normAutofit/>
+          </a:bodyPr>
+          <a:lstStyle>
+            <a:lvl1pPr algn="l" defTabSz="457200" rtl="0" eaLnBrk="1" latinLnBrk="0" hangingPunct="1">
+              <a:lnSpc>
+                <a:spcPct val="100000"/>
+              </a:lnSpc>
+              <a:spcBef>
+                <a:spcPct val="0"/>
+              </a:spcBef>
+              <a:buNone/>
+              <a:defRPr sz="2800" b="0" kern="1200" cap="all">
+                <a:solidFill>
+                  <a:schemeClr val="tx1">
+                    <a:lumMod val="75000"/>
+                    <a:lumOff val="25000"/>
+                  </a:schemeClr>
+                </a:solidFill>
+                <a:latin typeface="+mj-lt"/>
+                <a:ea typeface="+mj-ea"/>
+                <a:cs typeface="+mj-cs"/>
+              </a:defRPr>
+            </a:lvl1pPr>
+            <a:lvl2pPr eaLnBrk="1" hangingPunct="1">
+              <a:defRPr>
+                <a:solidFill>
+                  <a:schemeClr val="tx2"/>
+                </a:solidFill>
+              </a:defRPr>
+            </a:lvl2pPr>
+            <a:lvl3pPr eaLnBrk="1" hangingPunct="1">
+              <a:defRPr>
+                <a:solidFill>
+                  <a:schemeClr val="tx2"/>
+                </a:solidFill>
+              </a:defRPr>
+            </a:lvl3pPr>
+            <a:lvl4pPr eaLnBrk="1" hangingPunct="1">
+              <a:defRPr>
+                <a:solidFill>
+                  <a:schemeClr val="tx2"/>
+                </a:solidFill>
+              </a:defRPr>
+            </a:lvl4pPr>
+            <a:lvl5pPr eaLnBrk="1" hangingPunct="1">
+              <a:defRPr>
+                <a:solidFill>
+                  <a:schemeClr val="tx2"/>
+                </a:solidFill>
+              </a:defRPr>
+            </a:lvl5pPr>
+            <a:lvl6pPr eaLnBrk="1" hangingPunct="1">
+              <a:defRPr>
+                <a:solidFill>
+                  <a:schemeClr val="tx2"/>
+                </a:solidFill>
+              </a:defRPr>
+            </a:lvl6pPr>
+            <a:lvl7pPr eaLnBrk="1" hangingPunct="1">
+              <a:defRPr>
+                <a:solidFill>
+                  <a:schemeClr val="tx2"/>
+                </a:solidFill>
+              </a:defRPr>
+            </a:lvl7pPr>
+            <a:lvl8pPr eaLnBrk="1" hangingPunct="1">
+              <a:defRPr>
+                <a:solidFill>
+                  <a:schemeClr val="tx2"/>
+                </a:solidFill>
+              </a:defRPr>
+            </a:lvl8pPr>
+            <a:lvl9pPr eaLnBrk="1" hangingPunct="1">
+              <a:defRPr>
+                <a:solidFill>
+                  <a:schemeClr val="tx2"/>
+                </a:solidFill>
+              </a:defRPr>
+            </a:lvl9pPr>
+          </a:lstStyle>
+          <a:p>
+            <a:pPr>
+              <a:spcAft>
+                <a:spcPts val="600"/>
+              </a:spcAft>
+            </a:pPr>
+            <a:r>
+              <a:rPr lang="en-US">
+                <a:solidFill>
+                  <a:srgbClr val="FFFFFF"/>
+                </a:solidFill>
+              </a:rPr>
+              <a:t>PROject objective</a:t>
+            </a:r>
+          </a:p>
+        </p:txBody>
+      </p:sp>
       <p:sp>
         <p:nvSpPr>
-          <p:cNvPr id="11" name="TextBox 10">
+          <p:cNvPr id="2" name="TextBox 1">
             <a:extLst>
               <a:ext uri="{FF2B5EF4-FFF2-40B4-BE49-F238E27FC236}">
-                <a16:creationId xmlns:a16="http://schemas.microsoft.com/office/drawing/2014/main" id="{0A256CA7-6A0C-FB27-AC2A-B98A50325886}"/>
+                <a16:creationId xmlns:a16="http://schemas.microsoft.com/office/drawing/2014/main" id="{4E4FBD38-98FE-708B-176F-660D1AFDE71D}"/>
               </a:ext>
             </a:extLst>
           </p:cNvPr>
@@ -10847,8 +15219,8 @@
         </p:nvSpPr>
         <p:spPr>
           <a:xfrm>
-            <a:off x="6335805" y="2180496"/>
-            <a:ext cx="5275001" cy="4045683"/>
+            <a:off x="4561870" y="723900"/>
+            <a:ext cx="7183597" cy="3152362"/>
           </a:xfrm>
           <a:prstGeom prst="rect">
             <a:avLst/>
@@ -10875,33 +15247,66 @@
               <a:buChar char=""/>
             </a:pPr>
             <a:r>
-              <a:rPr lang="en-US">
+              <a:rPr lang="en-US" b="0" i="0" dirty="0">
                 <a:solidFill>
                   <a:schemeClr val="tx1">
                     <a:lumMod val="75000"/>
                     <a:lumOff val="25000"/>
                   </a:schemeClr>
                 </a:solidFill>
+                <a:effectLst/>
               </a:rPr>
-              <a:t>WHAT IS ANOMALY? </a:t>
+              <a:t>HTM (Hierarchical Temporal Memory) is a machine learning algorithm that processes time-series data in a distributed manner using a hierarchical network of nodes. Each nodes, or columns, can be trained to learn, and recognize patterns in input data. This can be used in identifying anomalies/deviations from normal patterns. It is a promising method for predicting and detecting anomalies in a range of applications. In this project, we will train our HTM Engine using the </a:t>
             </a:r>
-          </a:p>
-          <a:p>
-            <a:pPr defTabSz="457200">
-              <a:spcBef>
-                <a:spcPct val="20000"/>
-              </a:spcBef>
-              <a:spcAft>
-                <a:spcPts val="600"/>
-              </a:spcAft>
-              <a:buClr>
-                <a:schemeClr val="accent1"/>
-              </a:buClr>
-              <a:buSzPct val="92000"/>
-              <a:buFont typeface="Wingdings 2" panose="05020102010507070707" pitchFamily="18" charset="2"/>
-              <a:buChar char=""/>
-            </a:pPr>
-            <a:endParaRPr lang="en-US">
+            <a:r>
+              <a:rPr lang="en-US" b="0" i="0" dirty="0" err="1">
+                <a:solidFill>
+                  <a:schemeClr val="tx1">
+                    <a:lumMod val="75000"/>
+                    <a:lumOff val="25000"/>
+                  </a:schemeClr>
+                </a:solidFill>
+                <a:effectLst/>
+              </a:rPr>
+              <a:t>multisequencelearning</a:t>
+            </a:r>
+            <a:r>
+              <a:rPr lang="en-US" b="0" i="0" dirty="0">
+                <a:solidFill>
+                  <a:schemeClr val="tx1">
+                    <a:lumMod val="75000"/>
+                    <a:lumOff val="25000"/>
+                  </a:schemeClr>
+                </a:solidFill>
+                <a:effectLst/>
+              </a:rPr>
+              <a:t> class in the </a:t>
+            </a:r>
+            <a:r>
+              <a:rPr lang="en-US" b="0" i="0" dirty="0" err="1">
+                <a:solidFill>
+                  <a:schemeClr val="tx1">
+                    <a:lumMod val="75000"/>
+                    <a:lumOff val="25000"/>
+                  </a:schemeClr>
+                </a:solidFill>
+                <a:effectLst/>
+              </a:rPr>
+              <a:t>NeoCortex</a:t>
+            </a:r>
+            <a:r>
+              <a:rPr lang="en-US" b="0" i="0" dirty="0">
+                <a:solidFill>
+                  <a:schemeClr val="tx1">
+                    <a:lumMod val="75000"/>
+                    <a:lumOff val="25000"/>
+                  </a:schemeClr>
+                </a:solidFill>
+                <a:effectLst/>
+              </a:rPr>
+              <a:t> API, and then use the trained engine to learn patterns and identify anomalies. Specifically, numerical sequences will be read from various CSV files inside a folder in order to create an anomaly detection system.</a:t>
+            </a:r>
+            <a:endParaRPr lang="en-US" dirty="0">
               <a:solidFill>
                 <a:schemeClr val="tx1">
                   <a:lumMod val="75000"/>
@@ -10910,35 +15315,47 @@
               </a:solidFill>
             </a:endParaRPr>
           </a:p>
-          <a:p>
-            <a:pPr defTabSz="457200">
-              <a:spcBef>
-                <a:spcPct val="20000"/>
-              </a:spcBef>
-              <a:spcAft>
-                <a:spcPts val="600"/>
-              </a:spcAft>
-              <a:buClr>
-                <a:schemeClr val="accent1"/>
-              </a:buClr>
-              <a:buSzPct val="92000"/>
-              <a:buFont typeface="Wingdings 2" panose="05020102010507070707" pitchFamily="18" charset="2"/>
-              <a:buChar char=""/>
-            </a:pPr>
-            <a:r>
-              <a:rPr lang="en-US">
-                <a:solidFill>
-                  <a:schemeClr val="tx1">
-                    <a:lumMod val="75000"/>
-                    <a:lumOff val="25000"/>
-                  </a:schemeClr>
-                </a:solidFill>
-              </a:rPr>
-              <a:t>Deviations from the expected value of an event within a group</a:t>
-            </a:r>
-          </a:p>
         </p:txBody>
       </p:sp>
+      <p:pic>
+        <p:nvPicPr>
+          <p:cNvPr id="34" name="Graphic 33" descr="Fingerprint">
+            <a:extLst>
+              <a:ext uri="{FF2B5EF4-FFF2-40B4-BE49-F238E27FC236}">
+                <a16:creationId xmlns:a16="http://schemas.microsoft.com/office/drawing/2014/main" id="{3D7611D3-C89D-BED0-5F9A-1402C93C3600}"/>
+              </a:ext>
+            </a:extLst>
+          </p:cNvPr>
+          <p:cNvPicPr>
+            <a:picLocks noChangeAspect="1"/>
+          </p:cNvPicPr>
+          <p:nvPr/>
+        </p:nvPicPr>
+        <p:blipFill>
+          <a:blip r:embed="rId2">
+            <a:extLst>
+              <a:ext uri="{28A0092B-C50C-407E-A947-70E740481C1C}">
+                <a14:useLocalDpi xmlns:a14="http://schemas.microsoft.com/office/drawing/2010/main" val="0"/>
+              </a:ext>
+              <a:ext uri="{96DAC541-7B7A-43D3-8B79-37D633B846F1}">
+                <asvg:svgBlip xmlns:asvg="http://schemas.microsoft.com/office/drawing/2016/SVG/main" r:embed="rId3"/>
+              </a:ext>
+            </a:extLst>
+          </a:blip>
+          <a:stretch>
+            <a:fillRect/>
+          </a:stretch>
+        </p:blipFill>
+        <p:spPr>
+          <a:xfrm>
+            <a:off x="7055249" y="4149588"/>
+            <a:ext cx="2196838" cy="2196838"/>
+          </a:xfrm>
+          <a:prstGeom prst="rect">
+            <a:avLst/>
+          </a:prstGeom>
+        </p:spPr>
+      </p:pic>
       <p:sp>
         <p:nvSpPr>
           <p:cNvPr id="5" name="Slide Number Placeholder 4">
@@ -10973,30 +15390,22 @@
               </a:spcAft>
             </a:pPr>
             <a:fld id="{3A98EE3D-8CD1-4C3F-BD1C-C98C9596463C}" type="slidenum">
-              <a:rPr lang="en-US" smtClean="0">
-                <a:solidFill>
-                  <a:srgbClr val="FF4200"/>
-                </a:solidFill>
-              </a:rPr>
+              <a:rPr lang="en-US" smtClean="0"/>
               <a:pPr defTabSz="457200">
                 <a:spcAft>
                   <a:spcPts val="600"/>
                 </a:spcAft>
               </a:pPr>
-              <a:t>3</a:t>
+              <a:t>4</a:t>
             </a:fld>
-            <a:endParaRPr lang="en-US">
-              <a:solidFill>
-                <a:srgbClr val="FF4200"/>
-              </a:solidFill>
-            </a:endParaRPr>
+            <a:endParaRPr lang="en-US"/>
           </a:p>
         </p:txBody>
       </p:sp>
     </p:spTree>
     <p:extLst>
       <p:ext uri="{BB962C8B-B14F-4D97-AF65-F5344CB8AC3E}">
-        <p14:creationId xmlns:p14="http://schemas.microsoft.com/office/powerpoint/2010/main" val="883187705"/>
+        <p14:creationId xmlns:p14="http://schemas.microsoft.com/office/powerpoint/2010/main" val="2669834472"/>
       </p:ext>
     </p:extLst>
   </p:cSld>
@@ -11006,7 +15415,7 @@
 </p:sld>
 </file>
 
-<file path=ppt/slides/slide4.xml><?xml version="1.0" encoding="utf-8"?>
+<file path=ppt/slides/slide5.xml><?xml version="1.0" encoding="utf-8"?>
 <p:sld xmlns:a="http://schemas.openxmlformats.org/drawingml/2006/main" xmlns:r="http://schemas.openxmlformats.org/officeDocument/2006/relationships" xmlns:p="http://schemas.openxmlformats.org/presentationml/2006/main">
   <p:cSld>
     <p:bg>
@@ -11033,7 +15442,7 @@
       </p:grpSpPr>
       <p:sp useBgFill="1">
         <p:nvSpPr>
-          <p:cNvPr id="12" name="Rectangle 11">
+          <p:cNvPr id="14" name="Rectangle 13">
             <a:extLst>
               <a:ext uri="{FF2B5EF4-FFF2-40B4-BE49-F238E27FC236}">
                 <a16:creationId xmlns:a16="http://schemas.microsoft.com/office/drawing/2014/main" id="{8D1F1056-9A78-4FBC-9404-54512B6B5852}"/>
@@ -11211,14 +15620,14 @@
                 <a:ea typeface="+mj-ea"/>
                 <a:cs typeface="+mj-cs"/>
               </a:rPr>
-              <a:t>PROject objective</a:t>
+              <a:t>methodology</a:t>
             </a:r>
           </a:p>
         </p:txBody>
       </p:sp>
       <p:sp>
         <p:nvSpPr>
-          <p:cNvPr id="14" name="Rectangle 13">
+          <p:cNvPr id="16" name="Rectangle 15">
             <a:extLst>
               <a:ext uri="{FF2B5EF4-FFF2-40B4-BE49-F238E27FC236}">
                 <a16:creationId xmlns:a16="http://schemas.microsoft.com/office/drawing/2014/main" id="{9659E4B7-86DE-4B00-A707-DD85CE5DB356}"/>
@@ -11279,391 +15688,6 @@
       </p:sp>
       <p:sp>
         <p:nvSpPr>
-          <p:cNvPr id="2" name="TextBox 1">
-            <a:extLst>
-              <a:ext uri="{FF2B5EF4-FFF2-40B4-BE49-F238E27FC236}">
-                <a16:creationId xmlns:a16="http://schemas.microsoft.com/office/drawing/2014/main" id="{4E4FBD38-98FE-708B-176F-660D1AFDE71D}"/>
-              </a:ext>
-            </a:extLst>
-          </p:cNvPr>
-          <p:cNvSpPr txBox="1"/>
-          <p:nvPr/>
-        </p:nvSpPr>
-        <p:spPr>
-          <a:xfrm>
-            <a:off x="581193" y="2340864"/>
-            <a:ext cx="10679642" cy="3634486"/>
-          </a:xfrm>
-          <a:prstGeom prst="rect">
-            <a:avLst/>
-          </a:prstGeom>
-        </p:spPr>
-        <p:txBody>
-          <a:bodyPr vert="horz" lIns="91440" tIns="45720" rIns="91440" bIns="45720" rtlCol="0" anchor="ctr">
-            <a:normAutofit/>
-          </a:bodyPr>
-          <a:lstStyle/>
-          <a:p>
-            <a:pPr defTabSz="457200">
-              <a:spcBef>
-                <a:spcPct val="20000"/>
-              </a:spcBef>
-              <a:spcAft>
-                <a:spcPts val="600"/>
-              </a:spcAft>
-              <a:buClr>
-                <a:schemeClr val="accent1"/>
-              </a:buClr>
-              <a:buSzPct val="92000"/>
-              <a:buFont typeface="Wingdings 2" panose="05020102010507070707" pitchFamily="18" charset="2"/>
-              <a:buChar char=""/>
-            </a:pPr>
-            <a:r>
-              <a:rPr lang="en-US" dirty="0">
-                <a:solidFill>
-                  <a:schemeClr val="tx1">
-                    <a:lumMod val="75000"/>
-                    <a:lumOff val="25000"/>
-                  </a:schemeClr>
-                </a:solidFill>
-              </a:rPr>
-              <a:t>HTM (Hierarchical Temporal Memory) is a machine learning algorithm, biologically inspired, both structurally and functionally, by neocortex of a human brain, which uses a hierarchical network of nodes to process timeseries data in a distributed way. Each node, or column, can be trained to learn, and recognize patterns in input data. This can be used to process information, recognize, and identify patterns and make future predictions based on past learning. It is a promising approach for anomaly detection and prediction in a variety of applications in sectors, such as healthcare, finance, etc. We have implemented an anomaly detection sample using HTM, such that it learns multiple simple numeric integer sequences given to HTM model as input and try to learn patterns in it. It will then try to identify anomalies by comparing the real data with the predicted data from learning, with certain threshold of tolerance. </a:t>
-            </a:r>
-          </a:p>
-        </p:txBody>
-      </p:sp>
-      <p:sp>
-        <p:nvSpPr>
-          <p:cNvPr id="5" name="Slide Number Placeholder 4">
-            <a:extLst>
-              <a:ext uri="{FF2B5EF4-FFF2-40B4-BE49-F238E27FC236}">
-                <a16:creationId xmlns:a16="http://schemas.microsoft.com/office/drawing/2014/main" id="{2687D6E6-D5FA-4C9E-C76D-CC433D92DBC4}"/>
-              </a:ext>
-            </a:extLst>
-          </p:cNvPr>
-          <p:cNvSpPr>
-            <a:spLocks noGrp="1"/>
-          </p:cNvSpPr>
-          <p:nvPr>
-            <p:ph type="sldNum" sz="quarter" idx="12"/>
-          </p:nvPr>
-        </p:nvSpPr>
-        <p:spPr>
-          <a:xfrm>
-            <a:off x="10558300" y="6423914"/>
-            <a:ext cx="1052510" cy="365125"/>
-          </a:xfrm>
-        </p:spPr>
-        <p:txBody>
-          <a:bodyPr vert="horz" lIns="91440" tIns="45720" rIns="91440" bIns="45720" rtlCol="0" anchor="ctr">
-            <a:normAutofit/>
-          </a:bodyPr>
-          <a:lstStyle/>
-          <a:p>
-            <a:pPr defTabSz="457200">
-              <a:spcAft>
-                <a:spcPts val="600"/>
-              </a:spcAft>
-            </a:pPr>
-            <a:fld id="{3A98EE3D-8CD1-4C3F-BD1C-C98C9596463C}" type="slidenum">
-              <a:rPr lang="en-US" smtClean="0"/>
-              <a:pPr defTabSz="457200">
-                <a:spcAft>
-                  <a:spcPts val="600"/>
-                </a:spcAft>
-              </a:pPr>
-              <a:t>4</a:t>
-            </a:fld>
-            <a:endParaRPr lang="en-US"/>
-          </a:p>
-        </p:txBody>
-      </p:sp>
-    </p:spTree>
-    <p:extLst>
-      <p:ext uri="{BB962C8B-B14F-4D97-AF65-F5344CB8AC3E}">
-        <p14:creationId xmlns:p14="http://schemas.microsoft.com/office/powerpoint/2010/main" val="2669834472"/>
-      </p:ext>
-    </p:extLst>
-  </p:cSld>
-  <p:clrMapOvr>
-    <a:masterClrMapping/>
-  </p:clrMapOvr>
-</p:sld>
-</file>
-
-<file path=ppt/slides/slide5.xml><?xml version="1.0" encoding="utf-8"?>
-<p:sld xmlns:a="http://schemas.openxmlformats.org/drawingml/2006/main" xmlns:r="http://schemas.openxmlformats.org/officeDocument/2006/relationships" xmlns:p="http://schemas.openxmlformats.org/presentationml/2006/main">
-  <p:cSld>
-    <p:bg>
-      <p:bgPr>
-        <a:solidFill>
-          <a:schemeClr val="bg2"/>
-        </a:solidFill>
-        <a:effectLst/>
-      </p:bgPr>
-    </p:bg>
-    <p:spTree>
-      <p:nvGrpSpPr>
-        <p:cNvPr id="1" name=""/>
-        <p:cNvGrpSpPr/>
-        <p:nvPr/>
-      </p:nvGrpSpPr>
-      <p:grpSpPr>
-        <a:xfrm>
-          <a:off x="0" y="0"/>
-          <a:ext cx="0" cy="0"/>
-          <a:chOff x="0" y="0"/>
-          <a:chExt cx="0" cy="0"/>
-        </a:xfrm>
-      </p:grpSpPr>
-      <p:sp useBgFill="1">
-        <p:nvSpPr>
-          <p:cNvPr id="14" name="Rectangle 13">
-            <a:extLst>
-              <a:ext uri="{FF2B5EF4-FFF2-40B4-BE49-F238E27FC236}">
-                <a16:creationId xmlns:a16="http://schemas.microsoft.com/office/drawing/2014/main" id="{8D1F1056-9A78-4FBC-9404-54512B6B5852}"/>
-              </a:ext>
-              <a:ext uri="{C183D7F6-B498-43B3-948B-1728B52AA6E4}">
-                <adec:decorative xmlns:adec="http://schemas.microsoft.com/office/drawing/2017/decorative" val="1"/>
-              </a:ext>
-            </a:extLst>
-          </p:cNvPr>
-          <p:cNvSpPr>
-            <a:spLocks noGrp="1" noRot="1" noChangeAspect="1" noMove="1" noResize="1" noEditPoints="1" noAdjustHandles="1" noChangeArrowheads="1" noChangeShapeType="1" noTextEdit="1"/>
-          </p:cNvSpPr>
-          <p:nvPr>
-            <p:extLst>
-              <p:ext uri="{386F3935-93C4-4BCD-93E2-E3B085C9AB24}">
-                <p16:designElem xmlns:p16="http://schemas.microsoft.com/office/powerpoint/2015/main" val="1"/>
-              </p:ext>
-            </p:extLst>
-          </p:nvPr>
-        </p:nvSpPr>
-        <p:spPr>
-          <a:xfrm>
-            <a:off x="0" y="0"/>
-            <a:ext cx="12192000" cy="6858000"/>
-          </a:xfrm>
-          <a:prstGeom prst="rect">
-            <a:avLst/>
-          </a:prstGeom>
-          <a:ln>
-            <a:noFill/>
-          </a:ln>
-        </p:spPr>
-        <p:style>
-          <a:lnRef idx="2">
-            <a:schemeClr val="accent1">
-              <a:shade val="50000"/>
-            </a:schemeClr>
-          </a:lnRef>
-          <a:fillRef idx="1">
-            <a:schemeClr val="accent1"/>
-          </a:fillRef>
-          <a:effectRef idx="0">
-            <a:schemeClr val="accent1"/>
-          </a:effectRef>
-          <a:fontRef idx="minor">
-            <a:schemeClr val="lt1"/>
-          </a:fontRef>
-        </p:style>
-        <p:txBody>
-          <a:bodyPr rtlCol="0" anchor="ctr"/>
-          <a:lstStyle/>
-          <a:p>
-            <a:pPr algn="ctr"/>
-            <a:endParaRPr lang="en-US"/>
-          </a:p>
-        </p:txBody>
-      </p:sp>
-      <p:sp>
-        <p:nvSpPr>
-          <p:cNvPr id="7" name="Title 3">
-            <a:extLst>
-              <a:ext uri="{FF2B5EF4-FFF2-40B4-BE49-F238E27FC236}">
-                <a16:creationId xmlns:a16="http://schemas.microsoft.com/office/drawing/2014/main" id="{AA9E537E-8F1D-CE1E-C433-D916E2A818CB}"/>
-              </a:ext>
-            </a:extLst>
-          </p:cNvPr>
-          <p:cNvSpPr txBox="1">
-            <a:spLocks/>
-          </p:cNvSpPr>
-          <p:nvPr/>
-        </p:nvSpPr>
-        <p:spPr>
-          <a:xfrm>
-            <a:off x="581192" y="702156"/>
-            <a:ext cx="10679642" cy="1188720"/>
-          </a:xfrm>
-          <a:prstGeom prst="rect">
-            <a:avLst/>
-          </a:prstGeom>
-        </p:spPr>
-        <p:txBody>
-          <a:bodyPr vert="horz" lIns="91440" tIns="45720" rIns="91440" bIns="45720" rtlCol="0" anchor="b" anchorCtr="0">
-            <a:normAutofit/>
-          </a:bodyPr>
-          <a:lstStyle>
-            <a:lvl1pPr algn="l" defTabSz="457200" rtl="0" eaLnBrk="1" latinLnBrk="0" hangingPunct="1">
-              <a:lnSpc>
-                <a:spcPct val="100000"/>
-              </a:lnSpc>
-              <a:spcBef>
-                <a:spcPct val="0"/>
-              </a:spcBef>
-              <a:buNone/>
-              <a:defRPr sz="2800" b="0" kern="1200" cap="all">
-                <a:solidFill>
-                  <a:schemeClr val="tx1">
-                    <a:lumMod val="75000"/>
-                    <a:lumOff val="25000"/>
-                  </a:schemeClr>
-                </a:solidFill>
-                <a:latin typeface="+mj-lt"/>
-                <a:ea typeface="+mj-ea"/>
-                <a:cs typeface="+mj-cs"/>
-              </a:defRPr>
-            </a:lvl1pPr>
-            <a:lvl2pPr eaLnBrk="1" hangingPunct="1">
-              <a:defRPr>
-                <a:solidFill>
-                  <a:schemeClr val="tx2"/>
-                </a:solidFill>
-              </a:defRPr>
-            </a:lvl2pPr>
-            <a:lvl3pPr eaLnBrk="1" hangingPunct="1">
-              <a:defRPr>
-                <a:solidFill>
-                  <a:schemeClr val="tx2"/>
-                </a:solidFill>
-              </a:defRPr>
-            </a:lvl3pPr>
-            <a:lvl4pPr eaLnBrk="1" hangingPunct="1">
-              <a:defRPr>
-                <a:solidFill>
-                  <a:schemeClr val="tx2"/>
-                </a:solidFill>
-              </a:defRPr>
-            </a:lvl4pPr>
-            <a:lvl5pPr eaLnBrk="1" hangingPunct="1">
-              <a:defRPr>
-                <a:solidFill>
-                  <a:schemeClr val="tx2"/>
-                </a:solidFill>
-              </a:defRPr>
-            </a:lvl5pPr>
-            <a:lvl6pPr eaLnBrk="1" hangingPunct="1">
-              <a:defRPr>
-                <a:solidFill>
-                  <a:schemeClr val="tx2"/>
-                </a:solidFill>
-              </a:defRPr>
-            </a:lvl6pPr>
-            <a:lvl7pPr eaLnBrk="1" hangingPunct="1">
-              <a:defRPr>
-                <a:solidFill>
-                  <a:schemeClr val="tx2"/>
-                </a:solidFill>
-              </a:defRPr>
-            </a:lvl7pPr>
-            <a:lvl8pPr eaLnBrk="1" hangingPunct="1">
-              <a:defRPr>
-                <a:solidFill>
-                  <a:schemeClr val="tx2"/>
-                </a:solidFill>
-              </a:defRPr>
-            </a:lvl8pPr>
-            <a:lvl9pPr eaLnBrk="1" hangingPunct="1">
-              <a:defRPr>
-                <a:solidFill>
-                  <a:schemeClr val="tx2"/>
-                </a:solidFill>
-              </a:defRPr>
-            </a:lvl9pPr>
-          </a:lstStyle>
-          <a:p>
-            <a:pPr>
-              <a:spcAft>
-                <a:spcPts val="600"/>
-              </a:spcAft>
-            </a:pPr>
-            <a:r>
-              <a:rPr lang="en-US" sz="3600" b="0" kern="1200" cap="all">
-                <a:solidFill>
-                  <a:schemeClr val="accent1"/>
-                </a:solidFill>
-                <a:latin typeface="+mj-lt"/>
-                <a:ea typeface="+mj-ea"/>
-                <a:cs typeface="+mj-cs"/>
-              </a:rPr>
-              <a:t>methodology</a:t>
-            </a:r>
-          </a:p>
-        </p:txBody>
-      </p:sp>
-      <p:sp>
-        <p:nvSpPr>
-          <p:cNvPr id="16" name="Rectangle 15">
-            <a:extLst>
-              <a:ext uri="{FF2B5EF4-FFF2-40B4-BE49-F238E27FC236}">
-                <a16:creationId xmlns:a16="http://schemas.microsoft.com/office/drawing/2014/main" id="{9659E4B7-86DE-4B00-A707-DD85CE5DB356}"/>
-              </a:ext>
-              <a:ext uri="{C183D7F6-B498-43B3-948B-1728B52AA6E4}">
-                <adec:decorative xmlns:adec="http://schemas.microsoft.com/office/drawing/2017/decorative" val="1"/>
-              </a:ext>
-            </a:extLst>
-          </p:cNvPr>
-          <p:cNvSpPr>
-            <a:spLocks noGrp="1" noRot="1" noChangeAspect="1" noMove="1" noResize="1" noEditPoints="1" noAdjustHandles="1" noChangeArrowheads="1" noChangeShapeType="1" noTextEdit="1"/>
-          </p:cNvSpPr>
-          <p:nvPr>
-            <p:extLst>
-              <p:ext uri="{386F3935-93C4-4BCD-93E2-E3B085C9AB24}">
-                <p16:designElem xmlns:p16="http://schemas.microsoft.com/office/powerpoint/2015/main" val="1"/>
-              </p:ext>
-            </p:extLst>
-          </p:nvPr>
-        </p:nvSpPr>
-        <p:spPr>
-          <a:xfrm>
-            <a:off x="446533" y="457201"/>
-            <a:ext cx="11298933" cy="91440"/>
-          </a:xfrm>
-          <a:prstGeom prst="rect">
-            <a:avLst/>
-          </a:prstGeom>
-          <a:solidFill>
-            <a:schemeClr val="tx2"/>
-          </a:solidFill>
-          <a:ln>
-            <a:noFill/>
-          </a:ln>
-          <a:effectLst/>
-        </p:spPr>
-        <p:style>
-          <a:lnRef idx="1">
-            <a:schemeClr val="accent1"/>
-          </a:lnRef>
-          <a:fillRef idx="3">
-            <a:schemeClr val="accent1"/>
-          </a:fillRef>
-          <a:effectRef idx="2">
-            <a:schemeClr val="accent1"/>
-          </a:effectRef>
-          <a:fontRef idx="minor">
-            <a:schemeClr val="lt1"/>
-          </a:fontRef>
-        </p:style>
-        <p:txBody>
-          <a:bodyPr/>
-          <a:lstStyle/>
-          <a:p>
-            <a:endParaRPr lang="en-US"/>
-          </a:p>
-        </p:txBody>
-      </p:sp>
-      <p:sp>
-        <p:nvSpPr>
           <p:cNvPr id="9" name="TextBox 8">
             <a:extLst>
               <a:ext uri="{FF2B5EF4-FFF2-40B4-BE49-F238E27FC236}">
@@ -12385,7 +16409,7 @@
               <a:buChar char="•"/>
             </a:pPr>
             <a:r>
-              <a:rPr lang="en-US" sz="1260" kern="1200">
+              <a:rPr lang="en-US" sz="1260" kern="1200" dirty="0">
                 <a:solidFill>
                   <a:schemeClr val="tx1"/>
                 </a:solidFill>
@@ -12405,7 +16429,7 @@
               <a:buChar char="•"/>
             </a:pPr>
             <a:r>
-              <a:rPr lang="en-US" sz="1260" kern="1200">
+              <a:rPr lang="en-US" sz="1260" kern="1200" dirty="0">
                 <a:solidFill>
                   <a:schemeClr val="tx1"/>
                 </a:solidFill>
@@ -12425,7 +16449,7 @@
               <a:buChar char="•"/>
             </a:pPr>
             <a:r>
-              <a:rPr lang="en-US" sz="1260" kern="1200">
+              <a:rPr lang="en-US" sz="1260" kern="1200" dirty="0">
                 <a:solidFill>
                   <a:schemeClr val="tx1"/>
                 </a:solidFill>
@@ -12445,7 +16469,7 @@
               <a:buChar char="•"/>
             </a:pPr>
             <a:r>
-              <a:rPr lang="en-US" sz="1260" kern="1200">
+              <a:rPr lang="en-US" sz="1260" kern="1200" dirty="0">
                 <a:solidFill>
                   <a:schemeClr val="tx1"/>
                 </a:solidFill>
@@ -12465,7 +16489,7 @@
               <a:buChar char="•"/>
             </a:pPr>
             <a:r>
-              <a:rPr lang="en-US" sz="1260" kern="1200">
+              <a:rPr lang="en-US" sz="1260" kern="1200" dirty="0">
                 <a:solidFill>
                   <a:schemeClr val="tx1"/>
                 </a:solidFill>
@@ -12475,7 +16499,7 @@
               </a:rPr>
               <a:t>Promising approach for anomaly detection and prediction in a variety of applications in sectors, such as healthcare, finance, etc.</a:t>
             </a:r>
-            <a:endParaRPr lang="en-DE"/>
+            <a:endParaRPr lang="en-DE" dirty="0"/>
           </a:p>
         </p:txBody>
       </p:sp>
@@ -13267,7 +17291,7 @@
     <p:bg>
       <p:bgPr>
         <a:solidFill>
-          <a:schemeClr val="bg2"/>
+          <a:schemeClr val="bg1"/>
         </a:solidFill>
         <a:effectLst/>
       </p:bgPr>
@@ -13288,10 +17312,10 @@
       </p:grpSpPr>
       <p:sp useBgFill="1">
         <p:nvSpPr>
-          <p:cNvPr id="12" name="Rectangle 11">
+          <p:cNvPr id="19" name="Rectangle 18">
             <a:extLst>
               <a:ext uri="{FF2B5EF4-FFF2-40B4-BE49-F238E27FC236}">
-                <a16:creationId xmlns:a16="http://schemas.microsoft.com/office/drawing/2014/main" id="{8D1F1056-9A78-4FBC-9404-54512B6B5852}"/>
+                <a16:creationId xmlns:a16="http://schemas.microsoft.com/office/drawing/2014/main" id="{F875149D-F692-45DA-8324-D5E0193D5FC4}"/>
               </a:ext>
               <a:ext uri="{C183D7F6-B498-43B3-948B-1728B52AA6E4}">
                 <adec:decorative xmlns:adec="http://schemas.microsoft.com/office/drawing/2017/decorative" val="1"/>
@@ -13312,7 +17336,7 @@
         <p:spPr>
           <a:xfrm>
             <a:off x="0" y="0"/>
-            <a:ext cx="12192000" cy="6858000"/>
+            <a:ext cx="12191999" cy="6858001"/>
           </a:xfrm>
           <a:prstGeom prst="rect">
             <a:avLst/>
@@ -13348,135 +17372,10 @@
       </p:sp>
       <p:sp>
         <p:nvSpPr>
-          <p:cNvPr id="7" name="Title 3">
+          <p:cNvPr id="21" name="Rectangle 20">
             <a:extLst>
               <a:ext uri="{FF2B5EF4-FFF2-40B4-BE49-F238E27FC236}">
-                <a16:creationId xmlns:a16="http://schemas.microsoft.com/office/drawing/2014/main" id="{AA9E537E-8F1D-CE1E-C433-D916E2A818CB}"/>
-              </a:ext>
-            </a:extLst>
-          </p:cNvPr>
-          <p:cNvSpPr txBox="1">
-            <a:spLocks/>
-          </p:cNvSpPr>
-          <p:nvPr/>
-        </p:nvSpPr>
-        <p:spPr>
-          <a:xfrm>
-            <a:off x="581192" y="702156"/>
-            <a:ext cx="10679642" cy="1188720"/>
-          </a:xfrm>
-          <a:prstGeom prst="rect">
-            <a:avLst/>
-          </a:prstGeom>
-        </p:spPr>
-        <p:txBody>
-          <a:bodyPr vert="horz" lIns="91440" tIns="45720" rIns="91440" bIns="45720" rtlCol="0" anchor="b" anchorCtr="0">
-            <a:normAutofit/>
-          </a:bodyPr>
-          <a:lstStyle>
-            <a:lvl1pPr algn="l" defTabSz="457200" rtl="0" eaLnBrk="1" latinLnBrk="0" hangingPunct="1">
-              <a:lnSpc>
-                <a:spcPct val="100000"/>
-              </a:lnSpc>
-              <a:spcBef>
-                <a:spcPct val="0"/>
-              </a:spcBef>
-              <a:buNone/>
-              <a:defRPr sz="2800" b="0" kern="1200" cap="all">
-                <a:solidFill>
-                  <a:schemeClr val="tx1">
-                    <a:lumMod val="75000"/>
-                    <a:lumOff val="25000"/>
-                  </a:schemeClr>
-                </a:solidFill>
-                <a:latin typeface="+mj-lt"/>
-                <a:ea typeface="+mj-ea"/>
-                <a:cs typeface="+mj-cs"/>
-              </a:defRPr>
-            </a:lvl1pPr>
-            <a:lvl2pPr eaLnBrk="1" hangingPunct="1">
-              <a:defRPr>
-                <a:solidFill>
-                  <a:schemeClr val="tx2"/>
-                </a:solidFill>
-              </a:defRPr>
-            </a:lvl2pPr>
-            <a:lvl3pPr eaLnBrk="1" hangingPunct="1">
-              <a:defRPr>
-                <a:solidFill>
-                  <a:schemeClr val="tx2"/>
-                </a:solidFill>
-              </a:defRPr>
-            </a:lvl3pPr>
-            <a:lvl4pPr eaLnBrk="1" hangingPunct="1">
-              <a:defRPr>
-                <a:solidFill>
-                  <a:schemeClr val="tx2"/>
-                </a:solidFill>
-              </a:defRPr>
-            </a:lvl4pPr>
-            <a:lvl5pPr eaLnBrk="1" hangingPunct="1">
-              <a:defRPr>
-                <a:solidFill>
-                  <a:schemeClr val="tx2"/>
-                </a:solidFill>
-              </a:defRPr>
-            </a:lvl5pPr>
-            <a:lvl6pPr eaLnBrk="1" hangingPunct="1">
-              <a:defRPr>
-                <a:solidFill>
-                  <a:schemeClr val="tx2"/>
-                </a:solidFill>
-              </a:defRPr>
-            </a:lvl6pPr>
-            <a:lvl7pPr eaLnBrk="1" hangingPunct="1">
-              <a:defRPr>
-                <a:solidFill>
-                  <a:schemeClr val="tx2"/>
-                </a:solidFill>
-              </a:defRPr>
-            </a:lvl7pPr>
-            <a:lvl8pPr eaLnBrk="1" hangingPunct="1">
-              <a:defRPr>
-                <a:solidFill>
-                  <a:schemeClr val="tx2"/>
-                </a:solidFill>
-              </a:defRPr>
-            </a:lvl8pPr>
-            <a:lvl9pPr eaLnBrk="1" hangingPunct="1">
-              <a:defRPr>
-                <a:solidFill>
-                  <a:schemeClr val="tx2"/>
-                </a:solidFill>
-              </a:defRPr>
-            </a:lvl9pPr>
-          </a:lstStyle>
-          <a:p>
-            <a:pPr>
-              <a:spcAft>
-                <a:spcPts val="600"/>
-              </a:spcAft>
-            </a:pPr>
-            <a:r>
-              <a:rPr lang="en-US" sz="3600" b="0" kern="1200" cap="all">
-                <a:solidFill>
-                  <a:schemeClr val="accent1"/>
-                </a:solidFill>
-                <a:latin typeface="+mj-lt"/>
-                <a:ea typeface="+mj-ea"/>
-                <a:cs typeface="+mj-cs"/>
-              </a:rPr>
-              <a:t>results</a:t>
-            </a:r>
-          </a:p>
-        </p:txBody>
-      </p:sp>
-      <p:sp>
-        <p:nvSpPr>
-          <p:cNvPr id="14" name="Rectangle 13">
-            <a:extLst>
-              <a:ext uri="{FF2B5EF4-FFF2-40B4-BE49-F238E27FC236}">
-                <a16:creationId xmlns:a16="http://schemas.microsoft.com/office/drawing/2014/main" id="{9659E4B7-86DE-4B00-A707-DD85CE5DB356}"/>
+                <a16:creationId xmlns:a16="http://schemas.microsoft.com/office/drawing/2014/main" id="{C0B19935-C760-4698-9DD1-973C8A428D26}"/>
               </a:ext>
               <a:ext uri="{C183D7F6-B498-43B3-948B-1728B52AA6E4}">
                 <adec:decorative xmlns:adec="http://schemas.microsoft.com/office/drawing/2017/decorative" val="1"/>
@@ -13496,14 +17395,14 @@
         </p:nvSpPr>
         <p:spPr>
           <a:xfrm>
-            <a:off x="446533" y="457201"/>
-            <a:ext cx="11298933" cy="91440"/>
+            <a:off x="446534" y="457200"/>
+            <a:ext cx="3703320" cy="94997"/>
           </a:xfrm>
           <a:prstGeom prst="rect">
             <a:avLst/>
           </a:prstGeom>
           <a:solidFill>
-            <a:schemeClr val="tx2"/>
+            <a:srgbClr val="465359"/>
           </a:solidFill>
           <a:ln>
             <a:noFill/>
@@ -13534,6 +17433,311 @@
       </p:sp>
       <p:sp>
         <p:nvSpPr>
+          <p:cNvPr id="23" name="Rectangle 22">
+            <a:extLst>
+              <a:ext uri="{FF2B5EF4-FFF2-40B4-BE49-F238E27FC236}">
+                <a16:creationId xmlns:a16="http://schemas.microsoft.com/office/drawing/2014/main" id="{08990612-E008-4F02-AEBB-B140BE753558}"/>
+              </a:ext>
+              <a:ext uri="{C183D7F6-B498-43B3-948B-1728B52AA6E4}">
+                <adec:decorative xmlns:adec="http://schemas.microsoft.com/office/drawing/2017/decorative" val="1"/>
+              </a:ext>
+            </a:extLst>
+          </p:cNvPr>
+          <p:cNvSpPr>
+            <a:spLocks noGrp="1" noRot="1" noChangeAspect="1" noMove="1" noResize="1" noEditPoints="1" noAdjustHandles="1" noChangeArrowheads="1" noChangeShapeType="1" noTextEdit="1"/>
+          </p:cNvSpPr>
+          <p:nvPr>
+            <p:extLst>
+              <p:ext uri="{386F3935-93C4-4BCD-93E2-E3B085C9AB24}">
+                <p16:designElem xmlns:p16="http://schemas.microsoft.com/office/powerpoint/2015/main" val="1"/>
+              </p:ext>
+            </p:extLst>
+          </p:nvPr>
+        </p:nvSpPr>
+        <p:spPr>
+          <a:xfrm>
+            <a:off x="4241830" y="457200"/>
+            <a:ext cx="3703320" cy="91440"/>
+          </a:xfrm>
+          <a:prstGeom prst="rect">
+            <a:avLst/>
+          </a:prstGeom>
+          <a:solidFill>
+            <a:schemeClr val="accent1"/>
+          </a:solidFill>
+          <a:ln>
+            <a:noFill/>
+          </a:ln>
+          <a:effectLst/>
+        </p:spPr>
+        <p:style>
+          <a:lnRef idx="1">
+            <a:schemeClr val="accent1"/>
+          </a:lnRef>
+          <a:fillRef idx="3">
+            <a:schemeClr val="accent1"/>
+          </a:fillRef>
+          <a:effectRef idx="2">
+            <a:schemeClr val="accent1"/>
+          </a:effectRef>
+          <a:fontRef idx="minor">
+            <a:schemeClr val="lt1"/>
+          </a:fontRef>
+        </p:style>
+        <p:txBody>
+          <a:bodyPr/>
+          <a:lstStyle/>
+          <a:p>
+            <a:endParaRPr lang="en-US"/>
+          </a:p>
+        </p:txBody>
+      </p:sp>
+      <p:sp>
+        <p:nvSpPr>
+          <p:cNvPr id="25" name="Rectangle 24">
+            <a:extLst>
+              <a:ext uri="{FF2B5EF4-FFF2-40B4-BE49-F238E27FC236}">
+                <a16:creationId xmlns:a16="http://schemas.microsoft.com/office/drawing/2014/main" id="{A310A41F-3A14-4150-B6CF-0A577DDDEAD2}"/>
+              </a:ext>
+              <a:ext uri="{C183D7F6-B498-43B3-948B-1728B52AA6E4}">
+                <adec:decorative xmlns:adec="http://schemas.microsoft.com/office/drawing/2017/decorative" val="1"/>
+              </a:ext>
+            </a:extLst>
+          </p:cNvPr>
+          <p:cNvSpPr>
+            <a:spLocks noGrp="1" noRot="1" noChangeAspect="1" noMove="1" noResize="1" noEditPoints="1" noAdjustHandles="1" noChangeArrowheads="1" noChangeShapeType="1" noTextEdit="1"/>
+          </p:cNvSpPr>
+          <p:nvPr>
+            <p:extLst>
+              <p:ext uri="{386F3935-93C4-4BCD-93E2-E3B085C9AB24}">
+                <p16:designElem xmlns:p16="http://schemas.microsoft.com/office/powerpoint/2015/main" val="1"/>
+              </p:ext>
+            </p:extLst>
+          </p:nvPr>
+        </p:nvSpPr>
+        <p:spPr>
+          <a:xfrm>
+            <a:off x="8042147" y="453643"/>
+            <a:ext cx="3703320" cy="98554"/>
+          </a:xfrm>
+          <a:prstGeom prst="rect">
+            <a:avLst/>
+          </a:prstGeom>
+          <a:solidFill>
+            <a:srgbClr val="969FA7"/>
+          </a:solidFill>
+          <a:ln>
+            <a:noFill/>
+          </a:ln>
+          <a:effectLst/>
+        </p:spPr>
+        <p:style>
+          <a:lnRef idx="1">
+            <a:schemeClr val="accent1"/>
+          </a:lnRef>
+          <a:fillRef idx="3">
+            <a:schemeClr val="accent1"/>
+          </a:fillRef>
+          <a:effectRef idx="2">
+            <a:schemeClr val="accent1"/>
+          </a:effectRef>
+          <a:fontRef idx="minor">
+            <a:schemeClr val="lt1"/>
+          </a:fontRef>
+        </p:style>
+        <p:txBody>
+          <a:bodyPr/>
+          <a:lstStyle/>
+          <a:p>
+            <a:endParaRPr lang="en-US"/>
+          </a:p>
+        </p:txBody>
+      </p:sp>
+      <p:sp>
+        <p:nvSpPr>
+          <p:cNvPr id="27" name="Rectangle 26">
+            <a:extLst>
+              <a:ext uri="{FF2B5EF4-FFF2-40B4-BE49-F238E27FC236}">
+                <a16:creationId xmlns:a16="http://schemas.microsoft.com/office/drawing/2014/main" id="{7B89EEFD-93BC-4ACF-962C-E6279E72B00B}"/>
+              </a:ext>
+              <a:ext uri="{C183D7F6-B498-43B3-948B-1728B52AA6E4}">
+                <adec:decorative xmlns:adec="http://schemas.microsoft.com/office/drawing/2017/decorative" val="1"/>
+              </a:ext>
+            </a:extLst>
+          </p:cNvPr>
+          <p:cNvSpPr>
+            <a:spLocks noGrp="1" noRot="1" noChangeAspect="1" noMove="1" noResize="1" noEditPoints="1" noAdjustHandles="1" noChangeArrowheads="1" noChangeShapeType="1" noTextEdit="1"/>
+          </p:cNvSpPr>
+          <p:nvPr>
+            <p:extLst>
+              <p:ext uri="{386F3935-93C4-4BCD-93E2-E3B085C9AB24}">
+                <p16:designElem xmlns:p16="http://schemas.microsoft.com/office/powerpoint/2015/main" val="1"/>
+              </p:ext>
+            </p:extLst>
+          </p:nvPr>
+        </p:nvSpPr>
+        <p:spPr>
+          <a:xfrm>
+            <a:off x="461436" y="723899"/>
+            <a:ext cx="3703320" cy="5666666"/>
+          </a:xfrm>
+          <a:prstGeom prst="rect">
+            <a:avLst/>
+          </a:prstGeom>
+          <a:solidFill>
+            <a:srgbClr val="465359"/>
+          </a:solidFill>
+          <a:ln>
+            <a:noFill/>
+          </a:ln>
+          <a:effectLst/>
+        </p:spPr>
+        <p:style>
+          <a:lnRef idx="1">
+            <a:schemeClr val="accent1"/>
+          </a:lnRef>
+          <a:fillRef idx="3">
+            <a:schemeClr val="accent1"/>
+          </a:fillRef>
+          <a:effectRef idx="2">
+            <a:schemeClr val="accent1"/>
+          </a:effectRef>
+          <a:fontRef idx="minor">
+            <a:schemeClr val="lt1"/>
+          </a:fontRef>
+        </p:style>
+        <p:txBody>
+          <a:bodyPr/>
+          <a:lstStyle/>
+          <a:p>
+            <a:endParaRPr lang="en-US"/>
+          </a:p>
+        </p:txBody>
+      </p:sp>
+      <p:sp>
+        <p:nvSpPr>
+          <p:cNvPr id="7" name="Title 3">
+            <a:extLst>
+              <a:ext uri="{FF2B5EF4-FFF2-40B4-BE49-F238E27FC236}">
+                <a16:creationId xmlns:a16="http://schemas.microsoft.com/office/drawing/2014/main" id="{AA9E537E-8F1D-CE1E-C433-D916E2A818CB}"/>
+              </a:ext>
+            </a:extLst>
+          </p:cNvPr>
+          <p:cNvSpPr txBox="1">
+            <a:spLocks/>
+          </p:cNvSpPr>
+          <p:nvPr/>
+        </p:nvSpPr>
+        <p:spPr>
+          <a:xfrm>
+            <a:off x="803189" y="1209184"/>
+            <a:ext cx="3089189" cy="4734416"/>
+          </a:xfrm>
+          <a:prstGeom prst="rect">
+            <a:avLst/>
+          </a:prstGeom>
+        </p:spPr>
+        <p:txBody>
+          <a:bodyPr vert="horz" lIns="91440" tIns="45720" rIns="91440" bIns="45720" rtlCol="0" anchor="ctr" anchorCtr="0">
+            <a:normAutofit/>
+          </a:bodyPr>
+          <a:lstStyle>
+            <a:lvl1pPr algn="l" defTabSz="457200" rtl="0" eaLnBrk="1" latinLnBrk="0" hangingPunct="1">
+              <a:lnSpc>
+                <a:spcPct val="100000"/>
+              </a:lnSpc>
+              <a:spcBef>
+                <a:spcPct val="0"/>
+              </a:spcBef>
+              <a:buNone/>
+              <a:defRPr sz="2800" b="0" kern="1200" cap="all">
+                <a:solidFill>
+                  <a:schemeClr val="tx1">
+                    <a:lumMod val="75000"/>
+                    <a:lumOff val="25000"/>
+                  </a:schemeClr>
+                </a:solidFill>
+                <a:latin typeface="+mj-lt"/>
+                <a:ea typeface="+mj-ea"/>
+                <a:cs typeface="+mj-cs"/>
+              </a:defRPr>
+            </a:lvl1pPr>
+            <a:lvl2pPr eaLnBrk="1" hangingPunct="1">
+              <a:defRPr>
+                <a:solidFill>
+                  <a:schemeClr val="tx2"/>
+                </a:solidFill>
+              </a:defRPr>
+            </a:lvl2pPr>
+            <a:lvl3pPr eaLnBrk="1" hangingPunct="1">
+              <a:defRPr>
+                <a:solidFill>
+                  <a:schemeClr val="tx2"/>
+                </a:solidFill>
+              </a:defRPr>
+            </a:lvl3pPr>
+            <a:lvl4pPr eaLnBrk="1" hangingPunct="1">
+              <a:defRPr>
+                <a:solidFill>
+                  <a:schemeClr val="tx2"/>
+                </a:solidFill>
+              </a:defRPr>
+            </a:lvl4pPr>
+            <a:lvl5pPr eaLnBrk="1" hangingPunct="1">
+              <a:defRPr>
+                <a:solidFill>
+                  <a:schemeClr val="tx2"/>
+                </a:solidFill>
+              </a:defRPr>
+            </a:lvl5pPr>
+            <a:lvl6pPr eaLnBrk="1" hangingPunct="1">
+              <a:defRPr>
+                <a:solidFill>
+                  <a:schemeClr val="tx2"/>
+                </a:solidFill>
+              </a:defRPr>
+            </a:lvl6pPr>
+            <a:lvl7pPr eaLnBrk="1" hangingPunct="1">
+              <a:defRPr>
+                <a:solidFill>
+                  <a:schemeClr val="tx2"/>
+                </a:solidFill>
+              </a:defRPr>
+            </a:lvl7pPr>
+            <a:lvl8pPr eaLnBrk="1" hangingPunct="1">
+              <a:defRPr>
+                <a:solidFill>
+                  <a:schemeClr val="tx2"/>
+                </a:solidFill>
+              </a:defRPr>
+            </a:lvl8pPr>
+            <a:lvl9pPr eaLnBrk="1" hangingPunct="1">
+              <a:defRPr>
+                <a:solidFill>
+                  <a:schemeClr val="tx2"/>
+                </a:solidFill>
+              </a:defRPr>
+            </a:lvl9pPr>
+          </a:lstStyle>
+          <a:p>
+            <a:pPr>
+              <a:spcAft>
+                <a:spcPts val="600"/>
+              </a:spcAft>
+            </a:pPr>
+            <a:r>
+              <a:rPr lang="en-US">
+                <a:solidFill>
+                  <a:srgbClr val="FFFFFF"/>
+                </a:solidFill>
+              </a:rPr>
+              <a:t>results</a:t>
+            </a:r>
+          </a:p>
+        </p:txBody>
+      </p:sp>
+      <p:sp>
+        <p:nvSpPr>
           <p:cNvPr id="6" name="TextBox 5">
             <a:extLst>
               <a:ext uri="{FF2B5EF4-FFF2-40B4-BE49-F238E27FC236}">
@@ -13546,8 +17750,8 @@
         </p:nvSpPr>
         <p:spPr>
           <a:xfrm>
-            <a:off x="581193" y="2340864"/>
-            <a:ext cx="10679642" cy="3634486"/>
+            <a:off x="4561870" y="723900"/>
+            <a:ext cx="7183597" cy="3152362"/>
           </a:xfrm>
           <a:prstGeom prst="rect">
             <a:avLst/>
@@ -13559,7 +17763,7 @@
           </a:bodyPr>
           <a:lstStyle/>
           <a:p>
-            <a:pPr marL="342900" indent="-342900" defTabSz="457200">
+            <a:pPr defTabSz="457200">
               <a:spcBef>
                 <a:spcPct val="20000"/>
               </a:spcBef>
@@ -13574,19 +17778,20 @@
               <a:buChar char=""/>
             </a:pPr>
             <a:r>
-              <a:rPr lang="en-US" dirty="0">
+              <a:rPr lang="en-US" b="0" i="0">
                 <a:solidFill>
                   <a:schemeClr val="tx1">
                     <a:lumMod val="75000"/>
                     <a:lumOff val="25000"/>
                   </a:schemeClr>
                 </a:solidFill>
+                <a:effectLst/>
               </a:rPr>
-              <a:t>We have achieved false negative rate (FNR) of 0.65, which is high.</a:t>
+              <a:t>We can observe that the accuracy rate is between 50% - 70%. It is desired that high accuracy should on the sequence is required in an anomaly detection program. Due to hardware specification of our machine, we unable to run the program with lots of cycle and sequence. However, accuracy can be improved by running more data sequence and cycle.</a:t>
             </a:r>
           </a:p>
           <a:p>
-            <a:pPr marL="342900" indent="-342900" defTabSz="457200">
+            <a:pPr defTabSz="457200">
               <a:spcBef>
                 <a:spcPct val="20000"/>
               </a:spcBef>
@@ -13601,19 +17806,20 @@
               <a:buChar char=""/>
             </a:pPr>
             <a:r>
-              <a:rPr lang="en-US" dirty="0">
+              <a:rPr lang="en-US" b="0" i="0">
                 <a:solidFill>
                   <a:schemeClr val="tx1">
                     <a:lumMod val="75000"/>
                     <a:lumOff val="25000"/>
                   </a:schemeClr>
                 </a:solidFill>
+                <a:effectLst/>
               </a:rPr>
-              <a:t>We have also achieved false positive rate of 0.24.</a:t>
+              <a:t>One example of testing sequence for anomaly detection and average accuracy for this sequence given below:</a:t>
             </a:r>
           </a:p>
           <a:p>
-            <a:pPr marL="342900" indent="-342900" defTabSz="457200">
+            <a:pPr defTabSz="457200">
               <a:spcBef>
                 <a:spcPct val="20000"/>
               </a:spcBef>
@@ -13627,91 +17833,47 @@
               <a:buFont typeface="Wingdings 2" panose="05020102010507070707" pitchFamily="18" charset="2"/>
               <a:buChar char=""/>
             </a:pPr>
-            <a:r>
-              <a:rPr lang="en-US" dirty="0">
-                <a:solidFill>
-                  <a:schemeClr val="tx1">
-                    <a:lumMod val="75000"/>
-                    <a:lumOff val="25000"/>
-                  </a:schemeClr>
-                </a:solidFill>
-              </a:rPr>
-              <a:t>It is imperative that </a:t>
-            </a:r>
-            <a:r>
-              <a:rPr lang="en-US" dirty="0" err="1">
-                <a:solidFill>
-                  <a:schemeClr val="tx1">
-                    <a:lumMod val="75000"/>
-                    <a:lumOff val="25000"/>
-                  </a:schemeClr>
-                </a:solidFill>
-              </a:rPr>
-              <a:t>fnr</a:t>
-            </a:r>
-            <a:r>
-              <a:rPr lang="en-US" dirty="0">
-                <a:solidFill>
-                  <a:schemeClr val="tx1">
-                    <a:lumMod val="75000"/>
-                    <a:lumOff val="25000"/>
-                  </a:schemeClr>
-                </a:solidFill>
-              </a:rPr>
-              <a:t> needs to be lower.</a:t>
-            </a:r>
-          </a:p>
-          <a:p>
-            <a:pPr marL="342900" indent="-342900" defTabSz="457200">
-              <a:spcBef>
-                <a:spcPct val="20000"/>
-              </a:spcBef>
-              <a:spcAft>
-                <a:spcPts val="600"/>
-              </a:spcAft>
-              <a:buClr>
-                <a:schemeClr val="accent1"/>
-              </a:buClr>
-              <a:buSzPct val="92000"/>
-              <a:buFont typeface="Wingdings 2" panose="05020102010507070707" pitchFamily="18" charset="2"/>
-              <a:buChar char=""/>
-            </a:pPr>
-            <a:r>
-              <a:rPr lang="en-US" dirty="0">
-                <a:solidFill>
-                  <a:schemeClr val="tx1">
-                    <a:lumMod val="75000"/>
-                    <a:lumOff val="25000"/>
-                  </a:schemeClr>
-                </a:solidFill>
-              </a:rPr>
-              <a:t>We need to train </a:t>
-            </a:r>
-            <a:r>
-              <a:rPr lang="en-US" dirty="0" err="1">
-                <a:solidFill>
-                  <a:schemeClr val="tx1">
-                    <a:lumMod val="75000"/>
-                    <a:lumOff val="25000"/>
-                  </a:schemeClr>
-                </a:solidFill>
-              </a:rPr>
-              <a:t>htm</a:t>
-            </a:r>
-            <a:r>
-              <a:rPr lang="en-US" dirty="0">
-                <a:solidFill>
-                  <a:schemeClr val="tx1">
-                    <a:lumMod val="75000"/>
-                    <a:lumOff val="25000"/>
-                  </a:schemeClr>
-                </a:solidFill>
-              </a:rPr>
-              <a:t> with more data to improve performance.</a:t>
-            </a:r>
+            <a:endParaRPr lang="en-US">
+              <a:solidFill>
+                <a:schemeClr val="tx1">
+                  <a:lumMod val="75000"/>
+                  <a:lumOff val="25000"/>
+                </a:schemeClr>
+              </a:solidFill>
+            </a:endParaRPr>
           </a:p>
         </p:txBody>
       </p:sp>
+      <p:pic>
+        <p:nvPicPr>
+          <p:cNvPr id="4" name="Picture 3">
+            <a:extLst>
+              <a:ext uri="{FF2B5EF4-FFF2-40B4-BE49-F238E27FC236}">
+                <a16:creationId xmlns:a16="http://schemas.microsoft.com/office/drawing/2014/main" id="{2665CE9A-DE25-BC57-3FA2-06E32EE9D3FF}"/>
+              </a:ext>
+            </a:extLst>
+          </p:cNvPr>
+          <p:cNvPicPr>
+            <a:picLocks noChangeAspect="1"/>
+          </p:cNvPicPr>
+          <p:nvPr/>
+        </p:nvPicPr>
+        <p:blipFill>
+          <a:blip r:embed="rId2"/>
+          <a:stretch>
+            <a:fillRect/>
+          </a:stretch>
+        </p:blipFill>
+        <p:spPr>
+          <a:xfrm>
+            <a:off x="4771381" y="3501743"/>
+            <a:ext cx="6974086" cy="2196838"/>
+          </a:xfrm>
+          <a:prstGeom prst="rect">
+            <a:avLst/>
+          </a:prstGeom>
+        </p:spPr>
+      </p:pic>
       <p:sp>
         <p:nvSpPr>
           <p:cNvPr id="5" name="Slide Number Placeholder 4">
@@ -13730,8 +17892,8 @@
         </p:nvSpPr>
         <p:spPr>
           <a:xfrm>
-            <a:off x="10558300" y="6423914"/>
-            <a:ext cx="1052510" cy="365125"/>
+            <a:off x="10558300" y="6400800"/>
+            <a:ext cx="1052508" cy="365125"/>
           </a:xfrm>
         </p:spPr>
         <p:txBody>
@@ -13746,7 +17908,11 @@
               </a:spcAft>
             </a:pPr>
             <a:fld id="{3A98EE3D-8CD1-4C3F-BD1C-C98C9596463C}" type="slidenum">
-              <a:rPr lang="en-US" smtClean="0"/>
+              <a:rPr lang="en-US" smtClean="0">
+                <a:solidFill>
+                  <a:srgbClr val="F2BB6F"/>
+                </a:solidFill>
+              </a:rPr>
               <a:pPr defTabSz="457200">
                 <a:spcAft>
                   <a:spcPts val="600"/>
@@ -13754,7 +17920,11 @@
               </a:pPr>
               <a:t>9</a:t>
             </a:fld>
-            <a:endParaRPr lang="en-US"/>
+            <a:endParaRPr lang="en-US">
+              <a:solidFill>
+                <a:srgbClr val="F2BB6F"/>
+              </a:solidFill>
+            </a:endParaRPr>
           </a:p>
         </p:txBody>
       </p:sp>

--- a/source/MySEProject/Documentation/ML2324-8 Implement Anomaly Detection Sample.pptx
+++ b/source/MySEProject/Documentation/ML2324-8 Implement Anomaly Detection Sample.pptx
@@ -5,7 +5,7 @@
     <p:sldMasterId id="2147483725" r:id="rId1"/>
   </p:sldMasterIdLst>
   <p:notesMasterIdLst>
-    <p:notesMasterId r:id="rId14"/>
+    <p:notesMasterId r:id="rId22"/>
   </p:notesMasterIdLst>
   <p:sldIdLst>
     <p:sldId id="256" r:id="rId2"/>
@@ -16,10 +16,18 @@
     <p:sldId id="274" r:id="rId7"/>
     <p:sldId id="273" r:id="rId8"/>
     <p:sldId id="275" r:id="rId9"/>
-    <p:sldId id="276" r:id="rId10"/>
-    <p:sldId id="266" r:id="rId11"/>
-    <p:sldId id="267" r:id="rId12"/>
-    <p:sldId id="268" r:id="rId13"/>
+    <p:sldId id="277" r:id="rId10"/>
+    <p:sldId id="278" r:id="rId11"/>
+    <p:sldId id="279" r:id="rId12"/>
+    <p:sldId id="280" r:id="rId13"/>
+    <p:sldId id="281" r:id="rId14"/>
+    <p:sldId id="282" r:id="rId15"/>
+    <p:sldId id="283" r:id="rId16"/>
+    <p:sldId id="284" r:id="rId17"/>
+    <p:sldId id="276" r:id="rId18"/>
+    <p:sldId id="266" r:id="rId19"/>
+    <p:sldId id="267" r:id="rId20"/>
+    <p:sldId id="268" r:id="rId21"/>
   </p:sldIdLst>
   <p:sldSz cx="12192000" cy="6858000"/>
   <p:notesSz cx="6858000" cy="9144000"/>
@@ -10927,7 +10935,7 @@
                 <a:latin typeface="Arial" panose="020B0604020202020204" pitchFamily="34" charset="0"/>
                 <a:cs typeface="Arial" panose="020B0604020202020204" pitchFamily="34" charset="0"/>
               </a:rPr>
-              <a:t>Implement Anomaly Detection Sample</a:t>
+              <a:t>Project Title: Implement Anomaly Detection Sample</a:t>
             </a:r>
           </a:p>
         </p:txBody>
@@ -11626,6 +11634,1685 @@
 <file path=ppt/slides/slide10.xml><?xml version="1.0" encoding="utf-8"?>
 <p:sld xmlns:a="http://schemas.openxmlformats.org/drawingml/2006/main" xmlns:r="http://schemas.openxmlformats.org/officeDocument/2006/relationships" xmlns:p="http://schemas.openxmlformats.org/presentationml/2006/main">
   <p:cSld>
+    <p:spTree>
+      <p:nvGrpSpPr>
+        <p:cNvPr id="1" name=""/>
+        <p:cNvGrpSpPr/>
+        <p:nvPr/>
+      </p:nvGrpSpPr>
+      <p:grpSpPr>
+        <a:xfrm>
+          <a:off x="0" y="0"/>
+          <a:ext cx="0" cy="0"/>
+          <a:chOff x="0" y="0"/>
+          <a:chExt cx="0" cy="0"/>
+        </a:xfrm>
+      </p:grpSpPr>
+      <p:sp>
+        <p:nvSpPr>
+          <p:cNvPr id="2" name="Title 1">
+            <a:extLst>
+              <a:ext uri="{FF2B5EF4-FFF2-40B4-BE49-F238E27FC236}">
+                <a16:creationId xmlns:a16="http://schemas.microsoft.com/office/drawing/2014/main" id="{0A9AAD05-9A8B-C30B-B4D9-99E3A92A99B5}"/>
+              </a:ext>
+            </a:extLst>
+          </p:cNvPr>
+          <p:cNvSpPr>
+            <a:spLocks noGrp="1"/>
+          </p:cNvSpPr>
+          <p:nvPr>
+            <p:ph type="title"/>
+          </p:nvPr>
+        </p:nvSpPr>
+        <p:spPr>
+          <a:xfrm>
+            <a:off x="674976" y="702156"/>
+            <a:ext cx="10935832" cy="630482"/>
+          </a:xfrm>
+        </p:spPr>
+        <p:txBody>
+          <a:bodyPr/>
+          <a:lstStyle/>
+          <a:p>
+            <a:r>
+              <a:rPr lang="en-US" dirty="0"/>
+              <a:t>Execution of Project (Cont.)</a:t>
+            </a:r>
+          </a:p>
+        </p:txBody>
+      </p:sp>
+      <p:sp>
+        <p:nvSpPr>
+          <p:cNvPr id="5" name="Slide Number Placeholder 4">
+            <a:extLst>
+              <a:ext uri="{FF2B5EF4-FFF2-40B4-BE49-F238E27FC236}">
+                <a16:creationId xmlns:a16="http://schemas.microsoft.com/office/drawing/2014/main" id="{57203070-D601-457B-9DF7-A4611183F29A}"/>
+              </a:ext>
+            </a:extLst>
+          </p:cNvPr>
+          <p:cNvSpPr>
+            <a:spLocks noGrp="1"/>
+          </p:cNvSpPr>
+          <p:nvPr>
+            <p:ph type="sldNum" sz="quarter" idx="12"/>
+          </p:nvPr>
+        </p:nvSpPr>
+        <p:spPr/>
+        <p:txBody>
+          <a:bodyPr/>
+          <a:lstStyle/>
+          <a:p>
+            <a:fld id="{3A98EE3D-8CD1-4C3F-BD1C-C98C9596463C}" type="slidenum">
+              <a:rPr lang="en-US" smtClean="0"/>
+              <a:t>10</a:t>
+            </a:fld>
+            <a:endParaRPr lang="en-US" dirty="0"/>
+          </a:p>
+        </p:txBody>
+      </p:sp>
+      <p:sp>
+        <p:nvSpPr>
+          <p:cNvPr id="10" name="TextBox 9">
+            <a:extLst>
+              <a:ext uri="{FF2B5EF4-FFF2-40B4-BE49-F238E27FC236}">
+                <a16:creationId xmlns:a16="http://schemas.microsoft.com/office/drawing/2014/main" id="{3710AD9B-9F24-E8D6-B646-8CCC5F54AE35}"/>
+              </a:ext>
+            </a:extLst>
+          </p:cNvPr>
+          <p:cNvSpPr txBox="1"/>
+          <p:nvPr/>
+        </p:nvSpPr>
+        <p:spPr>
+          <a:xfrm>
+            <a:off x="674976" y="1863969"/>
+            <a:ext cx="9883324" cy="1200329"/>
+          </a:xfrm>
+          <a:prstGeom prst="rect">
+            <a:avLst/>
+          </a:prstGeom>
+          <a:noFill/>
+        </p:spPr>
+        <p:txBody>
+          <a:bodyPr wrap="square">
+            <a:spAutoFit/>
+          </a:bodyPr>
+          <a:lstStyle/>
+          <a:p>
+            <a:r>
+              <a:rPr lang="en-US" b="0" i="0" dirty="0">
+                <a:solidFill>
+                  <a:srgbClr val="1F2328"/>
+                </a:solidFill>
+                <a:effectLst/>
+                <a:latin typeface="-apple-system"/>
+              </a:rPr>
+              <a:t>In the beginning, we have the Extract Sequences From Folder method of </a:t>
+            </a:r>
+            <a:r>
+              <a:rPr lang="en-US" b="0" i="0" u="sng" dirty="0" err="1">
+                <a:effectLst/>
+                <a:latin typeface="-apple-system"/>
+                <a:hlinkClick r:id="rId2"/>
+              </a:rPr>
+              <a:t>CsvSequenceFolder</a:t>
+            </a:r>
+            <a:r>
+              <a:rPr lang="en-US" b="0" i="0" dirty="0">
+                <a:solidFill>
+                  <a:srgbClr val="1F2328"/>
+                </a:solidFill>
+                <a:effectLst/>
+                <a:latin typeface="-apple-system"/>
+              </a:rPr>
+              <a:t> class to read all the files placed inside a folder.</a:t>
+            </a:r>
+          </a:p>
+          <a:p>
+            <a:endParaRPr lang="en-US" dirty="0">
+              <a:solidFill>
+                <a:srgbClr val="1F2328"/>
+              </a:solidFill>
+              <a:latin typeface="-apple-system"/>
+            </a:endParaRPr>
+          </a:p>
+          <a:p>
+            <a:endParaRPr lang="en-US" dirty="0"/>
+          </a:p>
+        </p:txBody>
+      </p:sp>
+      <p:pic>
+        <p:nvPicPr>
+          <p:cNvPr id="12" name="Picture 11">
+            <a:extLst>
+              <a:ext uri="{FF2B5EF4-FFF2-40B4-BE49-F238E27FC236}">
+                <a16:creationId xmlns:a16="http://schemas.microsoft.com/office/drawing/2014/main" id="{EA568224-3995-93C6-193C-431FC17FA572}"/>
+              </a:ext>
+            </a:extLst>
+          </p:cNvPr>
+          <p:cNvPicPr>
+            <a:picLocks noChangeAspect="1"/>
+          </p:cNvPicPr>
+          <p:nvPr/>
+        </p:nvPicPr>
+        <p:blipFill>
+          <a:blip r:embed="rId3"/>
+          <a:stretch>
+            <a:fillRect/>
+          </a:stretch>
+        </p:blipFill>
+        <p:spPr>
+          <a:xfrm>
+            <a:off x="1167345" y="2927874"/>
+            <a:ext cx="7097115" cy="2200582"/>
+          </a:xfrm>
+          <a:prstGeom prst="rect">
+            <a:avLst/>
+          </a:prstGeom>
+        </p:spPr>
+      </p:pic>
+    </p:spTree>
+    <p:extLst>
+      <p:ext uri="{BB962C8B-B14F-4D97-AF65-F5344CB8AC3E}">
+        <p14:creationId xmlns:p14="http://schemas.microsoft.com/office/powerpoint/2010/main" val="260451045"/>
+      </p:ext>
+    </p:extLst>
+  </p:cSld>
+  <p:clrMapOvr>
+    <a:masterClrMapping/>
+  </p:clrMapOvr>
+</p:sld>
+</file>
+
+<file path=ppt/slides/slide11.xml><?xml version="1.0" encoding="utf-8"?>
+<p:sld xmlns:a="http://schemas.openxmlformats.org/drawingml/2006/main" xmlns:r="http://schemas.openxmlformats.org/officeDocument/2006/relationships" xmlns:p="http://schemas.openxmlformats.org/presentationml/2006/main">
+  <p:cSld>
+    <p:spTree>
+      <p:nvGrpSpPr>
+        <p:cNvPr id="1" name=""/>
+        <p:cNvGrpSpPr/>
+        <p:nvPr/>
+      </p:nvGrpSpPr>
+      <p:grpSpPr>
+        <a:xfrm>
+          <a:off x="0" y="0"/>
+          <a:ext cx="0" cy="0"/>
+          <a:chOff x="0" y="0"/>
+          <a:chExt cx="0" cy="0"/>
+        </a:xfrm>
+      </p:grpSpPr>
+      <p:sp>
+        <p:nvSpPr>
+          <p:cNvPr id="2" name="Title 1">
+            <a:extLst>
+              <a:ext uri="{FF2B5EF4-FFF2-40B4-BE49-F238E27FC236}">
+                <a16:creationId xmlns:a16="http://schemas.microsoft.com/office/drawing/2014/main" id="{0A9AAD05-9A8B-C30B-B4D9-99E3A92A99B5}"/>
+              </a:ext>
+            </a:extLst>
+          </p:cNvPr>
+          <p:cNvSpPr>
+            <a:spLocks noGrp="1"/>
+          </p:cNvSpPr>
+          <p:nvPr>
+            <p:ph type="title"/>
+          </p:nvPr>
+        </p:nvSpPr>
+        <p:spPr>
+          <a:xfrm>
+            <a:off x="674976" y="702156"/>
+            <a:ext cx="10935832" cy="630482"/>
+          </a:xfrm>
+        </p:spPr>
+        <p:txBody>
+          <a:bodyPr/>
+          <a:lstStyle/>
+          <a:p>
+            <a:r>
+              <a:rPr lang="en-US" dirty="0"/>
+              <a:t>Execution of Project (Cont.)</a:t>
+            </a:r>
+          </a:p>
+        </p:txBody>
+      </p:sp>
+      <p:sp>
+        <p:nvSpPr>
+          <p:cNvPr id="5" name="Slide Number Placeholder 4">
+            <a:extLst>
+              <a:ext uri="{FF2B5EF4-FFF2-40B4-BE49-F238E27FC236}">
+                <a16:creationId xmlns:a16="http://schemas.microsoft.com/office/drawing/2014/main" id="{57203070-D601-457B-9DF7-A4611183F29A}"/>
+              </a:ext>
+            </a:extLst>
+          </p:cNvPr>
+          <p:cNvSpPr>
+            <a:spLocks noGrp="1"/>
+          </p:cNvSpPr>
+          <p:nvPr>
+            <p:ph type="sldNum" sz="quarter" idx="12"/>
+          </p:nvPr>
+        </p:nvSpPr>
+        <p:spPr/>
+        <p:txBody>
+          <a:bodyPr/>
+          <a:lstStyle/>
+          <a:p>
+            <a:fld id="{3A98EE3D-8CD1-4C3F-BD1C-C98C9596463C}" type="slidenum">
+              <a:rPr lang="en-US" smtClean="0"/>
+              <a:t>11</a:t>
+            </a:fld>
+            <a:endParaRPr lang="en-US" dirty="0"/>
+          </a:p>
+        </p:txBody>
+      </p:sp>
+      <p:sp>
+        <p:nvSpPr>
+          <p:cNvPr id="10" name="TextBox 9">
+            <a:extLst>
+              <a:ext uri="{FF2B5EF4-FFF2-40B4-BE49-F238E27FC236}">
+                <a16:creationId xmlns:a16="http://schemas.microsoft.com/office/drawing/2014/main" id="{3710AD9B-9F24-E8D6-B646-8CCC5F54AE35}"/>
+              </a:ext>
+            </a:extLst>
+          </p:cNvPr>
+          <p:cNvSpPr txBox="1"/>
+          <p:nvPr/>
+        </p:nvSpPr>
+        <p:spPr>
+          <a:xfrm>
+            <a:off x="674976" y="1863969"/>
+            <a:ext cx="9883324" cy="1200329"/>
+          </a:xfrm>
+          <a:prstGeom prst="rect">
+            <a:avLst/>
+          </a:prstGeom>
+          <a:noFill/>
+        </p:spPr>
+        <p:txBody>
+          <a:bodyPr wrap="square">
+            <a:spAutoFit/>
+          </a:bodyPr>
+          <a:lstStyle/>
+          <a:p>
+            <a:pPr algn="l"/>
+            <a:r>
+              <a:rPr lang="en-US" b="0" i="0" dirty="0">
+                <a:solidFill>
+                  <a:srgbClr val="1F2328"/>
+                </a:solidFill>
+                <a:effectLst/>
+                <a:latin typeface="-apple-system"/>
+              </a:rPr>
+              <a:t>After that, the method </a:t>
+            </a:r>
+            <a:r>
+              <a:rPr lang="en-US" b="0" i="0" dirty="0" err="1">
+                <a:solidFill>
+                  <a:srgbClr val="1F2328"/>
+                </a:solidFill>
+                <a:effectLst/>
+                <a:latin typeface="-apple-system"/>
+              </a:rPr>
+              <a:t>ConvertToHTMInput</a:t>
+            </a:r>
+            <a:r>
+              <a:rPr lang="en-US" b="0" i="0" dirty="0">
+                <a:solidFill>
+                  <a:srgbClr val="1F2328"/>
+                </a:solidFill>
+                <a:effectLst/>
+                <a:latin typeface="-apple-system"/>
+              </a:rPr>
+              <a:t> of </a:t>
+            </a:r>
+            <a:r>
+              <a:rPr lang="en-US" b="0" i="0" u="sng" dirty="0" err="1">
+                <a:solidFill>
+                  <a:srgbClr val="1F2328"/>
+                </a:solidFill>
+                <a:effectLst/>
+                <a:latin typeface="-apple-system"/>
+                <a:hlinkClick r:id="rId2"/>
+              </a:rPr>
+              <a:t>CSVToHTMInputConverter</a:t>
+            </a:r>
+            <a:r>
+              <a:rPr lang="en-US" b="0" i="0" dirty="0">
+                <a:solidFill>
+                  <a:srgbClr val="1F2328"/>
+                </a:solidFill>
+                <a:effectLst/>
+                <a:latin typeface="-apple-system"/>
+              </a:rPr>
+              <a:t> class is there which converts all the read sequences to a format suitable for HTM training.</a:t>
+            </a:r>
+          </a:p>
+          <a:p>
+            <a:endParaRPr lang="en-US" dirty="0">
+              <a:solidFill>
+                <a:srgbClr val="1F2328"/>
+              </a:solidFill>
+              <a:latin typeface="-apple-system"/>
+            </a:endParaRPr>
+          </a:p>
+          <a:p>
+            <a:endParaRPr lang="en-US" dirty="0"/>
+          </a:p>
+        </p:txBody>
+      </p:sp>
+      <p:pic>
+        <p:nvPicPr>
+          <p:cNvPr id="4" name="Picture 3">
+            <a:extLst>
+              <a:ext uri="{FF2B5EF4-FFF2-40B4-BE49-F238E27FC236}">
+                <a16:creationId xmlns:a16="http://schemas.microsoft.com/office/drawing/2014/main" id="{82A53E7F-D8AA-A16A-A5DE-F74F286522C3}"/>
+              </a:ext>
+            </a:extLst>
+          </p:cNvPr>
+          <p:cNvPicPr>
+            <a:picLocks noChangeAspect="1"/>
+          </p:cNvPicPr>
+          <p:nvPr/>
+        </p:nvPicPr>
+        <p:blipFill>
+          <a:blip r:embed="rId3"/>
+          <a:stretch>
+            <a:fillRect/>
+          </a:stretch>
+        </p:blipFill>
+        <p:spPr>
+          <a:xfrm>
+            <a:off x="674976" y="2925643"/>
+            <a:ext cx="7344800" cy="1905266"/>
+          </a:xfrm>
+          <a:prstGeom prst="rect">
+            <a:avLst/>
+          </a:prstGeom>
+        </p:spPr>
+      </p:pic>
+    </p:spTree>
+    <p:extLst>
+      <p:ext uri="{BB962C8B-B14F-4D97-AF65-F5344CB8AC3E}">
+        <p14:creationId xmlns:p14="http://schemas.microsoft.com/office/powerpoint/2010/main" val="2009533949"/>
+      </p:ext>
+    </p:extLst>
+  </p:cSld>
+  <p:clrMapOvr>
+    <a:masterClrMapping/>
+  </p:clrMapOvr>
+</p:sld>
+</file>
+
+<file path=ppt/slides/slide12.xml><?xml version="1.0" encoding="utf-8"?>
+<p:sld xmlns:a="http://schemas.openxmlformats.org/drawingml/2006/main" xmlns:r="http://schemas.openxmlformats.org/officeDocument/2006/relationships" xmlns:p="http://schemas.openxmlformats.org/presentationml/2006/main">
+  <p:cSld>
+    <p:spTree>
+      <p:nvGrpSpPr>
+        <p:cNvPr id="1" name=""/>
+        <p:cNvGrpSpPr/>
+        <p:nvPr/>
+      </p:nvGrpSpPr>
+      <p:grpSpPr>
+        <a:xfrm>
+          <a:off x="0" y="0"/>
+          <a:ext cx="0" cy="0"/>
+          <a:chOff x="0" y="0"/>
+          <a:chExt cx="0" cy="0"/>
+        </a:xfrm>
+      </p:grpSpPr>
+      <p:sp>
+        <p:nvSpPr>
+          <p:cNvPr id="2" name="Title 1">
+            <a:extLst>
+              <a:ext uri="{FF2B5EF4-FFF2-40B4-BE49-F238E27FC236}">
+                <a16:creationId xmlns:a16="http://schemas.microsoft.com/office/drawing/2014/main" id="{0A9AAD05-9A8B-C30B-B4D9-99E3A92A99B5}"/>
+              </a:ext>
+            </a:extLst>
+          </p:cNvPr>
+          <p:cNvSpPr>
+            <a:spLocks noGrp="1"/>
+          </p:cNvSpPr>
+          <p:nvPr>
+            <p:ph type="title"/>
+          </p:nvPr>
+        </p:nvSpPr>
+        <p:spPr>
+          <a:xfrm>
+            <a:off x="674976" y="702156"/>
+            <a:ext cx="10935832" cy="630482"/>
+          </a:xfrm>
+        </p:spPr>
+        <p:txBody>
+          <a:bodyPr/>
+          <a:lstStyle/>
+          <a:p>
+            <a:r>
+              <a:rPr lang="en-US" dirty="0"/>
+              <a:t>Execution of Project (Cont.)</a:t>
+            </a:r>
+          </a:p>
+        </p:txBody>
+      </p:sp>
+      <p:sp>
+        <p:nvSpPr>
+          <p:cNvPr id="5" name="Slide Number Placeholder 4">
+            <a:extLst>
+              <a:ext uri="{FF2B5EF4-FFF2-40B4-BE49-F238E27FC236}">
+                <a16:creationId xmlns:a16="http://schemas.microsoft.com/office/drawing/2014/main" id="{57203070-D601-457B-9DF7-A4611183F29A}"/>
+              </a:ext>
+            </a:extLst>
+          </p:cNvPr>
+          <p:cNvSpPr>
+            <a:spLocks noGrp="1"/>
+          </p:cNvSpPr>
+          <p:nvPr>
+            <p:ph type="sldNum" sz="quarter" idx="12"/>
+          </p:nvPr>
+        </p:nvSpPr>
+        <p:spPr/>
+        <p:txBody>
+          <a:bodyPr/>
+          <a:lstStyle/>
+          <a:p>
+            <a:fld id="{3A98EE3D-8CD1-4C3F-BD1C-C98C9596463C}" type="slidenum">
+              <a:rPr lang="en-US" smtClean="0"/>
+              <a:t>12</a:t>
+            </a:fld>
+            <a:endParaRPr lang="en-US" dirty="0"/>
+          </a:p>
+        </p:txBody>
+      </p:sp>
+      <p:sp>
+        <p:nvSpPr>
+          <p:cNvPr id="10" name="TextBox 9">
+            <a:extLst>
+              <a:ext uri="{FF2B5EF4-FFF2-40B4-BE49-F238E27FC236}">
+                <a16:creationId xmlns:a16="http://schemas.microsoft.com/office/drawing/2014/main" id="{3710AD9B-9F24-E8D6-B646-8CCC5F54AE35}"/>
+              </a:ext>
+            </a:extLst>
+          </p:cNvPr>
+          <p:cNvSpPr txBox="1"/>
+          <p:nvPr/>
+        </p:nvSpPr>
+        <p:spPr>
+          <a:xfrm>
+            <a:off x="792206" y="1875692"/>
+            <a:ext cx="9883324" cy="923330"/>
+          </a:xfrm>
+          <a:prstGeom prst="rect">
+            <a:avLst/>
+          </a:prstGeom>
+          <a:noFill/>
+        </p:spPr>
+        <p:txBody>
+          <a:bodyPr wrap="square">
+            <a:spAutoFit/>
+          </a:bodyPr>
+          <a:lstStyle/>
+          <a:p>
+            <a:pPr algn="l"/>
+            <a:r>
+              <a:rPr lang="en-US" b="0" i="0" dirty="0">
+                <a:solidFill>
+                  <a:srgbClr val="1F2328"/>
+                </a:solidFill>
+                <a:effectLst/>
+                <a:latin typeface="-apple-system"/>
+              </a:rPr>
+              <a:t>After that, we have </a:t>
+            </a:r>
+            <a:r>
+              <a:rPr lang="en-US" b="0" i="0" dirty="0" err="1">
+                <a:solidFill>
+                  <a:srgbClr val="1F2328"/>
+                </a:solidFill>
+                <a:effectLst/>
+                <a:latin typeface="-apple-system"/>
+              </a:rPr>
+              <a:t>ExecuteHTMModelTraining</a:t>
+            </a:r>
+            <a:r>
+              <a:rPr lang="en-US" b="0" i="0" dirty="0">
+                <a:solidFill>
+                  <a:srgbClr val="1F2328"/>
+                </a:solidFill>
+                <a:effectLst/>
+                <a:latin typeface="-apple-system"/>
+              </a:rPr>
+              <a:t> method of </a:t>
+            </a:r>
+            <a:r>
+              <a:rPr lang="en-US" b="0" i="0" u="sng" dirty="0" err="1">
+                <a:effectLst/>
+                <a:latin typeface="-apple-system"/>
+                <a:hlinkClick r:id="rId2"/>
+              </a:rPr>
+              <a:t>HTMTrainingManager</a:t>
+            </a:r>
+            <a:r>
+              <a:rPr lang="en-US" b="0" i="0" dirty="0">
+                <a:solidFill>
+                  <a:srgbClr val="1F2328"/>
+                </a:solidFill>
+                <a:effectLst/>
+                <a:latin typeface="-apple-system"/>
+              </a:rPr>
+              <a:t> class to train our model using the converted sequences.</a:t>
+            </a:r>
+            <a:endParaRPr lang="en-US" dirty="0">
+              <a:solidFill>
+                <a:srgbClr val="1F2328"/>
+              </a:solidFill>
+              <a:latin typeface="-apple-system"/>
+            </a:endParaRPr>
+          </a:p>
+          <a:p>
+            <a:endParaRPr lang="en-US" dirty="0"/>
+          </a:p>
+        </p:txBody>
+      </p:sp>
+      <p:pic>
+        <p:nvPicPr>
+          <p:cNvPr id="6" name="Picture 5">
+            <a:extLst>
+              <a:ext uri="{FF2B5EF4-FFF2-40B4-BE49-F238E27FC236}">
+                <a16:creationId xmlns:a16="http://schemas.microsoft.com/office/drawing/2014/main" id="{8B66DA3A-FA51-4603-248A-989A1F71B8D5}"/>
+              </a:ext>
+            </a:extLst>
+          </p:cNvPr>
+          <p:cNvPicPr>
+            <a:picLocks noChangeAspect="1"/>
+          </p:cNvPicPr>
+          <p:nvPr/>
+        </p:nvPicPr>
+        <p:blipFill>
+          <a:blip r:embed="rId3"/>
+          <a:stretch>
+            <a:fillRect/>
+          </a:stretch>
+        </p:blipFill>
+        <p:spPr>
+          <a:xfrm>
+            <a:off x="792206" y="2819675"/>
+            <a:ext cx="7192379" cy="1986787"/>
+          </a:xfrm>
+          <a:prstGeom prst="rect">
+            <a:avLst/>
+          </a:prstGeom>
+        </p:spPr>
+      </p:pic>
+    </p:spTree>
+    <p:extLst>
+      <p:ext uri="{BB962C8B-B14F-4D97-AF65-F5344CB8AC3E}">
+        <p14:creationId xmlns:p14="http://schemas.microsoft.com/office/powerpoint/2010/main" val="377889875"/>
+      </p:ext>
+    </p:extLst>
+  </p:cSld>
+  <p:clrMapOvr>
+    <a:masterClrMapping/>
+  </p:clrMapOvr>
+</p:sld>
+</file>
+
+<file path=ppt/slides/slide13.xml><?xml version="1.0" encoding="utf-8"?>
+<p:sld xmlns:a="http://schemas.openxmlformats.org/drawingml/2006/main" xmlns:r="http://schemas.openxmlformats.org/officeDocument/2006/relationships" xmlns:p="http://schemas.openxmlformats.org/presentationml/2006/main">
+  <p:cSld>
+    <p:spTree>
+      <p:nvGrpSpPr>
+        <p:cNvPr id="1" name=""/>
+        <p:cNvGrpSpPr/>
+        <p:nvPr/>
+      </p:nvGrpSpPr>
+      <p:grpSpPr>
+        <a:xfrm>
+          <a:off x="0" y="0"/>
+          <a:ext cx="0" cy="0"/>
+          <a:chOff x="0" y="0"/>
+          <a:chExt cx="0" cy="0"/>
+        </a:xfrm>
+      </p:grpSpPr>
+      <p:sp>
+        <p:nvSpPr>
+          <p:cNvPr id="2" name="Title 1">
+            <a:extLst>
+              <a:ext uri="{FF2B5EF4-FFF2-40B4-BE49-F238E27FC236}">
+                <a16:creationId xmlns:a16="http://schemas.microsoft.com/office/drawing/2014/main" id="{0A9AAD05-9A8B-C30B-B4D9-99E3A92A99B5}"/>
+              </a:ext>
+            </a:extLst>
+          </p:cNvPr>
+          <p:cNvSpPr>
+            <a:spLocks noGrp="1"/>
+          </p:cNvSpPr>
+          <p:nvPr>
+            <p:ph type="title"/>
+          </p:nvPr>
+        </p:nvSpPr>
+        <p:spPr>
+          <a:xfrm>
+            <a:off x="674976" y="702156"/>
+            <a:ext cx="10935832" cy="630482"/>
+          </a:xfrm>
+        </p:spPr>
+        <p:txBody>
+          <a:bodyPr/>
+          <a:lstStyle/>
+          <a:p>
+            <a:r>
+              <a:rPr lang="en-US" dirty="0"/>
+              <a:t>Execution of Project (Cont.)</a:t>
+            </a:r>
+          </a:p>
+        </p:txBody>
+      </p:sp>
+      <p:sp>
+        <p:nvSpPr>
+          <p:cNvPr id="5" name="Slide Number Placeholder 4">
+            <a:extLst>
+              <a:ext uri="{FF2B5EF4-FFF2-40B4-BE49-F238E27FC236}">
+                <a16:creationId xmlns:a16="http://schemas.microsoft.com/office/drawing/2014/main" id="{57203070-D601-457B-9DF7-A4611183F29A}"/>
+              </a:ext>
+            </a:extLst>
+          </p:cNvPr>
+          <p:cNvSpPr>
+            <a:spLocks noGrp="1"/>
+          </p:cNvSpPr>
+          <p:nvPr>
+            <p:ph type="sldNum" sz="quarter" idx="12"/>
+          </p:nvPr>
+        </p:nvSpPr>
+        <p:spPr/>
+        <p:txBody>
+          <a:bodyPr/>
+          <a:lstStyle/>
+          <a:p>
+            <a:fld id="{3A98EE3D-8CD1-4C3F-BD1C-C98C9596463C}" type="slidenum">
+              <a:rPr lang="en-US" smtClean="0"/>
+              <a:t>13</a:t>
+            </a:fld>
+            <a:endParaRPr lang="en-US" dirty="0"/>
+          </a:p>
+        </p:txBody>
+      </p:sp>
+      <p:sp>
+        <p:nvSpPr>
+          <p:cNvPr id="10" name="TextBox 9">
+            <a:extLst>
+              <a:ext uri="{FF2B5EF4-FFF2-40B4-BE49-F238E27FC236}">
+                <a16:creationId xmlns:a16="http://schemas.microsoft.com/office/drawing/2014/main" id="{3710AD9B-9F24-E8D6-B646-8CCC5F54AE35}"/>
+              </a:ext>
+            </a:extLst>
+          </p:cNvPr>
+          <p:cNvSpPr txBox="1"/>
+          <p:nvPr/>
+        </p:nvSpPr>
+        <p:spPr>
+          <a:xfrm>
+            <a:off x="792206" y="1475992"/>
+            <a:ext cx="9883324" cy="1200329"/>
+          </a:xfrm>
+          <a:prstGeom prst="rect">
+            <a:avLst/>
+          </a:prstGeom>
+          <a:noFill/>
+        </p:spPr>
+        <p:txBody>
+          <a:bodyPr wrap="square">
+            <a:spAutoFit/>
+          </a:bodyPr>
+          <a:lstStyle/>
+          <a:p>
+            <a:pPr algn="l"/>
+            <a:r>
+              <a:rPr lang="en-US" b="0" i="0" dirty="0">
+                <a:solidFill>
+                  <a:srgbClr val="1F2328"/>
+                </a:solidFill>
+                <a:effectLst/>
+                <a:latin typeface="-apple-system"/>
+              </a:rPr>
+              <a:t>In the end, we use </a:t>
+            </a:r>
+            <a:r>
+              <a:rPr lang="en-US" b="0" i="0" u="sng" dirty="0" err="1">
+                <a:effectLst/>
+                <a:latin typeface="-apple-system"/>
+                <a:hlinkClick r:id="rId2"/>
+              </a:rPr>
+              <a:t>HTMAnomalyExperiment</a:t>
+            </a:r>
+            <a:r>
+              <a:rPr lang="en-US" b="0" i="0" dirty="0" err="1">
+                <a:solidFill>
+                  <a:srgbClr val="1F2328"/>
+                </a:solidFill>
+                <a:effectLst/>
+                <a:latin typeface="-apple-system"/>
+              </a:rPr>
+              <a:t>to</a:t>
+            </a:r>
+            <a:r>
+              <a:rPr lang="en-US" b="0" i="0" dirty="0">
+                <a:solidFill>
+                  <a:srgbClr val="1F2328"/>
+                </a:solidFill>
+                <a:effectLst/>
+                <a:latin typeface="-apple-system"/>
+              </a:rPr>
+              <a:t> detected anomalies in sequences read from files inside predicting folder. All the classes explained earlier- CSV files reading (</a:t>
+            </a:r>
+            <a:r>
+              <a:rPr lang="en-US" b="0" i="0" dirty="0" err="1">
+                <a:solidFill>
+                  <a:srgbClr val="1F2328"/>
+                </a:solidFill>
+                <a:effectLst/>
+                <a:latin typeface="-apple-system"/>
+              </a:rPr>
+              <a:t>CSVFileReader</a:t>
+            </a:r>
+            <a:r>
+              <a:rPr lang="en-US" b="0" i="0" dirty="0">
+                <a:solidFill>
+                  <a:srgbClr val="1F2328"/>
+                </a:solidFill>
+                <a:effectLst/>
+                <a:latin typeface="-apple-system"/>
+              </a:rPr>
+              <a:t>), combining and converting them for HTM training (</a:t>
+            </a:r>
+            <a:r>
+              <a:rPr lang="en-US" b="0" i="0" dirty="0" err="1">
+                <a:solidFill>
+                  <a:srgbClr val="1F2328"/>
+                </a:solidFill>
+                <a:effectLst/>
+                <a:latin typeface="-apple-system"/>
+              </a:rPr>
+              <a:t>CSVToHTMInput</a:t>
+            </a:r>
+            <a:r>
+              <a:rPr lang="en-US" b="0" i="0" dirty="0">
+                <a:solidFill>
+                  <a:srgbClr val="1F2328"/>
+                </a:solidFill>
+                <a:effectLst/>
+                <a:latin typeface="-apple-system"/>
+              </a:rPr>
+              <a:t>) and training the HTM engine (using </a:t>
+            </a:r>
+            <a:r>
+              <a:rPr lang="en-US" b="0" i="0" dirty="0" err="1">
+                <a:solidFill>
+                  <a:srgbClr val="1F2328"/>
+                </a:solidFill>
+                <a:effectLst/>
+                <a:latin typeface="-apple-system"/>
+              </a:rPr>
+              <a:t>HTMModelTraining</a:t>
+            </a:r>
+            <a:r>
+              <a:rPr lang="en-US" b="0" i="0" dirty="0">
+                <a:solidFill>
+                  <a:srgbClr val="1F2328"/>
+                </a:solidFill>
+                <a:effectLst/>
+                <a:latin typeface="-apple-system"/>
+              </a:rPr>
+              <a:t>) will be used here.</a:t>
+            </a:r>
+            <a:endParaRPr lang="en-US" dirty="0"/>
+          </a:p>
+        </p:txBody>
+      </p:sp>
+      <p:pic>
+        <p:nvPicPr>
+          <p:cNvPr id="4" name="Picture 3">
+            <a:extLst>
+              <a:ext uri="{FF2B5EF4-FFF2-40B4-BE49-F238E27FC236}">
+                <a16:creationId xmlns:a16="http://schemas.microsoft.com/office/drawing/2014/main" id="{91680CEF-8B3A-376C-E62A-05CAD6B89E2E}"/>
+              </a:ext>
+            </a:extLst>
+          </p:cNvPr>
+          <p:cNvPicPr>
+            <a:picLocks noChangeAspect="1"/>
+          </p:cNvPicPr>
+          <p:nvPr/>
+        </p:nvPicPr>
+        <p:blipFill>
+          <a:blip r:embed="rId3"/>
+          <a:stretch>
+            <a:fillRect/>
+          </a:stretch>
+        </p:blipFill>
+        <p:spPr>
+          <a:xfrm>
+            <a:off x="792206" y="2819675"/>
+            <a:ext cx="7582958" cy="1560128"/>
+          </a:xfrm>
+          <a:prstGeom prst="rect">
+            <a:avLst/>
+          </a:prstGeom>
+        </p:spPr>
+      </p:pic>
+      <p:sp>
+        <p:nvSpPr>
+          <p:cNvPr id="8" name="TextBox 7">
+            <a:extLst>
+              <a:ext uri="{FF2B5EF4-FFF2-40B4-BE49-F238E27FC236}">
+                <a16:creationId xmlns:a16="http://schemas.microsoft.com/office/drawing/2014/main" id="{4CC68AEC-DBA2-17BD-6292-D5299F0D2FC3}"/>
+              </a:ext>
+            </a:extLst>
+          </p:cNvPr>
+          <p:cNvSpPr txBox="1"/>
+          <p:nvPr/>
+        </p:nvSpPr>
+        <p:spPr>
+          <a:xfrm>
+            <a:off x="792205" y="4379803"/>
+            <a:ext cx="10321271" cy="646331"/>
+          </a:xfrm>
+          <a:prstGeom prst="rect">
+            <a:avLst/>
+          </a:prstGeom>
+          <a:noFill/>
+        </p:spPr>
+        <p:txBody>
+          <a:bodyPr wrap="square">
+            <a:spAutoFit/>
+          </a:bodyPr>
+          <a:lstStyle/>
+          <a:p>
+            <a:r>
+              <a:rPr lang="en-US" b="0" i="0" dirty="0">
+                <a:solidFill>
+                  <a:srgbClr val="1F2328"/>
+                </a:solidFill>
+                <a:effectLst/>
+                <a:latin typeface="-apple-system"/>
+              </a:rPr>
+              <a:t>Path to training and predicting folder is set as default and passed on the constructor, or can be set inside the class manually.</a:t>
+            </a:r>
+            <a:endParaRPr lang="en-US" dirty="0"/>
+          </a:p>
+        </p:txBody>
+      </p:sp>
+      <p:pic>
+        <p:nvPicPr>
+          <p:cNvPr id="11" name="Picture 10">
+            <a:extLst>
+              <a:ext uri="{FF2B5EF4-FFF2-40B4-BE49-F238E27FC236}">
+                <a16:creationId xmlns:a16="http://schemas.microsoft.com/office/drawing/2014/main" id="{A0CA7150-C037-D918-7607-A7EC6051B81E}"/>
+              </a:ext>
+            </a:extLst>
+          </p:cNvPr>
+          <p:cNvPicPr>
+            <a:picLocks noChangeAspect="1"/>
+          </p:cNvPicPr>
+          <p:nvPr/>
+        </p:nvPicPr>
+        <p:blipFill>
+          <a:blip r:embed="rId4"/>
+          <a:stretch>
+            <a:fillRect/>
+          </a:stretch>
+        </p:blipFill>
+        <p:spPr>
+          <a:xfrm>
+            <a:off x="792205" y="5272523"/>
+            <a:ext cx="7059010" cy="905001"/>
+          </a:xfrm>
+          <a:prstGeom prst="rect">
+            <a:avLst/>
+          </a:prstGeom>
+        </p:spPr>
+      </p:pic>
+    </p:spTree>
+    <p:extLst>
+      <p:ext uri="{BB962C8B-B14F-4D97-AF65-F5344CB8AC3E}">
+        <p14:creationId xmlns:p14="http://schemas.microsoft.com/office/powerpoint/2010/main" val="430166257"/>
+      </p:ext>
+    </p:extLst>
+  </p:cSld>
+  <p:clrMapOvr>
+    <a:masterClrMapping/>
+  </p:clrMapOvr>
+</p:sld>
+</file>
+
+<file path=ppt/slides/slide14.xml><?xml version="1.0" encoding="utf-8"?>
+<p:sld xmlns:a="http://schemas.openxmlformats.org/drawingml/2006/main" xmlns:r="http://schemas.openxmlformats.org/officeDocument/2006/relationships" xmlns:p="http://schemas.openxmlformats.org/presentationml/2006/main">
+  <p:cSld>
+    <p:spTree>
+      <p:nvGrpSpPr>
+        <p:cNvPr id="1" name=""/>
+        <p:cNvGrpSpPr/>
+        <p:nvPr/>
+      </p:nvGrpSpPr>
+      <p:grpSpPr>
+        <a:xfrm>
+          <a:off x="0" y="0"/>
+          <a:ext cx="0" cy="0"/>
+          <a:chOff x="0" y="0"/>
+          <a:chExt cx="0" cy="0"/>
+        </a:xfrm>
+      </p:grpSpPr>
+      <p:sp>
+        <p:nvSpPr>
+          <p:cNvPr id="2" name="Title 1">
+            <a:extLst>
+              <a:ext uri="{FF2B5EF4-FFF2-40B4-BE49-F238E27FC236}">
+                <a16:creationId xmlns:a16="http://schemas.microsoft.com/office/drawing/2014/main" id="{0A9AAD05-9A8B-C30B-B4D9-99E3A92A99B5}"/>
+              </a:ext>
+            </a:extLst>
+          </p:cNvPr>
+          <p:cNvSpPr>
+            <a:spLocks noGrp="1"/>
+          </p:cNvSpPr>
+          <p:nvPr>
+            <p:ph type="title"/>
+          </p:nvPr>
+        </p:nvSpPr>
+        <p:spPr>
+          <a:xfrm>
+            <a:off x="674976" y="702156"/>
+            <a:ext cx="10935832" cy="630482"/>
+          </a:xfrm>
+        </p:spPr>
+        <p:txBody>
+          <a:bodyPr/>
+          <a:lstStyle/>
+          <a:p>
+            <a:r>
+              <a:rPr lang="en-US" dirty="0"/>
+              <a:t>Execution of Project (Cont.)</a:t>
+            </a:r>
+          </a:p>
+        </p:txBody>
+      </p:sp>
+      <p:sp>
+        <p:nvSpPr>
+          <p:cNvPr id="5" name="Slide Number Placeholder 4">
+            <a:extLst>
+              <a:ext uri="{FF2B5EF4-FFF2-40B4-BE49-F238E27FC236}">
+                <a16:creationId xmlns:a16="http://schemas.microsoft.com/office/drawing/2014/main" id="{57203070-D601-457B-9DF7-A4611183F29A}"/>
+              </a:ext>
+            </a:extLst>
+          </p:cNvPr>
+          <p:cNvSpPr>
+            <a:spLocks noGrp="1"/>
+          </p:cNvSpPr>
+          <p:nvPr>
+            <p:ph type="sldNum" sz="quarter" idx="12"/>
+          </p:nvPr>
+        </p:nvSpPr>
+        <p:spPr/>
+        <p:txBody>
+          <a:bodyPr/>
+          <a:lstStyle/>
+          <a:p>
+            <a:fld id="{3A98EE3D-8CD1-4C3F-BD1C-C98C9596463C}" type="slidenum">
+              <a:rPr lang="en-US" smtClean="0"/>
+              <a:t>14</a:t>
+            </a:fld>
+            <a:endParaRPr lang="en-US" dirty="0"/>
+          </a:p>
+        </p:txBody>
+      </p:sp>
+      <p:sp>
+        <p:nvSpPr>
+          <p:cNvPr id="10" name="TextBox 9">
+            <a:extLst>
+              <a:ext uri="{FF2B5EF4-FFF2-40B4-BE49-F238E27FC236}">
+                <a16:creationId xmlns:a16="http://schemas.microsoft.com/office/drawing/2014/main" id="{3710AD9B-9F24-E8D6-B646-8CCC5F54AE35}"/>
+              </a:ext>
+            </a:extLst>
+          </p:cNvPr>
+          <p:cNvSpPr txBox="1"/>
+          <p:nvPr/>
+        </p:nvSpPr>
+        <p:spPr>
+          <a:xfrm>
+            <a:off x="792206" y="1475992"/>
+            <a:ext cx="9883324" cy="646331"/>
+          </a:xfrm>
+          <a:prstGeom prst="rect">
+            <a:avLst/>
+          </a:prstGeom>
+          <a:noFill/>
+        </p:spPr>
+        <p:txBody>
+          <a:bodyPr wrap="square">
+            <a:spAutoFit/>
+          </a:bodyPr>
+          <a:lstStyle/>
+          <a:p>
+            <a:pPr algn="l"/>
+            <a:r>
+              <a:rPr lang="en-US" b="0" i="0" dirty="0">
+                <a:solidFill>
+                  <a:srgbClr val="1F2328"/>
+                </a:solidFill>
+                <a:effectLst/>
+                <a:latin typeface="-apple-system"/>
+              </a:rPr>
+              <a:t>In the end, </a:t>
+            </a:r>
+            <a:r>
+              <a:rPr lang="en-US" b="0" i="0" dirty="0" err="1">
+                <a:solidFill>
+                  <a:srgbClr val="1F2328"/>
+                </a:solidFill>
+                <a:effectLst/>
+                <a:latin typeface="-apple-system"/>
+              </a:rPr>
+              <a:t>DetectAnomaly</a:t>
+            </a:r>
+            <a:r>
+              <a:rPr lang="en-US" b="0" i="0" dirty="0">
+                <a:solidFill>
+                  <a:srgbClr val="1F2328"/>
+                </a:solidFill>
+                <a:effectLst/>
+                <a:latin typeface="-apple-system"/>
+              </a:rPr>
+              <a:t> method is used to detect anomalies in our trimmed sequences one by one, using our trained HTM Model predictor.</a:t>
+            </a:r>
+            <a:endParaRPr lang="en-US" dirty="0"/>
+          </a:p>
+        </p:txBody>
+      </p:sp>
+      <p:pic>
+        <p:nvPicPr>
+          <p:cNvPr id="6" name="Picture 5">
+            <a:extLst>
+              <a:ext uri="{FF2B5EF4-FFF2-40B4-BE49-F238E27FC236}">
+                <a16:creationId xmlns:a16="http://schemas.microsoft.com/office/drawing/2014/main" id="{9B840754-171B-8DC0-393E-9B661E85DCE5}"/>
+              </a:ext>
+            </a:extLst>
+          </p:cNvPr>
+          <p:cNvPicPr>
+            <a:picLocks noChangeAspect="1"/>
+          </p:cNvPicPr>
+          <p:nvPr/>
+        </p:nvPicPr>
+        <p:blipFill>
+          <a:blip r:embed="rId2"/>
+          <a:stretch>
+            <a:fillRect/>
+          </a:stretch>
+        </p:blipFill>
+        <p:spPr>
+          <a:xfrm>
+            <a:off x="792206" y="2449326"/>
+            <a:ext cx="6744641" cy="1428949"/>
+          </a:xfrm>
+          <a:prstGeom prst="rect">
+            <a:avLst/>
+          </a:prstGeom>
+        </p:spPr>
+      </p:pic>
+      <p:sp>
+        <p:nvSpPr>
+          <p:cNvPr id="8" name="TextBox 7">
+            <a:extLst>
+              <a:ext uri="{FF2B5EF4-FFF2-40B4-BE49-F238E27FC236}">
+                <a16:creationId xmlns:a16="http://schemas.microsoft.com/office/drawing/2014/main" id="{28EB8013-A253-B676-582F-3F3F37CBA901}"/>
+              </a:ext>
+            </a:extLst>
+          </p:cNvPr>
+          <p:cNvSpPr txBox="1"/>
+          <p:nvPr/>
+        </p:nvSpPr>
+        <p:spPr>
+          <a:xfrm>
+            <a:off x="674976" y="3878275"/>
+            <a:ext cx="10724818" cy="923330"/>
+          </a:xfrm>
+          <a:prstGeom prst="rect">
+            <a:avLst/>
+          </a:prstGeom>
+          <a:noFill/>
+        </p:spPr>
+        <p:txBody>
+          <a:bodyPr wrap="square">
+            <a:spAutoFit/>
+          </a:bodyPr>
+          <a:lstStyle/>
+          <a:p>
+            <a:r>
+              <a:rPr lang="en-US" b="0" i="0" u="sng" dirty="0" err="1">
+                <a:effectLst/>
+                <a:latin typeface="-apple-system"/>
+                <a:hlinkClick r:id="rId3"/>
+              </a:rPr>
+              <a:t>DetectAnomaly</a:t>
+            </a:r>
+            <a:r>
+              <a:rPr lang="en-US" b="0" i="0" dirty="0">
+                <a:solidFill>
+                  <a:srgbClr val="1F2328"/>
+                </a:solidFill>
+                <a:effectLst/>
+                <a:latin typeface="-apple-system"/>
+              </a:rPr>
+              <a:t> is the main method from </a:t>
+            </a:r>
+            <a:r>
+              <a:rPr lang="en-US" b="0" i="0" dirty="0" err="1">
+                <a:solidFill>
+                  <a:srgbClr val="1F2328"/>
+                </a:solidFill>
+                <a:effectLst/>
+                <a:latin typeface="-apple-system"/>
+              </a:rPr>
+              <a:t>ExtractSequencesFromFolder</a:t>
+            </a:r>
+            <a:r>
+              <a:rPr lang="en-US" b="0" i="0" dirty="0">
+                <a:solidFill>
+                  <a:srgbClr val="1F2328"/>
+                </a:solidFill>
+                <a:effectLst/>
+                <a:latin typeface="-apple-system"/>
+              </a:rPr>
+              <a:t> class which detects anomalies in our data. It traverses each value of a list one by one in a sliding window manner, and uses trained model predictor to predict the next element for comparison. </a:t>
+            </a:r>
+            <a:endParaRPr lang="en-US" dirty="0"/>
+          </a:p>
+        </p:txBody>
+      </p:sp>
+      <p:pic>
+        <p:nvPicPr>
+          <p:cNvPr id="11" name="Picture 10">
+            <a:extLst>
+              <a:ext uri="{FF2B5EF4-FFF2-40B4-BE49-F238E27FC236}">
+                <a16:creationId xmlns:a16="http://schemas.microsoft.com/office/drawing/2014/main" id="{63296744-9891-84A8-5F05-D4E359E00147}"/>
+              </a:ext>
+            </a:extLst>
+          </p:cNvPr>
+          <p:cNvPicPr>
+            <a:picLocks noChangeAspect="1"/>
+          </p:cNvPicPr>
+          <p:nvPr/>
+        </p:nvPicPr>
+        <p:blipFill>
+          <a:blip r:embed="rId4"/>
+          <a:stretch>
+            <a:fillRect/>
+          </a:stretch>
+        </p:blipFill>
+        <p:spPr>
+          <a:xfrm>
+            <a:off x="792206" y="5301362"/>
+            <a:ext cx="3905795" cy="457264"/>
+          </a:xfrm>
+          <a:prstGeom prst="rect">
+            <a:avLst/>
+          </a:prstGeom>
+        </p:spPr>
+      </p:pic>
+    </p:spTree>
+    <p:extLst>
+      <p:ext uri="{BB962C8B-B14F-4D97-AF65-F5344CB8AC3E}">
+        <p14:creationId xmlns:p14="http://schemas.microsoft.com/office/powerpoint/2010/main" val="2526094258"/>
+      </p:ext>
+    </p:extLst>
+  </p:cSld>
+  <p:clrMapOvr>
+    <a:masterClrMapping/>
+  </p:clrMapOvr>
+</p:sld>
+</file>
+
+<file path=ppt/slides/slide15.xml><?xml version="1.0" encoding="utf-8"?>
+<p:sld xmlns:a="http://schemas.openxmlformats.org/drawingml/2006/main" xmlns:r="http://schemas.openxmlformats.org/officeDocument/2006/relationships" xmlns:p="http://schemas.openxmlformats.org/presentationml/2006/main">
+  <p:cSld>
+    <p:spTree>
+      <p:nvGrpSpPr>
+        <p:cNvPr id="1" name=""/>
+        <p:cNvGrpSpPr/>
+        <p:nvPr/>
+      </p:nvGrpSpPr>
+      <p:grpSpPr>
+        <a:xfrm>
+          <a:off x="0" y="0"/>
+          <a:ext cx="0" cy="0"/>
+          <a:chOff x="0" y="0"/>
+          <a:chExt cx="0" cy="0"/>
+        </a:xfrm>
+      </p:grpSpPr>
+      <p:sp>
+        <p:nvSpPr>
+          <p:cNvPr id="2" name="Title 1">
+            <a:extLst>
+              <a:ext uri="{FF2B5EF4-FFF2-40B4-BE49-F238E27FC236}">
+                <a16:creationId xmlns:a16="http://schemas.microsoft.com/office/drawing/2014/main" id="{0A9AAD05-9A8B-C30B-B4D9-99E3A92A99B5}"/>
+              </a:ext>
+            </a:extLst>
+          </p:cNvPr>
+          <p:cNvSpPr>
+            <a:spLocks noGrp="1"/>
+          </p:cNvSpPr>
+          <p:nvPr>
+            <p:ph type="title"/>
+          </p:nvPr>
+        </p:nvSpPr>
+        <p:spPr>
+          <a:xfrm>
+            <a:off x="674976" y="702156"/>
+            <a:ext cx="10935832" cy="630482"/>
+          </a:xfrm>
+        </p:spPr>
+        <p:txBody>
+          <a:bodyPr/>
+          <a:lstStyle/>
+          <a:p>
+            <a:r>
+              <a:rPr lang="en-US" dirty="0"/>
+              <a:t>Execution of Project (Cont.)</a:t>
+            </a:r>
+          </a:p>
+        </p:txBody>
+      </p:sp>
+      <p:sp>
+        <p:nvSpPr>
+          <p:cNvPr id="5" name="Slide Number Placeholder 4">
+            <a:extLst>
+              <a:ext uri="{FF2B5EF4-FFF2-40B4-BE49-F238E27FC236}">
+                <a16:creationId xmlns:a16="http://schemas.microsoft.com/office/drawing/2014/main" id="{57203070-D601-457B-9DF7-A4611183F29A}"/>
+              </a:ext>
+            </a:extLst>
+          </p:cNvPr>
+          <p:cNvSpPr>
+            <a:spLocks noGrp="1"/>
+          </p:cNvSpPr>
+          <p:nvPr>
+            <p:ph type="sldNum" sz="quarter" idx="12"/>
+          </p:nvPr>
+        </p:nvSpPr>
+        <p:spPr/>
+        <p:txBody>
+          <a:bodyPr/>
+          <a:lstStyle/>
+          <a:p>
+            <a:fld id="{3A98EE3D-8CD1-4C3F-BD1C-C98C9596463C}" type="slidenum">
+              <a:rPr lang="en-US" smtClean="0"/>
+              <a:t>15</a:t>
+            </a:fld>
+            <a:endParaRPr lang="en-US" dirty="0"/>
+          </a:p>
+        </p:txBody>
+      </p:sp>
+      <p:sp>
+        <p:nvSpPr>
+          <p:cNvPr id="10" name="TextBox 9">
+            <a:extLst>
+              <a:ext uri="{FF2B5EF4-FFF2-40B4-BE49-F238E27FC236}">
+                <a16:creationId xmlns:a16="http://schemas.microsoft.com/office/drawing/2014/main" id="{3710AD9B-9F24-E8D6-B646-8CCC5F54AE35}"/>
+              </a:ext>
+            </a:extLst>
+          </p:cNvPr>
+          <p:cNvSpPr txBox="1"/>
+          <p:nvPr/>
+        </p:nvSpPr>
+        <p:spPr>
+          <a:xfrm>
+            <a:off x="792206" y="1475992"/>
+            <a:ext cx="9883324" cy="646331"/>
+          </a:xfrm>
+          <a:prstGeom prst="rect">
+            <a:avLst/>
+          </a:prstGeom>
+          <a:noFill/>
+        </p:spPr>
+        <p:txBody>
+          <a:bodyPr wrap="square">
+            <a:spAutoFit/>
+          </a:bodyPr>
+          <a:lstStyle/>
+          <a:p>
+            <a:pPr algn="l"/>
+            <a:r>
+              <a:rPr lang="en-US" b="0" i="0" dirty="0">
+                <a:solidFill>
+                  <a:srgbClr val="1F2328"/>
+                </a:solidFill>
+                <a:effectLst/>
+                <a:latin typeface="-apple-system"/>
+              </a:rPr>
+              <a:t>Here, assume that item passed to the model is of int type with value 8. We can use this to analyze how prediction works. When this is executed,</a:t>
+            </a:r>
+            <a:endParaRPr lang="en-US" dirty="0"/>
+          </a:p>
+        </p:txBody>
+      </p:sp>
+      <p:sp>
+        <p:nvSpPr>
+          <p:cNvPr id="8" name="TextBox 7">
+            <a:extLst>
+              <a:ext uri="{FF2B5EF4-FFF2-40B4-BE49-F238E27FC236}">
+                <a16:creationId xmlns:a16="http://schemas.microsoft.com/office/drawing/2014/main" id="{28EB8013-A253-B676-582F-3F3F37CBA901}"/>
+              </a:ext>
+            </a:extLst>
+          </p:cNvPr>
+          <p:cNvSpPr txBox="1"/>
+          <p:nvPr/>
+        </p:nvSpPr>
+        <p:spPr>
+          <a:xfrm>
+            <a:off x="674976" y="3878275"/>
+            <a:ext cx="10724818" cy="369332"/>
+          </a:xfrm>
+          <a:prstGeom prst="rect">
+            <a:avLst/>
+          </a:prstGeom>
+          <a:noFill/>
+        </p:spPr>
+        <p:txBody>
+          <a:bodyPr wrap="square">
+            <a:spAutoFit/>
+          </a:bodyPr>
+          <a:lstStyle/>
+          <a:p>
+            <a:r>
+              <a:rPr lang="en-US" b="0" i="0" dirty="0">
+                <a:solidFill>
+                  <a:srgbClr val="1F2328"/>
+                </a:solidFill>
+                <a:effectLst/>
+                <a:latin typeface="-apple-system"/>
+              </a:rPr>
+              <a:t>We get the following output.</a:t>
+            </a:r>
+            <a:endParaRPr lang="en-US" dirty="0"/>
+          </a:p>
+        </p:txBody>
+      </p:sp>
+      <p:pic>
+        <p:nvPicPr>
+          <p:cNvPr id="4" name="Picture 3">
+            <a:extLst>
+              <a:ext uri="{FF2B5EF4-FFF2-40B4-BE49-F238E27FC236}">
+                <a16:creationId xmlns:a16="http://schemas.microsoft.com/office/drawing/2014/main" id="{2CCF0E66-1FAD-2F05-A345-BF521205AA58}"/>
+              </a:ext>
+            </a:extLst>
+          </p:cNvPr>
+          <p:cNvPicPr>
+            <a:picLocks noChangeAspect="1"/>
+          </p:cNvPicPr>
+          <p:nvPr/>
+        </p:nvPicPr>
+        <p:blipFill>
+          <a:blip r:embed="rId2"/>
+          <a:stretch>
+            <a:fillRect/>
+          </a:stretch>
+        </p:blipFill>
+        <p:spPr>
+          <a:xfrm>
+            <a:off x="792206" y="2349300"/>
+            <a:ext cx="7630590" cy="1019317"/>
+          </a:xfrm>
+          <a:prstGeom prst="rect">
+            <a:avLst/>
+          </a:prstGeom>
+        </p:spPr>
+      </p:pic>
+      <p:pic>
+        <p:nvPicPr>
+          <p:cNvPr id="9" name="Picture 8">
+            <a:extLst>
+              <a:ext uri="{FF2B5EF4-FFF2-40B4-BE49-F238E27FC236}">
+                <a16:creationId xmlns:a16="http://schemas.microsoft.com/office/drawing/2014/main" id="{4CFD010F-BF09-73AD-9DA9-D6D7D842CE92}"/>
+              </a:ext>
+            </a:extLst>
+          </p:cNvPr>
+          <p:cNvPicPr>
+            <a:picLocks noChangeAspect="1"/>
+          </p:cNvPicPr>
+          <p:nvPr/>
+        </p:nvPicPr>
+        <p:blipFill>
+          <a:blip r:embed="rId3"/>
+          <a:stretch>
+            <a:fillRect/>
+          </a:stretch>
+        </p:blipFill>
+        <p:spPr>
+          <a:xfrm>
+            <a:off x="674976" y="4667960"/>
+            <a:ext cx="4458322" cy="1105054"/>
+          </a:xfrm>
+          <a:prstGeom prst="rect">
+            <a:avLst/>
+          </a:prstGeom>
+        </p:spPr>
+      </p:pic>
+    </p:spTree>
+    <p:extLst>
+      <p:ext uri="{BB962C8B-B14F-4D97-AF65-F5344CB8AC3E}">
+        <p14:creationId xmlns:p14="http://schemas.microsoft.com/office/powerpoint/2010/main" val="3863329770"/>
+      </p:ext>
+    </p:extLst>
+  </p:cSld>
+  <p:clrMapOvr>
+    <a:masterClrMapping/>
+  </p:clrMapOvr>
+</p:sld>
+</file>
+
+<file path=ppt/slides/slide16.xml><?xml version="1.0" encoding="utf-8"?>
+<p:sld xmlns:a="http://schemas.openxmlformats.org/drawingml/2006/main" xmlns:r="http://schemas.openxmlformats.org/officeDocument/2006/relationships" xmlns:p="http://schemas.openxmlformats.org/presentationml/2006/main">
+  <p:cSld>
+    <p:spTree>
+      <p:nvGrpSpPr>
+        <p:cNvPr id="1" name=""/>
+        <p:cNvGrpSpPr/>
+        <p:nvPr/>
+      </p:nvGrpSpPr>
+      <p:grpSpPr>
+        <a:xfrm>
+          <a:off x="0" y="0"/>
+          <a:ext cx="0" cy="0"/>
+          <a:chOff x="0" y="0"/>
+          <a:chExt cx="0" cy="0"/>
+        </a:xfrm>
+      </p:grpSpPr>
+      <p:sp>
+        <p:nvSpPr>
+          <p:cNvPr id="2" name="Title 1">
+            <a:extLst>
+              <a:ext uri="{FF2B5EF4-FFF2-40B4-BE49-F238E27FC236}">
+                <a16:creationId xmlns:a16="http://schemas.microsoft.com/office/drawing/2014/main" id="{0A9AAD05-9A8B-C30B-B4D9-99E3A92A99B5}"/>
+              </a:ext>
+            </a:extLst>
+          </p:cNvPr>
+          <p:cNvSpPr>
+            <a:spLocks noGrp="1"/>
+          </p:cNvSpPr>
+          <p:nvPr>
+            <p:ph type="title"/>
+          </p:nvPr>
+        </p:nvSpPr>
+        <p:spPr>
+          <a:xfrm>
+            <a:off x="674976" y="702156"/>
+            <a:ext cx="10935832" cy="630482"/>
+          </a:xfrm>
+        </p:spPr>
+        <p:txBody>
+          <a:bodyPr/>
+          <a:lstStyle/>
+          <a:p>
+            <a:r>
+              <a:rPr lang="en-US" dirty="0"/>
+              <a:t>Execution of Project (Cont.)</a:t>
+            </a:r>
+          </a:p>
+        </p:txBody>
+      </p:sp>
+      <p:sp>
+        <p:nvSpPr>
+          <p:cNvPr id="5" name="Slide Number Placeholder 4">
+            <a:extLst>
+              <a:ext uri="{FF2B5EF4-FFF2-40B4-BE49-F238E27FC236}">
+                <a16:creationId xmlns:a16="http://schemas.microsoft.com/office/drawing/2014/main" id="{57203070-D601-457B-9DF7-A4611183F29A}"/>
+              </a:ext>
+            </a:extLst>
+          </p:cNvPr>
+          <p:cNvSpPr>
+            <a:spLocks noGrp="1"/>
+          </p:cNvSpPr>
+          <p:nvPr>
+            <p:ph type="sldNum" sz="quarter" idx="12"/>
+          </p:nvPr>
+        </p:nvSpPr>
+        <p:spPr/>
+        <p:txBody>
+          <a:bodyPr/>
+          <a:lstStyle/>
+          <a:p>
+            <a:fld id="{3A98EE3D-8CD1-4C3F-BD1C-C98C9596463C}" type="slidenum">
+              <a:rPr lang="en-US" smtClean="0"/>
+              <a:t>16</a:t>
+            </a:fld>
+            <a:endParaRPr lang="en-US" dirty="0"/>
+          </a:p>
+        </p:txBody>
+      </p:sp>
+      <p:sp>
+        <p:nvSpPr>
+          <p:cNvPr id="10" name="TextBox 9">
+            <a:extLst>
+              <a:ext uri="{FF2B5EF4-FFF2-40B4-BE49-F238E27FC236}">
+                <a16:creationId xmlns:a16="http://schemas.microsoft.com/office/drawing/2014/main" id="{3710AD9B-9F24-E8D6-B646-8CCC5F54AE35}"/>
+              </a:ext>
+            </a:extLst>
+          </p:cNvPr>
+          <p:cNvSpPr txBox="1"/>
+          <p:nvPr/>
+        </p:nvSpPr>
+        <p:spPr>
+          <a:xfrm>
+            <a:off x="792206" y="1475992"/>
+            <a:ext cx="9883324" cy="3970318"/>
+          </a:xfrm>
+          <a:prstGeom prst="rect">
+            <a:avLst/>
+          </a:prstGeom>
+          <a:noFill/>
+        </p:spPr>
+        <p:txBody>
+          <a:bodyPr wrap="square">
+            <a:spAutoFit/>
+          </a:bodyPr>
+          <a:lstStyle/>
+          <a:p>
+            <a:pPr algn="l"/>
+            <a:r>
+              <a:rPr lang="en-US" b="0" i="0" dirty="0">
+                <a:solidFill>
+                  <a:srgbClr val="1F2328"/>
+                </a:solidFill>
+                <a:effectLst/>
+                <a:latin typeface="-apple-system"/>
+              </a:rPr>
+              <a:t>We will then use this to detect anomalies.</a:t>
+            </a:r>
+          </a:p>
+          <a:p>
+            <a:pPr marL="285750" indent="-285750" algn="l">
+              <a:buFont typeface="Wingdings" panose="05000000000000000000" pitchFamily="2" charset="2"/>
+              <a:buChar char="§"/>
+            </a:pPr>
+            <a:endParaRPr lang="en-US" b="0" i="0" dirty="0">
+              <a:solidFill>
+                <a:srgbClr val="1F2328"/>
+              </a:solidFill>
+              <a:effectLst/>
+              <a:latin typeface="-apple-system"/>
+            </a:endParaRPr>
+          </a:p>
+          <a:p>
+            <a:pPr marL="285750" indent="-285750" algn="l">
+              <a:buFont typeface="Wingdings" panose="05000000000000000000" pitchFamily="2" charset="2"/>
+              <a:buChar char="§"/>
+            </a:pPr>
+            <a:r>
+              <a:rPr lang="en-US" b="0" i="0" dirty="0">
+                <a:solidFill>
+                  <a:srgbClr val="1F2328"/>
+                </a:solidFill>
+                <a:effectLst/>
+                <a:latin typeface="-apple-system"/>
+              </a:rPr>
+              <a:t>When we iteratively pass values to </a:t>
+            </a:r>
+            <a:r>
+              <a:rPr lang="en-US" b="0" i="0" dirty="0" err="1">
+                <a:solidFill>
+                  <a:srgbClr val="1F2328"/>
+                </a:solidFill>
+                <a:effectLst/>
+                <a:latin typeface="-apple-system"/>
+              </a:rPr>
+              <a:t>DetectAnomaly</a:t>
+            </a:r>
+            <a:r>
+              <a:rPr lang="en-US" b="0" i="0" dirty="0">
+                <a:solidFill>
+                  <a:srgbClr val="1F2328"/>
+                </a:solidFill>
+                <a:effectLst/>
+                <a:latin typeface="-apple-system"/>
+              </a:rPr>
+              <a:t> method using our sliding window approach, we will not be able to detect anomaly in the first element. So, in the beginning, we use the second element of the list to predict and compare the previous element (which is the first element). A flag is set to control the command execution; if the first element has anomaly, then we will not use it to detect our second element. We will directly start from second element. Otherwise, we will start from first element as usual.</a:t>
+            </a:r>
+          </a:p>
+          <a:p>
+            <a:pPr algn="l"/>
+            <a:endParaRPr lang="en-US" b="0" i="0" dirty="0">
+              <a:solidFill>
+                <a:srgbClr val="1F2328"/>
+              </a:solidFill>
+              <a:effectLst/>
+              <a:latin typeface="-apple-system"/>
+            </a:endParaRPr>
+          </a:p>
+          <a:p>
+            <a:pPr marL="285750" indent="-285750" algn="l">
+              <a:buFont typeface="Wingdings" panose="05000000000000000000" pitchFamily="2" charset="2"/>
+              <a:buChar char="§"/>
+            </a:pPr>
+            <a:r>
+              <a:rPr lang="en-US" b="0" i="0" dirty="0">
+                <a:solidFill>
+                  <a:srgbClr val="1F2328"/>
+                </a:solidFill>
+                <a:effectLst/>
+                <a:latin typeface="-apple-system"/>
+              </a:rPr>
+              <a:t>Now, when we traverse the list one by one to the right, we pass the value to the predictor to get the next value and compare the prediction with the actual value. If there's anomaly, then it is outputted to the user, and the anomalous element is skipped. Upon reaching to the last element, we can end our traversal and move on to next list.</a:t>
+            </a:r>
+          </a:p>
+          <a:p>
+            <a:pPr algn="l"/>
+            <a:endParaRPr lang="en-US" dirty="0"/>
+          </a:p>
+        </p:txBody>
+      </p:sp>
+    </p:spTree>
+    <p:extLst>
+      <p:ext uri="{BB962C8B-B14F-4D97-AF65-F5344CB8AC3E}">
+        <p14:creationId xmlns:p14="http://schemas.microsoft.com/office/powerpoint/2010/main" val="4155888328"/>
+      </p:ext>
+    </p:extLst>
+  </p:cSld>
+  <p:clrMapOvr>
+    <a:masterClrMapping/>
+  </p:clrMapOvr>
+</p:sld>
+</file>
+
+<file path=ppt/slides/slide17.xml><?xml version="1.0" encoding="utf-8"?>
+<p:sld xmlns:a="http://schemas.openxmlformats.org/drawingml/2006/main" xmlns:r="http://schemas.openxmlformats.org/officeDocument/2006/relationships" xmlns:p="http://schemas.openxmlformats.org/presentationml/2006/main">
+  <p:cSld>
     <p:bg>
       <p:bgPr>
         <a:solidFill>
@@ -11650,10 +13337,10 @@
       </p:grpSpPr>
       <p:sp useBgFill="1">
         <p:nvSpPr>
-          <p:cNvPr id="13" name="Rectangle 12">
+          <p:cNvPr id="19" name="Rectangle 18">
             <a:extLst>
               <a:ext uri="{FF2B5EF4-FFF2-40B4-BE49-F238E27FC236}">
-                <a16:creationId xmlns:a16="http://schemas.microsoft.com/office/drawing/2014/main" id="{F92989FB-1024-49B7-BDF1-B3CE27D48623}"/>
+                <a16:creationId xmlns:a16="http://schemas.microsoft.com/office/drawing/2014/main" id="{F875149D-F692-45DA-8324-D5E0193D5FC4}"/>
               </a:ext>
               <a:ext uri="{C183D7F6-B498-43B3-948B-1728B52AA6E4}">
                 <adec:decorative xmlns:adec="http://schemas.microsoft.com/office/drawing/2017/decorative" val="1"/>
@@ -11710,138 +13397,10 @@
       </p:sp>
       <p:sp>
         <p:nvSpPr>
-          <p:cNvPr id="7" name="Title 3">
+          <p:cNvPr id="21" name="Rectangle 20">
             <a:extLst>
               <a:ext uri="{FF2B5EF4-FFF2-40B4-BE49-F238E27FC236}">
-                <a16:creationId xmlns:a16="http://schemas.microsoft.com/office/drawing/2014/main" id="{AA9E537E-8F1D-CE1E-C433-D916E2A818CB}"/>
-              </a:ext>
-            </a:extLst>
-          </p:cNvPr>
-          <p:cNvSpPr txBox="1">
-            <a:spLocks/>
-          </p:cNvSpPr>
-          <p:nvPr/>
-        </p:nvSpPr>
-        <p:spPr>
-          <a:xfrm>
-            <a:off x="746228" y="1037967"/>
-            <a:ext cx="3054091" cy="4709131"/>
-          </a:xfrm>
-          <a:prstGeom prst="rect">
-            <a:avLst/>
-          </a:prstGeom>
-        </p:spPr>
-        <p:txBody>
-          <a:bodyPr vert="horz" lIns="91440" tIns="45720" rIns="91440" bIns="45720" rtlCol="0" anchor="ctr" anchorCtr="0">
-            <a:normAutofit/>
-          </a:bodyPr>
-          <a:lstStyle>
-            <a:lvl1pPr algn="l" defTabSz="457200" rtl="0" eaLnBrk="1" latinLnBrk="0" hangingPunct="1">
-              <a:lnSpc>
-                <a:spcPct val="100000"/>
-              </a:lnSpc>
-              <a:spcBef>
-                <a:spcPct val="0"/>
-              </a:spcBef>
-              <a:buNone/>
-              <a:defRPr sz="2800" b="0" kern="1200" cap="all">
-                <a:solidFill>
-                  <a:schemeClr val="tx1">
-                    <a:lumMod val="75000"/>
-                    <a:lumOff val="25000"/>
-                  </a:schemeClr>
-                </a:solidFill>
-                <a:latin typeface="+mj-lt"/>
-                <a:ea typeface="+mj-ea"/>
-                <a:cs typeface="+mj-cs"/>
-              </a:defRPr>
-            </a:lvl1pPr>
-            <a:lvl2pPr eaLnBrk="1" hangingPunct="1">
-              <a:defRPr>
-                <a:solidFill>
-                  <a:schemeClr val="tx2"/>
-                </a:solidFill>
-              </a:defRPr>
-            </a:lvl2pPr>
-            <a:lvl3pPr eaLnBrk="1" hangingPunct="1">
-              <a:defRPr>
-                <a:solidFill>
-                  <a:schemeClr val="tx2"/>
-                </a:solidFill>
-              </a:defRPr>
-            </a:lvl3pPr>
-            <a:lvl4pPr eaLnBrk="1" hangingPunct="1">
-              <a:defRPr>
-                <a:solidFill>
-                  <a:schemeClr val="tx2"/>
-                </a:solidFill>
-              </a:defRPr>
-            </a:lvl4pPr>
-            <a:lvl5pPr eaLnBrk="1" hangingPunct="1">
-              <a:defRPr>
-                <a:solidFill>
-                  <a:schemeClr val="tx2"/>
-                </a:solidFill>
-              </a:defRPr>
-            </a:lvl5pPr>
-            <a:lvl6pPr eaLnBrk="1" hangingPunct="1">
-              <a:defRPr>
-                <a:solidFill>
-                  <a:schemeClr val="tx2"/>
-                </a:solidFill>
-              </a:defRPr>
-            </a:lvl6pPr>
-            <a:lvl7pPr eaLnBrk="1" hangingPunct="1">
-              <a:defRPr>
-                <a:solidFill>
-                  <a:schemeClr val="tx2"/>
-                </a:solidFill>
-              </a:defRPr>
-            </a:lvl7pPr>
-            <a:lvl8pPr eaLnBrk="1" hangingPunct="1">
-              <a:defRPr>
-                <a:solidFill>
-                  <a:schemeClr val="tx2"/>
-                </a:solidFill>
-              </a:defRPr>
-            </a:lvl8pPr>
-            <a:lvl9pPr eaLnBrk="1" hangingPunct="1">
-              <a:defRPr>
-                <a:solidFill>
-                  <a:schemeClr val="tx2"/>
-                </a:solidFill>
-              </a:defRPr>
-            </a:lvl9pPr>
-          </a:lstStyle>
-          <a:p>
-            <a:pPr>
-              <a:spcAft>
-                <a:spcPts val="600"/>
-              </a:spcAft>
-            </a:pPr>
-            <a:r>
-              <a:rPr lang="en-US" b="0" kern="1200" cap="all" dirty="0">
-                <a:solidFill>
-                  <a:schemeClr val="tx1">
-                    <a:lumMod val="75000"/>
-                    <a:lumOff val="25000"/>
-                  </a:schemeClr>
-                </a:solidFill>
-                <a:latin typeface="+mj-lt"/>
-                <a:ea typeface="+mj-ea"/>
-                <a:cs typeface="+mj-cs"/>
-              </a:rPr>
-              <a:t>conclusion</a:t>
-            </a:r>
-          </a:p>
-        </p:txBody>
-      </p:sp>
-      <p:sp>
-        <p:nvSpPr>
-          <p:cNvPr id="15" name="Rectangle 14">
-            <a:extLst>
-              <a:ext uri="{FF2B5EF4-FFF2-40B4-BE49-F238E27FC236}">
-                <a16:creationId xmlns:a16="http://schemas.microsoft.com/office/drawing/2014/main" id="{2987D6F4-EC95-4EF1-A8AD-4B70386CEEC7}"/>
+                <a16:creationId xmlns:a16="http://schemas.microsoft.com/office/drawing/2014/main" id="{C0B19935-C760-4698-9DD1-973C8A428D26}"/>
               </a:ext>
               <a:ext uri="{C183D7F6-B498-43B3-948B-1728B52AA6E4}">
                 <adec:decorative xmlns:adec="http://schemas.microsoft.com/office/drawing/2017/decorative" val="1"/>
@@ -11899,6 +13458,790 @@
       </p:sp>
       <p:sp>
         <p:nvSpPr>
+          <p:cNvPr id="23" name="Rectangle 22">
+            <a:extLst>
+              <a:ext uri="{FF2B5EF4-FFF2-40B4-BE49-F238E27FC236}">
+                <a16:creationId xmlns:a16="http://schemas.microsoft.com/office/drawing/2014/main" id="{08990612-E008-4F02-AEBB-B140BE753558}"/>
+              </a:ext>
+              <a:ext uri="{C183D7F6-B498-43B3-948B-1728B52AA6E4}">
+                <adec:decorative xmlns:adec="http://schemas.microsoft.com/office/drawing/2017/decorative" val="1"/>
+              </a:ext>
+            </a:extLst>
+          </p:cNvPr>
+          <p:cNvSpPr>
+            <a:spLocks noGrp="1" noRot="1" noChangeAspect="1" noMove="1" noResize="1" noEditPoints="1" noAdjustHandles="1" noChangeArrowheads="1" noChangeShapeType="1" noTextEdit="1"/>
+          </p:cNvSpPr>
+          <p:nvPr>
+            <p:extLst>
+              <p:ext uri="{386F3935-93C4-4BCD-93E2-E3B085C9AB24}">
+                <p16:designElem xmlns:p16="http://schemas.microsoft.com/office/powerpoint/2015/main" val="1"/>
+              </p:ext>
+            </p:extLst>
+          </p:nvPr>
+        </p:nvSpPr>
+        <p:spPr>
+          <a:xfrm>
+            <a:off x="4241830" y="457200"/>
+            <a:ext cx="3703320" cy="91440"/>
+          </a:xfrm>
+          <a:prstGeom prst="rect">
+            <a:avLst/>
+          </a:prstGeom>
+          <a:solidFill>
+            <a:schemeClr val="accent1"/>
+          </a:solidFill>
+          <a:ln>
+            <a:noFill/>
+          </a:ln>
+          <a:effectLst/>
+        </p:spPr>
+        <p:style>
+          <a:lnRef idx="1">
+            <a:schemeClr val="accent1"/>
+          </a:lnRef>
+          <a:fillRef idx="3">
+            <a:schemeClr val="accent1"/>
+          </a:fillRef>
+          <a:effectRef idx="2">
+            <a:schemeClr val="accent1"/>
+          </a:effectRef>
+          <a:fontRef idx="minor">
+            <a:schemeClr val="lt1"/>
+          </a:fontRef>
+        </p:style>
+        <p:txBody>
+          <a:bodyPr/>
+          <a:lstStyle/>
+          <a:p>
+            <a:endParaRPr lang="en-US"/>
+          </a:p>
+        </p:txBody>
+      </p:sp>
+      <p:sp>
+        <p:nvSpPr>
+          <p:cNvPr id="25" name="Rectangle 24">
+            <a:extLst>
+              <a:ext uri="{FF2B5EF4-FFF2-40B4-BE49-F238E27FC236}">
+                <a16:creationId xmlns:a16="http://schemas.microsoft.com/office/drawing/2014/main" id="{A310A41F-3A14-4150-B6CF-0A577DDDEAD2}"/>
+              </a:ext>
+              <a:ext uri="{C183D7F6-B498-43B3-948B-1728B52AA6E4}">
+                <adec:decorative xmlns:adec="http://schemas.microsoft.com/office/drawing/2017/decorative" val="1"/>
+              </a:ext>
+            </a:extLst>
+          </p:cNvPr>
+          <p:cNvSpPr>
+            <a:spLocks noGrp="1" noRot="1" noChangeAspect="1" noMove="1" noResize="1" noEditPoints="1" noAdjustHandles="1" noChangeArrowheads="1" noChangeShapeType="1" noTextEdit="1"/>
+          </p:cNvSpPr>
+          <p:nvPr>
+            <p:extLst>
+              <p:ext uri="{386F3935-93C4-4BCD-93E2-E3B085C9AB24}">
+                <p16:designElem xmlns:p16="http://schemas.microsoft.com/office/powerpoint/2015/main" val="1"/>
+              </p:ext>
+            </p:extLst>
+          </p:nvPr>
+        </p:nvSpPr>
+        <p:spPr>
+          <a:xfrm>
+            <a:off x="8042147" y="453643"/>
+            <a:ext cx="3703320" cy="98554"/>
+          </a:xfrm>
+          <a:prstGeom prst="rect">
+            <a:avLst/>
+          </a:prstGeom>
+          <a:solidFill>
+            <a:srgbClr val="969FA7"/>
+          </a:solidFill>
+          <a:ln>
+            <a:noFill/>
+          </a:ln>
+          <a:effectLst/>
+        </p:spPr>
+        <p:style>
+          <a:lnRef idx="1">
+            <a:schemeClr val="accent1"/>
+          </a:lnRef>
+          <a:fillRef idx="3">
+            <a:schemeClr val="accent1"/>
+          </a:fillRef>
+          <a:effectRef idx="2">
+            <a:schemeClr val="accent1"/>
+          </a:effectRef>
+          <a:fontRef idx="minor">
+            <a:schemeClr val="lt1"/>
+          </a:fontRef>
+        </p:style>
+        <p:txBody>
+          <a:bodyPr/>
+          <a:lstStyle/>
+          <a:p>
+            <a:endParaRPr lang="en-US"/>
+          </a:p>
+        </p:txBody>
+      </p:sp>
+      <p:sp>
+        <p:nvSpPr>
+          <p:cNvPr id="27" name="Rectangle 26">
+            <a:extLst>
+              <a:ext uri="{FF2B5EF4-FFF2-40B4-BE49-F238E27FC236}">
+                <a16:creationId xmlns:a16="http://schemas.microsoft.com/office/drawing/2014/main" id="{7B89EEFD-93BC-4ACF-962C-E6279E72B00B}"/>
+              </a:ext>
+              <a:ext uri="{C183D7F6-B498-43B3-948B-1728B52AA6E4}">
+                <adec:decorative xmlns:adec="http://schemas.microsoft.com/office/drawing/2017/decorative" val="1"/>
+              </a:ext>
+            </a:extLst>
+          </p:cNvPr>
+          <p:cNvSpPr>
+            <a:spLocks noGrp="1" noRot="1" noChangeAspect="1" noMove="1" noResize="1" noEditPoints="1" noAdjustHandles="1" noChangeArrowheads="1" noChangeShapeType="1" noTextEdit="1"/>
+          </p:cNvSpPr>
+          <p:nvPr>
+            <p:extLst>
+              <p:ext uri="{386F3935-93C4-4BCD-93E2-E3B085C9AB24}">
+                <p16:designElem xmlns:p16="http://schemas.microsoft.com/office/powerpoint/2015/main" val="1"/>
+              </p:ext>
+            </p:extLst>
+          </p:nvPr>
+        </p:nvSpPr>
+        <p:spPr>
+          <a:xfrm>
+            <a:off x="461436" y="723899"/>
+            <a:ext cx="3703320" cy="5666666"/>
+          </a:xfrm>
+          <a:prstGeom prst="rect">
+            <a:avLst/>
+          </a:prstGeom>
+          <a:solidFill>
+            <a:srgbClr val="465359"/>
+          </a:solidFill>
+          <a:ln>
+            <a:noFill/>
+          </a:ln>
+          <a:effectLst/>
+        </p:spPr>
+        <p:style>
+          <a:lnRef idx="1">
+            <a:schemeClr val="accent1"/>
+          </a:lnRef>
+          <a:fillRef idx="3">
+            <a:schemeClr val="accent1"/>
+          </a:fillRef>
+          <a:effectRef idx="2">
+            <a:schemeClr val="accent1"/>
+          </a:effectRef>
+          <a:fontRef idx="minor">
+            <a:schemeClr val="lt1"/>
+          </a:fontRef>
+        </p:style>
+        <p:txBody>
+          <a:bodyPr/>
+          <a:lstStyle/>
+          <a:p>
+            <a:endParaRPr lang="en-US"/>
+          </a:p>
+        </p:txBody>
+      </p:sp>
+      <p:sp>
+        <p:nvSpPr>
+          <p:cNvPr id="7" name="Title 3">
+            <a:extLst>
+              <a:ext uri="{FF2B5EF4-FFF2-40B4-BE49-F238E27FC236}">
+                <a16:creationId xmlns:a16="http://schemas.microsoft.com/office/drawing/2014/main" id="{AA9E537E-8F1D-CE1E-C433-D916E2A818CB}"/>
+              </a:ext>
+            </a:extLst>
+          </p:cNvPr>
+          <p:cNvSpPr txBox="1">
+            <a:spLocks/>
+          </p:cNvSpPr>
+          <p:nvPr/>
+        </p:nvSpPr>
+        <p:spPr>
+          <a:xfrm>
+            <a:off x="803189" y="1209184"/>
+            <a:ext cx="3089189" cy="4734416"/>
+          </a:xfrm>
+          <a:prstGeom prst="rect">
+            <a:avLst/>
+          </a:prstGeom>
+        </p:spPr>
+        <p:txBody>
+          <a:bodyPr vert="horz" lIns="91440" tIns="45720" rIns="91440" bIns="45720" rtlCol="0" anchor="ctr" anchorCtr="0">
+            <a:normAutofit/>
+          </a:bodyPr>
+          <a:lstStyle>
+            <a:lvl1pPr algn="l" defTabSz="457200" rtl="0" eaLnBrk="1" latinLnBrk="0" hangingPunct="1">
+              <a:lnSpc>
+                <a:spcPct val="100000"/>
+              </a:lnSpc>
+              <a:spcBef>
+                <a:spcPct val="0"/>
+              </a:spcBef>
+              <a:buNone/>
+              <a:defRPr sz="2800" b="0" kern="1200" cap="all">
+                <a:solidFill>
+                  <a:schemeClr val="tx1">
+                    <a:lumMod val="75000"/>
+                    <a:lumOff val="25000"/>
+                  </a:schemeClr>
+                </a:solidFill>
+                <a:latin typeface="+mj-lt"/>
+                <a:ea typeface="+mj-ea"/>
+                <a:cs typeface="+mj-cs"/>
+              </a:defRPr>
+            </a:lvl1pPr>
+            <a:lvl2pPr eaLnBrk="1" hangingPunct="1">
+              <a:defRPr>
+                <a:solidFill>
+                  <a:schemeClr val="tx2"/>
+                </a:solidFill>
+              </a:defRPr>
+            </a:lvl2pPr>
+            <a:lvl3pPr eaLnBrk="1" hangingPunct="1">
+              <a:defRPr>
+                <a:solidFill>
+                  <a:schemeClr val="tx2"/>
+                </a:solidFill>
+              </a:defRPr>
+            </a:lvl3pPr>
+            <a:lvl4pPr eaLnBrk="1" hangingPunct="1">
+              <a:defRPr>
+                <a:solidFill>
+                  <a:schemeClr val="tx2"/>
+                </a:solidFill>
+              </a:defRPr>
+            </a:lvl4pPr>
+            <a:lvl5pPr eaLnBrk="1" hangingPunct="1">
+              <a:defRPr>
+                <a:solidFill>
+                  <a:schemeClr val="tx2"/>
+                </a:solidFill>
+              </a:defRPr>
+            </a:lvl5pPr>
+            <a:lvl6pPr eaLnBrk="1" hangingPunct="1">
+              <a:defRPr>
+                <a:solidFill>
+                  <a:schemeClr val="tx2"/>
+                </a:solidFill>
+              </a:defRPr>
+            </a:lvl6pPr>
+            <a:lvl7pPr eaLnBrk="1" hangingPunct="1">
+              <a:defRPr>
+                <a:solidFill>
+                  <a:schemeClr val="tx2"/>
+                </a:solidFill>
+              </a:defRPr>
+            </a:lvl7pPr>
+            <a:lvl8pPr eaLnBrk="1" hangingPunct="1">
+              <a:defRPr>
+                <a:solidFill>
+                  <a:schemeClr val="tx2"/>
+                </a:solidFill>
+              </a:defRPr>
+            </a:lvl8pPr>
+            <a:lvl9pPr eaLnBrk="1" hangingPunct="1">
+              <a:defRPr>
+                <a:solidFill>
+                  <a:schemeClr val="tx2"/>
+                </a:solidFill>
+              </a:defRPr>
+            </a:lvl9pPr>
+          </a:lstStyle>
+          <a:p>
+            <a:pPr>
+              <a:spcAft>
+                <a:spcPts val="600"/>
+              </a:spcAft>
+            </a:pPr>
+            <a:r>
+              <a:rPr lang="en-US">
+                <a:solidFill>
+                  <a:srgbClr val="FFFFFF"/>
+                </a:solidFill>
+              </a:rPr>
+              <a:t>results</a:t>
+            </a:r>
+          </a:p>
+        </p:txBody>
+      </p:sp>
+      <p:sp>
+        <p:nvSpPr>
+          <p:cNvPr id="6" name="TextBox 5">
+            <a:extLst>
+              <a:ext uri="{FF2B5EF4-FFF2-40B4-BE49-F238E27FC236}">
+                <a16:creationId xmlns:a16="http://schemas.microsoft.com/office/drawing/2014/main" id="{A57CE0FA-5284-2C21-392D-79C5D5E7A8AE}"/>
+              </a:ext>
+            </a:extLst>
+          </p:cNvPr>
+          <p:cNvSpPr txBox="1"/>
+          <p:nvPr/>
+        </p:nvSpPr>
+        <p:spPr>
+          <a:xfrm>
+            <a:off x="4561870" y="723900"/>
+            <a:ext cx="7183597" cy="3152362"/>
+          </a:xfrm>
+          <a:prstGeom prst="rect">
+            <a:avLst/>
+          </a:prstGeom>
+        </p:spPr>
+        <p:txBody>
+          <a:bodyPr vert="horz" lIns="91440" tIns="45720" rIns="91440" bIns="45720" rtlCol="0" anchor="ctr">
+            <a:normAutofit/>
+          </a:bodyPr>
+          <a:lstStyle/>
+          <a:p>
+            <a:pPr defTabSz="457200">
+              <a:spcBef>
+                <a:spcPct val="20000"/>
+              </a:spcBef>
+              <a:spcAft>
+                <a:spcPts val="600"/>
+              </a:spcAft>
+              <a:buClr>
+                <a:schemeClr val="accent1"/>
+              </a:buClr>
+              <a:buSzPct val="92000"/>
+              <a:buFont typeface="Wingdings 2" panose="05020102010507070707" pitchFamily="18" charset="2"/>
+              <a:buChar char=""/>
+            </a:pPr>
+            <a:r>
+              <a:rPr lang="en-US" b="0" i="0">
+                <a:solidFill>
+                  <a:schemeClr val="tx1">
+                    <a:lumMod val="75000"/>
+                    <a:lumOff val="25000"/>
+                  </a:schemeClr>
+                </a:solidFill>
+                <a:effectLst/>
+              </a:rPr>
+              <a:t>We can observe that the accuracy rate is between 50% - 70%. It is desired that high accuracy should on the sequence is required in an anomaly detection program. Due to hardware specification of our machine, we unable to run the program with lots of cycle and sequence. However, accuracy can be improved by running more data sequence and cycle.</a:t>
+            </a:r>
+          </a:p>
+          <a:p>
+            <a:pPr defTabSz="457200">
+              <a:spcBef>
+                <a:spcPct val="20000"/>
+              </a:spcBef>
+              <a:spcAft>
+                <a:spcPts val="600"/>
+              </a:spcAft>
+              <a:buClr>
+                <a:schemeClr val="accent1"/>
+              </a:buClr>
+              <a:buSzPct val="92000"/>
+              <a:buFont typeface="Wingdings 2" panose="05020102010507070707" pitchFamily="18" charset="2"/>
+              <a:buChar char=""/>
+            </a:pPr>
+            <a:r>
+              <a:rPr lang="en-US" b="0" i="0">
+                <a:solidFill>
+                  <a:schemeClr val="tx1">
+                    <a:lumMod val="75000"/>
+                    <a:lumOff val="25000"/>
+                  </a:schemeClr>
+                </a:solidFill>
+                <a:effectLst/>
+              </a:rPr>
+              <a:t>One example of testing sequence for anomaly detection and average accuracy for this sequence given below:</a:t>
+            </a:r>
+          </a:p>
+          <a:p>
+            <a:pPr defTabSz="457200">
+              <a:spcBef>
+                <a:spcPct val="20000"/>
+              </a:spcBef>
+              <a:spcAft>
+                <a:spcPts val="600"/>
+              </a:spcAft>
+              <a:buClr>
+                <a:schemeClr val="accent1"/>
+              </a:buClr>
+              <a:buSzPct val="92000"/>
+              <a:buFont typeface="Wingdings 2" panose="05020102010507070707" pitchFamily="18" charset="2"/>
+              <a:buChar char=""/>
+            </a:pPr>
+            <a:endParaRPr lang="en-US">
+              <a:solidFill>
+                <a:schemeClr val="tx1">
+                  <a:lumMod val="75000"/>
+                  <a:lumOff val="25000"/>
+                </a:schemeClr>
+              </a:solidFill>
+            </a:endParaRPr>
+          </a:p>
+        </p:txBody>
+      </p:sp>
+      <p:pic>
+        <p:nvPicPr>
+          <p:cNvPr id="4" name="Picture 3">
+            <a:extLst>
+              <a:ext uri="{FF2B5EF4-FFF2-40B4-BE49-F238E27FC236}">
+                <a16:creationId xmlns:a16="http://schemas.microsoft.com/office/drawing/2014/main" id="{2665CE9A-DE25-BC57-3FA2-06E32EE9D3FF}"/>
+              </a:ext>
+            </a:extLst>
+          </p:cNvPr>
+          <p:cNvPicPr>
+            <a:picLocks noChangeAspect="1"/>
+          </p:cNvPicPr>
+          <p:nvPr/>
+        </p:nvPicPr>
+        <p:blipFill>
+          <a:blip r:embed="rId2"/>
+          <a:stretch>
+            <a:fillRect/>
+          </a:stretch>
+        </p:blipFill>
+        <p:spPr>
+          <a:xfrm>
+            <a:off x="4771381" y="3501743"/>
+            <a:ext cx="6974086" cy="2196838"/>
+          </a:xfrm>
+          <a:prstGeom prst="rect">
+            <a:avLst/>
+          </a:prstGeom>
+        </p:spPr>
+      </p:pic>
+      <p:sp>
+        <p:nvSpPr>
+          <p:cNvPr id="5" name="Slide Number Placeholder 4">
+            <a:extLst>
+              <a:ext uri="{FF2B5EF4-FFF2-40B4-BE49-F238E27FC236}">
+                <a16:creationId xmlns:a16="http://schemas.microsoft.com/office/drawing/2014/main" id="{2687D6E6-D5FA-4C9E-C76D-CC433D92DBC4}"/>
+              </a:ext>
+            </a:extLst>
+          </p:cNvPr>
+          <p:cNvSpPr>
+            <a:spLocks noGrp="1"/>
+          </p:cNvSpPr>
+          <p:nvPr>
+            <p:ph type="sldNum" sz="quarter" idx="12"/>
+          </p:nvPr>
+        </p:nvSpPr>
+        <p:spPr>
+          <a:xfrm>
+            <a:off x="10558300" y="6400800"/>
+            <a:ext cx="1052508" cy="365125"/>
+          </a:xfrm>
+        </p:spPr>
+        <p:txBody>
+          <a:bodyPr vert="horz" lIns="91440" tIns="45720" rIns="91440" bIns="45720" rtlCol="0" anchor="ctr">
+            <a:normAutofit/>
+          </a:bodyPr>
+          <a:lstStyle/>
+          <a:p>
+            <a:pPr defTabSz="457200">
+              <a:spcAft>
+                <a:spcPts val="600"/>
+              </a:spcAft>
+            </a:pPr>
+            <a:fld id="{3A98EE3D-8CD1-4C3F-BD1C-C98C9596463C}" type="slidenum">
+              <a:rPr lang="en-US" smtClean="0">
+                <a:solidFill>
+                  <a:srgbClr val="F2BB6F"/>
+                </a:solidFill>
+              </a:rPr>
+              <a:pPr defTabSz="457200">
+                <a:spcAft>
+                  <a:spcPts val="600"/>
+                </a:spcAft>
+              </a:pPr>
+              <a:t>17</a:t>
+            </a:fld>
+            <a:endParaRPr lang="en-US">
+              <a:solidFill>
+                <a:srgbClr val="F2BB6F"/>
+              </a:solidFill>
+            </a:endParaRPr>
+          </a:p>
+        </p:txBody>
+      </p:sp>
+    </p:spTree>
+    <p:extLst>
+      <p:ext uri="{BB962C8B-B14F-4D97-AF65-F5344CB8AC3E}">
+        <p14:creationId xmlns:p14="http://schemas.microsoft.com/office/powerpoint/2010/main" val="3566107136"/>
+      </p:ext>
+    </p:extLst>
+  </p:cSld>
+  <p:clrMapOvr>
+    <a:masterClrMapping/>
+  </p:clrMapOvr>
+</p:sld>
+</file>
+
+<file path=ppt/slides/slide18.xml><?xml version="1.0" encoding="utf-8"?>
+<p:sld xmlns:a="http://schemas.openxmlformats.org/drawingml/2006/main" xmlns:r="http://schemas.openxmlformats.org/officeDocument/2006/relationships" xmlns:p="http://schemas.openxmlformats.org/presentationml/2006/main">
+  <p:cSld>
+    <p:bg>
+      <p:bgPr>
+        <a:solidFill>
+          <a:schemeClr val="bg1"/>
+        </a:solidFill>
+        <a:effectLst/>
+      </p:bgPr>
+    </p:bg>
+    <p:spTree>
+      <p:nvGrpSpPr>
+        <p:cNvPr id="1" name=""/>
+        <p:cNvGrpSpPr/>
+        <p:nvPr/>
+      </p:nvGrpSpPr>
+      <p:grpSpPr>
+        <a:xfrm>
+          <a:off x="0" y="0"/>
+          <a:ext cx="0" cy="0"/>
+          <a:chOff x="0" y="0"/>
+          <a:chExt cx="0" cy="0"/>
+        </a:xfrm>
+      </p:grpSpPr>
+      <p:sp useBgFill="1">
+        <p:nvSpPr>
+          <p:cNvPr id="13" name="Rectangle 12">
+            <a:extLst>
+              <a:ext uri="{FF2B5EF4-FFF2-40B4-BE49-F238E27FC236}">
+                <a16:creationId xmlns:a16="http://schemas.microsoft.com/office/drawing/2014/main" id="{F92989FB-1024-49B7-BDF1-B3CE27D48623}"/>
+              </a:ext>
+              <a:ext uri="{C183D7F6-B498-43B3-948B-1728B52AA6E4}">
+                <adec:decorative xmlns:adec="http://schemas.microsoft.com/office/drawing/2017/decorative" val="1"/>
+              </a:ext>
+            </a:extLst>
+          </p:cNvPr>
+          <p:cNvSpPr>
+            <a:spLocks noGrp="1" noRot="1" noChangeAspect="1" noMove="1" noResize="1" noEditPoints="1" noAdjustHandles="1" noChangeArrowheads="1" noChangeShapeType="1" noTextEdit="1"/>
+          </p:cNvSpPr>
+          <p:nvPr>
+            <p:extLst>
+              <p:ext uri="{386F3935-93C4-4BCD-93E2-E3B085C9AB24}">
+                <p16:designElem xmlns:p16="http://schemas.microsoft.com/office/powerpoint/2015/main" val="1"/>
+              </p:ext>
+            </p:extLst>
+          </p:nvPr>
+        </p:nvSpPr>
+        <p:spPr>
+          <a:xfrm>
+            <a:off x="0" y="0"/>
+            <a:ext cx="12191999" cy="6858001"/>
+          </a:xfrm>
+          <a:prstGeom prst="rect">
+            <a:avLst/>
+          </a:prstGeom>
+          <a:ln>
+            <a:noFill/>
+          </a:ln>
+        </p:spPr>
+        <p:style>
+          <a:lnRef idx="2">
+            <a:schemeClr val="accent1">
+              <a:shade val="50000"/>
+            </a:schemeClr>
+          </a:lnRef>
+          <a:fillRef idx="1">
+            <a:schemeClr val="accent1"/>
+          </a:fillRef>
+          <a:effectRef idx="0">
+            <a:schemeClr val="accent1"/>
+          </a:effectRef>
+          <a:fontRef idx="minor">
+            <a:schemeClr val="lt1"/>
+          </a:fontRef>
+        </p:style>
+        <p:txBody>
+          <a:bodyPr rtlCol="0" anchor="ctr"/>
+          <a:lstStyle/>
+          <a:p>
+            <a:pPr algn="ctr"/>
+            <a:endParaRPr lang="en-US"/>
+          </a:p>
+        </p:txBody>
+      </p:sp>
+      <p:sp>
+        <p:nvSpPr>
+          <p:cNvPr id="7" name="Title 3">
+            <a:extLst>
+              <a:ext uri="{FF2B5EF4-FFF2-40B4-BE49-F238E27FC236}">
+                <a16:creationId xmlns:a16="http://schemas.microsoft.com/office/drawing/2014/main" id="{AA9E537E-8F1D-CE1E-C433-D916E2A818CB}"/>
+              </a:ext>
+            </a:extLst>
+          </p:cNvPr>
+          <p:cNvSpPr txBox="1">
+            <a:spLocks/>
+          </p:cNvSpPr>
+          <p:nvPr/>
+        </p:nvSpPr>
+        <p:spPr>
+          <a:xfrm>
+            <a:off x="746228" y="1037967"/>
+            <a:ext cx="3054091" cy="4709131"/>
+          </a:xfrm>
+          <a:prstGeom prst="rect">
+            <a:avLst/>
+          </a:prstGeom>
+        </p:spPr>
+        <p:txBody>
+          <a:bodyPr vert="horz" lIns="91440" tIns="45720" rIns="91440" bIns="45720" rtlCol="0" anchor="ctr" anchorCtr="0">
+            <a:normAutofit/>
+          </a:bodyPr>
+          <a:lstStyle>
+            <a:lvl1pPr algn="l" defTabSz="457200" rtl="0" eaLnBrk="1" latinLnBrk="0" hangingPunct="1">
+              <a:lnSpc>
+                <a:spcPct val="100000"/>
+              </a:lnSpc>
+              <a:spcBef>
+                <a:spcPct val="0"/>
+              </a:spcBef>
+              <a:buNone/>
+              <a:defRPr sz="2800" b="0" kern="1200" cap="all">
+                <a:solidFill>
+                  <a:schemeClr val="tx1">
+                    <a:lumMod val="75000"/>
+                    <a:lumOff val="25000"/>
+                  </a:schemeClr>
+                </a:solidFill>
+                <a:latin typeface="+mj-lt"/>
+                <a:ea typeface="+mj-ea"/>
+                <a:cs typeface="+mj-cs"/>
+              </a:defRPr>
+            </a:lvl1pPr>
+            <a:lvl2pPr eaLnBrk="1" hangingPunct="1">
+              <a:defRPr>
+                <a:solidFill>
+                  <a:schemeClr val="tx2"/>
+                </a:solidFill>
+              </a:defRPr>
+            </a:lvl2pPr>
+            <a:lvl3pPr eaLnBrk="1" hangingPunct="1">
+              <a:defRPr>
+                <a:solidFill>
+                  <a:schemeClr val="tx2"/>
+                </a:solidFill>
+              </a:defRPr>
+            </a:lvl3pPr>
+            <a:lvl4pPr eaLnBrk="1" hangingPunct="1">
+              <a:defRPr>
+                <a:solidFill>
+                  <a:schemeClr val="tx2"/>
+                </a:solidFill>
+              </a:defRPr>
+            </a:lvl4pPr>
+            <a:lvl5pPr eaLnBrk="1" hangingPunct="1">
+              <a:defRPr>
+                <a:solidFill>
+                  <a:schemeClr val="tx2"/>
+                </a:solidFill>
+              </a:defRPr>
+            </a:lvl5pPr>
+            <a:lvl6pPr eaLnBrk="1" hangingPunct="1">
+              <a:defRPr>
+                <a:solidFill>
+                  <a:schemeClr val="tx2"/>
+                </a:solidFill>
+              </a:defRPr>
+            </a:lvl6pPr>
+            <a:lvl7pPr eaLnBrk="1" hangingPunct="1">
+              <a:defRPr>
+                <a:solidFill>
+                  <a:schemeClr val="tx2"/>
+                </a:solidFill>
+              </a:defRPr>
+            </a:lvl7pPr>
+            <a:lvl8pPr eaLnBrk="1" hangingPunct="1">
+              <a:defRPr>
+                <a:solidFill>
+                  <a:schemeClr val="tx2"/>
+                </a:solidFill>
+              </a:defRPr>
+            </a:lvl8pPr>
+            <a:lvl9pPr eaLnBrk="1" hangingPunct="1">
+              <a:defRPr>
+                <a:solidFill>
+                  <a:schemeClr val="tx2"/>
+                </a:solidFill>
+              </a:defRPr>
+            </a:lvl9pPr>
+          </a:lstStyle>
+          <a:p>
+            <a:pPr>
+              <a:spcAft>
+                <a:spcPts val="600"/>
+              </a:spcAft>
+            </a:pPr>
+            <a:r>
+              <a:rPr lang="en-US" b="0" kern="1200" cap="all" dirty="0">
+                <a:solidFill>
+                  <a:schemeClr val="tx1">
+                    <a:lumMod val="75000"/>
+                    <a:lumOff val="25000"/>
+                  </a:schemeClr>
+                </a:solidFill>
+                <a:latin typeface="+mj-lt"/>
+                <a:ea typeface="+mj-ea"/>
+                <a:cs typeface="+mj-cs"/>
+              </a:rPr>
+              <a:t>conclusion</a:t>
+            </a:r>
+          </a:p>
+        </p:txBody>
+      </p:sp>
+      <p:sp>
+        <p:nvSpPr>
+          <p:cNvPr id="15" name="Rectangle 14">
+            <a:extLst>
+              <a:ext uri="{FF2B5EF4-FFF2-40B4-BE49-F238E27FC236}">
+                <a16:creationId xmlns:a16="http://schemas.microsoft.com/office/drawing/2014/main" id="{2987D6F4-EC95-4EF1-A8AD-4B70386CEEC7}"/>
+              </a:ext>
+              <a:ext uri="{C183D7F6-B498-43B3-948B-1728B52AA6E4}">
+                <adec:decorative xmlns:adec="http://schemas.microsoft.com/office/drawing/2017/decorative" val="1"/>
+              </a:ext>
+            </a:extLst>
+          </p:cNvPr>
+          <p:cNvSpPr>
+            <a:spLocks noGrp="1" noRot="1" noChangeAspect="1" noMove="1" noResize="1" noEditPoints="1" noAdjustHandles="1" noChangeArrowheads="1" noChangeShapeType="1" noTextEdit="1"/>
+          </p:cNvSpPr>
+          <p:nvPr>
+            <p:extLst>
+              <p:ext uri="{386F3935-93C4-4BCD-93E2-E3B085C9AB24}">
+                <p16:designElem xmlns:p16="http://schemas.microsoft.com/office/powerpoint/2015/main" val="1"/>
+              </p:ext>
+            </p:extLst>
+          </p:nvPr>
+        </p:nvSpPr>
+        <p:spPr>
+          <a:xfrm>
+            <a:off x="446534" y="457200"/>
+            <a:ext cx="3703320" cy="94997"/>
+          </a:xfrm>
+          <a:prstGeom prst="rect">
+            <a:avLst/>
+          </a:prstGeom>
+          <a:solidFill>
+            <a:srgbClr val="465359"/>
+          </a:solidFill>
+          <a:ln>
+            <a:noFill/>
+          </a:ln>
+          <a:effectLst/>
+        </p:spPr>
+        <p:style>
+          <a:lnRef idx="1">
+            <a:schemeClr val="accent1"/>
+          </a:lnRef>
+          <a:fillRef idx="3">
+            <a:schemeClr val="accent1"/>
+          </a:fillRef>
+          <a:effectRef idx="2">
+            <a:schemeClr val="accent1"/>
+          </a:effectRef>
+          <a:fontRef idx="minor">
+            <a:schemeClr val="lt1"/>
+          </a:fontRef>
+        </p:style>
+        <p:txBody>
+          <a:bodyPr/>
+          <a:lstStyle/>
+          <a:p>
+            <a:endParaRPr lang="en-US"/>
+          </a:p>
+        </p:txBody>
+      </p:sp>
+      <p:sp>
+        <p:nvSpPr>
           <p:cNvPr id="17" name="Rectangle 16">
             <a:extLst>
               <a:ext uri="{FF2B5EF4-FFF2-40B4-BE49-F238E27FC236}">
@@ -11998,7 +14341,7 @@
                   <a:spcPts val="600"/>
                 </a:spcAft>
               </a:pPr>
-              <a:t>10</a:t>
+              <a:t>18</a:t>
             </a:fld>
             <a:endParaRPr lang="en-US"/>
           </a:p>
@@ -12045,7 +14388,7 @@
 </p:sld>
 </file>
 
-<file path=ppt/slides/slide11.xml><?xml version="1.0" encoding="utf-8"?>
+<file path=ppt/slides/slide19.xml><?xml version="1.0" encoding="utf-8"?>
 <p:sld xmlns:a="http://schemas.openxmlformats.org/drawingml/2006/main" xmlns:r="http://schemas.openxmlformats.org/officeDocument/2006/relationships" xmlns:p="http://schemas.openxmlformats.org/presentationml/2006/main">
   <p:cSld>
     <p:bg>
@@ -12922,7 +15265,7 @@
                   <a:spcPts val="600"/>
                 </a:spcAft>
               </a:pPr>
-              <a:t>11</a:t>
+              <a:t>19</a:t>
             </a:fld>
             <a:endParaRPr lang="en-US"/>
           </a:p>
@@ -12941,7 +15284,247 @@
 </p:sld>
 </file>
 
-<file path=ppt/slides/slide12.xml><?xml version="1.0" encoding="utf-8"?>
+<file path=ppt/slides/slide2.xml><?xml version="1.0" encoding="utf-8"?>
+<p:sld xmlns:a="http://schemas.openxmlformats.org/drawingml/2006/main" xmlns:r="http://schemas.openxmlformats.org/officeDocument/2006/relationships" xmlns:p="http://schemas.openxmlformats.org/presentationml/2006/main">
+  <p:cSld>
+    <p:bg>
+      <p:bgPr>
+        <a:solidFill>
+          <a:schemeClr val="bg1"/>
+        </a:solidFill>
+        <a:effectLst/>
+      </p:bgPr>
+    </p:bg>
+    <p:spTree>
+      <p:nvGrpSpPr>
+        <p:cNvPr id="1" name=""/>
+        <p:cNvGrpSpPr/>
+        <p:nvPr/>
+      </p:nvGrpSpPr>
+      <p:grpSpPr>
+        <a:xfrm>
+          <a:off x="0" y="0"/>
+          <a:ext cx="0" cy="0"/>
+          <a:chOff x="0" y="0"/>
+          <a:chExt cx="0" cy="0"/>
+        </a:xfrm>
+      </p:grpSpPr>
+      <p:sp>
+        <p:nvSpPr>
+          <p:cNvPr id="7" name="Title 3">
+            <a:extLst>
+              <a:ext uri="{FF2B5EF4-FFF2-40B4-BE49-F238E27FC236}">
+                <a16:creationId xmlns:a16="http://schemas.microsoft.com/office/drawing/2014/main" id="{AA9E537E-8F1D-CE1E-C433-D916E2A818CB}"/>
+              </a:ext>
+            </a:extLst>
+          </p:cNvPr>
+          <p:cNvSpPr txBox="1">
+            <a:spLocks/>
+          </p:cNvSpPr>
+          <p:nvPr/>
+        </p:nvSpPr>
+        <p:spPr>
+          <a:xfrm>
+            <a:off x="581192" y="702156"/>
+            <a:ext cx="11029616" cy="1188720"/>
+          </a:xfrm>
+          <a:prstGeom prst="rect">
+            <a:avLst/>
+          </a:prstGeom>
+        </p:spPr>
+        <p:txBody>
+          <a:bodyPr vert="horz" lIns="91440" tIns="45720" rIns="91440" bIns="45720" rtlCol="0" anchor="b" anchorCtr="0">
+            <a:normAutofit/>
+          </a:bodyPr>
+          <a:lstStyle>
+            <a:lvl1pPr algn="l" defTabSz="457200" rtl="0" eaLnBrk="1" latinLnBrk="0" hangingPunct="1">
+              <a:lnSpc>
+                <a:spcPct val="100000"/>
+              </a:lnSpc>
+              <a:spcBef>
+                <a:spcPct val="0"/>
+              </a:spcBef>
+              <a:buNone/>
+              <a:defRPr sz="2800" b="0" kern="1200" cap="all">
+                <a:solidFill>
+                  <a:schemeClr val="tx1">
+                    <a:lumMod val="75000"/>
+                    <a:lumOff val="25000"/>
+                  </a:schemeClr>
+                </a:solidFill>
+                <a:latin typeface="+mj-lt"/>
+                <a:ea typeface="+mj-ea"/>
+                <a:cs typeface="+mj-cs"/>
+              </a:defRPr>
+            </a:lvl1pPr>
+            <a:lvl2pPr eaLnBrk="1" hangingPunct="1">
+              <a:defRPr>
+                <a:solidFill>
+                  <a:schemeClr val="tx2"/>
+                </a:solidFill>
+              </a:defRPr>
+            </a:lvl2pPr>
+            <a:lvl3pPr eaLnBrk="1" hangingPunct="1">
+              <a:defRPr>
+                <a:solidFill>
+                  <a:schemeClr val="tx2"/>
+                </a:solidFill>
+              </a:defRPr>
+            </a:lvl3pPr>
+            <a:lvl4pPr eaLnBrk="1" hangingPunct="1">
+              <a:defRPr>
+                <a:solidFill>
+                  <a:schemeClr val="tx2"/>
+                </a:solidFill>
+              </a:defRPr>
+            </a:lvl4pPr>
+            <a:lvl5pPr eaLnBrk="1" hangingPunct="1">
+              <a:defRPr>
+                <a:solidFill>
+                  <a:schemeClr val="tx2"/>
+                </a:solidFill>
+              </a:defRPr>
+            </a:lvl5pPr>
+            <a:lvl6pPr eaLnBrk="1" hangingPunct="1">
+              <a:defRPr>
+                <a:solidFill>
+                  <a:schemeClr val="tx2"/>
+                </a:solidFill>
+              </a:defRPr>
+            </a:lvl6pPr>
+            <a:lvl7pPr eaLnBrk="1" hangingPunct="1">
+              <a:defRPr>
+                <a:solidFill>
+                  <a:schemeClr val="tx2"/>
+                </a:solidFill>
+              </a:defRPr>
+            </a:lvl7pPr>
+            <a:lvl8pPr eaLnBrk="1" hangingPunct="1">
+              <a:defRPr>
+                <a:solidFill>
+                  <a:schemeClr val="tx2"/>
+                </a:solidFill>
+              </a:defRPr>
+            </a:lvl8pPr>
+            <a:lvl9pPr eaLnBrk="1" hangingPunct="1">
+              <a:defRPr>
+                <a:solidFill>
+                  <a:schemeClr val="tx2"/>
+                </a:solidFill>
+              </a:defRPr>
+            </a:lvl9pPr>
+          </a:lstStyle>
+          <a:p>
+            <a:pPr>
+              <a:spcAft>
+                <a:spcPts val="600"/>
+              </a:spcAft>
+            </a:pPr>
+            <a:r>
+              <a:rPr lang="en-US" b="0" kern="1200" cap="all" dirty="0">
+                <a:solidFill>
+                  <a:schemeClr val="tx1">
+                    <a:lumMod val="75000"/>
+                    <a:lumOff val="25000"/>
+                  </a:schemeClr>
+                </a:solidFill>
+                <a:latin typeface="+mj-lt"/>
+                <a:ea typeface="+mj-ea"/>
+                <a:cs typeface="+mj-cs"/>
+              </a:rPr>
+              <a:t>Overview</a:t>
+            </a:r>
+          </a:p>
+        </p:txBody>
+      </p:sp>
+      <p:sp>
+        <p:nvSpPr>
+          <p:cNvPr id="5" name="Slide Number Placeholder 4">
+            <a:extLst>
+              <a:ext uri="{FF2B5EF4-FFF2-40B4-BE49-F238E27FC236}">
+                <a16:creationId xmlns:a16="http://schemas.microsoft.com/office/drawing/2014/main" id="{2687D6E6-D5FA-4C9E-C76D-CC433D92DBC4}"/>
+              </a:ext>
+            </a:extLst>
+          </p:cNvPr>
+          <p:cNvSpPr>
+            <a:spLocks noGrp="1"/>
+          </p:cNvSpPr>
+          <p:nvPr>
+            <p:ph type="sldNum" sz="quarter" idx="12"/>
+          </p:nvPr>
+        </p:nvSpPr>
+        <p:spPr>
+          <a:xfrm>
+            <a:off x="10558300" y="6423914"/>
+            <a:ext cx="1052510" cy="365125"/>
+          </a:xfrm>
+        </p:spPr>
+        <p:txBody>
+          <a:bodyPr vert="horz" lIns="91440" tIns="45720" rIns="91440" bIns="45720" rtlCol="0" anchor="ctr">
+            <a:normAutofit/>
+          </a:bodyPr>
+          <a:lstStyle/>
+          <a:p>
+            <a:pPr defTabSz="457200">
+              <a:spcAft>
+                <a:spcPts val="600"/>
+              </a:spcAft>
+            </a:pPr>
+            <a:fld id="{3A98EE3D-8CD1-4C3F-BD1C-C98C9596463C}" type="slidenum">
+              <a:rPr lang="en-US" smtClean="0"/>
+              <a:pPr defTabSz="457200">
+                <a:spcAft>
+                  <a:spcPts val="600"/>
+                </a:spcAft>
+              </a:pPr>
+              <a:t>2</a:t>
+            </a:fld>
+            <a:endParaRPr lang="en-US"/>
+          </a:p>
+        </p:txBody>
+      </p:sp>
+      <p:graphicFrame>
+        <p:nvGraphicFramePr>
+          <p:cNvPr id="6" name="TextBox 12">
+            <a:extLst>
+              <a:ext uri="{FF2B5EF4-FFF2-40B4-BE49-F238E27FC236}">
+                <a16:creationId xmlns:a16="http://schemas.microsoft.com/office/drawing/2014/main" id="{20A849DE-F2B6-76CA-3767-636DCC681E3F}"/>
+              </a:ext>
+            </a:extLst>
+          </p:cNvPr>
+          <p:cNvGraphicFramePr/>
+          <p:nvPr>
+            <p:extLst>
+              <p:ext uri="{D42A27DB-BD31-4B8C-83A1-F6EECF244321}">
+                <p14:modId xmlns:p14="http://schemas.microsoft.com/office/powerpoint/2010/main" val="2244147138"/>
+              </p:ext>
+            </p:extLst>
+          </p:nvPr>
+        </p:nvGraphicFramePr>
+        <p:xfrm>
+          <a:off x="581025" y="2341563"/>
+          <a:ext cx="11029950" cy="3814281"/>
+        </p:xfrm>
+        <a:graphic>
+          <a:graphicData uri="http://schemas.openxmlformats.org/drawingml/2006/diagram">
+            <dgm:relIds xmlns:dgm="http://schemas.openxmlformats.org/drawingml/2006/diagram" xmlns:r="http://schemas.openxmlformats.org/officeDocument/2006/relationships" r:dm="rId2" r:lo="rId3" r:qs="rId4" r:cs="rId5"/>
+          </a:graphicData>
+        </a:graphic>
+      </p:graphicFrame>
+    </p:spTree>
+    <p:extLst>
+      <p:ext uri="{BB962C8B-B14F-4D97-AF65-F5344CB8AC3E}">
+        <p14:creationId xmlns:p14="http://schemas.microsoft.com/office/powerpoint/2010/main" val="2725059968"/>
+      </p:ext>
+    </p:extLst>
+  </p:cSld>
+  <p:clrMapOvr>
+    <a:masterClrMapping/>
+  </p:clrMapOvr>
+</p:sld>
+</file>
+
+<file path=ppt/slides/slide20.xml><?xml version="1.0" encoding="utf-8"?>
 <p:sld xmlns:a="http://schemas.openxmlformats.org/drawingml/2006/main" xmlns:r="http://schemas.openxmlformats.org/officeDocument/2006/relationships" xmlns:p="http://schemas.openxmlformats.org/presentationml/2006/main">
   <p:cSld>
     <p:bg>
@@ -13707,7 +16290,7 @@
                   <a:spcPts val="600"/>
                 </a:spcAft>
               </a:pPr>
-              <a:t>12</a:t>
+              <a:t>20</a:t>
             </a:fld>
             <a:endParaRPr lang="en-US">
               <a:solidFill>
@@ -13724,246 +16307,6 @@
     <p:extLst>
       <p:ext uri="{BB962C8B-B14F-4D97-AF65-F5344CB8AC3E}">
         <p14:creationId xmlns:p14="http://schemas.microsoft.com/office/powerpoint/2010/main" val="238273095"/>
-      </p:ext>
-    </p:extLst>
-  </p:cSld>
-  <p:clrMapOvr>
-    <a:masterClrMapping/>
-  </p:clrMapOvr>
-</p:sld>
-</file>
-
-<file path=ppt/slides/slide2.xml><?xml version="1.0" encoding="utf-8"?>
-<p:sld xmlns:a="http://schemas.openxmlformats.org/drawingml/2006/main" xmlns:r="http://schemas.openxmlformats.org/officeDocument/2006/relationships" xmlns:p="http://schemas.openxmlformats.org/presentationml/2006/main">
-  <p:cSld>
-    <p:bg>
-      <p:bgPr>
-        <a:solidFill>
-          <a:schemeClr val="bg1"/>
-        </a:solidFill>
-        <a:effectLst/>
-      </p:bgPr>
-    </p:bg>
-    <p:spTree>
-      <p:nvGrpSpPr>
-        <p:cNvPr id="1" name=""/>
-        <p:cNvGrpSpPr/>
-        <p:nvPr/>
-      </p:nvGrpSpPr>
-      <p:grpSpPr>
-        <a:xfrm>
-          <a:off x="0" y="0"/>
-          <a:ext cx="0" cy="0"/>
-          <a:chOff x="0" y="0"/>
-          <a:chExt cx="0" cy="0"/>
-        </a:xfrm>
-      </p:grpSpPr>
-      <p:sp>
-        <p:nvSpPr>
-          <p:cNvPr id="7" name="Title 3">
-            <a:extLst>
-              <a:ext uri="{FF2B5EF4-FFF2-40B4-BE49-F238E27FC236}">
-                <a16:creationId xmlns:a16="http://schemas.microsoft.com/office/drawing/2014/main" id="{AA9E537E-8F1D-CE1E-C433-D916E2A818CB}"/>
-              </a:ext>
-            </a:extLst>
-          </p:cNvPr>
-          <p:cNvSpPr txBox="1">
-            <a:spLocks/>
-          </p:cNvSpPr>
-          <p:nvPr/>
-        </p:nvSpPr>
-        <p:spPr>
-          <a:xfrm>
-            <a:off x="581192" y="702156"/>
-            <a:ext cx="11029616" cy="1188720"/>
-          </a:xfrm>
-          <a:prstGeom prst="rect">
-            <a:avLst/>
-          </a:prstGeom>
-        </p:spPr>
-        <p:txBody>
-          <a:bodyPr vert="horz" lIns="91440" tIns="45720" rIns="91440" bIns="45720" rtlCol="0" anchor="b" anchorCtr="0">
-            <a:normAutofit/>
-          </a:bodyPr>
-          <a:lstStyle>
-            <a:lvl1pPr algn="l" defTabSz="457200" rtl="0" eaLnBrk="1" latinLnBrk="0" hangingPunct="1">
-              <a:lnSpc>
-                <a:spcPct val="100000"/>
-              </a:lnSpc>
-              <a:spcBef>
-                <a:spcPct val="0"/>
-              </a:spcBef>
-              <a:buNone/>
-              <a:defRPr sz="2800" b="0" kern="1200" cap="all">
-                <a:solidFill>
-                  <a:schemeClr val="tx1">
-                    <a:lumMod val="75000"/>
-                    <a:lumOff val="25000"/>
-                  </a:schemeClr>
-                </a:solidFill>
-                <a:latin typeface="+mj-lt"/>
-                <a:ea typeface="+mj-ea"/>
-                <a:cs typeface="+mj-cs"/>
-              </a:defRPr>
-            </a:lvl1pPr>
-            <a:lvl2pPr eaLnBrk="1" hangingPunct="1">
-              <a:defRPr>
-                <a:solidFill>
-                  <a:schemeClr val="tx2"/>
-                </a:solidFill>
-              </a:defRPr>
-            </a:lvl2pPr>
-            <a:lvl3pPr eaLnBrk="1" hangingPunct="1">
-              <a:defRPr>
-                <a:solidFill>
-                  <a:schemeClr val="tx2"/>
-                </a:solidFill>
-              </a:defRPr>
-            </a:lvl3pPr>
-            <a:lvl4pPr eaLnBrk="1" hangingPunct="1">
-              <a:defRPr>
-                <a:solidFill>
-                  <a:schemeClr val="tx2"/>
-                </a:solidFill>
-              </a:defRPr>
-            </a:lvl4pPr>
-            <a:lvl5pPr eaLnBrk="1" hangingPunct="1">
-              <a:defRPr>
-                <a:solidFill>
-                  <a:schemeClr val="tx2"/>
-                </a:solidFill>
-              </a:defRPr>
-            </a:lvl5pPr>
-            <a:lvl6pPr eaLnBrk="1" hangingPunct="1">
-              <a:defRPr>
-                <a:solidFill>
-                  <a:schemeClr val="tx2"/>
-                </a:solidFill>
-              </a:defRPr>
-            </a:lvl6pPr>
-            <a:lvl7pPr eaLnBrk="1" hangingPunct="1">
-              <a:defRPr>
-                <a:solidFill>
-                  <a:schemeClr val="tx2"/>
-                </a:solidFill>
-              </a:defRPr>
-            </a:lvl7pPr>
-            <a:lvl8pPr eaLnBrk="1" hangingPunct="1">
-              <a:defRPr>
-                <a:solidFill>
-                  <a:schemeClr val="tx2"/>
-                </a:solidFill>
-              </a:defRPr>
-            </a:lvl8pPr>
-            <a:lvl9pPr eaLnBrk="1" hangingPunct="1">
-              <a:defRPr>
-                <a:solidFill>
-                  <a:schemeClr val="tx2"/>
-                </a:solidFill>
-              </a:defRPr>
-            </a:lvl9pPr>
-          </a:lstStyle>
-          <a:p>
-            <a:pPr>
-              <a:spcAft>
-                <a:spcPts val="600"/>
-              </a:spcAft>
-            </a:pPr>
-            <a:r>
-              <a:rPr lang="en-US" b="0" kern="1200" cap="all" dirty="0">
-                <a:solidFill>
-                  <a:schemeClr val="tx1">
-                    <a:lumMod val="75000"/>
-                    <a:lumOff val="25000"/>
-                  </a:schemeClr>
-                </a:solidFill>
-                <a:latin typeface="+mj-lt"/>
-                <a:ea typeface="+mj-ea"/>
-                <a:cs typeface="+mj-cs"/>
-              </a:rPr>
-              <a:t>Overview</a:t>
-            </a:r>
-          </a:p>
-        </p:txBody>
-      </p:sp>
-      <p:sp>
-        <p:nvSpPr>
-          <p:cNvPr id="5" name="Slide Number Placeholder 4">
-            <a:extLst>
-              <a:ext uri="{FF2B5EF4-FFF2-40B4-BE49-F238E27FC236}">
-                <a16:creationId xmlns:a16="http://schemas.microsoft.com/office/drawing/2014/main" id="{2687D6E6-D5FA-4C9E-C76D-CC433D92DBC4}"/>
-              </a:ext>
-            </a:extLst>
-          </p:cNvPr>
-          <p:cNvSpPr>
-            <a:spLocks noGrp="1"/>
-          </p:cNvSpPr>
-          <p:nvPr>
-            <p:ph type="sldNum" sz="quarter" idx="12"/>
-          </p:nvPr>
-        </p:nvSpPr>
-        <p:spPr>
-          <a:xfrm>
-            <a:off x="10558300" y="6423914"/>
-            <a:ext cx="1052510" cy="365125"/>
-          </a:xfrm>
-        </p:spPr>
-        <p:txBody>
-          <a:bodyPr vert="horz" lIns="91440" tIns="45720" rIns="91440" bIns="45720" rtlCol="0" anchor="ctr">
-            <a:normAutofit/>
-          </a:bodyPr>
-          <a:lstStyle/>
-          <a:p>
-            <a:pPr defTabSz="457200">
-              <a:spcAft>
-                <a:spcPts val="600"/>
-              </a:spcAft>
-            </a:pPr>
-            <a:fld id="{3A98EE3D-8CD1-4C3F-BD1C-C98C9596463C}" type="slidenum">
-              <a:rPr lang="en-US" smtClean="0"/>
-              <a:pPr defTabSz="457200">
-                <a:spcAft>
-                  <a:spcPts val="600"/>
-                </a:spcAft>
-              </a:pPr>
-              <a:t>2</a:t>
-            </a:fld>
-            <a:endParaRPr lang="en-US"/>
-          </a:p>
-        </p:txBody>
-      </p:sp>
-      <p:graphicFrame>
-        <p:nvGraphicFramePr>
-          <p:cNvPr id="6" name="TextBox 12">
-            <a:extLst>
-              <a:ext uri="{FF2B5EF4-FFF2-40B4-BE49-F238E27FC236}">
-                <a16:creationId xmlns:a16="http://schemas.microsoft.com/office/drawing/2014/main" id="{20A849DE-F2B6-76CA-3767-636DCC681E3F}"/>
-              </a:ext>
-            </a:extLst>
-          </p:cNvPr>
-          <p:cNvGraphicFramePr/>
-          <p:nvPr>
-            <p:extLst>
-              <p:ext uri="{D42A27DB-BD31-4B8C-83A1-F6EECF244321}">
-                <p14:modId xmlns:p14="http://schemas.microsoft.com/office/powerpoint/2010/main" val="2244147138"/>
-              </p:ext>
-            </p:extLst>
-          </p:nvPr>
-        </p:nvGraphicFramePr>
-        <p:xfrm>
-          <a:off x="581025" y="2341563"/>
-          <a:ext cx="11029950" cy="3814281"/>
-        </p:xfrm>
-        <a:graphic>
-          <a:graphicData uri="http://schemas.openxmlformats.org/drawingml/2006/diagram">
-            <dgm:relIds xmlns:dgm="http://schemas.openxmlformats.org/drawingml/2006/diagram" xmlns:r="http://schemas.openxmlformats.org/officeDocument/2006/relationships" r:dm="rId2" r:lo="rId3" r:qs="rId4" r:cs="rId5"/>
-          </a:graphicData>
-        </a:graphic>
-      </p:graphicFrame>
-    </p:spTree>
-    <p:extLst>
-      <p:ext uri="{BB962C8B-B14F-4D97-AF65-F5344CB8AC3E}">
-        <p14:creationId xmlns:p14="http://schemas.microsoft.com/office/powerpoint/2010/main" val="2725059968"/>
       </p:ext>
     </p:extLst>
   </p:cSld>
@@ -15700,7 +18043,7 @@
         </p:nvSpPr>
         <p:spPr>
           <a:xfrm>
-            <a:off x="581193" y="2340864"/>
+            <a:off x="581192" y="1886077"/>
             <a:ext cx="10679642" cy="3634486"/>
           </a:xfrm>
           <a:prstGeom prst="rect">
@@ -15729,7 +18072,7 @@
               <a:buSzPct val="92000"/>
             </a:pPr>
             <a:r>
-              <a:rPr lang="en-US" sz="1500" dirty="0">
+              <a:rPr lang="en-US" sz="1500">
                 <a:solidFill>
                   <a:schemeClr val="tx1">
                     <a:lumMod val="75000"/>
@@ -15737,51 +18080,7 @@
                   </a:schemeClr>
                 </a:solidFill>
               </a:rPr>
-              <a:t>We are going to use </a:t>
-            </a:r>
-            <a:r>
-              <a:rPr lang="en-US" sz="1500" dirty="0" err="1">
-                <a:solidFill>
-                  <a:schemeClr val="tx1">
-                    <a:lumMod val="75000"/>
-                    <a:lumOff val="25000"/>
-                  </a:schemeClr>
-                </a:solidFill>
-              </a:rPr>
-              <a:t>multisequencelearning</a:t>
-            </a:r>
-            <a:r>
-              <a:rPr lang="en-US" sz="1500" dirty="0">
-                <a:solidFill>
-                  <a:schemeClr val="tx1">
-                    <a:lumMod val="75000"/>
-                    <a:lumOff val="25000"/>
-                  </a:schemeClr>
-                </a:solidFill>
-              </a:rPr>
-              <a:t> class of </a:t>
-            </a:r>
-            <a:r>
-              <a:rPr lang="en-US" sz="1500" dirty="0" err="1">
-                <a:solidFill>
-                  <a:schemeClr val="tx1">
-                    <a:lumMod val="75000"/>
-                    <a:lumOff val="25000"/>
-                  </a:schemeClr>
-                </a:solidFill>
-              </a:rPr>
-              <a:t>NeoCortex</a:t>
-            </a:r>
-            <a:r>
-              <a:rPr lang="en-US" sz="1500" dirty="0">
-                <a:solidFill>
-                  <a:schemeClr val="tx1">
-                    <a:lumMod val="75000"/>
-                    <a:lumOff val="25000"/>
-                  </a:schemeClr>
-                </a:solidFill>
-              </a:rPr>
-              <a:t> API as base of our project. It will help use with both training our HTM model and using it for prediction. The class works in the following way: </a:t>
+              <a:t>We are going to use multisequencelearning class of NeoCortex API as base of our project. It will help use with both training our HTM model and using it for prediction. The class works in the following way: </a:t>
             </a:r>
           </a:p>
           <a:p>
@@ -15802,7 +18101,7 @@
               <a:buFont typeface="Wingdings 2" panose="05020102010507070707" pitchFamily="18" charset="2"/>
               <a:buChar char=""/>
             </a:pPr>
-            <a:endParaRPr lang="en-US" sz="1500" dirty="0">
+            <a:endParaRPr lang="en-US" sz="1500">
               <a:solidFill>
                 <a:schemeClr val="tx1">
                   <a:lumMod val="75000"/>
@@ -15830,7 +18129,7 @@
               <a:buChar char=""/>
             </a:pPr>
             <a:r>
-              <a:rPr lang="en-US" sz="1500" dirty="0">
+              <a:rPr lang="en-US" sz="1500">
                 <a:solidFill>
                   <a:schemeClr val="tx1">
                     <a:lumMod val="75000"/>
@@ -15838,29 +18137,7 @@
                   </a:schemeClr>
                 </a:solidFill>
               </a:rPr>
-              <a:t>HTM Configuration is taken and memory of connections are initialized. After that, HTM Classifier, Cortex layer and </a:t>
-            </a:r>
-            <a:r>
-              <a:rPr lang="en-US" sz="1500" dirty="0" err="1">
-                <a:solidFill>
-                  <a:schemeClr val="tx1">
-                    <a:lumMod val="75000"/>
-                    <a:lumOff val="25000"/>
-                  </a:schemeClr>
-                </a:solidFill>
-              </a:rPr>
-              <a:t>HomeostaticPlasticityController</a:t>
-            </a:r>
-            <a:r>
-              <a:rPr lang="en-US" sz="1500" dirty="0">
-                <a:solidFill>
-                  <a:schemeClr val="tx1">
-                    <a:lumMod val="75000"/>
-                    <a:lumOff val="25000"/>
-                  </a:schemeClr>
-                </a:solidFill>
-              </a:rPr>
-              <a:t> are initialized. </a:t>
+              <a:t>HTM Configuration is taken and memory of connections are initialized. After that, HTM Classifier, Cortex layer and HomeostaticPlasticityController are initialized. </a:t>
             </a:r>
           </a:p>
           <a:p>
@@ -15889,150 +18166,6 @@
                 </a:schemeClr>
               </a:solidFill>
             </a:endParaRPr>
-          </a:p>
-          <a:p>
-            <a:pPr marL="285750" indent="-285750" defTabSz="457200">
-              <a:lnSpc>
-                <a:spcPct val="90000"/>
-              </a:lnSpc>
-              <a:spcBef>
-                <a:spcPct val="20000"/>
-              </a:spcBef>
-              <a:spcAft>
-                <a:spcPts val="600"/>
-              </a:spcAft>
-              <a:buClr>
-                <a:schemeClr val="accent1"/>
-              </a:buClr>
-              <a:buSzPct val="92000"/>
-              <a:buFont typeface="Wingdings 2" panose="05020102010507070707" pitchFamily="18" charset="2"/>
-              <a:buChar char=""/>
-            </a:pPr>
-            <a:r>
-              <a:rPr lang="en-US" sz="1500" dirty="0">
-                <a:solidFill>
-                  <a:schemeClr val="tx1">
-                    <a:lumMod val="75000"/>
-                    <a:lumOff val="25000"/>
-                  </a:schemeClr>
-                </a:solidFill>
-              </a:rPr>
-              <a:t>After that, Spatial Pooler and Temporal Memory is initialized.</a:t>
-            </a:r>
-          </a:p>
-          <a:p>
-            <a:pPr marL="285750" indent="-285750" defTabSz="457200">
-              <a:lnSpc>
-                <a:spcPct val="90000"/>
-              </a:lnSpc>
-              <a:spcBef>
-                <a:spcPct val="20000"/>
-              </a:spcBef>
-              <a:spcAft>
-                <a:spcPts val="600"/>
-              </a:spcAft>
-              <a:buClr>
-                <a:schemeClr val="accent1"/>
-              </a:buClr>
-              <a:buSzPct val="92000"/>
-              <a:buFont typeface="Wingdings 2" panose="05020102010507070707" pitchFamily="18" charset="2"/>
-              <a:buChar char=""/>
-            </a:pPr>
-            <a:endParaRPr lang="en-US" sz="1500" dirty="0">
-              <a:solidFill>
-                <a:schemeClr val="tx1">
-                  <a:lumMod val="75000"/>
-                  <a:lumOff val="25000"/>
-                </a:schemeClr>
-              </a:solidFill>
-            </a:endParaRPr>
-          </a:p>
-          <a:p>
-            <a:pPr marL="285750" indent="-285750" defTabSz="457200">
-              <a:lnSpc>
-                <a:spcPct val="90000"/>
-              </a:lnSpc>
-              <a:spcBef>
-                <a:spcPct val="20000"/>
-              </a:spcBef>
-              <a:spcAft>
-                <a:spcPts val="600"/>
-              </a:spcAft>
-              <a:buClr>
-                <a:schemeClr val="accent1"/>
-              </a:buClr>
-              <a:buSzPct val="92000"/>
-              <a:buFont typeface="Wingdings 2" panose="05020102010507070707" pitchFamily="18" charset="2"/>
-              <a:buChar char=""/>
-            </a:pPr>
-            <a:r>
-              <a:rPr lang="en-US" sz="1500" dirty="0">
-                <a:solidFill>
-                  <a:schemeClr val="tx1">
-                    <a:lumMod val="75000"/>
-                    <a:lumOff val="25000"/>
-                  </a:schemeClr>
-                </a:solidFill>
-              </a:rPr>
-              <a:t>After that, spatial pooler memory is added to cortex layer and trained for maximum number of cycles.</a:t>
-            </a:r>
-          </a:p>
-          <a:p>
-            <a:pPr marL="285750" indent="-285750" defTabSz="457200">
-              <a:lnSpc>
-                <a:spcPct val="90000"/>
-              </a:lnSpc>
-              <a:spcBef>
-                <a:spcPct val="20000"/>
-              </a:spcBef>
-              <a:spcAft>
-                <a:spcPts val="600"/>
-              </a:spcAft>
-              <a:buClr>
-                <a:schemeClr val="accent1"/>
-              </a:buClr>
-              <a:buSzPct val="92000"/>
-              <a:buFont typeface="Wingdings 2" panose="05020102010507070707" pitchFamily="18" charset="2"/>
-              <a:buChar char=""/>
-            </a:pPr>
-            <a:endParaRPr lang="en-US" sz="1500" dirty="0">
-              <a:solidFill>
-                <a:schemeClr val="tx1">
-                  <a:lumMod val="75000"/>
-                  <a:lumOff val="25000"/>
-                </a:schemeClr>
-              </a:solidFill>
-            </a:endParaRPr>
-          </a:p>
-          <a:p>
-            <a:pPr marL="285750" indent="-285750" defTabSz="457200">
-              <a:lnSpc>
-                <a:spcPct val="90000"/>
-              </a:lnSpc>
-              <a:spcBef>
-                <a:spcPct val="20000"/>
-              </a:spcBef>
-              <a:spcAft>
-                <a:spcPts val="600"/>
-              </a:spcAft>
-              <a:buClr>
-                <a:schemeClr val="accent1"/>
-              </a:buClr>
-              <a:buSzPct val="92000"/>
-              <a:buFont typeface="Wingdings 2" panose="05020102010507070707" pitchFamily="18" charset="2"/>
-              <a:buChar char=""/>
-            </a:pPr>
-            <a:r>
-              <a:rPr lang="en-US" sz="1500" dirty="0">
-                <a:solidFill>
-                  <a:schemeClr val="tx1">
-                    <a:lumMod val="75000"/>
-                    <a:lumOff val="25000"/>
-                  </a:schemeClr>
-                </a:solidFill>
-              </a:rPr>
-              <a:t>After that, temporal memory is added to cortex layer to learn all the input sequences. e. Finally, the trained cortex layer and HTM classifier is returned. </a:t>
-            </a:r>
           </a:p>
         </p:txBody>
       </p:sp>
@@ -16232,7 +18365,7 @@
               </a:spcAft>
             </a:pPr>
             <a:r>
-              <a:rPr lang="en-US" b="0" kern="1200" cap="all" dirty="0">
+              <a:rPr lang="en-US" b="0" kern="1200" cap="all">
                 <a:solidFill>
                   <a:schemeClr val="tx1">
                     <a:lumMod val="75000"/>
@@ -16245,6 +18378,17 @@
               </a:rPr>
               <a:t>Methodology (Cont.)</a:t>
             </a:r>
+            <a:endParaRPr lang="en-US" b="0" kern="1200" cap="all" dirty="0">
+              <a:solidFill>
+                <a:schemeClr val="tx1">
+                  <a:lumMod val="75000"/>
+                  <a:lumOff val="25000"/>
+                </a:schemeClr>
+              </a:solidFill>
+              <a:latin typeface="+mj-lt"/>
+              <a:ea typeface="+mj-ea"/>
+              <a:cs typeface="+mj-cs"/>
+            </a:endParaRPr>
           </a:p>
         </p:txBody>
       </p:sp>
@@ -16281,7 +18425,7 @@
               </a:spcAft>
             </a:pPr>
             <a:fld id="{3A98EE3D-8CD1-4C3F-BD1C-C98C9596463C}" type="slidenum">
-              <a:rPr lang="en-US" sz="1260" kern="1200">
+              <a:rPr lang="en-US" sz="1260" kern="1200" smtClean="0">
                 <a:solidFill>
                   <a:schemeClr val="tx1"/>
                 </a:solidFill>
@@ -16317,8 +18461,8 @@
         </p:nvSpPr>
         <p:spPr>
           <a:xfrm>
-            <a:off x="2053004" y="2341563"/>
-            <a:ext cx="4298994" cy="286232"/>
+            <a:off x="1043354" y="2341563"/>
+            <a:ext cx="5308644" cy="286232"/>
           </a:xfrm>
           <a:prstGeom prst="rect">
             <a:avLst/>
@@ -16387,8 +18531,8 @@
         </p:nvSpPr>
         <p:spPr>
           <a:xfrm>
-            <a:off x="2135677" y="2918044"/>
-            <a:ext cx="4298994" cy="2533001"/>
+            <a:off x="867508" y="2918044"/>
+            <a:ext cx="6295292" cy="1951303"/>
           </a:xfrm>
           <a:prstGeom prst="rect">
             <a:avLst/>
@@ -16767,7 +18911,7 @@
         <p:spPr>
           <a:xfrm>
             <a:off x="961292" y="2274838"/>
-            <a:ext cx="6096000" cy="2308324"/>
+            <a:ext cx="9015046" cy="1754326"/>
           </a:xfrm>
           <a:prstGeom prst="rect">
             <a:avLst/>
@@ -17100,9 +19244,10 @@
               </a:lnSpc>
             </a:pPr>
             <a:r>
-              <a:rPr lang="en-US" dirty="0"/>
+              <a:rPr lang="en-US"/>
               <a:t>Methodology (Cont.)</a:t>
             </a:r>
+            <a:endParaRPr lang="en-US" dirty="0"/>
           </a:p>
         </p:txBody>
       </p:sp>
@@ -17120,8 +19265,8 @@
         </p:nvSpPr>
         <p:spPr>
           <a:xfrm>
-            <a:off x="738554" y="1403811"/>
-            <a:ext cx="6096000" cy="369332"/>
+            <a:off x="445477" y="1403811"/>
+            <a:ext cx="6389077" cy="369332"/>
           </a:xfrm>
           <a:prstGeom prst="rect">
             <a:avLst/>
@@ -17156,8 +19301,8 @@
         </p:nvSpPr>
         <p:spPr>
           <a:xfrm>
-            <a:off x="355052" y="2352544"/>
-            <a:ext cx="6096000" cy="1754326"/>
+            <a:off x="355051" y="2352544"/>
+            <a:ext cx="9972979" cy="923330"/>
           </a:xfrm>
           <a:prstGeom prst="rect">
             <a:avLst/>
@@ -17242,36 +19387,6 @@
           </a:p>
         </p:txBody>
       </p:sp>
-      <p:pic>
-        <p:nvPicPr>
-          <p:cNvPr id="10" name="Picture 9">
-            <a:extLst>
-              <a:ext uri="{FF2B5EF4-FFF2-40B4-BE49-F238E27FC236}">
-                <a16:creationId xmlns:a16="http://schemas.microsoft.com/office/drawing/2014/main" id="{0B57976D-5C24-4CAE-9648-CB3AE72884AB}"/>
-              </a:ext>
-            </a:extLst>
-          </p:cNvPr>
-          <p:cNvPicPr>
-            <a:picLocks noChangeAspect="1"/>
-          </p:cNvPicPr>
-          <p:nvPr/>
-        </p:nvPicPr>
-        <p:blipFill>
-          <a:blip r:embed="rId2"/>
-          <a:stretch>
-            <a:fillRect/>
-          </a:stretch>
-        </p:blipFill>
-        <p:spPr>
-          <a:xfrm>
-            <a:off x="6788427" y="2186609"/>
-            <a:ext cx="4591878" cy="2814897"/>
-          </a:xfrm>
-          <a:prstGeom prst="rect">
-            <a:avLst/>
-          </a:prstGeom>
-        </p:spPr>
-      </p:pic>
     </p:spTree>
     <p:extLst>
       <p:ext uri="{BB962C8B-B14F-4D97-AF65-F5344CB8AC3E}">
@@ -17288,14 +19403,6 @@
 <file path=ppt/slides/slide9.xml><?xml version="1.0" encoding="utf-8"?>
 <p:sld xmlns:a="http://schemas.openxmlformats.org/drawingml/2006/main" xmlns:r="http://schemas.openxmlformats.org/officeDocument/2006/relationships" xmlns:p="http://schemas.openxmlformats.org/presentationml/2006/main">
   <p:cSld>
-    <p:bg>
-      <p:bgPr>
-        <a:solidFill>
-          <a:schemeClr val="bg1"/>
-        </a:solidFill>
-        <a:effectLst/>
-      </p:bgPr>
-    </p:bg>
     <p:spTree>
       <p:nvGrpSpPr>
         <p:cNvPr id="1" name=""/>
@@ -17310,546 +19417,186 @@
           <a:chExt cx="0" cy="0"/>
         </a:xfrm>
       </p:grpSpPr>
-      <p:sp useBgFill="1">
+      <p:sp>
         <p:nvSpPr>
-          <p:cNvPr id="19" name="Rectangle 18">
+          <p:cNvPr id="2" name="Title 1">
             <a:extLst>
               <a:ext uri="{FF2B5EF4-FFF2-40B4-BE49-F238E27FC236}">
-                <a16:creationId xmlns:a16="http://schemas.microsoft.com/office/drawing/2014/main" id="{F875149D-F692-45DA-8324-D5E0193D5FC4}"/>
-              </a:ext>
-              <a:ext uri="{C183D7F6-B498-43B3-948B-1728B52AA6E4}">
-                <adec:decorative xmlns:adec="http://schemas.microsoft.com/office/drawing/2017/decorative" val="1"/>
+                <a16:creationId xmlns:a16="http://schemas.microsoft.com/office/drawing/2014/main" id="{0A9AAD05-9A8B-C30B-B4D9-99E3A92A99B5}"/>
               </a:ext>
             </a:extLst>
           </p:cNvPr>
           <p:cNvSpPr>
-            <a:spLocks noGrp="1" noRot="1" noChangeAspect="1" noMove="1" noResize="1" noEditPoints="1" noAdjustHandles="1" noChangeArrowheads="1" noChangeShapeType="1" noTextEdit="1"/>
+            <a:spLocks noGrp="1"/>
           </p:cNvSpPr>
           <p:nvPr>
-            <p:extLst>
-              <p:ext uri="{386F3935-93C4-4BCD-93E2-E3B085C9AB24}">
-                <p16:designElem xmlns:p16="http://schemas.microsoft.com/office/powerpoint/2015/main" val="1"/>
-              </p:ext>
-            </p:extLst>
+            <p:ph type="title"/>
           </p:nvPr>
         </p:nvSpPr>
         <p:spPr>
           <a:xfrm>
-            <a:off x="0" y="0"/>
-            <a:ext cx="12191999" cy="6858001"/>
+            <a:off x="674976" y="702156"/>
+            <a:ext cx="10935832" cy="630482"/>
           </a:xfrm>
-          <a:prstGeom prst="rect">
-            <a:avLst/>
-          </a:prstGeom>
-          <a:ln>
-            <a:noFill/>
-          </a:ln>
         </p:spPr>
-        <p:style>
-          <a:lnRef idx="2">
-            <a:schemeClr val="accent1">
-              <a:shade val="50000"/>
-            </a:schemeClr>
-          </a:lnRef>
-          <a:fillRef idx="1">
-            <a:schemeClr val="accent1"/>
-          </a:fillRef>
-          <a:effectRef idx="0">
-            <a:schemeClr val="accent1"/>
-          </a:effectRef>
-          <a:fontRef idx="minor">
-            <a:schemeClr val="lt1"/>
-          </a:fontRef>
-        </p:style>
         <p:txBody>
-          <a:bodyPr rtlCol="0" anchor="ctr"/>
+          <a:bodyPr/>
           <a:lstStyle/>
           <a:p>
-            <a:pPr algn="ctr"/>
-            <a:endParaRPr lang="en-US"/>
+            <a:r>
+              <a:rPr lang="en-US" dirty="0"/>
+              <a:t>Execution of Project</a:t>
+            </a:r>
           </a:p>
         </p:txBody>
       </p:sp>
       <p:sp>
         <p:nvSpPr>
-          <p:cNvPr id="21" name="Rectangle 20">
+          <p:cNvPr id="3" name="Content Placeholder 2">
             <a:extLst>
               <a:ext uri="{FF2B5EF4-FFF2-40B4-BE49-F238E27FC236}">
-                <a16:creationId xmlns:a16="http://schemas.microsoft.com/office/drawing/2014/main" id="{C0B19935-C760-4698-9DD1-973C8A428D26}"/>
-              </a:ext>
-              <a:ext uri="{C183D7F6-B498-43B3-948B-1728B52AA6E4}">
-                <adec:decorative xmlns:adec="http://schemas.microsoft.com/office/drawing/2017/decorative" val="1"/>
+                <a16:creationId xmlns:a16="http://schemas.microsoft.com/office/drawing/2014/main" id="{7A29D8BD-886F-3049-F4A7-87F6F95E216B}"/>
               </a:ext>
             </a:extLst>
           </p:cNvPr>
           <p:cNvSpPr>
-            <a:spLocks noGrp="1" noRot="1" noChangeAspect="1" noMove="1" noResize="1" noEditPoints="1" noAdjustHandles="1" noChangeArrowheads="1" noChangeShapeType="1" noTextEdit="1"/>
+            <a:spLocks noGrp="1"/>
           </p:cNvSpPr>
           <p:nvPr>
-            <p:extLst>
-              <p:ext uri="{386F3935-93C4-4BCD-93E2-E3B085C9AB24}">
-                <p16:designElem xmlns:p16="http://schemas.microsoft.com/office/powerpoint/2015/main" val="1"/>
-              </p:ext>
-            </p:extLst>
+            <p:ph idx="1"/>
           </p:nvPr>
         </p:nvSpPr>
         <p:spPr>
           <a:xfrm>
-            <a:off x="446534" y="457200"/>
-            <a:ext cx="3703320" cy="94997"/>
+            <a:off x="674975" y="1852985"/>
+            <a:ext cx="11029615" cy="3634486"/>
           </a:xfrm>
-          <a:prstGeom prst="rect">
-            <a:avLst/>
-          </a:prstGeom>
-          <a:solidFill>
-            <a:srgbClr val="465359"/>
-          </a:solidFill>
-          <a:ln>
-            <a:noFill/>
-          </a:ln>
-          <a:effectLst/>
         </p:spPr>
-        <p:style>
-          <a:lnRef idx="1">
-            <a:schemeClr val="accent1"/>
-          </a:lnRef>
-          <a:fillRef idx="3">
-            <a:schemeClr val="accent1"/>
-          </a:fillRef>
-          <a:effectRef idx="2">
-            <a:schemeClr val="accent1"/>
-          </a:effectRef>
-          <a:fontRef idx="minor">
-            <a:schemeClr val="lt1"/>
-          </a:fontRef>
-        </p:style>
         <p:txBody>
-          <a:bodyPr/>
+          <a:bodyPr>
+            <a:normAutofit/>
+          </a:bodyPr>
           <a:lstStyle/>
           <a:p>
+            <a:pPr marL="0" indent="0">
+              <a:buNone/>
+            </a:pPr>
+            <a:r>
+              <a:rPr lang="en-US" b="0" i="0">
+                <a:solidFill>
+                  <a:srgbClr val="1F2328"/>
+                </a:solidFill>
+                <a:effectLst/>
+                <a:latin typeface="-apple-system"/>
+              </a:rPr>
+              <a:t>Firstly, we will read and train the HTM Engine using the data from both our training (learning) and predicting (predictive) folders, which are present as numerical sequences in CSV files in the 'training' and 'predicting' folders inside the project directory. Normally, the values stay within the range of 65 to 75.</a:t>
+            </a:r>
+          </a:p>
+          <a:p>
+            <a:pPr marL="0" indent="0">
+              <a:buNone/>
+            </a:pPr>
             <a:endParaRPr lang="en-US"/>
+          </a:p>
+          <a:p>
+            <a:pPr marL="0" indent="0">
+              <a:buNone/>
+            </a:pPr>
+            <a:endParaRPr lang="en-US"/>
+          </a:p>
+          <a:p>
+            <a:pPr marL="0" indent="0">
+              <a:buNone/>
+            </a:pPr>
+            <a:endParaRPr lang="en-US"/>
+          </a:p>
+          <a:p>
+            <a:pPr marL="0" indent="0">
+              <a:buNone/>
+            </a:pPr>
+            <a:endParaRPr lang="en-US"/>
+          </a:p>
+          <a:p>
+            <a:pPr marL="0" indent="0">
+              <a:buNone/>
+            </a:pPr>
+            <a:r>
+              <a:rPr lang="en-US" b="0" i="0">
+                <a:solidFill>
+                  <a:srgbClr val="1F2328"/>
+                </a:solidFill>
+                <a:effectLst/>
+                <a:latin typeface="-apple-system"/>
+              </a:rPr>
+              <a:t>All values outside of this range are considered anomalies for testing purposes. However, in order to identify anomalies, we have a csv file in the predicting folder. Typically, some of the data in this file does not fall within 65 and 75.</a:t>
+            </a:r>
+          </a:p>
+          <a:p>
+            <a:pPr marL="0" indent="0">
+              <a:buNone/>
+            </a:pPr>
+            <a:endParaRPr lang="en-US" b="0" i="0">
+              <a:solidFill>
+                <a:srgbClr val="1F2328"/>
+              </a:solidFill>
+              <a:effectLst/>
+              <a:latin typeface="-apple-system"/>
+            </a:endParaRPr>
+          </a:p>
+          <a:p>
+            <a:pPr marL="0" indent="0">
+              <a:buNone/>
+            </a:pPr>
+            <a:endParaRPr lang="en-US">
+              <a:solidFill>
+                <a:srgbClr val="1F2328"/>
+              </a:solidFill>
+              <a:latin typeface="-apple-system"/>
+            </a:endParaRPr>
+          </a:p>
+          <a:p>
+            <a:pPr marL="0" indent="0">
+              <a:buNone/>
+            </a:pPr>
+            <a:endParaRPr lang="en-US" dirty="0"/>
           </a:p>
         </p:txBody>
       </p:sp>
       <p:sp>
         <p:nvSpPr>
-          <p:cNvPr id="23" name="Rectangle 22">
+          <p:cNvPr id="5" name="Slide Number Placeholder 4">
             <a:extLst>
               <a:ext uri="{FF2B5EF4-FFF2-40B4-BE49-F238E27FC236}">
-                <a16:creationId xmlns:a16="http://schemas.microsoft.com/office/drawing/2014/main" id="{08990612-E008-4F02-AEBB-B140BE753558}"/>
-              </a:ext>
-              <a:ext uri="{C183D7F6-B498-43B3-948B-1728B52AA6E4}">
-                <adec:decorative xmlns:adec="http://schemas.microsoft.com/office/drawing/2017/decorative" val="1"/>
+                <a16:creationId xmlns:a16="http://schemas.microsoft.com/office/drawing/2014/main" id="{57203070-D601-457B-9DF7-A4611183F29A}"/>
               </a:ext>
             </a:extLst>
           </p:cNvPr>
           <p:cNvSpPr>
-            <a:spLocks noGrp="1" noRot="1" noChangeAspect="1" noMove="1" noResize="1" noEditPoints="1" noAdjustHandles="1" noChangeArrowheads="1" noChangeShapeType="1" noTextEdit="1"/>
+            <a:spLocks noGrp="1"/>
           </p:cNvSpPr>
           <p:nvPr>
-            <p:extLst>
-              <p:ext uri="{386F3935-93C4-4BCD-93E2-E3B085C9AB24}">
-                <p16:designElem xmlns:p16="http://schemas.microsoft.com/office/powerpoint/2015/main" val="1"/>
-              </p:ext>
-            </p:extLst>
+            <p:ph type="sldNum" sz="quarter" idx="12"/>
           </p:nvPr>
         </p:nvSpPr>
-        <p:spPr>
-          <a:xfrm>
-            <a:off x="4241830" y="457200"/>
-            <a:ext cx="3703320" cy="91440"/>
-          </a:xfrm>
-          <a:prstGeom prst="rect">
-            <a:avLst/>
-          </a:prstGeom>
-          <a:solidFill>
-            <a:schemeClr val="accent1"/>
-          </a:solidFill>
-          <a:ln>
-            <a:noFill/>
-          </a:ln>
-          <a:effectLst/>
-        </p:spPr>
-        <p:style>
-          <a:lnRef idx="1">
-            <a:schemeClr val="accent1"/>
-          </a:lnRef>
-          <a:fillRef idx="3">
-            <a:schemeClr val="accent1"/>
-          </a:fillRef>
-          <a:effectRef idx="2">
-            <a:schemeClr val="accent1"/>
-          </a:effectRef>
-          <a:fontRef idx="minor">
-            <a:schemeClr val="lt1"/>
-          </a:fontRef>
-        </p:style>
+        <p:spPr/>
         <p:txBody>
           <a:bodyPr/>
           <a:lstStyle/>
           <a:p>
-            <a:endParaRPr lang="en-US"/>
-          </a:p>
-        </p:txBody>
-      </p:sp>
-      <p:sp>
-        <p:nvSpPr>
-          <p:cNvPr id="25" name="Rectangle 24">
-            <a:extLst>
-              <a:ext uri="{FF2B5EF4-FFF2-40B4-BE49-F238E27FC236}">
-                <a16:creationId xmlns:a16="http://schemas.microsoft.com/office/drawing/2014/main" id="{A310A41F-3A14-4150-B6CF-0A577DDDEAD2}"/>
-              </a:ext>
-              <a:ext uri="{C183D7F6-B498-43B3-948B-1728B52AA6E4}">
-                <adec:decorative xmlns:adec="http://schemas.microsoft.com/office/drawing/2017/decorative" val="1"/>
-              </a:ext>
-            </a:extLst>
-          </p:cNvPr>
-          <p:cNvSpPr>
-            <a:spLocks noGrp="1" noRot="1" noChangeAspect="1" noMove="1" noResize="1" noEditPoints="1" noAdjustHandles="1" noChangeArrowheads="1" noChangeShapeType="1" noTextEdit="1"/>
-          </p:cNvSpPr>
-          <p:nvPr>
-            <p:extLst>
-              <p:ext uri="{386F3935-93C4-4BCD-93E2-E3B085C9AB24}">
-                <p16:designElem xmlns:p16="http://schemas.microsoft.com/office/powerpoint/2015/main" val="1"/>
-              </p:ext>
-            </p:extLst>
-          </p:nvPr>
-        </p:nvSpPr>
-        <p:spPr>
-          <a:xfrm>
-            <a:off x="8042147" y="453643"/>
-            <a:ext cx="3703320" cy="98554"/>
-          </a:xfrm>
-          <a:prstGeom prst="rect">
-            <a:avLst/>
-          </a:prstGeom>
-          <a:solidFill>
-            <a:srgbClr val="969FA7"/>
-          </a:solidFill>
-          <a:ln>
-            <a:noFill/>
-          </a:ln>
-          <a:effectLst/>
-        </p:spPr>
-        <p:style>
-          <a:lnRef idx="1">
-            <a:schemeClr val="accent1"/>
-          </a:lnRef>
-          <a:fillRef idx="3">
-            <a:schemeClr val="accent1"/>
-          </a:fillRef>
-          <a:effectRef idx="2">
-            <a:schemeClr val="accent1"/>
-          </a:effectRef>
-          <a:fontRef idx="minor">
-            <a:schemeClr val="lt1"/>
-          </a:fontRef>
-        </p:style>
-        <p:txBody>
-          <a:bodyPr/>
-          <a:lstStyle/>
-          <a:p>
-            <a:endParaRPr lang="en-US"/>
-          </a:p>
-        </p:txBody>
-      </p:sp>
-      <p:sp>
-        <p:nvSpPr>
-          <p:cNvPr id="27" name="Rectangle 26">
-            <a:extLst>
-              <a:ext uri="{FF2B5EF4-FFF2-40B4-BE49-F238E27FC236}">
-                <a16:creationId xmlns:a16="http://schemas.microsoft.com/office/drawing/2014/main" id="{7B89EEFD-93BC-4ACF-962C-E6279E72B00B}"/>
-              </a:ext>
-              <a:ext uri="{C183D7F6-B498-43B3-948B-1728B52AA6E4}">
-                <adec:decorative xmlns:adec="http://schemas.microsoft.com/office/drawing/2017/decorative" val="1"/>
-              </a:ext>
-            </a:extLst>
-          </p:cNvPr>
-          <p:cNvSpPr>
-            <a:spLocks noGrp="1" noRot="1" noChangeAspect="1" noMove="1" noResize="1" noEditPoints="1" noAdjustHandles="1" noChangeArrowheads="1" noChangeShapeType="1" noTextEdit="1"/>
-          </p:cNvSpPr>
-          <p:nvPr>
-            <p:extLst>
-              <p:ext uri="{386F3935-93C4-4BCD-93E2-E3B085C9AB24}">
-                <p16:designElem xmlns:p16="http://schemas.microsoft.com/office/powerpoint/2015/main" val="1"/>
-              </p:ext>
-            </p:extLst>
-          </p:nvPr>
-        </p:nvSpPr>
-        <p:spPr>
-          <a:xfrm>
-            <a:off x="461436" y="723899"/>
-            <a:ext cx="3703320" cy="5666666"/>
-          </a:xfrm>
-          <a:prstGeom prst="rect">
-            <a:avLst/>
-          </a:prstGeom>
-          <a:solidFill>
-            <a:srgbClr val="465359"/>
-          </a:solidFill>
-          <a:ln>
-            <a:noFill/>
-          </a:ln>
-          <a:effectLst/>
-        </p:spPr>
-        <p:style>
-          <a:lnRef idx="1">
-            <a:schemeClr val="accent1"/>
-          </a:lnRef>
-          <a:fillRef idx="3">
-            <a:schemeClr val="accent1"/>
-          </a:fillRef>
-          <a:effectRef idx="2">
-            <a:schemeClr val="accent1"/>
-          </a:effectRef>
-          <a:fontRef idx="minor">
-            <a:schemeClr val="lt1"/>
-          </a:fontRef>
-        </p:style>
-        <p:txBody>
-          <a:bodyPr/>
-          <a:lstStyle/>
-          <a:p>
-            <a:endParaRPr lang="en-US"/>
-          </a:p>
-        </p:txBody>
-      </p:sp>
-      <p:sp>
-        <p:nvSpPr>
-          <p:cNvPr id="7" name="Title 3">
-            <a:extLst>
-              <a:ext uri="{FF2B5EF4-FFF2-40B4-BE49-F238E27FC236}">
-                <a16:creationId xmlns:a16="http://schemas.microsoft.com/office/drawing/2014/main" id="{AA9E537E-8F1D-CE1E-C433-D916E2A818CB}"/>
-              </a:ext>
-            </a:extLst>
-          </p:cNvPr>
-          <p:cNvSpPr txBox="1">
-            <a:spLocks/>
-          </p:cNvSpPr>
-          <p:nvPr/>
-        </p:nvSpPr>
-        <p:spPr>
-          <a:xfrm>
-            <a:off x="803189" y="1209184"/>
-            <a:ext cx="3089189" cy="4734416"/>
-          </a:xfrm>
-          <a:prstGeom prst="rect">
-            <a:avLst/>
-          </a:prstGeom>
-        </p:spPr>
-        <p:txBody>
-          <a:bodyPr vert="horz" lIns="91440" tIns="45720" rIns="91440" bIns="45720" rtlCol="0" anchor="ctr" anchorCtr="0">
-            <a:normAutofit/>
-          </a:bodyPr>
-          <a:lstStyle>
-            <a:lvl1pPr algn="l" defTabSz="457200" rtl="0" eaLnBrk="1" latinLnBrk="0" hangingPunct="1">
-              <a:lnSpc>
-                <a:spcPct val="100000"/>
-              </a:lnSpc>
-              <a:spcBef>
-                <a:spcPct val="0"/>
-              </a:spcBef>
-              <a:buNone/>
-              <a:defRPr sz="2800" b="0" kern="1200" cap="all">
-                <a:solidFill>
-                  <a:schemeClr val="tx1">
-                    <a:lumMod val="75000"/>
-                    <a:lumOff val="25000"/>
-                  </a:schemeClr>
-                </a:solidFill>
-                <a:latin typeface="+mj-lt"/>
-                <a:ea typeface="+mj-ea"/>
-                <a:cs typeface="+mj-cs"/>
-              </a:defRPr>
-            </a:lvl1pPr>
-            <a:lvl2pPr eaLnBrk="1" hangingPunct="1">
-              <a:defRPr>
-                <a:solidFill>
-                  <a:schemeClr val="tx2"/>
-                </a:solidFill>
-              </a:defRPr>
-            </a:lvl2pPr>
-            <a:lvl3pPr eaLnBrk="1" hangingPunct="1">
-              <a:defRPr>
-                <a:solidFill>
-                  <a:schemeClr val="tx2"/>
-                </a:solidFill>
-              </a:defRPr>
-            </a:lvl3pPr>
-            <a:lvl4pPr eaLnBrk="1" hangingPunct="1">
-              <a:defRPr>
-                <a:solidFill>
-                  <a:schemeClr val="tx2"/>
-                </a:solidFill>
-              </a:defRPr>
-            </a:lvl4pPr>
-            <a:lvl5pPr eaLnBrk="1" hangingPunct="1">
-              <a:defRPr>
-                <a:solidFill>
-                  <a:schemeClr val="tx2"/>
-                </a:solidFill>
-              </a:defRPr>
-            </a:lvl5pPr>
-            <a:lvl6pPr eaLnBrk="1" hangingPunct="1">
-              <a:defRPr>
-                <a:solidFill>
-                  <a:schemeClr val="tx2"/>
-                </a:solidFill>
-              </a:defRPr>
-            </a:lvl6pPr>
-            <a:lvl7pPr eaLnBrk="1" hangingPunct="1">
-              <a:defRPr>
-                <a:solidFill>
-                  <a:schemeClr val="tx2"/>
-                </a:solidFill>
-              </a:defRPr>
-            </a:lvl7pPr>
-            <a:lvl8pPr eaLnBrk="1" hangingPunct="1">
-              <a:defRPr>
-                <a:solidFill>
-                  <a:schemeClr val="tx2"/>
-                </a:solidFill>
-              </a:defRPr>
-            </a:lvl8pPr>
-            <a:lvl9pPr eaLnBrk="1" hangingPunct="1">
-              <a:defRPr>
-                <a:solidFill>
-                  <a:schemeClr val="tx2"/>
-                </a:solidFill>
-              </a:defRPr>
-            </a:lvl9pPr>
-          </a:lstStyle>
-          <a:p>
-            <a:pPr>
-              <a:spcAft>
-                <a:spcPts val="600"/>
-              </a:spcAft>
-            </a:pPr>
-            <a:r>
-              <a:rPr lang="en-US">
-                <a:solidFill>
-                  <a:srgbClr val="FFFFFF"/>
-                </a:solidFill>
-              </a:rPr>
-              <a:t>results</a:t>
-            </a:r>
-          </a:p>
-        </p:txBody>
-      </p:sp>
-      <p:sp>
-        <p:nvSpPr>
-          <p:cNvPr id="6" name="TextBox 5">
-            <a:extLst>
-              <a:ext uri="{FF2B5EF4-FFF2-40B4-BE49-F238E27FC236}">
-                <a16:creationId xmlns:a16="http://schemas.microsoft.com/office/drawing/2014/main" id="{A57CE0FA-5284-2C21-392D-79C5D5E7A8AE}"/>
-              </a:ext>
-            </a:extLst>
-          </p:cNvPr>
-          <p:cNvSpPr txBox="1"/>
-          <p:nvPr/>
-        </p:nvSpPr>
-        <p:spPr>
-          <a:xfrm>
-            <a:off x="4561870" y="723900"/>
-            <a:ext cx="7183597" cy="3152362"/>
-          </a:xfrm>
-          <a:prstGeom prst="rect">
-            <a:avLst/>
-          </a:prstGeom>
-        </p:spPr>
-        <p:txBody>
-          <a:bodyPr vert="horz" lIns="91440" tIns="45720" rIns="91440" bIns="45720" rtlCol="0" anchor="ctr">
-            <a:normAutofit/>
-          </a:bodyPr>
-          <a:lstStyle/>
-          <a:p>
-            <a:pPr defTabSz="457200">
-              <a:spcBef>
-                <a:spcPct val="20000"/>
-              </a:spcBef>
-              <a:spcAft>
-                <a:spcPts val="600"/>
-              </a:spcAft>
-              <a:buClr>
-                <a:schemeClr val="accent1"/>
-              </a:buClr>
-              <a:buSzPct val="92000"/>
-              <a:buFont typeface="Wingdings 2" panose="05020102010507070707" pitchFamily="18" charset="2"/>
-              <a:buChar char=""/>
-            </a:pPr>
-            <a:r>
-              <a:rPr lang="en-US" b="0" i="0">
-                <a:solidFill>
-                  <a:schemeClr val="tx1">
-                    <a:lumMod val="75000"/>
-                    <a:lumOff val="25000"/>
-                  </a:schemeClr>
-                </a:solidFill>
-                <a:effectLst/>
-              </a:rPr>
-              <a:t>We can observe that the accuracy rate is between 50% - 70%. It is desired that high accuracy should on the sequence is required in an anomaly detection program. Due to hardware specification of our machine, we unable to run the program with lots of cycle and sequence. However, accuracy can be improved by running more data sequence and cycle.</a:t>
-            </a:r>
-          </a:p>
-          <a:p>
-            <a:pPr defTabSz="457200">
-              <a:spcBef>
-                <a:spcPct val="20000"/>
-              </a:spcBef>
-              <a:spcAft>
-                <a:spcPts val="600"/>
-              </a:spcAft>
-              <a:buClr>
-                <a:schemeClr val="accent1"/>
-              </a:buClr>
-              <a:buSzPct val="92000"/>
-              <a:buFont typeface="Wingdings 2" panose="05020102010507070707" pitchFamily="18" charset="2"/>
-              <a:buChar char=""/>
-            </a:pPr>
-            <a:r>
-              <a:rPr lang="en-US" b="0" i="0">
-                <a:solidFill>
-                  <a:schemeClr val="tx1">
-                    <a:lumMod val="75000"/>
-                    <a:lumOff val="25000"/>
-                  </a:schemeClr>
-                </a:solidFill>
-                <a:effectLst/>
-              </a:rPr>
-              <a:t>One example of testing sequence for anomaly detection and average accuracy for this sequence given below:</a:t>
-            </a:r>
-          </a:p>
-          <a:p>
-            <a:pPr defTabSz="457200">
-              <a:spcBef>
-                <a:spcPct val="20000"/>
-              </a:spcBef>
-              <a:spcAft>
-                <a:spcPts val="600"/>
-              </a:spcAft>
-              <a:buClr>
-                <a:schemeClr val="accent1"/>
-              </a:buClr>
-              <a:buSzPct val="92000"/>
-              <a:buFont typeface="Wingdings 2" panose="05020102010507070707" pitchFamily="18" charset="2"/>
-              <a:buChar char=""/>
-            </a:pPr>
-            <a:endParaRPr lang="en-US">
-              <a:solidFill>
-                <a:schemeClr val="tx1">
-                  <a:lumMod val="75000"/>
-                  <a:lumOff val="25000"/>
-                </a:schemeClr>
-              </a:solidFill>
-            </a:endParaRPr>
+            <a:fld id="{3A98EE3D-8CD1-4C3F-BD1C-C98C9596463C}" type="slidenum">
+              <a:rPr lang="en-US" smtClean="0"/>
+              <a:t>9</a:t>
+            </a:fld>
+            <a:endParaRPr lang="en-US" dirty="0"/>
           </a:p>
         </p:txBody>
       </p:sp>
       <p:pic>
         <p:nvPicPr>
-          <p:cNvPr id="4" name="Picture 3">
+          <p:cNvPr id="7" name="Picture 6">
             <a:extLst>
               <a:ext uri="{FF2B5EF4-FFF2-40B4-BE49-F238E27FC236}">
-                <a16:creationId xmlns:a16="http://schemas.microsoft.com/office/drawing/2014/main" id="{2665CE9A-DE25-BC57-3FA2-06E32EE9D3FF}"/>
+                <a16:creationId xmlns:a16="http://schemas.microsoft.com/office/drawing/2014/main" id="{667A415B-592E-E291-3ED2-A0EF405615FE}"/>
               </a:ext>
             </a:extLst>
           </p:cNvPr>
@@ -17866,72 +19613,48 @@
         </p:blipFill>
         <p:spPr>
           <a:xfrm>
-            <a:off x="4771381" y="3501743"/>
-            <a:ext cx="6974086" cy="2196838"/>
+            <a:off x="674975" y="2488963"/>
+            <a:ext cx="5115639" cy="1181265"/>
           </a:xfrm>
           <a:prstGeom prst="rect">
             <a:avLst/>
           </a:prstGeom>
         </p:spPr>
       </p:pic>
-      <p:sp>
-        <p:nvSpPr>
-          <p:cNvPr id="5" name="Slide Number Placeholder 4">
+      <p:pic>
+        <p:nvPicPr>
+          <p:cNvPr id="9" name="Picture 8">
             <a:extLst>
               <a:ext uri="{FF2B5EF4-FFF2-40B4-BE49-F238E27FC236}">
-                <a16:creationId xmlns:a16="http://schemas.microsoft.com/office/drawing/2014/main" id="{2687D6E6-D5FA-4C9E-C76D-CC433D92DBC4}"/>
+                <a16:creationId xmlns:a16="http://schemas.microsoft.com/office/drawing/2014/main" id="{76784176-A071-91E1-C405-67C6D8AF4734}"/>
               </a:ext>
             </a:extLst>
           </p:cNvPr>
-          <p:cNvSpPr>
-            <a:spLocks noGrp="1"/>
-          </p:cNvSpPr>
-          <p:nvPr>
-            <p:ph type="sldNum" sz="quarter" idx="12"/>
-          </p:nvPr>
-        </p:nvSpPr>
+          <p:cNvPicPr>
+            <a:picLocks noChangeAspect="1"/>
+          </p:cNvPicPr>
+          <p:nvPr/>
+        </p:nvPicPr>
+        <p:blipFill>
+          <a:blip r:embed="rId3"/>
+          <a:stretch>
+            <a:fillRect/>
+          </a:stretch>
+        </p:blipFill>
         <p:spPr>
           <a:xfrm>
-            <a:off x="10558300" y="6400800"/>
-            <a:ext cx="1052508" cy="365125"/>
+            <a:off x="674975" y="4779453"/>
+            <a:ext cx="4591691" cy="933580"/>
           </a:xfrm>
+          <a:prstGeom prst="rect">
+            <a:avLst/>
+          </a:prstGeom>
         </p:spPr>
-        <p:txBody>
-          <a:bodyPr vert="horz" lIns="91440" tIns="45720" rIns="91440" bIns="45720" rtlCol="0" anchor="ctr">
-            <a:normAutofit/>
-          </a:bodyPr>
-          <a:lstStyle/>
-          <a:p>
-            <a:pPr defTabSz="457200">
-              <a:spcAft>
-                <a:spcPts val="600"/>
-              </a:spcAft>
-            </a:pPr>
-            <a:fld id="{3A98EE3D-8CD1-4C3F-BD1C-C98C9596463C}" type="slidenum">
-              <a:rPr lang="en-US" smtClean="0">
-                <a:solidFill>
-                  <a:srgbClr val="F2BB6F"/>
-                </a:solidFill>
-              </a:rPr>
-              <a:pPr defTabSz="457200">
-                <a:spcAft>
-                  <a:spcPts val="600"/>
-                </a:spcAft>
-              </a:pPr>
-              <a:t>9</a:t>
-            </a:fld>
-            <a:endParaRPr lang="en-US">
-              <a:solidFill>
-                <a:srgbClr val="F2BB6F"/>
-              </a:solidFill>
-            </a:endParaRPr>
-          </a:p>
-        </p:txBody>
-      </p:sp>
+      </p:pic>
     </p:spTree>
     <p:extLst>
       <p:ext uri="{BB962C8B-B14F-4D97-AF65-F5344CB8AC3E}">
-        <p14:creationId xmlns:p14="http://schemas.microsoft.com/office/powerpoint/2010/main" val="3566107136"/>
+        <p14:creationId xmlns:p14="http://schemas.microsoft.com/office/powerpoint/2010/main" val="2668324980"/>
       </p:ext>
     </p:extLst>
   </p:cSld>

--- a/source/MySEProject/Documentation/ML2324-8 Implement Anomaly Detection Sample.pptx
+++ b/source/MySEProject/Documentation/ML2324-8 Implement Anomaly Detection Sample.pptx
@@ -1881,7 +1881,7 @@
             </a:lnSpc>
           </a:pPr>
           <a:r>
-            <a:rPr lang="en-US">
+            <a:rPr lang="en-US" dirty="0">
               <a:latin typeface="Aptos" panose="020B0004020202020204" pitchFamily="34" charset="0"/>
               <a:cs typeface="Arial" panose="020B0604020202020204" pitchFamily="34" charset="0"/>
             </a:rPr>
@@ -3145,7 +3145,7 @@
             <a:buNone/>
           </a:pPr>
           <a:r>
-            <a:rPr lang="en-US" sz="1800" kern="1200">
+            <a:rPr lang="en-US" sz="1800" kern="1200" dirty="0">
               <a:latin typeface="Aptos" panose="020B0004020202020204" pitchFamily="34" charset="0"/>
               <a:cs typeface="Arial" panose="020B0604020202020204" pitchFamily="34" charset="0"/>
             </a:rPr>
@@ -15187,46 +15187,6 @@
       </p:sp>
       <p:sp>
         <p:nvSpPr>
-          <p:cNvPr id="4" name="Footer Placeholder 3">
-            <a:extLst>
-              <a:ext uri="{FF2B5EF4-FFF2-40B4-BE49-F238E27FC236}">
-                <a16:creationId xmlns:a16="http://schemas.microsoft.com/office/drawing/2014/main" id="{318BF7D1-0ECC-ABFB-116C-438B636E02B9}"/>
-              </a:ext>
-            </a:extLst>
-          </p:cNvPr>
-          <p:cNvSpPr>
-            <a:spLocks noGrp="1"/>
-          </p:cNvSpPr>
-          <p:nvPr>
-            <p:ph type="ftr" sz="quarter" idx="11"/>
-          </p:nvPr>
-        </p:nvSpPr>
-        <p:spPr>
-          <a:xfrm>
-            <a:off x="581192" y="6423914"/>
-            <a:ext cx="6917210" cy="365125"/>
-          </a:xfrm>
-        </p:spPr>
-        <p:txBody>
-          <a:bodyPr vert="horz" lIns="91440" tIns="45720" rIns="91440" bIns="45720" rtlCol="0" anchor="ctr">
-            <a:normAutofit/>
-          </a:bodyPr>
-          <a:lstStyle/>
-          <a:p>
-            <a:pPr defTabSz="457200">
-              <a:spcAft>
-                <a:spcPts val="600"/>
-              </a:spcAft>
-            </a:pPr>
-            <a:r>
-              <a:rPr lang="en-US"/>
-              <a:t>Unit Test Code Coverage</a:t>
-            </a:r>
-          </a:p>
-        </p:txBody>
-      </p:sp>
-      <p:sp>
-        <p:nvSpPr>
           <p:cNvPr id="5" name="Slide Number Placeholder 4">
             <a:extLst>
               <a:ext uri="{FF2B5EF4-FFF2-40B4-BE49-F238E27FC236}">
@@ -16195,56 +16155,6 @@
       </p:pic>
       <p:sp>
         <p:nvSpPr>
-          <p:cNvPr id="4" name="Footer Placeholder 3">
-            <a:extLst>
-              <a:ext uri="{FF2B5EF4-FFF2-40B4-BE49-F238E27FC236}">
-                <a16:creationId xmlns:a16="http://schemas.microsoft.com/office/drawing/2014/main" id="{318BF7D1-0ECC-ABFB-116C-438B636E02B9}"/>
-              </a:ext>
-            </a:extLst>
-          </p:cNvPr>
-          <p:cNvSpPr>
-            <a:spLocks noGrp="1"/>
-          </p:cNvSpPr>
-          <p:nvPr>
-            <p:ph type="ftr" sz="quarter" idx="11"/>
-          </p:nvPr>
-        </p:nvSpPr>
-        <p:spPr>
-          <a:xfrm>
-            <a:off x="581192" y="6400800"/>
-            <a:ext cx="6917210" cy="365125"/>
-          </a:xfrm>
-        </p:spPr>
-        <p:txBody>
-          <a:bodyPr vert="horz" lIns="91440" tIns="45720" rIns="91440" bIns="45720" rtlCol="0" anchor="ctr">
-            <a:normAutofit/>
-          </a:bodyPr>
-          <a:lstStyle/>
-          <a:p>
-            <a:pPr defTabSz="457200">
-              <a:spcAft>
-                <a:spcPts val="600"/>
-              </a:spcAft>
-            </a:pPr>
-            <a:r>
-              <a:rPr lang="en-US" kern="1200" cap="all">
-                <a:solidFill>
-                  <a:schemeClr val="tx1">
-                    <a:lumMod val="85000"/>
-                    <a:lumOff val="15000"/>
-                  </a:schemeClr>
-                </a:solidFill>
-                <a:latin typeface="+mn-lt"/>
-                <a:ea typeface="+mn-ea"/>
-                <a:cs typeface="+mn-cs"/>
-              </a:rPr>
-              <a:t>Unit Test Code Coverage</a:t>
-            </a:r>
-          </a:p>
-        </p:txBody>
-      </p:sp>
-      <p:sp>
-        <p:nvSpPr>
           <p:cNvPr id="5" name="Slide Number Placeholder 4">
             <a:extLst>
               <a:ext uri="{FF2B5EF4-FFF2-40B4-BE49-F238E27FC236}">
@@ -17586,8 +17496,6 @@
                 <a:schemeClr val="accent1"/>
               </a:buClr>
               <a:buSzPct val="92000"/>
-              <a:buFont typeface="Wingdings 2" panose="05020102010507070707" pitchFamily="18" charset="2"/>
-              <a:buChar char=""/>
             </a:pPr>
             <a:r>
               <a:rPr lang="en-US" b="0" i="0" dirty="0">
@@ -18072,7 +17980,7 @@
               <a:buSzPct val="92000"/>
             </a:pPr>
             <a:r>
-              <a:rPr lang="en-US" sz="1500">
+              <a:rPr lang="en-US" sz="1500" dirty="0">
                 <a:solidFill>
                   <a:schemeClr val="tx1">
                     <a:lumMod val="75000"/>
@@ -18080,7 +17988,51 @@
                   </a:schemeClr>
                 </a:solidFill>
               </a:rPr>
-              <a:t>We are going to use multisequencelearning class of NeoCortex API as base of our project. It will help use with both training our HTM model and using it for prediction. The class works in the following way: </a:t>
+              <a:t>We are going to use </a:t>
+            </a:r>
+            <a:r>
+              <a:rPr lang="en-US" sz="1500" dirty="0" err="1">
+                <a:solidFill>
+                  <a:schemeClr val="tx1">
+                    <a:lumMod val="75000"/>
+                    <a:lumOff val="25000"/>
+                  </a:schemeClr>
+                </a:solidFill>
+              </a:rPr>
+              <a:t>multisequencelearning</a:t>
+            </a:r>
+            <a:r>
+              <a:rPr lang="en-US" sz="1500" dirty="0">
+                <a:solidFill>
+                  <a:schemeClr val="tx1">
+                    <a:lumMod val="75000"/>
+                    <a:lumOff val="25000"/>
+                  </a:schemeClr>
+                </a:solidFill>
+              </a:rPr>
+              <a:t> class of </a:t>
+            </a:r>
+            <a:r>
+              <a:rPr lang="en-US" sz="1500" dirty="0" err="1">
+                <a:solidFill>
+                  <a:schemeClr val="tx1">
+                    <a:lumMod val="75000"/>
+                    <a:lumOff val="25000"/>
+                  </a:schemeClr>
+                </a:solidFill>
+              </a:rPr>
+              <a:t>NeoCortex</a:t>
+            </a:r>
+            <a:r>
+              <a:rPr lang="en-US" sz="1500" dirty="0">
+                <a:solidFill>
+                  <a:schemeClr val="tx1">
+                    <a:lumMod val="75000"/>
+                    <a:lumOff val="25000"/>
+                  </a:schemeClr>
+                </a:solidFill>
+              </a:rPr>
+              <a:t> API as base of our project. It will help use with both training our HTM model and using it for prediction. The class works in the following way: </a:t>
             </a:r>
           </a:p>
           <a:p>
@@ -18101,7 +18053,7 @@
               <a:buFont typeface="Wingdings 2" panose="05020102010507070707" pitchFamily="18" charset="2"/>
               <a:buChar char=""/>
             </a:pPr>
-            <a:endParaRPr lang="en-US" sz="1500">
+            <a:endParaRPr lang="en-US" sz="1500" dirty="0">
               <a:solidFill>
                 <a:schemeClr val="tx1">
                   <a:lumMod val="75000"/>
@@ -18129,7 +18081,7 @@
               <a:buChar char=""/>
             </a:pPr>
             <a:r>
-              <a:rPr lang="en-US" sz="1500">
+              <a:rPr lang="en-US" sz="1500" dirty="0">
                 <a:solidFill>
                   <a:schemeClr val="tx1">
                     <a:lumMod val="75000"/>
@@ -18137,7 +18089,29 @@
                   </a:schemeClr>
                 </a:solidFill>
               </a:rPr>
-              <a:t>HTM Configuration is taken and memory of connections are initialized. After that, HTM Classifier, Cortex layer and HomeostaticPlasticityController are initialized. </a:t>
+              <a:t>HTM Configuration is taken and memory of connections are initialized. After that, HTM Classifier, Cortex layer and </a:t>
+            </a:r>
+            <a:r>
+              <a:rPr lang="en-US" sz="1500" dirty="0" err="1">
+                <a:solidFill>
+                  <a:schemeClr val="tx1">
+                    <a:lumMod val="75000"/>
+                    <a:lumOff val="25000"/>
+                  </a:schemeClr>
+                </a:solidFill>
+              </a:rPr>
+              <a:t>HomeostaticPlasticityController</a:t>
+            </a:r>
+            <a:r>
+              <a:rPr lang="en-US" sz="1500" dirty="0">
+                <a:solidFill>
+                  <a:schemeClr val="tx1">
+                    <a:lumMod val="75000"/>
+                    <a:lumOff val="25000"/>
+                  </a:schemeClr>
+                </a:solidFill>
+              </a:rPr>
+              <a:t> are initialized. </a:t>
             </a:r>
           </a:p>
           <a:p>

--- a/source/MySEProject/Documentation/ML2324-8 Implement Anomaly Detection Sample.pptx
+++ b/source/MySEProject/Documentation/ML2324-8 Implement Anomaly Detection Sample.pptx
@@ -6600,7 +6600,7 @@
           <a:p>
             <a:fld id="{FE8148D4-9014-475C-AC97-8AF4C70FC226}" type="datetimeFigureOut">
               <a:rPr lang="de-DE" smtClean="0"/>
-              <a:t>30.03.2024</a:t>
+              <a:t>31.03.2024</a:t>
             </a:fld>
             <a:endParaRPr lang="de-DE"/>
           </a:p>
@@ -7106,7 +7106,7 @@
           <a:p>
             <a:fld id="{DE12E154-F8FB-4181-8C6E-946582017057}" type="datetime1">
               <a:rPr lang="en-US" smtClean="0"/>
-              <a:t>3/30/2024</a:t>
+              <a:t>3/31/2024</a:t>
             </a:fld>
             <a:endParaRPr lang="en-US" dirty="0"/>
           </a:p>
@@ -7313,7 +7313,7 @@
           <a:p>
             <a:fld id="{D3F6D1A9-48E2-405B-ABFE-133730FF333B}" type="datetime1">
               <a:rPr lang="en-US" smtClean="0"/>
-              <a:t>3/30/2024</a:t>
+              <a:t>3/31/2024</a:t>
             </a:fld>
             <a:endParaRPr lang="en-US" dirty="0"/>
           </a:p>
@@ -7679,7 +7679,7 @@
           <a:p>
             <a:fld id="{80E4B351-D277-4D9E-BEB8-E1442F7FAC92}" type="datetime1">
               <a:rPr lang="en-US" smtClean="0"/>
-              <a:t>3/30/2024</a:t>
+              <a:t>3/31/2024</a:t>
             </a:fld>
             <a:endParaRPr lang="en-US" dirty="0"/>
           </a:p>
@@ -7881,7 +7881,7 @@
           <a:p>
             <a:fld id="{09843FE9-4D06-4A41-BEF1-B24D90A9F9ED}" type="datetime1">
               <a:rPr lang="en-US" smtClean="0"/>
-              <a:t>3/30/2024</a:t>
+              <a:t>3/31/2024</a:t>
             </a:fld>
             <a:endParaRPr lang="en-US" dirty="0"/>
           </a:p>
@@ -8197,7 +8197,7 @@
           <a:p>
             <a:fld id="{674DCBAD-E9EB-4B79-94E3-0DAEA08F2165}" type="datetime1">
               <a:rPr lang="en-US" smtClean="0"/>
-              <a:t>3/30/2024</a:t>
+              <a:t>3/31/2024</a:t>
             </a:fld>
             <a:endParaRPr lang="en-US" dirty="0"/>
           </a:p>
@@ -8454,7 +8454,7 @@
           <a:p>
             <a:fld id="{F86F6435-BC5A-4D63-8431-2354F4A14938}" type="datetime1">
               <a:rPr lang="en-US" smtClean="0"/>
-              <a:t>3/30/2024</a:t>
+              <a:t>3/31/2024</a:t>
             </a:fld>
             <a:endParaRPr lang="en-US" dirty="0"/>
           </a:p>
@@ -8880,7 +8880,7 @@
           <a:p>
             <a:fld id="{1502C01B-FDDF-4844-A5D4-9CE70E85D3C3}" type="datetime1">
               <a:rPr lang="en-US" smtClean="0"/>
-              <a:t>3/30/2024</a:t>
+              <a:t>3/31/2024</a:t>
             </a:fld>
             <a:endParaRPr lang="en-US" dirty="0"/>
           </a:p>
@@ -9007,7 +9007,7 @@
           <a:p>
             <a:fld id="{47687636-C395-40B2-BA12-D49A21CA7429}" type="datetime1">
               <a:rPr lang="en-US" smtClean="0"/>
-              <a:t>3/30/2024</a:t>
+              <a:t>3/31/2024</a:t>
             </a:fld>
             <a:endParaRPr lang="en-US" dirty="0"/>
           </a:p>
@@ -9106,7 +9106,7 @@
           <a:p>
             <a:fld id="{BC337A2E-82AF-4785-A280-7EC9AC00E7CF}" type="datetime1">
               <a:rPr lang="en-US" smtClean="0"/>
-              <a:t>3/30/2024</a:t>
+              <a:t>3/31/2024</a:t>
             </a:fld>
             <a:endParaRPr lang="en-US" dirty="0"/>
           </a:p>
@@ -9487,7 +9487,7 @@
           <a:p>
             <a:fld id="{9544AF48-6368-4AEB-BA61-86C35A0670BC}" type="datetime1">
               <a:rPr lang="en-US" smtClean="0"/>
-              <a:t>3/30/2024</a:t>
+              <a:t>3/31/2024</a:t>
             </a:fld>
             <a:endParaRPr lang="en-US" dirty="0"/>
           </a:p>
@@ -9784,7 +9784,7 @@
           <a:p>
             <a:fld id="{6A0AD317-F3FB-496C-99A4-43A2E3D62B38}" type="datetime1">
               <a:rPr lang="en-US" smtClean="0"/>
-              <a:t>3/30/2024</a:t>
+              <a:t>3/31/2024</a:t>
             </a:fld>
             <a:endParaRPr lang="en-US" dirty="0"/>
           </a:p>
@@ -10003,7 +10003,7 @@
           <a:p>
             <a:fld id="{F43DAC16-7D30-46B5-81CA-4A6DF4F80339}" type="datetime1">
               <a:rPr lang="en-US" smtClean="0"/>
-              <a:t>3/30/2024</a:t>
+              <a:t>3/31/2024</a:t>
             </a:fld>
             <a:endParaRPr lang="en-US" dirty="0"/>
           </a:p>
@@ -12377,34 +12377,24 @@
               <a:t>HTMAnomalyExperiment</a:t>
             </a:r>
             <a:r>
-              <a:rPr lang="en-US" b="0" i="0" dirty="0" err="1">
+              <a:rPr lang="en-US" b="0" i="0" dirty="0">
                 <a:solidFill>
                   <a:srgbClr val="1F2328"/>
                 </a:solidFill>
                 <a:effectLst/>
                 <a:latin typeface="-apple-system"/>
               </a:rPr>
-              <a:t>to</a:t>
-            </a:r>
-            <a:r>
-              <a:rPr lang="en-US" b="0" i="0" dirty="0">
+              <a:t> to detected anomalies in sequences read from files inside predicting folder. All the classes explained earlier- CSV files reading (</a:t>
+            </a:r>
+            <a:r>
+              <a:rPr lang="en-US" b="0" i="0" dirty="0" err="1">
                 <a:solidFill>
                   <a:srgbClr val="1F2328"/>
                 </a:solidFill>
                 <a:effectLst/>
                 <a:latin typeface="-apple-system"/>
               </a:rPr>
-              <a:t> detected anomalies in sequences read from files inside predicting folder. All the classes explained earlier- CSV files reading (</a:t>
-            </a:r>
-            <a:r>
-              <a:rPr lang="en-US" b="0" i="0" dirty="0" err="1">
-                <a:solidFill>
-                  <a:srgbClr val="1F2328"/>
-                </a:solidFill>
-                <a:effectLst/>
-                <a:latin typeface="-apple-system"/>
-              </a:rPr>
-              <a:t>CSVFileReader</a:t>
+              <a:t>CsvSequenceFolder</a:t>
             </a:r>
             <a:r>
               <a:rPr lang="en-US" b="0" i="0" dirty="0">
@@ -12424,7 +12414,7 @@
                 <a:effectLst/>
                 <a:latin typeface="-apple-system"/>
               </a:rPr>
-              <a:t>CSVToHTMInput</a:t>
+              <a:t>CSVToHTMInputConverter</a:t>
             </a:r>
             <a:r>
               <a:rPr lang="en-US" b="0" i="0" dirty="0">
@@ -12444,7 +12434,7 @@
                 <a:effectLst/>
                 <a:latin typeface="-apple-system"/>
               </a:rPr>
-              <a:t>HTMModelTraining</a:t>
+              <a:t>HTMTrainingManager</a:t>
             </a:r>
             <a:r>
               <a:rPr lang="en-US" b="0" i="0" dirty="0">
@@ -12526,7 +12516,7 @@
                 <a:effectLst/>
                 <a:latin typeface="-apple-system"/>
               </a:rPr>
-              <a:t>Path to training and predicting folder is set as default and passed on the constructor, or can be set inside the class manually.</a:t>
+              <a:t>Path to training and predicting folder is set as default and passed on the constructor,  or can be set inside the class manually.</a:t>
             </a:r>
             <a:endParaRPr lang="en-US" dirty="0"/>
           </a:p>
